--- a/documents/ERF.pptx
+++ b/documents/ERF.pptx
@@ -104,6 +104,11 @@
       </a:defRPr>
     </a:lvl9pPr>
   </p:defaultTextStyle>
+  <p:extLst>
+    <p:ext uri="{EFAFB233-063F-42B5-8137-9DF3F51BA10A}">
+      <p15:sldGuideLst xmlns:p15="http://schemas.microsoft.com/office/powerpoint/2012/main"/>
+    </p:ext>
+  </p:extLst>
 </p:presentation>
 </file>
 
@@ -152,7 +157,6 @@
               <a:rPr lang="en-US"/>
               <a:t>Click to edit Master title style</a:t>
             </a:r>
-            <a:endParaRPr lang="en-US"/>
           </a:p>
         </p:txBody>
       </p:sp>
@@ -217,7 +221,6 @@
               <a:rPr lang="en-US"/>
               <a:t>Click to edit Master subtitle style</a:t>
             </a:r>
-            <a:endParaRPr lang="en-US"/>
           </a:p>
         </p:txBody>
       </p:sp>
@@ -238,7 +241,7 @@
           <a:p>
             <a:fld id="{9CF71C48-D304-4A48-BAC6-9C5BC7076525}" type="datetimeFigureOut">
               <a:rPr lang="en-US" smtClean="0"/>
-              <a:t>10/3/2017</a:t>
+              <a:t>10/25/2017</a:t>
             </a:fld>
             <a:endParaRPr lang="en-US"/>
           </a:p>
@@ -335,7 +338,6 @@
               <a:rPr lang="en-US"/>
               <a:t>Click to edit Master title style</a:t>
             </a:r>
-            <a:endParaRPr lang="en-US"/>
           </a:p>
         </p:txBody>
       </p:sp>
@@ -387,7 +389,6 @@
               <a:rPr lang="en-US"/>
               <a:t>Fifth level</a:t>
             </a:r>
-            <a:endParaRPr lang="en-US"/>
           </a:p>
         </p:txBody>
       </p:sp>
@@ -408,7 +409,7 @@
           <a:p>
             <a:fld id="{9CF71C48-D304-4A48-BAC6-9C5BC7076525}" type="datetimeFigureOut">
               <a:rPr lang="en-US" smtClean="0"/>
-              <a:t>10/3/2017</a:t>
+              <a:t>10/25/2017</a:t>
             </a:fld>
             <a:endParaRPr lang="en-US"/>
           </a:p>
@@ -510,7 +511,6 @@
               <a:rPr lang="en-US"/>
               <a:t>Click to edit Master title style</a:t>
             </a:r>
-            <a:endParaRPr lang="en-US"/>
           </a:p>
         </p:txBody>
       </p:sp>
@@ -567,7 +567,6 @@
               <a:rPr lang="en-US"/>
               <a:t>Fifth level</a:t>
             </a:r>
-            <a:endParaRPr lang="en-US"/>
           </a:p>
         </p:txBody>
       </p:sp>
@@ -588,7 +587,7 @@
           <a:p>
             <a:fld id="{9CF71C48-D304-4A48-BAC6-9C5BC7076525}" type="datetimeFigureOut">
               <a:rPr lang="en-US" smtClean="0"/>
-              <a:t>10/3/2017</a:t>
+              <a:t>10/25/2017</a:t>
             </a:fld>
             <a:endParaRPr lang="en-US"/>
           </a:p>
@@ -685,7 +684,6 @@
               <a:rPr lang="en-US"/>
               <a:t>Click to edit Master title style</a:t>
             </a:r>
-            <a:endParaRPr lang="en-US"/>
           </a:p>
         </p:txBody>
       </p:sp>
@@ -737,7 +735,6 @@
               <a:rPr lang="en-US"/>
               <a:t>Fifth level</a:t>
             </a:r>
-            <a:endParaRPr lang="en-US"/>
           </a:p>
         </p:txBody>
       </p:sp>
@@ -758,7 +755,7 @@
           <a:p>
             <a:fld id="{9CF71C48-D304-4A48-BAC6-9C5BC7076525}" type="datetimeFigureOut">
               <a:rPr lang="en-US" smtClean="0"/>
-              <a:t>10/3/2017</a:t>
+              <a:t>10/25/2017</a:t>
             </a:fld>
             <a:endParaRPr lang="en-US"/>
           </a:p>
@@ -864,7 +861,6 @@
               <a:rPr lang="en-US"/>
               <a:t>Click to edit Master title style</a:t>
             </a:r>
-            <a:endParaRPr lang="en-US"/>
           </a:p>
         </p:txBody>
       </p:sp>
@@ -1004,7 +1000,7 @@
           <a:p>
             <a:fld id="{9CF71C48-D304-4A48-BAC6-9C5BC7076525}" type="datetimeFigureOut">
               <a:rPr lang="en-US" smtClean="0"/>
-              <a:t>10/3/2017</a:t>
+              <a:t>10/25/2017</a:t>
             </a:fld>
             <a:endParaRPr lang="en-US"/>
           </a:p>
@@ -1101,7 +1097,6 @@
               <a:rPr lang="en-US"/>
               <a:t>Click to edit Master title style</a:t>
             </a:r>
-            <a:endParaRPr lang="en-US"/>
           </a:p>
         </p:txBody>
       </p:sp>
@@ -1158,7 +1153,6 @@
               <a:rPr lang="en-US"/>
               <a:t>Fifth level</a:t>
             </a:r>
-            <a:endParaRPr lang="en-US"/>
           </a:p>
         </p:txBody>
       </p:sp>
@@ -1215,7 +1209,6 @@
               <a:rPr lang="en-US"/>
               <a:t>Fifth level</a:t>
             </a:r>
-            <a:endParaRPr lang="en-US"/>
           </a:p>
         </p:txBody>
       </p:sp>
@@ -1236,7 +1229,7 @@
           <a:p>
             <a:fld id="{9CF71C48-D304-4A48-BAC6-9C5BC7076525}" type="datetimeFigureOut">
               <a:rPr lang="en-US" smtClean="0"/>
-              <a:t>10/3/2017</a:t>
+              <a:t>10/25/2017</a:t>
             </a:fld>
             <a:endParaRPr lang="en-US"/>
           </a:p>
@@ -1338,7 +1331,6 @@
               <a:rPr lang="en-US"/>
               <a:t>Click to edit Master title style</a:t>
             </a:r>
-            <a:endParaRPr lang="en-US"/>
           </a:p>
         </p:txBody>
       </p:sp>
@@ -1460,7 +1452,6 @@
               <a:rPr lang="en-US"/>
               <a:t>Fifth level</a:t>
             </a:r>
-            <a:endParaRPr lang="en-US"/>
           </a:p>
         </p:txBody>
       </p:sp>
@@ -1582,7 +1573,6 @@
               <a:rPr lang="en-US"/>
               <a:t>Fifth level</a:t>
             </a:r>
-            <a:endParaRPr lang="en-US"/>
           </a:p>
         </p:txBody>
       </p:sp>
@@ -1603,7 +1593,7 @@
           <a:p>
             <a:fld id="{9CF71C48-D304-4A48-BAC6-9C5BC7076525}" type="datetimeFigureOut">
               <a:rPr lang="en-US" smtClean="0"/>
-              <a:t>10/3/2017</a:t>
+              <a:t>10/25/2017</a:t>
             </a:fld>
             <a:endParaRPr lang="en-US"/>
           </a:p>
@@ -1700,7 +1690,6 @@
               <a:rPr lang="en-US"/>
               <a:t>Click to edit Master title style</a:t>
             </a:r>
-            <a:endParaRPr lang="en-US"/>
           </a:p>
         </p:txBody>
       </p:sp>
@@ -1721,7 +1710,7 @@
           <a:p>
             <a:fld id="{9CF71C48-D304-4A48-BAC6-9C5BC7076525}" type="datetimeFigureOut">
               <a:rPr lang="en-US" smtClean="0"/>
-              <a:t>10/3/2017</a:t>
+              <a:t>10/25/2017</a:t>
             </a:fld>
             <a:endParaRPr lang="en-US"/>
           </a:p>
@@ -1816,7 +1805,7 @@
           <a:p>
             <a:fld id="{9CF71C48-D304-4A48-BAC6-9C5BC7076525}" type="datetimeFigureOut">
               <a:rPr lang="en-US" smtClean="0"/>
-              <a:t>10/3/2017</a:t>
+              <a:t>10/25/2017</a:t>
             </a:fld>
             <a:endParaRPr lang="en-US"/>
           </a:p>
@@ -1922,7 +1911,6 @@
               <a:rPr lang="en-US"/>
               <a:t>Click to edit Master title style</a:t>
             </a:r>
-            <a:endParaRPr lang="en-US"/>
           </a:p>
         </p:txBody>
       </p:sp>
@@ -2007,7 +1995,6 @@
               <a:rPr lang="en-US"/>
               <a:t>Fifth level</a:t>
             </a:r>
-            <a:endParaRPr lang="en-US"/>
           </a:p>
         </p:txBody>
       </p:sp>
@@ -2093,7 +2080,7 @@
           <a:p>
             <a:fld id="{9CF71C48-D304-4A48-BAC6-9C5BC7076525}" type="datetimeFigureOut">
               <a:rPr lang="en-US" smtClean="0"/>
-              <a:t>10/3/2017</a:t>
+              <a:t>10/25/2017</a:t>
             </a:fld>
             <a:endParaRPr lang="en-US"/>
           </a:p>
@@ -2199,7 +2186,6 @@
               <a:rPr lang="en-US"/>
               <a:t>Click to edit Master title style</a:t>
             </a:r>
-            <a:endParaRPr lang="en-US"/>
           </a:p>
         </p:txBody>
       </p:sp>
@@ -2346,7 +2332,7 @@
           <a:p>
             <a:fld id="{9CF71C48-D304-4A48-BAC6-9C5BC7076525}" type="datetimeFigureOut">
               <a:rPr lang="en-US" smtClean="0"/>
-              <a:t>10/3/2017</a:t>
+              <a:t>10/25/2017</a:t>
             </a:fld>
             <a:endParaRPr lang="en-US"/>
           </a:p>
@@ -2458,7 +2444,6 @@
               <a:rPr lang="en-US"/>
               <a:t>Click to edit Master title style</a:t>
             </a:r>
-            <a:endParaRPr lang="en-US"/>
           </a:p>
         </p:txBody>
       </p:sp>
@@ -2520,7 +2505,6 @@
               <a:rPr lang="en-US"/>
               <a:t>Fifth level</a:t>
             </a:r>
-            <a:endParaRPr lang="en-US"/>
           </a:p>
         </p:txBody>
       </p:sp>
@@ -2559,7 +2543,7 @@
           <a:p>
             <a:fld id="{9CF71C48-D304-4A48-BAC6-9C5BC7076525}" type="datetimeFigureOut">
               <a:rPr lang="en-US" smtClean="0"/>
-              <a:t>10/3/2017</a:t>
+              <a:t>10/25/2017</a:t>
             </a:fld>
             <a:endParaRPr lang="en-US"/>
           </a:p>
@@ -2964,6 +2948,2061 @@
           <a:chExt cx="0" cy="0"/>
         </a:xfrm>
       </p:grpSpPr>
+      <p:grpSp>
+        <p:nvGrpSpPr>
+          <p:cNvPr id="4" name="Group 3"/>
+          <p:cNvGrpSpPr/>
+          <p:nvPr/>
+        </p:nvGrpSpPr>
+        <p:grpSpPr>
+          <a:xfrm>
+            <a:off x="4927596" y="2704128"/>
+            <a:ext cx="1745673" cy="1719211"/>
+            <a:chOff x="4091708" y="1958109"/>
+            <a:chExt cx="2105892" cy="1970978"/>
+          </a:xfrm>
+        </p:grpSpPr>
+        <p:sp>
+          <p:nvSpPr>
+            <p:cNvPr id="2" name="Rectangle 1"/>
+            <p:cNvSpPr/>
+            <p:nvPr/>
+          </p:nvSpPr>
+          <p:spPr>
+            <a:xfrm>
+              <a:off x="4091710" y="2346037"/>
+              <a:ext cx="2105890" cy="1583050"/>
+            </a:xfrm>
+            <a:prstGeom prst="rect">
+              <a:avLst/>
+            </a:prstGeom>
+            <a:solidFill>
+              <a:schemeClr val="bg1"/>
+            </a:solidFill>
+            <a:ln>
+              <a:solidFill>
+                <a:schemeClr val="tx1"/>
+              </a:solidFill>
+            </a:ln>
+          </p:spPr>
+          <p:style>
+            <a:lnRef idx="2">
+              <a:schemeClr val="accent1">
+                <a:shade val="50000"/>
+              </a:schemeClr>
+            </a:lnRef>
+            <a:fillRef idx="1">
+              <a:schemeClr val="accent1"/>
+            </a:fillRef>
+            <a:effectRef idx="0">
+              <a:schemeClr val="accent1"/>
+            </a:effectRef>
+            <a:fontRef idx="minor">
+              <a:schemeClr val="lt1"/>
+            </a:fontRef>
+          </p:style>
+          <p:txBody>
+            <a:bodyPr rtlCol="0" anchor="t"/>
+            <a:lstStyle/>
+            <a:p>
+              <a:pPr marL="285750" indent="-285750">
+                <a:buFont typeface="Arial" panose="020B0604020202020204" pitchFamily="34" charset="0"/>
+                <a:buChar char="•"/>
+              </a:pPr>
+              <a:r>
+                <a:rPr lang="en-US" sz="1050" dirty="0" err="1">
+                  <a:solidFill>
+                    <a:schemeClr val="tx1"/>
+                  </a:solidFill>
+                </a:rPr>
+                <a:t>hospital_id</a:t>
+              </a:r>
+              <a:endParaRPr lang="en-US" sz="1050" dirty="0">
+                <a:solidFill>
+                  <a:schemeClr val="tx1"/>
+                </a:solidFill>
+              </a:endParaRPr>
+            </a:p>
+            <a:p>
+              <a:pPr marL="285750" indent="-285750">
+                <a:buFont typeface="Arial" panose="020B0604020202020204" pitchFamily="34" charset="0"/>
+                <a:buChar char="•"/>
+              </a:pPr>
+              <a:r>
+                <a:rPr lang="en-US" sz="1050" dirty="0" err="1">
+                  <a:solidFill>
+                    <a:schemeClr val="tx1"/>
+                  </a:solidFill>
+                </a:rPr>
+                <a:t>hospital_name</a:t>
+              </a:r>
+              <a:endParaRPr lang="en-US" sz="1050" dirty="0">
+                <a:solidFill>
+                  <a:schemeClr val="tx1"/>
+                </a:solidFill>
+              </a:endParaRPr>
+            </a:p>
+            <a:p>
+              <a:pPr marL="285750" indent="-285750">
+                <a:buFont typeface="Arial" panose="020B0604020202020204" pitchFamily="34" charset="0"/>
+                <a:buChar char="•"/>
+              </a:pPr>
+              <a:r>
+                <a:rPr lang="en-US" sz="1050" dirty="0">
+                  <a:solidFill>
+                    <a:schemeClr val="tx1"/>
+                  </a:solidFill>
+                </a:rPr>
+                <a:t>city</a:t>
+              </a:r>
+            </a:p>
+            <a:p>
+              <a:pPr marL="285750" indent="-285750">
+                <a:buFont typeface="Arial" panose="020B0604020202020204" pitchFamily="34" charset="0"/>
+                <a:buChar char="•"/>
+              </a:pPr>
+              <a:r>
+                <a:rPr lang="en-US" sz="1050" dirty="0">
+                  <a:solidFill>
+                    <a:schemeClr val="tx1"/>
+                  </a:solidFill>
+                </a:rPr>
+                <a:t>state</a:t>
+              </a:r>
+            </a:p>
+            <a:p>
+              <a:pPr marL="285750" indent="-285750">
+                <a:buFont typeface="Arial" panose="020B0604020202020204" pitchFamily="34" charset="0"/>
+                <a:buChar char="•"/>
+              </a:pPr>
+              <a:r>
+                <a:rPr lang="en-US" sz="1050" dirty="0" err="1">
+                  <a:solidFill>
+                    <a:schemeClr val="tx1"/>
+                  </a:solidFill>
+                </a:rPr>
+                <a:t>zip_code</a:t>
+              </a:r>
+              <a:endParaRPr lang="en-US" sz="1050" dirty="0">
+                <a:solidFill>
+                  <a:schemeClr val="tx1"/>
+                </a:solidFill>
+              </a:endParaRPr>
+            </a:p>
+            <a:p>
+              <a:pPr marL="285750" indent="-285750">
+                <a:buFont typeface="Arial" panose="020B0604020202020204" pitchFamily="34" charset="0"/>
+                <a:buChar char="•"/>
+              </a:pPr>
+              <a:r>
+                <a:rPr lang="en-US" sz="1050" dirty="0" err="1">
+                  <a:solidFill>
+                    <a:schemeClr val="tx1"/>
+                  </a:solidFill>
+                </a:rPr>
+                <a:t>county_name</a:t>
+              </a:r>
+              <a:endParaRPr lang="en-US" sz="1050" dirty="0">
+                <a:solidFill>
+                  <a:schemeClr val="tx1"/>
+                </a:solidFill>
+              </a:endParaRPr>
+            </a:p>
+            <a:p>
+              <a:pPr marL="285750" indent="-285750">
+                <a:buFont typeface="Arial" panose="020B0604020202020204" pitchFamily="34" charset="0"/>
+                <a:buChar char="•"/>
+              </a:pPr>
+              <a:r>
+                <a:rPr lang="en-US" sz="1050" dirty="0" err="1">
+                  <a:solidFill>
+                    <a:schemeClr val="tx1"/>
+                  </a:solidFill>
+                </a:rPr>
+                <a:t>hospital_type</a:t>
+              </a:r>
+              <a:endParaRPr lang="en-US" sz="1050" dirty="0">
+                <a:solidFill>
+                  <a:schemeClr val="tx1"/>
+                </a:solidFill>
+              </a:endParaRPr>
+            </a:p>
+            <a:p>
+              <a:pPr marL="285750" indent="-285750">
+                <a:buFont typeface="Arial" panose="020B0604020202020204" pitchFamily="34" charset="0"/>
+                <a:buChar char="•"/>
+              </a:pPr>
+              <a:r>
+                <a:rPr lang="en-US" sz="1050" dirty="0" err="1">
+                  <a:solidFill>
+                    <a:schemeClr val="tx1"/>
+                  </a:solidFill>
+                </a:rPr>
+                <a:t>hospital_ownership</a:t>
+              </a:r>
+              <a:endParaRPr lang="en-US" sz="1050" dirty="0">
+                <a:solidFill>
+                  <a:schemeClr val="tx1"/>
+                </a:solidFill>
+              </a:endParaRPr>
+            </a:p>
+          </p:txBody>
+        </p:sp>
+        <p:sp>
+          <p:nvSpPr>
+            <p:cNvPr id="3" name="Rectangle 2"/>
+            <p:cNvSpPr/>
+            <p:nvPr/>
+          </p:nvSpPr>
+          <p:spPr>
+            <a:xfrm>
+              <a:off x="4091708" y="1958109"/>
+              <a:ext cx="2105891" cy="387927"/>
+            </a:xfrm>
+            <a:prstGeom prst="rect">
+              <a:avLst/>
+            </a:prstGeom>
+            <a:ln>
+              <a:solidFill>
+                <a:schemeClr val="tx1"/>
+              </a:solidFill>
+            </a:ln>
+          </p:spPr>
+          <p:style>
+            <a:lnRef idx="2">
+              <a:schemeClr val="accent1">
+                <a:shade val="50000"/>
+              </a:schemeClr>
+            </a:lnRef>
+            <a:fillRef idx="1">
+              <a:schemeClr val="accent1"/>
+            </a:fillRef>
+            <a:effectRef idx="0">
+              <a:schemeClr val="accent1"/>
+            </a:effectRef>
+            <a:fontRef idx="minor">
+              <a:schemeClr val="lt1"/>
+            </a:fontRef>
+          </p:style>
+          <p:txBody>
+            <a:bodyPr rtlCol="0" anchor="ctr"/>
+            <a:lstStyle/>
+            <a:p>
+              <a:pPr algn="ctr"/>
+              <a:r>
+                <a:rPr lang="en-US" sz="1050" dirty="0"/>
+                <a:t>hospitals</a:t>
+              </a:r>
+            </a:p>
+          </p:txBody>
+        </p:sp>
+      </p:grpSp>
+      <p:grpSp>
+        <p:nvGrpSpPr>
+          <p:cNvPr id="5" name="Group 4"/>
+          <p:cNvGrpSpPr/>
+          <p:nvPr/>
+        </p:nvGrpSpPr>
+        <p:grpSpPr>
+          <a:xfrm>
+            <a:off x="9056254" y="104091"/>
+            <a:ext cx="1745673" cy="2207491"/>
+            <a:chOff x="4091708" y="1958109"/>
+            <a:chExt cx="2105892" cy="2530763"/>
+          </a:xfrm>
+        </p:grpSpPr>
+        <p:sp>
+          <p:nvSpPr>
+            <p:cNvPr id="6" name="Rectangle 5"/>
+            <p:cNvSpPr/>
+            <p:nvPr/>
+          </p:nvSpPr>
+          <p:spPr>
+            <a:xfrm>
+              <a:off x="4091710" y="2346035"/>
+              <a:ext cx="2105890" cy="2142837"/>
+            </a:xfrm>
+            <a:prstGeom prst="rect">
+              <a:avLst/>
+            </a:prstGeom>
+            <a:solidFill>
+              <a:schemeClr val="bg1"/>
+            </a:solidFill>
+            <a:ln>
+              <a:solidFill>
+                <a:schemeClr val="tx1"/>
+              </a:solidFill>
+            </a:ln>
+          </p:spPr>
+          <p:style>
+            <a:lnRef idx="2">
+              <a:schemeClr val="accent1">
+                <a:shade val="50000"/>
+              </a:schemeClr>
+            </a:lnRef>
+            <a:fillRef idx="1">
+              <a:schemeClr val="accent1"/>
+            </a:fillRef>
+            <a:effectRef idx="0">
+              <a:schemeClr val="accent1"/>
+            </a:effectRef>
+            <a:fontRef idx="minor">
+              <a:schemeClr val="lt1"/>
+            </a:fontRef>
+          </p:style>
+          <p:txBody>
+            <a:bodyPr rtlCol="0" anchor="t"/>
+            <a:lstStyle/>
+            <a:p>
+              <a:pPr marL="285750" indent="-285750">
+                <a:buFont typeface="Arial" panose="020B0604020202020204" pitchFamily="34" charset="0"/>
+                <a:buChar char="•"/>
+              </a:pPr>
+              <a:r>
+                <a:rPr lang="en-US" sz="1050" dirty="0" err="1">
+                  <a:solidFill>
+                    <a:schemeClr val="tx1"/>
+                  </a:solidFill>
+                </a:rPr>
+                <a:t>hospital_id</a:t>
+              </a:r>
+              <a:endParaRPr lang="en-US" sz="1050" dirty="0">
+                <a:solidFill>
+                  <a:schemeClr val="tx1"/>
+                </a:solidFill>
+              </a:endParaRPr>
+            </a:p>
+            <a:p>
+              <a:pPr marL="285750" indent="-285750">
+                <a:buFont typeface="Arial" panose="020B0604020202020204" pitchFamily="34" charset="0"/>
+                <a:buChar char="•"/>
+              </a:pPr>
+              <a:r>
+                <a:rPr lang="en-US" sz="1050" dirty="0" err="1">
+                  <a:solidFill>
+                    <a:schemeClr val="tx1"/>
+                  </a:solidFill>
+                </a:rPr>
+                <a:t>hospital_name</a:t>
+              </a:r>
+              <a:endParaRPr lang="en-US" sz="1050" dirty="0">
+                <a:solidFill>
+                  <a:schemeClr val="tx1"/>
+                </a:solidFill>
+              </a:endParaRPr>
+            </a:p>
+            <a:p>
+              <a:pPr marL="285750" indent="-285750">
+                <a:buFont typeface="Arial" panose="020B0604020202020204" pitchFamily="34" charset="0"/>
+                <a:buChar char="•"/>
+              </a:pPr>
+              <a:r>
+                <a:rPr lang="en-US" sz="1050" dirty="0">
+                  <a:solidFill>
+                    <a:schemeClr val="tx1"/>
+                  </a:solidFill>
+                </a:rPr>
+                <a:t>address</a:t>
+              </a:r>
+            </a:p>
+            <a:p>
+              <a:pPr marL="285750" indent="-285750">
+                <a:buFont typeface="Arial" panose="020B0604020202020204" pitchFamily="34" charset="0"/>
+                <a:buChar char="•"/>
+              </a:pPr>
+              <a:r>
+                <a:rPr lang="en-US" sz="1050" dirty="0">
+                  <a:solidFill>
+                    <a:schemeClr val="tx1"/>
+                  </a:solidFill>
+                </a:rPr>
+                <a:t>city</a:t>
+              </a:r>
+            </a:p>
+            <a:p>
+              <a:pPr marL="285750" indent="-285750">
+                <a:buFont typeface="Arial" panose="020B0604020202020204" pitchFamily="34" charset="0"/>
+                <a:buChar char="•"/>
+              </a:pPr>
+              <a:r>
+                <a:rPr lang="en-US" sz="1050" dirty="0">
+                  <a:solidFill>
+                    <a:schemeClr val="tx1"/>
+                  </a:solidFill>
+                </a:rPr>
+                <a:t>state</a:t>
+              </a:r>
+            </a:p>
+            <a:p>
+              <a:pPr marL="285750" indent="-285750">
+                <a:buFont typeface="Arial" panose="020B0604020202020204" pitchFamily="34" charset="0"/>
+                <a:buChar char="•"/>
+              </a:pPr>
+              <a:r>
+                <a:rPr lang="en-US" sz="1050" dirty="0" err="1">
+                  <a:solidFill>
+                    <a:schemeClr val="tx1"/>
+                  </a:solidFill>
+                </a:rPr>
+                <a:t>zip_code</a:t>
+              </a:r>
+              <a:endParaRPr lang="en-US" sz="1050" dirty="0">
+                <a:solidFill>
+                  <a:schemeClr val="tx1"/>
+                </a:solidFill>
+              </a:endParaRPr>
+            </a:p>
+            <a:p>
+              <a:pPr marL="285750" indent="-285750">
+                <a:buFont typeface="Arial" panose="020B0604020202020204" pitchFamily="34" charset="0"/>
+                <a:buChar char="•"/>
+              </a:pPr>
+              <a:r>
+                <a:rPr lang="en-US" sz="1050" dirty="0" err="1">
+                  <a:solidFill>
+                    <a:schemeClr val="tx1"/>
+                  </a:solidFill>
+                </a:rPr>
+                <a:t>county_name</a:t>
+              </a:r>
+              <a:endParaRPr lang="en-US" sz="1050" dirty="0">
+                <a:solidFill>
+                  <a:schemeClr val="tx1"/>
+                </a:solidFill>
+              </a:endParaRPr>
+            </a:p>
+            <a:p>
+              <a:pPr marL="285750" indent="-285750">
+                <a:buFont typeface="Arial" panose="020B0604020202020204" pitchFamily="34" charset="0"/>
+                <a:buChar char="•"/>
+              </a:pPr>
+              <a:r>
+                <a:rPr lang="en-US" sz="1050" dirty="0" err="1">
+                  <a:solidFill>
+                    <a:schemeClr val="tx1"/>
+                  </a:solidFill>
+                </a:rPr>
+                <a:t>phone_number</a:t>
+              </a:r>
+              <a:endParaRPr lang="en-US" sz="1050" dirty="0">
+                <a:solidFill>
+                  <a:schemeClr val="tx1"/>
+                </a:solidFill>
+              </a:endParaRPr>
+            </a:p>
+            <a:p>
+              <a:pPr marL="285750" indent="-285750">
+                <a:buFont typeface="Arial" panose="020B0604020202020204" pitchFamily="34" charset="0"/>
+                <a:buChar char="•"/>
+              </a:pPr>
+              <a:r>
+                <a:rPr lang="en-US" sz="1050" dirty="0" err="1">
+                  <a:solidFill>
+                    <a:schemeClr val="tx1"/>
+                  </a:solidFill>
+                </a:rPr>
+                <a:t>hospital_type</a:t>
+              </a:r>
+              <a:endParaRPr lang="en-US" sz="1050" dirty="0">
+                <a:solidFill>
+                  <a:schemeClr val="tx1"/>
+                </a:solidFill>
+              </a:endParaRPr>
+            </a:p>
+            <a:p>
+              <a:pPr marL="285750" indent="-285750">
+                <a:buFont typeface="Arial" panose="020B0604020202020204" pitchFamily="34" charset="0"/>
+                <a:buChar char="•"/>
+              </a:pPr>
+              <a:r>
+                <a:rPr lang="en-US" sz="1050" dirty="0" err="1">
+                  <a:solidFill>
+                    <a:schemeClr val="tx1"/>
+                  </a:solidFill>
+                </a:rPr>
+                <a:t>hospital_ownership</a:t>
+              </a:r>
+              <a:endParaRPr lang="en-US" sz="1050" dirty="0">
+                <a:solidFill>
+                  <a:schemeClr val="tx1"/>
+                </a:solidFill>
+              </a:endParaRPr>
+            </a:p>
+            <a:p>
+              <a:pPr marL="285750" indent="-285750">
+                <a:buFont typeface="Arial" panose="020B0604020202020204" pitchFamily="34" charset="0"/>
+                <a:buChar char="•"/>
+              </a:pPr>
+              <a:r>
+                <a:rPr lang="en-US" sz="1050" dirty="0" err="1">
+                  <a:solidFill>
+                    <a:schemeClr val="tx1"/>
+                  </a:solidFill>
+                </a:rPr>
+                <a:t>emergency_services</a:t>
+              </a:r>
+              <a:endParaRPr lang="en-US" sz="1050" dirty="0">
+                <a:solidFill>
+                  <a:schemeClr val="tx1"/>
+                </a:solidFill>
+              </a:endParaRPr>
+            </a:p>
+          </p:txBody>
+        </p:sp>
+        <p:sp>
+          <p:nvSpPr>
+            <p:cNvPr id="7" name="Rectangle 6"/>
+            <p:cNvSpPr/>
+            <p:nvPr/>
+          </p:nvSpPr>
+          <p:spPr>
+            <a:xfrm>
+              <a:off x="4091708" y="1958109"/>
+              <a:ext cx="2105891" cy="387927"/>
+            </a:xfrm>
+            <a:prstGeom prst="rect">
+              <a:avLst/>
+            </a:prstGeom>
+            <a:ln>
+              <a:solidFill>
+                <a:schemeClr val="tx1"/>
+              </a:solidFill>
+            </a:ln>
+          </p:spPr>
+          <p:style>
+            <a:lnRef idx="2">
+              <a:schemeClr val="accent1">
+                <a:shade val="50000"/>
+              </a:schemeClr>
+            </a:lnRef>
+            <a:fillRef idx="1">
+              <a:schemeClr val="accent1"/>
+            </a:fillRef>
+            <a:effectRef idx="0">
+              <a:schemeClr val="accent1"/>
+            </a:effectRef>
+            <a:fontRef idx="minor">
+              <a:schemeClr val="lt1"/>
+            </a:fontRef>
+          </p:style>
+          <p:txBody>
+            <a:bodyPr rtlCol="0" anchor="ctr"/>
+            <a:lstStyle/>
+            <a:p>
+              <a:pPr algn="ctr"/>
+              <a:r>
+                <a:rPr lang="en-US" sz="1050" dirty="0"/>
+                <a:t>hospitals</a:t>
+              </a:r>
+            </a:p>
+          </p:txBody>
+        </p:sp>
+      </p:grpSp>
+      <p:grpSp>
+        <p:nvGrpSpPr>
+          <p:cNvPr id="8" name="Group 7"/>
+          <p:cNvGrpSpPr/>
+          <p:nvPr/>
+        </p:nvGrpSpPr>
+        <p:grpSpPr>
+          <a:xfrm>
+            <a:off x="9056253" y="2365754"/>
+            <a:ext cx="1745673" cy="2207491"/>
+            <a:chOff x="4091708" y="1958109"/>
+            <a:chExt cx="2105892" cy="2530763"/>
+          </a:xfrm>
+        </p:grpSpPr>
+        <p:sp>
+          <p:nvSpPr>
+            <p:cNvPr id="9" name="Rectangle 8"/>
+            <p:cNvSpPr/>
+            <p:nvPr/>
+          </p:nvSpPr>
+          <p:spPr>
+            <a:xfrm>
+              <a:off x="4091710" y="2346035"/>
+              <a:ext cx="2105890" cy="2142837"/>
+            </a:xfrm>
+            <a:prstGeom prst="rect">
+              <a:avLst/>
+            </a:prstGeom>
+            <a:solidFill>
+              <a:schemeClr val="bg1"/>
+            </a:solidFill>
+            <a:ln>
+              <a:solidFill>
+                <a:schemeClr val="tx1"/>
+              </a:solidFill>
+            </a:ln>
+          </p:spPr>
+          <p:style>
+            <a:lnRef idx="2">
+              <a:schemeClr val="accent1">
+                <a:shade val="50000"/>
+              </a:schemeClr>
+            </a:lnRef>
+            <a:fillRef idx="1">
+              <a:schemeClr val="accent1"/>
+            </a:fillRef>
+            <a:effectRef idx="0">
+              <a:schemeClr val="accent1"/>
+            </a:effectRef>
+            <a:fontRef idx="minor">
+              <a:schemeClr val="lt1"/>
+            </a:fontRef>
+          </p:style>
+          <p:txBody>
+            <a:bodyPr rtlCol="0" anchor="t"/>
+            <a:lstStyle/>
+            <a:p>
+              <a:pPr marL="285750" indent="-285750">
+                <a:buFont typeface="Arial" panose="020B0604020202020204" pitchFamily="34" charset="0"/>
+                <a:buChar char="•"/>
+              </a:pPr>
+              <a:r>
+                <a:rPr lang="en-US" sz="1050" dirty="0" err="1">
+                  <a:solidFill>
+                    <a:schemeClr val="tx1"/>
+                  </a:solidFill>
+                </a:rPr>
+                <a:t>hospital_id</a:t>
+              </a:r>
+              <a:endParaRPr lang="en-US" sz="1050" dirty="0">
+                <a:solidFill>
+                  <a:schemeClr val="tx1"/>
+                </a:solidFill>
+              </a:endParaRPr>
+            </a:p>
+            <a:p>
+              <a:pPr marL="285750" indent="-285750">
+                <a:buFont typeface="Arial" panose="020B0604020202020204" pitchFamily="34" charset="0"/>
+                <a:buChar char="•"/>
+              </a:pPr>
+              <a:r>
+                <a:rPr lang="en-US" sz="1050" dirty="0" err="1">
+                  <a:solidFill>
+                    <a:schemeClr val="tx1"/>
+                  </a:solidFill>
+                </a:rPr>
+                <a:t>hospital_name</a:t>
+              </a:r>
+              <a:endParaRPr lang="en-US" sz="1050" dirty="0">
+                <a:solidFill>
+                  <a:schemeClr val="tx1"/>
+                </a:solidFill>
+              </a:endParaRPr>
+            </a:p>
+            <a:p>
+              <a:pPr marL="285750" indent="-285750">
+                <a:buFont typeface="Arial" panose="020B0604020202020204" pitchFamily="34" charset="0"/>
+                <a:buChar char="•"/>
+              </a:pPr>
+              <a:r>
+                <a:rPr lang="en-US" sz="1050" dirty="0">
+                  <a:solidFill>
+                    <a:schemeClr val="tx1"/>
+                  </a:solidFill>
+                </a:rPr>
+                <a:t>address</a:t>
+              </a:r>
+            </a:p>
+            <a:p>
+              <a:pPr marL="285750" indent="-285750">
+                <a:buFont typeface="Arial" panose="020B0604020202020204" pitchFamily="34" charset="0"/>
+                <a:buChar char="•"/>
+              </a:pPr>
+              <a:r>
+                <a:rPr lang="en-US" sz="1050" dirty="0">
+                  <a:solidFill>
+                    <a:schemeClr val="tx1"/>
+                  </a:solidFill>
+                </a:rPr>
+                <a:t>city</a:t>
+              </a:r>
+            </a:p>
+            <a:p>
+              <a:pPr marL="285750" indent="-285750">
+                <a:buFont typeface="Arial" panose="020B0604020202020204" pitchFamily="34" charset="0"/>
+                <a:buChar char="•"/>
+              </a:pPr>
+              <a:r>
+                <a:rPr lang="en-US" sz="1050" dirty="0">
+                  <a:solidFill>
+                    <a:schemeClr val="tx1"/>
+                  </a:solidFill>
+                </a:rPr>
+                <a:t>state</a:t>
+              </a:r>
+            </a:p>
+            <a:p>
+              <a:pPr marL="285750" indent="-285750">
+                <a:buFont typeface="Arial" panose="020B0604020202020204" pitchFamily="34" charset="0"/>
+                <a:buChar char="•"/>
+              </a:pPr>
+              <a:r>
+                <a:rPr lang="en-US" sz="1050" dirty="0" err="1">
+                  <a:solidFill>
+                    <a:schemeClr val="tx1"/>
+                  </a:solidFill>
+                </a:rPr>
+                <a:t>zip_code</a:t>
+              </a:r>
+              <a:endParaRPr lang="en-US" sz="1050" dirty="0">
+                <a:solidFill>
+                  <a:schemeClr val="tx1"/>
+                </a:solidFill>
+              </a:endParaRPr>
+            </a:p>
+            <a:p>
+              <a:pPr marL="285750" indent="-285750">
+                <a:buFont typeface="Arial" panose="020B0604020202020204" pitchFamily="34" charset="0"/>
+                <a:buChar char="•"/>
+              </a:pPr>
+              <a:r>
+                <a:rPr lang="en-US" sz="1050" dirty="0" err="1">
+                  <a:solidFill>
+                    <a:schemeClr val="tx1"/>
+                  </a:solidFill>
+                </a:rPr>
+                <a:t>county_name</a:t>
+              </a:r>
+              <a:endParaRPr lang="en-US" sz="1050" dirty="0">
+                <a:solidFill>
+                  <a:schemeClr val="tx1"/>
+                </a:solidFill>
+              </a:endParaRPr>
+            </a:p>
+            <a:p>
+              <a:pPr marL="285750" indent="-285750">
+                <a:buFont typeface="Arial" panose="020B0604020202020204" pitchFamily="34" charset="0"/>
+                <a:buChar char="•"/>
+              </a:pPr>
+              <a:r>
+                <a:rPr lang="en-US" sz="1050" dirty="0" err="1">
+                  <a:solidFill>
+                    <a:schemeClr val="tx1"/>
+                  </a:solidFill>
+                </a:rPr>
+                <a:t>phone_number</a:t>
+              </a:r>
+              <a:endParaRPr lang="en-US" sz="1050" dirty="0">
+                <a:solidFill>
+                  <a:schemeClr val="tx1"/>
+                </a:solidFill>
+              </a:endParaRPr>
+            </a:p>
+            <a:p>
+              <a:pPr marL="285750" indent="-285750">
+                <a:buFont typeface="Arial" panose="020B0604020202020204" pitchFamily="34" charset="0"/>
+                <a:buChar char="•"/>
+              </a:pPr>
+              <a:r>
+                <a:rPr lang="en-US" sz="1050" dirty="0" err="1">
+                  <a:solidFill>
+                    <a:schemeClr val="tx1"/>
+                  </a:solidFill>
+                </a:rPr>
+                <a:t>hospital_type</a:t>
+              </a:r>
+              <a:endParaRPr lang="en-US" sz="1050" dirty="0">
+                <a:solidFill>
+                  <a:schemeClr val="tx1"/>
+                </a:solidFill>
+              </a:endParaRPr>
+            </a:p>
+            <a:p>
+              <a:pPr marL="285750" indent="-285750">
+                <a:buFont typeface="Arial" panose="020B0604020202020204" pitchFamily="34" charset="0"/>
+                <a:buChar char="•"/>
+              </a:pPr>
+              <a:r>
+                <a:rPr lang="en-US" sz="1050" dirty="0" err="1">
+                  <a:solidFill>
+                    <a:schemeClr val="tx1"/>
+                  </a:solidFill>
+                </a:rPr>
+                <a:t>hospital_ownership</a:t>
+              </a:r>
+              <a:endParaRPr lang="en-US" sz="1050" dirty="0">
+                <a:solidFill>
+                  <a:schemeClr val="tx1"/>
+                </a:solidFill>
+              </a:endParaRPr>
+            </a:p>
+            <a:p>
+              <a:pPr marL="285750" indent="-285750">
+                <a:buFont typeface="Arial" panose="020B0604020202020204" pitchFamily="34" charset="0"/>
+                <a:buChar char="•"/>
+              </a:pPr>
+              <a:r>
+                <a:rPr lang="en-US" sz="1050" dirty="0" err="1">
+                  <a:solidFill>
+                    <a:schemeClr val="tx1"/>
+                  </a:solidFill>
+                </a:rPr>
+                <a:t>emergency_services</a:t>
+              </a:r>
+              <a:endParaRPr lang="en-US" sz="1050" dirty="0">
+                <a:solidFill>
+                  <a:schemeClr val="tx1"/>
+                </a:solidFill>
+              </a:endParaRPr>
+            </a:p>
+          </p:txBody>
+        </p:sp>
+        <p:sp>
+          <p:nvSpPr>
+            <p:cNvPr id="10" name="Rectangle 9"/>
+            <p:cNvSpPr/>
+            <p:nvPr/>
+          </p:nvSpPr>
+          <p:spPr>
+            <a:xfrm>
+              <a:off x="4091708" y="1958109"/>
+              <a:ext cx="2105891" cy="387927"/>
+            </a:xfrm>
+            <a:prstGeom prst="rect">
+              <a:avLst/>
+            </a:prstGeom>
+            <a:ln>
+              <a:solidFill>
+                <a:schemeClr val="tx1"/>
+              </a:solidFill>
+            </a:ln>
+          </p:spPr>
+          <p:style>
+            <a:lnRef idx="2">
+              <a:schemeClr val="accent1">
+                <a:shade val="50000"/>
+              </a:schemeClr>
+            </a:lnRef>
+            <a:fillRef idx="1">
+              <a:schemeClr val="accent1"/>
+            </a:fillRef>
+            <a:effectRef idx="0">
+              <a:schemeClr val="accent1"/>
+            </a:effectRef>
+            <a:fontRef idx="minor">
+              <a:schemeClr val="lt1"/>
+            </a:fontRef>
+          </p:style>
+          <p:txBody>
+            <a:bodyPr rtlCol="0" anchor="ctr"/>
+            <a:lstStyle/>
+            <a:p>
+              <a:pPr algn="ctr"/>
+              <a:r>
+                <a:rPr lang="en-US" sz="1050" dirty="0"/>
+                <a:t>hospitals</a:t>
+              </a:r>
+            </a:p>
+          </p:txBody>
+        </p:sp>
+      </p:grpSp>
+      <p:grpSp>
+        <p:nvGrpSpPr>
+          <p:cNvPr id="11" name="Group 10"/>
+          <p:cNvGrpSpPr/>
+          <p:nvPr/>
+        </p:nvGrpSpPr>
+        <p:grpSpPr>
+          <a:xfrm>
+            <a:off x="798943" y="4627417"/>
+            <a:ext cx="1745673" cy="2207491"/>
+            <a:chOff x="4091708" y="1958109"/>
+            <a:chExt cx="2105892" cy="2530763"/>
+          </a:xfrm>
+        </p:grpSpPr>
+        <p:sp>
+          <p:nvSpPr>
+            <p:cNvPr id="12" name="Rectangle 11"/>
+            <p:cNvSpPr/>
+            <p:nvPr/>
+          </p:nvSpPr>
+          <p:spPr>
+            <a:xfrm>
+              <a:off x="4091710" y="2346035"/>
+              <a:ext cx="2105890" cy="2142837"/>
+            </a:xfrm>
+            <a:prstGeom prst="rect">
+              <a:avLst/>
+            </a:prstGeom>
+            <a:solidFill>
+              <a:schemeClr val="bg1"/>
+            </a:solidFill>
+            <a:ln>
+              <a:solidFill>
+                <a:schemeClr val="tx1"/>
+              </a:solidFill>
+            </a:ln>
+          </p:spPr>
+          <p:style>
+            <a:lnRef idx="2">
+              <a:schemeClr val="accent1">
+                <a:shade val="50000"/>
+              </a:schemeClr>
+            </a:lnRef>
+            <a:fillRef idx="1">
+              <a:schemeClr val="accent1"/>
+            </a:fillRef>
+            <a:effectRef idx="0">
+              <a:schemeClr val="accent1"/>
+            </a:effectRef>
+            <a:fontRef idx="minor">
+              <a:schemeClr val="lt1"/>
+            </a:fontRef>
+          </p:style>
+          <p:txBody>
+            <a:bodyPr rtlCol="0" anchor="t"/>
+            <a:lstStyle/>
+            <a:p>
+              <a:pPr marL="285750" indent="-285750">
+                <a:buFont typeface="Arial" panose="020B0604020202020204" pitchFamily="34" charset="0"/>
+                <a:buChar char="•"/>
+              </a:pPr>
+              <a:r>
+                <a:rPr lang="en-US" sz="1050" dirty="0" err="1">
+                  <a:solidFill>
+                    <a:schemeClr val="tx1"/>
+                  </a:solidFill>
+                </a:rPr>
+                <a:t>hospital_id</a:t>
+              </a:r>
+              <a:endParaRPr lang="en-US" sz="1050" dirty="0">
+                <a:solidFill>
+                  <a:schemeClr val="tx1"/>
+                </a:solidFill>
+              </a:endParaRPr>
+            </a:p>
+            <a:p>
+              <a:pPr marL="285750" indent="-285750">
+                <a:buFont typeface="Arial" panose="020B0604020202020204" pitchFamily="34" charset="0"/>
+                <a:buChar char="•"/>
+              </a:pPr>
+              <a:r>
+                <a:rPr lang="en-US" sz="1050" dirty="0" err="1">
+                  <a:solidFill>
+                    <a:schemeClr val="tx1"/>
+                  </a:solidFill>
+                </a:rPr>
+                <a:t>hospital_name</a:t>
+              </a:r>
+              <a:endParaRPr lang="en-US" sz="1050" dirty="0">
+                <a:solidFill>
+                  <a:schemeClr val="tx1"/>
+                </a:solidFill>
+              </a:endParaRPr>
+            </a:p>
+            <a:p>
+              <a:pPr marL="285750" indent="-285750">
+                <a:buFont typeface="Arial" panose="020B0604020202020204" pitchFamily="34" charset="0"/>
+                <a:buChar char="•"/>
+              </a:pPr>
+              <a:r>
+                <a:rPr lang="en-US" sz="1050" dirty="0">
+                  <a:solidFill>
+                    <a:schemeClr val="tx1"/>
+                  </a:solidFill>
+                </a:rPr>
+                <a:t>address</a:t>
+              </a:r>
+            </a:p>
+            <a:p>
+              <a:pPr marL="285750" indent="-285750">
+                <a:buFont typeface="Arial" panose="020B0604020202020204" pitchFamily="34" charset="0"/>
+                <a:buChar char="•"/>
+              </a:pPr>
+              <a:r>
+                <a:rPr lang="en-US" sz="1050" dirty="0">
+                  <a:solidFill>
+                    <a:schemeClr val="tx1"/>
+                  </a:solidFill>
+                </a:rPr>
+                <a:t>city</a:t>
+              </a:r>
+            </a:p>
+            <a:p>
+              <a:pPr marL="285750" indent="-285750">
+                <a:buFont typeface="Arial" panose="020B0604020202020204" pitchFamily="34" charset="0"/>
+                <a:buChar char="•"/>
+              </a:pPr>
+              <a:r>
+                <a:rPr lang="en-US" sz="1050" dirty="0">
+                  <a:solidFill>
+                    <a:schemeClr val="tx1"/>
+                  </a:solidFill>
+                </a:rPr>
+                <a:t>state</a:t>
+              </a:r>
+            </a:p>
+            <a:p>
+              <a:pPr marL="285750" indent="-285750">
+                <a:buFont typeface="Arial" panose="020B0604020202020204" pitchFamily="34" charset="0"/>
+                <a:buChar char="•"/>
+              </a:pPr>
+              <a:r>
+                <a:rPr lang="en-US" sz="1050" dirty="0" err="1">
+                  <a:solidFill>
+                    <a:schemeClr val="tx1"/>
+                  </a:solidFill>
+                </a:rPr>
+                <a:t>zip_code</a:t>
+              </a:r>
+              <a:endParaRPr lang="en-US" sz="1050" dirty="0">
+                <a:solidFill>
+                  <a:schemeClr val="tx1"/>
+                </a:solidFill>
+              </a:endParaRPr>
+            </a:p>
+            <a:p>
+              <a:pPr marL="285750" indent="-285750">
+                <a:buFont typeface="Arial" panose="020B0604020202020204" pitchFamily="34" charset="0"/>
+                <a:buChar char="•"/>
+              </a:pPr>
+              <a:r>
+                <a:rPr lang="en-US" sz="1050" dirty="0" err="1">
+                  <a:solidFill>
+                    <a:schemeClr val="tx1"/>
+                  </a:solidFill>
+                </a:rPr>
+                <a:t>county_name</a:t>
+              </a:r>
+              <a:endParaRPr lang="en-US" sz="1050" dirty="0">
+                <a:solidFill>
+                  <a:schemeClr val="tx1"/>
+                </a:solidFill>
+              </a:endParaRPr>
+            </a:p>
+            <a:p>
+              <a:pPr marL="285750" indent="-285750">
+                <a:buFont typeface="Arial" panose="020B0604020202020204" pitchFamily="34" charset="0"/>
+                <a:buChar char="•"/>
+              </a:pPr>
+              <a:r>
+                <a:rPr lang="en-US" sz="1050" dirty="0" err="1">
+                  <a:solidFill>
+                    <a:schemeClr val="tx1"/>
+                  </a:solidFill>
+                </a:rPr>
+                <a:t>phone_number</a:t>
+              </a:r>
+              <a:endParaRPr lang="en-US" sz="1050" dirty="0">
+                <a:solidFill>
+                  <a:schemeClr val="tx1"/>
+                </a:solidFill>
+              </a:endParaRPr>
+            </a:p>
+            <a:p>
+              <a:pPr marL="285750" indent="-285750">
+                <a:buFont typeface="Arial" panose="020B0604020202020204" pitchFamily="34" charset="0"/>
+                <a:buChar char="•"/>
+              </a:pPr>
+              <a:r>
+                <a:rPr lang="en-US" sz="1050" dirty="0" err="1">
+                  <a:solidFill>
+                    <a:schemeClr val="tx1"/>
+                  </a:solidFill>
+                </a:rPr>
+                <a:t>hospital_type</a:t>
+              </a:r>
+              <a:endParaRPr lang="en-US" sz="1050" dirty="0">
+                <a:solidFill>
+                  <a:schemeClr val="tx1"/>
+                </a:solidFill>
+              </a:endParaRPr>
+            </a:p>
+            <a:p>
+              <a:pPr marL="285750" indent="-285750">
+                <a:buFont typeface="Arial" panose="020B0604020202020204" pitchFamily="34" charset="0"/>
+                <a:buChar char="•"/>
+              </a:pPr>
+              <a:r>
+                <a:rPr lang="en-US" sz="1050" dirty="0" err="1">
+                  <a:solidFill>
+                    <a:schemeClr val="tx1"/>
+                  </a:solidFill>
+                </a:rPr>
+                <a:t>hospital_ownership</a:t>
+              </a:r>
+              <a:endParaRPr lang="en-US" sz="1050" dirty="0">
+                <a:solidFill>
+                  <a:schemeClr val="tx1"/>
+                </a:solidFill>
+              </a:endParaRPr>
+            </a:p>
+            <a:p>
+              <a:pPr marL="285750" indent="-285750">
+                <a:buFont typeface="Arial" panose="020B0604020202020204" pitchFamily="34" charset="0"/>
+                <a:buChar char="•"/>
+              </a:pPr>
+              <a:r>
+                <a:rPr lang="en-US" sz="1050" dirty="0" err="1">
+                  <a:solidFill>
+                    <a:schemeClr val="tx1"/>
+                  </a:solidFill>
+                </a:rPr>
+                <a:t>emergency_services</a:t>
+              </a:r>
+              <a:endParaRPr lang="en-US" sz="1050" dirty="0">
+                <a:solidFill>
+                  <a:schemeClr val="tx1"/>
+                </a:solidFill>
+              </a:endParaRPr>
+            </a:p>
+          </p:txBody>
+        </p:sp>
+        <p:sp>
+          <p:nvSpPr>
+            <p:cNvPr id="13" name="Rectangle 12"/>
+            <p:cNvSpPr/>
+            <p:nvPr/>
+          </p:nvSpPr>
+          <p:spPr>
+            <a:xfrm>
+              <a:off x="4091708" y="1958109"/>
+              <a:ext cx="2105891" cy="387927"/>
+            </a:xfrm>
+            <a:prstGeom prst="rect">
+              <a:avLst/>
+            </a:prstGeom>
+            <a:ln>
+              <a:solidFill>
+                <a:schemeClr val="tx1"/>
+              </a:solidFill>
+            </a:ln>
+          </p:spPr>
+          <p:style>
+            <a:lnRef idx="2">
+              <a:schemeClr val="accent1">
+                <a:shade val="50000"/>
+              </a:schemeClr>
+            </a:lnRef>
+            <a:fillRef idx="1">
+              <a:schemeClr val="accent1"/>
+            </a:fillRef>
+            <a:effectRef idx="0">
+              <a:schemeClr val="accent1"/>
+            </a:effectRef>
+            <a:fontRef idx="minor">
+              <a:schemeClr val="lt1"/>
+            </a:fontRef>
+          </p:style>
+          <p:txBody>
+            <a:bodyPr rtlCol="0" anchor="ctr"/>
+            <a:lstStyle/>
+            <a:p>
+              <a:pPr algn="ctr"/>
+              <a:r>
+                <a:rPr lang="en-US" sz="1050" dirty="0"/>
+                <a:t>hospitals</a:t>
+              </a:r>
+            </a:p>
+          </p:txBody>
+        </p:sp>
+      </p:grpSp>
+      <p:grpSp>
+        <p:nvGrpSpPr>
+          <p:cNvPr id="14" name="Group 13"/>
+          <p:cNvGrpSpPr/>
+          <p:nvPr/>
+        </p:nvGrpSpPr>
+        <p:grpSpPr>
+          <a:xfrm>
+            <a:off x="798942" y="2365754"/>
+            <a:ext cx="1745673" cy="2207491"/>
+            <a:chOff x="4091708" y="1958109"/>
+            <a:chExt cx="2105892" cy="2530763"/>
+          </a:xfrm>
+        </p:grpSpPr>
+        <p:sp>
+          <p:nvSpPr>
+            <p:cNvPr id="15" name="Rectangle 14"/>
+            <p:cNvSpPr/>
+            <p:nvPr/>
+          </p:nvSpPr>
+          <p:spPr>
+            <a:xfrm>
+              <a:off x="4091710" y="2346035"/>
+              <a:ext cx="2105890" cy="2142837"/>
+            </a:xfrm>
+            <a:prstGeom prst="rect">
+              <a:avLst/>
+            </a:prstGeom>
+            <a:solidFill>
+              <a:schemeClr val="bg1"/>
+            </a:solidFill>
+            <a:ln>
+              <a:solidFill>
+                <a:schemeClr val="tx1"/>
+              </a:solidFill>
+            </a:ln>
+          </p:spPr>
+          <p:style>
+            <a:lnRef idx="2">
+              <a:schemeClr val="accent1">
+                <a:shade val="50000"/>
+              </a:schemeClr>
+            </a:lnRef>
+            <a:fillRef idx="1">
+              <a:schemeClr val="accent1"/>
+            </a:fillRef>
+            <a:effectRef idx="0">
+              <a:schemeClr val="accent1"/>
+            </a:effectRef>
+            <a:fontRef idx="minor">
+              <a:schemeClr val="lt1"/>
+            </a:fontRef>
+          </p:style>
+          <p:txBody>
+            <a:bodyPr rtlCol="0" anchor="t"/>
+            <a:lstStyle/>
+            <a:p>
+              <a:pPr marL="285750" indent="-285750">
+                <a:buFont typeface="Arial" panose="020B0604020202020204" pitchFamily="34" charset="0"/>
+                <a:buChar char="•"/>
+              </a:pPr>
+              <a:r>
+                <a:rPr lang="en-US" sz="1050" dirty="0" err="1">
+                  <a:solidFill>
+                    <a:schemeClr val="tx1"/>
+                  </a:solidFill>
+                </a:rPr>
+                <a:t>hospital_id</a:t>
+              </a:r>
+              <a:endParaRPr lang="en-US" sz="1050" dirty="0">
+                <a:solidFill>
+                  <a:schemeClr val="tx1"/>
+                </a:solidFill>
+              </a:endParaRPr>
+            </a:p>
+            <a:p>
+              <a:pPr marL="285750" indent="-285750">
+                <a:buFont typeface="Arial" panose="020B0604020202020204" pitchFamily="34" charset="0"/>
+                <a:buChar char="•"/>
+              </a:pPr>
+              <a:r>
+                <a:rPr lang="en-US" sz="1050" dirty="0" err="1">
+                  <a:solidFill>
+                    <a:schemeClr val="tx1"/>
+                  </a:solidFill>
+                </a:rPr>
+                <a:t>hospital_name</a:t>
+              </a:r>
+              <a:endParaRPr lang="en-US" sz="1050" dirty="0">
+                <a:solidFill>
+                  <a:schemeClr val="tx1"/>
+                </a:solidFill>
+              </a:endParaRPr>
+            </a:p>
+            <a:p>
+              <a:pPr marL="285750" indent="-285750">
+                <a:buFont typeface="Arial" panose="020B0604020202020204" pitchFamily="34" charset="0"/>
+                <a:buChar char="•"/>
+              </a:pPr>
+              <a:r>
+                <a:rPr lang="en-US" sz="1050" dirty="0">
+                  <a:solidFill>
+                    <a:schemeClr val="tx1"/>
+                  </a:solidFill>
+                </a:rPr>
+                <a:t>address</a:t>
+              </a:r>
+            </a:p>
+            <a:p>
+              <a:pPr marL="285750" indent="-285750">
+                <a:buFont typeface="Arial" panose="020B0604020202020204" pitchFamily="34" charset="0"/>
+                <a:buChar char="•"/>
+              </a:pPr>
+              <a:r>
+                <a:rPr lang="en-US" sz="1050" dirty="0">
+                  <a:solidFill>
+                    <a:schemeClr val="tx1"/>
+                  </a:solidFill>
+                </a:rPr>
+                <a:t>city</a:t>
+              </a:r>
+            </a:p>
+            <a:p>
+              <a:pPr marL="285750" indent="-285750">
+                <a:buFont typeface="Arial" panose="020B0604020202020204" pitchFamily="34" charset="0"/>
+                <a:buChar char="•"/>
+              </a:pPr>
+              <a:r>
+                <a:rPr lang="en-US" sz="1050" dirty="0">
+                  <a:solidFill>
+                    <a:schemeClr val="tx1"/>
+                  </a:solidFill>
+                </a:rPr>
+                <a:t>state</a:t>
+              </a:r>
+            </a:p>
+            <a:p>
+              <a:pPr marL="285750" indent="-285750">
+                <a:buFont typeface="Arial" panose="020B0604020202020204" pitchFamily="34" charset="0"/>
+                <a:buChar char="•"/>
+              </a:pPr>
+              <a:r>
+                <a:rPr lang="en-US" sz="1050" dirty="0" err="1">
+                  <a:solidFill>
+                    <a:schemeClr val="tx1"/>
+                  </a:solidFill>
+                </a:rPr>
+                <a:t>zip_code</a:t>
+              </a:r>
+              <a:endParaRPr lang="en-US" sz="1050" dirty="0">
+                <a:solidFill>
+                  <a:schemeClr val="tx1"/>
+                </a:solidFill>
+              </a:endParaRPr>
+            </a:p>
+            <a:p>
+              <a:pPr marL="285750" indent="-285750">
+                <a:buFont typeface="Arial" panose="020B0604020202020204" pitchFamily="34" charset="0"/>
+                <a:buChar char="•"/>
+              </a:pPr>
+              <a:r>
+                <a:rPr lang="en-US" sz="1050" dirty="0" err="1">
+                  <a:solidFill>
+                    <a:schemeClr val="tx1"/>
+                  </a:solidFill>
+                </a:rPr>
+                <a:t>county_name</a:t>
+              </a:r>
+              <a:endParaRPr lang="en-US" sz="1050" dirty="0">
+                <a:solidFill>
+                  <a:schemeClr val="tx1"/>
+                </a:solidFill>
+              </a:endParaRPr>
+            </a:p>
+            <a:p>
+              <a:pPr marL="285750" indent="-285750">
+                <a:buFont typeface="Arial" panose="020B0604020202020204" pitchFamily="34" charset="0"/>
+                <a:buChar char="•"/>
+              </a:pPr>
+              <a:r>
+                <a:rPr lang="en-US" sz="1050" dirty="0" err="1">
+                  <a:solidFill>
+                    <a:schemeClr val="tx1"/>
+                  </a:solidFill>
+                </a:rPr>
+                <a:t>phone_number</a:t>
+              </a:r>
+              <a:endParaRPr lang="en-US" sz="1050" dirty="0">
+                <a:solidFill>
+                  <a:schemeClr val="tx1"/>
+                </a:solidFill>
+              </a:endParaRPr>
+            </a:p>
+            <a:p>
+              <a:pPr marL="285750" indent="-285750">
+                <a:buFont typeface="Arial" panose="020B0604020202020204" pitchFamily="34" charset="0"/>
+                <a:buChar char="•"/>
+              </a:pPr>
+              <a:r>
+                <a:rPr lang="en-US" sz="1050" dirty="0" err="1">
+                  <a:solidFill>
+                    <a:schemeClr val="tx1"/>
+                  </a:solidFill>
+                </a:rPr>
+                <a:t>hospital_type</a:t>
+              </a:r>
+              <a:endParaRPr lang="en-US" sz="1050" dirty="0">
+                <a:solidFill>
+                  <a:schemeClr val="tx1"/>
+                </a:solidFill>
+              </a:endParaRPr>
+            </a:p>
+            <a:p>
+              <a:pPr marL="285750" indent="-285750">
+                <a:buFont typeface="Arial" panose="020B0604020202020204" pitchFamily="34" charset="0"/>
+                <a:buChar char="•"/>
+              </a:pPr>
+              <a:r>
+                <a:rPr lang="en-US" sz="1050" dirty="0" err="1">
+                  <a:solidFill>
+                    <a:schemeClr val="tx1"/>
+                  </a:solidFill>
+                </a:rPr>
+                <a:t>hospital_ownership</a:t>
+              </a:r>
+              <a:endParaRPr lang="en-US" sz="1050" dirty="0">
+                <a:solidFill>
+                  <a:schemeClr val="tx1"/>
+                </a:solidFill>
+              </a:endParaRPr>
+            </a:p>
+            <a:p>
+              <a:pPr marL="285750" indent="-285750">
+                <a:buFont typeface="Arial" panose="020B0604020202020204" pitchFamily="34" charset="0"/>
+                <a:buChar char="•"/>
+              </a:pPr>
+              <a:r>
+                <a:rPr lang="en-US" sz="1050" dirty="0" err="1">
+                  <a:solidFill>
+                    <a:schemeClr val="tx1"/>
+                  </a:solidFill>
+                </a:rPr>
+                <a:t>emergency_services</a:t>
+              </a:r>
+              <a:endParaRPr lang="en-US" sz="1050" dirty="0">
+                <a:solidFill>
+                  <a:schemeClr val="tx1"/>
+                </a:solidFill>
+              </a:endParaRPr>
+            </a:p>
+          </p:txBody>
+        </p:sp>
+        <p:sp>
+          <p:nvSpPr>
+            <p:cNvPr id="16" name="Rectangle 15"/>
+            <p:cNvSpPr/>
+            <p:nvPr/>
+          </p:nvSpPr>
+          <p:spPr>
+            <a:xfrm>
+              <a:off x="4091708" y="1958109"/>
+              <a:ext cx="2105891" cy="387927"/>
+            </a:xfrm>
+            <a:prstGeom prst="rect">
+              <a:avLst/>
+            </a:prstGeom>
+            <a:ln>
+              <a:solidFill>
+                <a:schemeClr val="tx1"/>
+              </a:solidFill>
+            </a:ln>
+          </p:spPr>
+          <p:style>
+            <a:lnRef idx="2">
+              <a:schemeClr val="accent1">
+                <a:shade val="50000"/>
+              </a:schemeClr>
+            </a:lnRef>
+            <a:fillRef idx="1">
+              <a:schemeClr val="accent1"/>
+            </a:fillRef>
+            <a:effectRef idx="0">
+              <a:schemeClr val="accent1"/>
+            </a:effectRef>
+            <a:fontRef idx="minor">
+              <a:schemeClr val="lt1"/>
+            </a:fontRef>
+          </p:style>
+          <p:txBody>
+            <a:bodyPr rtlCol="0" anchor="ctr"/>
+            <a:lstStyle/>
+            <a:p>
+              <a:pPr algn="ctr"/>
+              <a:r>
+                <a:rPr lang="en-US" sz="1050" dirty="0"/>
+                <a:t>hospitals</a:t>
+              </a:r>
+            </a:p>
+          </p:txBody>
+        </p:sp>
+      </p:grpSp>
+      <p:grpSp>
+        <p:nvGrpSpPr>
+          <p:cNvPr id="17" name="Group 16"/>
+          <p:cNvGrpSpPr/>
+          <p:nvPr/>
+        </p:nvGrpSpPr>
+        <p:grpSpPr>
+          <a:xfrm>
+            <a:off x="798942" y="104091"/>
+            <a:ext cx="1745673" cy="2207491"/>
+            <a:chOff x="4091708" y="1958109"/>
+            <a:chExt cx="2105892" cy="2530763"/>
+          </a:xfrm>
+        </p:grpSpPr>
+        <p:sp>
+          <p:nvSpPr>
+            <p:cNvPr id="18" name="Rectangle 17"/>
+            <p:cNvSpPr/>
+            <p:nvPr/>
+          </p:nvSpPr>
+          <p:spPr>
+            <a:xfrm>
+              <a:off x="4091710" y="2346035"/>
+              <a:ext cx="2105890" cy="2142837"/>
+            </a:xfrm>
+            <a:prstGeom prst="rect">
+              <a:avLst/>
+            </a:prstGeom>
+            <a:solidFill>
+              <a:schemeClr val="bg1"/>
+            </a:solidFill>
+            <a:ln>
+              <a:solidFill>
+                <a:schemeClr val="tx1"/>
+              </a:solidFill>
+            </a:ln>
+          </p:spPr>
+          <p:style>
+            <a:lnRef idx="2">
+              <a:schemeClr val="accent1">
+                <a:shade val="50000"/>
+              </a:schemeClr>
+            </a:lnRef>
+            <a:fillRef idx="1">
+              <a:schemeClr val="accent1"/>
+            </a:fillRef>
+            <a:effectRef idx="0">
+              <a:schemeClr val="accent1"/>
+            </a:effectRef>
+            <a:fontRef idx="minor">
+              <a:schemeClr val="lt1"/>
+            </a:fontRef>
+          </p:style>
+          <p:txBody>
+            <a:bodyPr rtlCol="0" anchor="t"/>
+            <a:lstStyle/>
+            <a:p>
+              <a:pPr marL="285750" indent="-285750">
+                <a:buFont typeface="Arial" panose="020B0604020202020204" pitchFamily="34" charset="0"/>
+                <a:buChar char="•"/>
+              </a:pPr>
+              <a:r>
+                <a:rPr lang="en-US" sz="1050" dirty="0" err="1">
+                  <a:solidFill>
+                    <a:schemeClr val="tx1"/>
+                  </a:solidFill>
+                </a:rPr>
+                <a:t>hospital_id</a:t>
+              </a:r>
+              <a:endParaRPr lang="en-US" sz="1050" dirty="0">
+                <a:solidFill>
+                  <a:schemeClr val="tx1"/>
+                </a:solidFill>
+              </a:endParaRPr>
+            </a:p>
+            <a:p>
+              <a:pPr marL="285750" indent="-285750">
+                <a:buFont typeface="Arial" panose="020B0604020202020204" pitchFamily="34" charset="0"/>
+                <a:buChar char="•"/>
+              </a:pPr>
+              <a:r>
+                <a:rPr lang="en-US" sz="1050" dirty="0" err="1">
+                  <a:solidFill>
+                    <a:schemeClr val="tx1"/>
+                  </a:solidFill>
+                </a:rPr>
+                <a:t>hospital_name</a:t>
+              </a:r>
+              <a:endParaRPr lang="en-US" sz="1050" dirty="0">
+                <a:solidFill>
+                  <a:schemeClr val="tx1"/>
+                </a:solidFill>
+              </a:endParaRPr>
+            </a:p>
+            <a:p>
+              <a:pPr marL="285750" indent="-285750">
+                <a:buFont typeface="Arial" panose="020B0604020202020204" pitchFamily="34" charset="0"/>
+                <a:buChar char="•"/>
+              </a:pPr>
+              <a:r>
+                <a:rPr lang="en-US" sz="1050" dirty="0">
+                  <a:solidFill>
+                    <a:schemeClr val="tx1"/>
+                  </a:solidFill>
+                </a:rPr>
+                <a:t>address</a:t>
+              </a:r>
+            </a:p>
+            <a:p>
+              <a:pPr marL="285750" indent="-285750">
+                <a:buFont typeface="Arial" panose="020B0604020202020204" pitchFamily="34" charset="0"/>
+                <a:buChar char="•"/>
+              </a:pPr>
+              <a:r>
+                <a:rPr lang="en-US" sz="1050" dirty="0">
+                  <a:solidFill>
+                    <a:schemeClr val="tx1"/>
+                  </a:solidFill>
+                </a:rPr>
+                <a:t>city</a:t>
+              </a:r>
+            </a:p>
+            <a:p>
+              <a:pPr marL="285750" indent="-285750">
+                <a:buFont typeface="Arial" panose="020B0604020202020204" pitchFamily="34" charset="0"/>
+                <a:buChar char="•"/>
+              </a:pPr>
+              <a:r>
+                <a:rPr lang="en-US" sz="1050" dirty="0">
+                  <a:solidFill>
+                    <a:schemeClr val="tx1"/>
+                  </a:solidFill>
+                </a:rPr>
+                <a:t>state</a:t>
+              </a:r>
+            </a:p>
+            <a:p>
+              <a:pPr marL="285750" indent="-285750">
+                <a:buFont typeface="Arial" panose="020B0604020202020204" pitchFamily="34" charset="0"/>
+                <a:buChar char="•"/>
+              </a:pPr>
+              <a:r>
+                <a:rPr lang="en-US" sz="1050" dirty="0" err="1">
+                  <a:solidFill>
+                    <a:schemeClr val="tx1"/>
+                  </a:solidFill>
+                </a:rPr>
+                <a:t>zip_code</a:t>
+              </a:r>
+              <a:endParaRPr lang="en-US" sz="1050" dirty="0">
+                <a:solidFill>
+                  <a:schemeClr val="tx1"/>
+                </a:solidFill>
+              </a:endParaRPr>
+            </a:p>
+            <a:p>
+              <a:pPr marL="285750" indent="-285750">
+                <a:buFont typeface="Arial" panose="020B0604020202020204" pitchFamily="34" charset="0"/>
+                <a:buChar char="•"/>
+              </a:pPr>
+              <a:r>
+                <a:rPr lang="en-US" sz="1050" dirty="0" err="1">
+                  <a:solidFill>
+                    <a:schemeClr val="tx1"/>
+                  </a:solidFill>
+                </a:rPr>
+                <a:t>county_name</a:t>
+              </a:r>
+              <a:endParaRPr lang="en-US" sz="1050" dirty="0">
+                <a:solidFill>
+                  <a:schemeClr val="tx1"/>
+                </a:solidFill>
+              </a:endParaRPr>
+            </a:p>
+            <a:p>
+              <a:pPr marL="285750" indent="-285750">
+                <a:buFont typeface="Arial" panose="020B0604020202020204" pitchFamily="34" charset="0"/>
+                <a:buChar char="•"/>
+              </a:pPr>
+              <a:r>
+                <a:rPr lang="en-US" sz="1050" dirty="0" err="1">
+                  <a:solidFill>
+                    <a:schemeClr val="tx1"/>
+                  </a:solidFill>
+                </a:rPr>
+                <a:t>phone_number</a:t>
+              </a:r>
+              <a:endParaRPr lang="en-US" sz="1050" dirty="0">
+                <a:solidFill>
+                  <a:schemeClr val="tx1"/>
+                </a:solidFill>
+              </a:endParaRPr>
+            </a:p>
+            <a:p>
+              <a:pPr marL="285750" indent="-285750">
+                <a:buFont typeface="Arial" panose="020B0604020202020204" pitchFamily="34" charset="0"/>
+                <a:buChar char="•"/>
+              </a:pPr>
+              <a:r>
+                <a:rPr lang="en-US" sz="1050" dirty="0" err="1">
+                  <a:solidFill>
+                    <a:schemeClr val="tx1"/>
+                  </a:solidFill>
+                </a:rPr>
+                <a:t>hospital_type</a:t>
+              </a:r>
+              <a:endParaRPr lang="en-US" sz="1050" dirty="0">
+                <a:solidFill>
+                  <a:schemeClr val="tx1"/>
+                </a:solidFill>
+              </a:endParaRPr>
+            </a:p>
+            <a:p>
+              <a:pPr marL="285750" indent="-285750">
+                <a:buFont typeface="Arial" panose="020B0604020202020204" pitchFamily="34" charset="0"/>
+                <a:buChar char="•"/>
+              </a:pPr>
+              <a:r>
+                <a:rPr lang="en-US" sz="1050" dirty="0" err="1">
+                  <a:solidFill>
+                    <a:schemeClr val="tx1"/>
+                  </a:solidFill>
+                </a:rPr>
+                <a:t>hospital_ownership</a:t>
+              </a:r>
+              <a:endParaRPr lang="en-US" sz="1050" dirty="0">
+                <a:solidFill>
+                  <a:schemeClr val="tx1"/>
+                </a:solidFill>
+              </a:endParaRPr>
+            </a:p>
+            <a:p>
+              <a:pPr marL="285750" indent="-285750">
+                <a:buFont typeface="Arial" panose="020B0604020202020204" pitchFamily="34" charset="0"/>
+                <a:buChar char="•"/>
+              </a:pPr>
+              <a:r>
+                <a:rPr lang="en-US" sz="1050" dirty="0" err="1">
+                  <a:solidFill>
+                    <a:schemeClr val="tx1"/>
+                  </a:solidFill>
+                </a:rPr>
+                <a:t>emergency_services</a:t>
+              </a:r>
+              <a:endParaRPr lang="en-US" sz="1050" dirty="0">
+                <a:solidFill>
+                  <a:schemeClr val="tx1"/>
+                </a:solidFill>
+              </a:endParaRPr>
+            </a:p>
+          </p:txBody>
+        </p:sp>
+        <p:sp>
+          <p:nvSpPr>
+            <p:cNvPr id="19" name="Rectangle 18"/>
+            <p:cNvSpPr/>
+            <p:nvPr/>
+          </p:nvSpPr>
+          <p:spPr>
+            <a:xfrm>
+              <a:off x="4091708" y="1958109"/>
+              <a:ext cx="2105891" cy="387927"/>
+            </a:xfrm>
+            <a:prstGeom prst="rect">
+              <a:avLst/>
+            </a:prstGeom>
+            <a:ln>
+              <a:solidFill>
+                <a:schemeClr val="tx1"/>
+              </a:solidFill>
+            </a:ln>
+          </p:spPr>
+          <p:style>
+            <a:lnRef idx="2">
+              <a:schemeClr val="accent1">
+                <a:shade val="50000"/>
+              </a:schemeClr>
+            </a:lnRef>
+            <a:fillRef idx="1">
+              <a:schemeClr val="accent1"/>
+            </a:fillRef>
+            <a:effectRef idx="0">
+              <a:schemeClr val="accent1"/>
+            </a:effectRef>
+            <a:fontRef idx="minor">
+              <a:schemeClr val="lt1"/>
+            </a:fontRef>
+          </p:style>
+          <p:txBody>
+            <a:bodyPr rtlCol="0" anchor="ctr"/>
+            <a:lstStyle/>
+            <a:p>
+              <a:pPr algn="ctr"/>
+              <a:r>
+                <a:rPr lang="en-US" sz="1050" dirty="0"/>
+                <a:t>hospitals</a:t>
+              </a:r>
+            </a:p>
+          </p:txBody>
+        </p:sp>
+      </p:grpSp>
+      <p:grpSp>
+        <p:nvGrpSpPr>
+          <p:cNvPr id="20" name="Group 19"/>
+          <p:cNvGrpSpPr/>
+          <p:nvPr/>
+        </p:nvGrpSpPr>
+        <p:grpSpPr>
+          <a:xfrm>
+            <a:off x="9056253" y="4627417"/>
+            <a:ext cx="1745673" cy="2207491"/>
+            <a:chOff x="4091708" y="1958109"/>
+            <a:chExt cx="2105892" cy="2530763"/>
+          </a:xfrm>
+        </p:grpSpPr>
+        <p:sp>
+          <p:nvSpPr>
+            <p:cNvPr id="21" name="Rectangle 20"/>
+            <p:cNvSpPr/>
+            <p:nvPr/>
+          </p:nvSpPr>
+          <p:spPr>
+            <a:xfrm>
+              <a:off x="4091710" y="2346035"/>
+              <a:ext cx="2105890" cy="2142837"/>
+            </a:xfrm>
+            <a:prstGeom prst="rect">
+              <a:avLst/>
+            </a:prstGeom>
+            <a:solidFill>
+              <a:schemeClr val="bg1"/>
+            </a:solidFill>
+            <a:ln>
+              <a:solidFill>
+                <a:schemeClr val="tx1"/>
+              </a:solidFill>
+            </a:ln>
+          </p:spPr>
+          <p:style>
+            <a:lnRef idx="2">
+              <a:schemeClr val="accent1">
+                <a:shade val="50000"/>
+              </a:schemeClr>
+            </a:lnRef>
+            <a:fillRef idx="1">
+              <a:schemeClr val="accent1"/>
+            </a:fillRef>
+            <a:effectRef idx="0">
+              <a:schemeClr val="accent1"/>
+            </a:effectRef>
+            <a:fontRef idx="minor">
+              <a:schemeClr val="lt1"/>
+            </a:fontRef>
+          </p:style>
+          <p:txBody>
+            <a:bodyPr rtlCol="0" anchor="t"/>
+            <a:lstStyle/>
+            <a:p>
+              <a:pPr marL="285750" indent="-285750">
+                <a:buFont typeface="Arial" panose="020B0604020202020204" pitchFamily="34" charset="0"/>
+                <a:buChar char="•"/>
+              </a:pPr>
+              <a:r>
+                <a:rPr lang="en-US" sz="1050" dirty="0" err="1">
+                  <a:solidFill>
+                    <a:schemeClr val="tx1"/>
+                  </a:solidFill>
+                </a:rPr>
+                <a:t>hospital_id</a:t>
+              </a:r>
+              <a:endParaRPr lang="en-US" sz="1050" dirty="0">
+                <a:solidFill>
+                  <a:schemeClr val="tx1"/>
+                </a:solidFill>
+              </a:endParaRPr>
+            </a:p>
+            <a:p>
+              <a:pPr marL="285750" indent="-285750">
+                <a:buFont typeface="Arial" panose="020B0604020202020204" pitchFamily="34" charset="0"/>
+                <a:buChar char="•"/>
+              </a:pPr>
+              <a:r>
+                <a:rPr lang="en-US" sz="1050" dirty="0" err="1">
+                  <a:solidFill>
+                    <a:schemeClr val="tx1"/>
+                  </a:solidFill>
+                </a:rPr>
+                <a:t>hospital_name</a:t>
+              </a:r>
+              <a:endParaRPr lang="en-US" sz="1050" dirty="0">
+                <a:solidFill>
+                  <a:schemeClr val="tx1"/>
+                </a:solidFill>
+              </a:endParaRPr>
+            </a:p>
+            <a:p>
+              <a:pPr marL="285750" indent="-285750">
+                <a:buFont typeface="Arial" panose="020B0604020202020204" pitchFamily="34" charset="0"/>
+                <a:buChar char="•"/>
+              </a:pPr>
+              <a:r>
+                <a:rPr lang="en-US" sz="1050" dirty="0">
+                  <a:solidFill>
+                    <a:schemeClr val="tx1"/>
+                  </a:solidFill>
+                </a:rPr>
+                <a:t>address</a:t>
+              </a:r>
+            </a:p>
+            <a:p>
+              <a:pPr marL="285750" indent="-285750">
+                <a:buFont typeface="Arial" panose="020B0604020202020204" pitchFamily="34" charset="0"/>
+                <a:buChar char="•"/>
+              </a:pPr>
+              <a:r>
+                <a:rPr lang="en-US" sz="1050" dirty="0">
+                  <a:solidFill>
+                    <a:schemeClr val="tx1"/>
+                  </a:solidFill>
+                </a:rPr>
+                <a:t>city</a:t>
+              </a:r>
+            </a:p>
+            <a:p>
+              <a:pPr marL="285750" indent="-285750">
+                <a:buFont typeface="Arial" panose="020B0604020202020204" pitchFamily="34" charset="0"/>
+                <a:buChar char="•"/>
+              </a:pPr>
+              <a:r>
+                <a:rPr lang="en-US" sz="1050" dirty="0">
+                  <a:solidFill>
+                    <a:schemeClr val="tx1"/>
+                  </a:solidFill>
+                </a:rPr>
+                <a:t>state</a:t>
+              </a:r>
+            </a:p>
+            <a:p>
+              <a:pPr marL="285750" indent="-285750">
+                <a:buFont typeface="Arial" panose="020B0604020202020204" pitchFamily="34" charset="0"/>
+                <a:buChar char="•"/>
+              </a:pPr>
+              <a:r>
+                <a:rPr lang="en-US" sz="1050" dirty="0" err="1">
+                  <a:solidFill>
+                    <a:schemeClr val="tx1"/>
+                  </a:solidFill>
+                </a:rPr>
+                <a:t>zip_code</a:t>
+              </a:r>
+              <a:endParaRPr lang="en-US" sz="1050" dirty="0">
+                <a:solidFill>
+                  <a:schemeClr val="tx1"/>
+                </a:solidFill>
+              </a:endParaRPr>
+            </a:p>
+            <a:p>
+              <a:pPr marL="285750" indent="-285750">
+                <a:buFont typeface="Arial" panose="020B0604020202020204" pitchFamily="34" charset="0"/>
+                <a:buChar char="•"/>
+              </a:pPr>
+              <a:r>
+                <a:rPr lang="en-US" sz="1050" dirty="0" err="1">
+                  <a:solidFill>
+                    <a:schemeClr val="tx1"/>
+                  </a:solidFill>
+                </a:rPr>
+                <a:t>county_name</a:t>
+              </a:r>
+              <a:endParaRPr lang="en-US" sz="1050" dirty="0">
+                <a:solidFill>
+                  <a:schemeClr val="tx1"/>
+                </a:solidFill>
+              </a:endParaRPr>
+            </a:p>
+            <a:p>
+              <a:pPr marL="285750" indent="-285750">
+                <a:buFont typeface="Arial" panose="020B0604020202020204" pitchFamily="34" charset="0"/>
+                <a:buChar char="•"/>
+              </a:pPr>
+              <a:r>
+                <a:rPr lang="en-US" sz="1050" dirty="0" err="1">
+                  <a:solidFill>
+                    <a:schemeClr val="tx1"/>
+                  </a:solidFill>
+                </a:rPr>
+                <a:t>phone_number</a:t>
+              </a:r>
+              <a:endParaRPr lang="en-US" sz="1050" dirty="0">
+                <a:solidFill>
+                  <a:schemeClr val="tx1"/>
+                </a:solidFill>
+              </a:endParaRPr>
+            </a:p>
+            <a:p>
+              <a:pPr marL="285750" indent="-285750">
+                <a:buFont typeface="Arial" panose="020B0604020202020204" pitchFamily="34" charset="0"/>
+                <a:buChar char="•"/>
+              </a:pPr>
+              <a:r>
+                <a:rPr lang="en-US" sz="1050" dirty="0" err="1">
+                  <a:solidFill>
+                    <a:schemeClr val="tx1"/>
+                  </a:solidFill>
+                </a:rPr>
+                <a:t>hospital_type</a:t>
+              </a:r>
+              <a:endParaRPr lang="en-US" sz="1050" dirty="0">
+                <a:solidFill>
+                  <a:schemeClr val="tx1"/>
+                </a:solidFill>
+              </a:endParaRPr>
+            </a:p>
+            <a:p>
+              <a:pPr marL="285750" indent="-285750">
+                <a:buFont typeface="Arial" panose="020B0604020202020204" pitchFamily="34" charset="0"/>
+                <a:buChar char="•"/>
+              </a:pPr>
+              <a:r>
+                <a:rPr lang="en-US" sz="1050" dirty="0" err="1">
+                  <a:solidFill>
+                    <a:schemeClr val="tx1"/>
+                  </a:solidFill>
+                </a:rPr>
+                <a:t>hospital_ownership</a:t>
+              </a:r>
+              <a:endParaRPr lang="en-US" sz="1050" dirty="0">
+                <a:solidFill>
+                  <a:schemeClr val="tx1"/>
+                </a:solidFill>
+              </a:endParaRPr>
+            </a:p>
+            <a:p>
+              <a:pPr marL="285750" indent="-285750">
+                <a:buFont typeface="Arial" panose="020B0604020202020204" pitchFamily="34" charset="0"/>
+                <a:buChar char="•"/>
+              </a:pPr>
+              <a:r>
+                <a:rPr lang="en-US" sz="1050" dirty="0" err="1">
+                  <a:solidFill>
+                    <a:schemeClr val="tx1"/>
+                  </a:solidFill>
+                </a:rPr>
+                <a:t>emergency_services</a:t>
+              </a:r>
+              <a:endParaRPr lang="en-US" sz="1050" dirty="0">
+                <a:solidFill>
+                  <a:schemeClr val="tx1"/>
+                </a:solidFill>
+              </a:endParaRPr>
+            </a:p>
+          </p:txBody>
+        </p:sp>
+        <p:sp>
+          <p:nvSpPr>
+            <p:cNvPr id="22" name="Rectangle 21"/>
+            <p:cNvSpPr/>
+            <p:nvPr/>
+          </p:nvSpPr>
+          <p:spPr>
+            <a:xfrm>
+              <a:off x="4091708" y="1958109"/>
+              <a:ext cx="2105891" cy="387927"/>
+            </a:xfrm>
+            <a:prstGeom prst="rect">
+              <a:avLst/>
+            </a:prstGeom>
+            <a:ln>
+              <a:solidFill>
+                <a:schemeClr val="tx1"/>
+              </a:solidFill>
+            </a:ln>
+          </p:spPr>
+          <p:style>
+            <a:lnRef idx="2">
+              <a:schemeClr val="accent1">
+                <a:shade val="50000"/>
+              </a:schemeClr>
+            </a:lnRef>
+            <a:fillRef idx="1">
+              <a:schemeClr val="accent1"/>
+            </a:fillRef>
+            <a:effectRef idx="0">
+              <a:schemeClr val="accent1"/>
+            </a:effectRef>
+            <a:fontRef idx="minor">
+              <a:schemeClr val="lt1"/>
+            </a:fontRef>
+          </p:style>
+          <p:txBody>
+            <a:bodyPr rtlCol="0" anchor="ctr"/>
+            <a:lstStyle/>
+            <a:p>
+              <a:pPr algn="ctr"/>
+              <a:r>
+                <a:rPr lang="en-US" sz="1050" dirty="0"/>
+                <a:t>hospitals</a:t>
+              </a:r>
+            </a:p>
+          </p:txBody>
+        </p:sp>
+      </p:grpSp>
     </p:spTree>
     <p:extLst>
       <p:ext uri="{BB962C8B-B14F-4D97-AF65-F5344CB8AC3E}">

--- a/documents/ERF.pptx
+++ b/documents/ERF.pptx
@@ -6,6 +6,7 @@
   </p:sldMasterIdLst>
   <p:sldIdLst>
     <p:sldId id="257" r:id="rId2"/>
+    <p:sldId id="258" r:id="rId3"/>
   </p:sldIdLst>
   <p:sldSz cx="12192000" cy="6858000"/>
   <p:notesSz cx="6858000" cy="9144000"/>
@@ -241,7 +242,7 @@
           <a:p>
             <a:fld id="{9CF71C48-D304-4A48-BAC6-9C5BC7076525}" type="datetimeFigureOut">
               <a:rPr lang="en-US" smtClean="0"/>
-              <a:t>10/25/2017</a:t>
+              <a:t>10/27/2017</a:t>
             </a:fld>
             <a:endParaRPr lang="en-US"/>
           </a:p>
@@ -409,7 +410,7 @@
           <a:p>
             <a:fld id="{9CF71C48-D304-4A48-BAC6-9C5BC7076525}" type="datetimeFigureOut">
               <a:rPr lang="en-US" smtClean="0"/>
-              <a:t>10/25/2017</a:t>
+              <a:t>10/27/2017</a:t>
             </a:fld>
             <a:endParaRPr lang="en-US"/>
           </a:p>
@@ -587,7 +588,7 @@
           <a:p>
             <a:fld id="{9CF71C48-D304-4A48-BAC6-9C5BC7076525}" type="datetimeFigureOut">
               <a:rPr lang="en-US" smtClean="0"/>
-              <a:t>10/25/2017</a:t>
+              <a:t>10/27/2017</a:t>
             </a:fld>
             <a:endParaRPr lang="en-US"/>
           </a:p>
@@ -755,7 +756,7 @@
           <a:p>
             <a:fld id="{9CF71C48-D304-4A48-BAC6-9C5BC7076525}" type="datetimeFigureOut">
               <a:rPr lang="en-US" smtClean="0"/>
-              <a:t>10/25/2017</a:t>
+              <a:t>10/27/2017</a:t>
             </a:fld>
             <a:endParaRPr lang="en-US"/>
           </a:p>
@@ -1000,7 +1001,7 @@
           <a:p>
             <a:fld id="{9CF71C48-D304-4A48-BAC6-9C5BC7076525}" type="datetimeFigureOut">
               <a:rPr lang="en-US" smtClean="0"/>
-              <a:t>10/25/2017</a:t>
+              <a:t>10/27/2017</a:t>
             </a:fld>
             <a:endParaRPr lang="en-US"/>
           </a:p>
@@ -1229,7 +1230,7 @@
           <a:p>
             <a:fld id="{9CF71C48-D304-4A48-BAC6-9C5BC7076525}" type="datetimeFigureOut">
               <a:rPr lang="en-US" smtClean="0"/>
-              <a:t>10/25/2017</a:t>
+              <a:t>10/27/2017</a:t>
             </a:fld>
             <a:endParaRPr lang="en-US"/>
           </a:p>
@@ -1593,7 +1594,7 @@
           <a:p>
             <a:fld id="{9CF71C48-D304-4A48-BAC6-9C5BC7076525}" type="datetimeFigureOut">
               <a:rPr lang="en-US" smtClean="0"/>
-              <a:t>10/25/2017</a:t>
+              <a:t>10/27/2017</a:t>
             </a:fld>
             <a:endParaRPr lang="en-US"/>
           </a:p>
@@ -1710,7 +1711,7 @@
           <a:p>
             <a:fld id="{9CF71C48-D304-4A48-BAC6-9C5BC7076525}" type="datetimeFigureOut">
               <a:rPr lang="en-US" smtClean="0"/>
-              <a:t>10/25/2017</a:t>
+              <a:t>10/27/2017</a:t>
             </a:fld>
             <a:endParaRPr lang="en-US"/>
           </a:p>
@@ -1805,7 +1806,7 @@
           <a:p>
             <a:fld id="{9CF71C48-D304-4A48-BAC6-9C5BC7076525}" type="datetimeFigureOut">
               <a:rPr lang="en-US" smtClean="0"/>
-              <a:t>10/25/2017</a:t>
+              <a:t>10/27/2017</a:t>
             </a:fld>
             <a:endParaRPr lang="en-US"/>
           </a:p>
@@ -2080,7 +2081,7 @@
           <a:p>
             <a:fld id="{9CF71C48-D304-4A48-BAC6-9C5BC7076525}" type="datetimeFigureOut">
               <a:rPr lang="en-US" smtClean="0"/>
-              <a:t>10/25/2017</a:t>
+              <a:t>10/27/2017</a:t>
             </a:fld>
             <a:endParaRPr lang="en-US"/>
           </a:p>
@@ -2332,7 +2333,7 @@
           <a:p>
             <a:fld id="{9CF71C48-D304-4A48-BAC6-9C5BC7076525}" type="datetimeFigureOut">
               <a:rPr lang="en-US" smtClean="0"/>
-              <a:t>10/25/2017</a:t>
+              <a:t>10/27/2017</a:t>
             </a:fld>
             <a:endParaRPr lang="en-US"/>
           </a:p>
@@ -2543,7 +2544,7 @@
           <a:p>
             <a:fld id="{9CF71C48-D304-4A48-BAC6-9C5BC7076525}" type="datetimeFigureOut">
               <a:rPr lang="en-US" smtClean="0"/>
-              <a:t>10/25/2017</a:t>
+              <a:t>10/27/2017</a:t>
             </a:fld>
             <a:endParaRPr lang="en-US"/>
           </a:p>
@@ -2956,7 +2957,7 @@
         </p:nvGrpSpPr>
         <p:grpSpPr>
           <a:xfrm>
-            <a:off x="4927596" y="2704128"/>
+            <a:off x="4404588" y="2825702"/>
             <a:ext cx="1745673" cy="1719211"/>
             <a:chOff x="4091708" y="1958109"/>
             <a:chExt cx="2105892" cy="1970978"/>
@@ -3015,7 +3016,7 @@
                     <a:schemeClr val="tx1"/>
                   </a:solidFill>
                 </a:rPr>
-                <a:t>hospital_id</a:t>
+                <a:t>provider_id</a:t>
               </a:r>
               <a:endParaRPr lang="en-US" sz="1050" dirty="0">
                 <a:solidFill>
@@ -3205,10 +3206,10 @@
         </p:nvGrpSpPr>
         <p:grpSpPr>
           <a:xfrm>
-            <a:off x="9056254" y="104091"/>
-            <a:ext cx="1745673" cy="2207491"/>
+            <a:off x="7532248" y="26228"/>
+            <a:ext cx="1879601" cy="3250394"/>
             <a:chOff x="4091708" y="1958109"/>
-            <a:chExt cx="2105892" cy="2530763"/>
+            <a:chExt cx="2105892" cy="4031541"/>
           </a:xfrm>
         </p:grpSpPr>
         <p:sp>
@@ -3219,8 +3220,8 @@
           </p:nvSpPr>
           <p:spPr>
             <a:xfrm>
-              <a:off x="4091710" y="2346035"/>
-              <a:ext cx="2105890" cy="2142837"/>
+              <a:off x="4091710" y="2346036"/>
+              <a:ext cx="2105890" cy="3643614"/>
             </a:xfrm>
             <a:prstGeom prst="rect">
               <a:avLst/>
@@ -3264,182 +3265,330 @@
                     <a:schemeClr val="tx1"/>
                   </a:solidFill>
                 </a:rPr>
-                <a:t>hospital_id</a:t>
-              </a:r>
-              <a:endParaRPr lang="en-US" sz="1050" dirty="0">
-                <a:solidFill>
-                  <a:schemeClr val="tx1"/>
-                </a:solidFill>
-              </a:endParaRPr>
-            </a:p>
-            <a:p>
-              <a:pPr marL="285750" indent="-285750">
-                <a:buFont typeface="Arial" panose="020B0604020202020204" pitchFamily="34" charset="0"/>
-                <a:buChar char="•"/>
-              </a:pPr>
-              <a:r>
-                <a:rPr lang="en-US" sz="1050" dirty="0" err="1">
-                  <a:solidFill>
-                    <a:schemeClr val="tx1"/>
-                  </a:solidFill>
-                </a:rPr>
-                <a:t>hospital_name</a:t>
-              </a:r>
-              <a:endParaRPr lang="en-US" sz="1050" dirty="0">
-                <a:solidFill>
-                  <a:schemeClr val="tx1"/>
-                </a:solidFill>
-              </a:endParaRPr>
-            </a:p>
-            <a:p>
-              <a:pPr marL="285750" indent="-285750">
-                <a:buFont typeface="Arial" panose="020B0604020202020204" pitchFamily="34" charset="0"/>
-                <a:buChar char="•"/>
-              </a:pPr>
-              <a:r>
-                <a:rPr lang="en-US" sz="1050" dirty="0">
-                  <a:solidFill>
-                    <a:schemeClr val="tx1"/>
-                  </a:solidFill>
-                </a:rPr>
-                <a:t>address</a:t>
-              </a:r>
-            </a:p>
-            <a:p>
-              <a:pPr marL="285750" indent="-285750">
-                <a:buFont typeface="Arial" panose="020B0604020202020204" pitchFamily="34" charset="0"/>
-                <a:buChar char="•"/>
-              </a:pPr>
-              <a:r>
-                <a:rPr lang="en-US" sz="1050" dirty="0">
-                  <a:solidFill>
-                    <a:schemeClr val="tx1"/>
-                  </a:solidFill>
-                </a:rPr>
-                <a:t>city</a:t>
-              </a:r>
-            </a:p>
-            <a:p>
-              <a:pPr marL="285750" indent="-285750">
-                <a:buFont typeface="Arial" panose="020B0604020202020204" pitchFamily="34" charset="0"/>
-                <a:buChar char="•"/>
-              </a:pPr>
-              <a:r>
-                <a:rPr lang="en-US" sz="1050" dirty="0">
-                  <a:solidFill>
-                    <a:schemeClr val="tx1"/>
-                  </a:solidFill>
-                </a:rPr>
-                <a:t>state</a:t>
-              </a:r>
-            </a:p>
-            <a:p>
-              <a:pPr marL="285750" indent="-285750">
-                <a:buFont typeface="Arial" panose="020B0604020202020204" pitchFamily="34" charset="0"/>
-                <a:buChar char="•"/>
-              </a:pPr>
-              <a:r>
-                <a:rPr lang="en-US" sz="1050" dirty="0" err="1">
-                  <a:solidFill>
-                    <a:schemeClr val="tx1"/>
-                  </a:solidFill>
-                </a:rPr>
-                <a:t>zip_code</a:t>
-              </a:r>
-              <a:endParaRPr lang="en-US" sz="1050" dirty="0">
-                <a:solidFill>
-                  <a:schemeClr val="tx1"/>
-                </a:solidFill>
-              </a:endParaRPr>
-            </a:p>
-            <a:p>
-              <a:pPr marL="285750" indent="-285750">
-                <a:buFont typeface="Arial" panose="020B0604020202020204" pitchFamily="34" charset="0"/>
-                <a:buChar char="•"/>
-              </a:pPr>
-              <a:r>
-                <a:rPr lang="en-US" sz="1050" dirty="0" err="1">
-                  <a:solidFill>
-                    <a:schemeClr val="tx1"/>
-                  </a:solidFill>
-                </a:rPr>
-                <a:t>county_name</a:t>
-              </a:r>
-              <a:endParaRPr lang="en-US" sz="1050" dirty="0">
-                <a:solidFill>
-                  <a:schemeClr val="tx1"/>
-                </a:solidFill>
-              </a:endParaRPr>
-            </a:p>
-            <a:p>
-              <a:pPr marL="285750" indent="-285750">
-                <a:buFont typeface="Arial" panose="020B0604020202020204" pitchFamily="34" charset="0"/>
-                <a:buChar char="•"/>
-              </a:pPr>
-              <a:r>
-                <a:rPr lang="en-US" sz="1050" dirty="0" err="1">
-                  <a:solidFill>
-                    <a:schemeClr val="tx1"/>
-                  </a:solidFill>
-                </a:rPr>
-                <a:t>phone_number</a:t>
-              </a:r>
-              <a:endParaRPr lang="en-US" sz="1050" dirty="0">
-                <a:solidFill>
-                  <a:schemeClr val="tx1"/>
-                </a:solidFill>
-              </a:endParaRPr>
-            </a:p>
-            <a:p>
-              <a:pPr marL="285750" indent="-285750">
-                <a:buFont typeface="Arial" panose="020B0604020202020204" pitchFamily="34" charset="0"/>
-                <a:buChar char="•"/>
-              </a:pPr>
-              <a:r>
-                <a:rPr lang="en-US" sz="1050" dirty="0" err="1">
-                  <a:solidFill>
-                    <a:schemeClr val="tx1"/>
-                  </a:solidFill>
-                </a:rPr>
-                <a:t>hospital_type</a:t>
-              </a:r>
-              <a:endParaRPr lang="en-US" sz="1050" dirty="0">
-                <a:solidFill>
-                  <a:schemeClr val="tx1"/>
-                </a:solidFill>
-              </a:endParaRPr>
-            </a:p>
-            <a:p>
-              <a:pPr marL="285750" indent="-285750">
-                <a:buFont typeface="Arial" panose="020B0604020202020204" pitchFamily="34" charset="0"/>
-                <a:buChar char="•"/>
-              </a:pPr>
-              <a:r>
-                <a:rPr lang="en-US" sz="1050" dirty="0" err="1">
-                  <a:solidFill>
-                    <a:schemeClr val="tx1"/>
-                  </a:solidFill>
-                </a:rPr>
-                <a:t>hospital_ownership</a:t>
-              </a:r>
-              <a:endParaRPr lang="en-US" sz="1050" dirty="0">
-                <a:solidFill>
-                  <a:schemeClr val="tx1"/>
-                </a:solidFill>
-              </a:endParaRPr>
-            </a:p>
-            <a:p>
-              <a:pPr marL="285750" indent="-285750">
-                <a:buFont typeface="Arial" panose="020B0604020202020204" pitchFamily="34" charset="0"/>
-                <a:buChar char="•"/>
-              </a:pPr>
-              <a:r>
-                <a:rPr lang="en-US" sz="1050" dirty="0" err="1">
-                  <a:solidFill>
-                    <a:schemeClr val="tx1"/>
-                  </a:solidFill>
-                </a:rPr>
-                <a:t>emergency_services</a:t>
+                <a:t>provider_id</a:t>
+              </a:r>
+              <a:endParaRPr lang="en-US" sz="1050" dirty="0">
+                <a:solidFill>
+                  <a:schemeClr val="tx1"/>
+                </a:solidFill>
+              </a:endParaRPr>
+            </a:p>
+            <a:p>
+              <a:pPr marL="285750" indent="-285750">
+                <a:buFont typeface="Arial" panose="020B0604020202020204" pitchFamily="34" charset="0"/>
+                <a:buChar char="•"/>
+              </a:pPr>
+              <a:r>
+                <a:rPr lang="en-US" sz="1050" dirty="0" err="1">
+                  <a:solidFill>
+                    <a:schemeClr val="tx1"/>
+                  </a:solidFill>
+                </a:rPr>
+                <a:t>tha_tka_complications</a:t>
+              </a:r>
+              <a:endParaRPr lang="en-US" sz="1050" dirty="0">
+                <a:solidFill>
+                  <a:schemeClr val="tx1"/>
+                </a:solidFill>
+              </a:endParaRPr>
+            </a:p>
+            <a:p>
+              <a:pPr marL="285750" indent="-285750">
+                <a:buFont typeface="Arial" panose="020B0604020202020204" pitchFamily="34" charset="0"/>
+                <a:buChar char="•"/>
+              </a:pPr>
+              <a:r>
+                <a:rPr lang="en-US" sz="1050" dirty="0" err="1">
+                  <a:solidFill>
+                    <a:schemeClr val="tx1"/>
+                  </a:solidFill>
+                </a:rPr>
+                <a:t>ami_mortality</a:t>
+              </a:r>
+              <a:endParaRPr lang="en-US" sz="1050" dirty="0">
+                <a:solidFill>
+                  <a:schemeClr val="tx1"/>
+                </a:solidFill>
+              </a:endParaRPr>
+            </a:p>
+            <a:p>
+              <a:pPr marL="285750" indent="-285750">
+                <a:buFont typeface="Arial" panose="020B0604020202020204" pitchFamily="34" charset="0"/>
+                <a:buChar char="•"/>
+              </a:pPr>
+              <a:r>
+                <a:rPr lang="en-US" sz="1050" dirty="0" err="1">
+                  <a:solidFill>
+                    <a:schemeClr val="tx1"/>
+                  </a:solidFill>
+                </a:rPr>
+                <a:t>cabg_mortality</a:t>
+              </a:r>
+              <a:endParaRPr lang="en-US" sz="1050" dirty="0">
+                <a:solidFill>
+                  <a:schemeClr val="tx1"/>
+                </a:solidFill>
+              </a:endParaRPr>
+            </a:p>
+            <a:p>
+              <a:pPr marL="285750" indent="-285750">
+                <a:buFont typeface="Arial" panose="020B0604020202020204" pitchFamily="34" charset="0"/>
+                <a:buChar char="•"/>
+              </a:pPr>
+              <a:r>
+                <a:rPr lang="en-US" sz="1050" dirty="0" err="1">
+                  <a:solidFill>
+                    <a:schemeClr val="tx1"/>
+                  </a:solidFill>
+                </a:rPr>
+                <a:t>copd_mortality</a:t>
+              </a:r>
+              <a:endParaRPr lang="en-US" sz="1050" dirty="0">
+                <a:solidFill>
+                  <a:schemeClr val="tx1"/>
+                </a:solidFill>
+              </a:endParaRPr>
+            </a:p>
+            <a:p>
+              <a:pPr marL="285750" indent="-285750">
+                <a:buFont typeface="Arial" panose="020B0604020202020204" pitchFamily="34" charset="0"/>
+                <a:buChar char="•"/>
+              </a:pPr>
+              <a:r>
+                <a:rPr lang="en-US" sz="1050" dirty="0" err="1">
+                  <a:solidFill>
+                    <a:schemeClr val="tx1"/>
+                  </a:solidFill>
+                </a:rPr>
+                <a:t>hf_mortality</a:t>
+              </a:r>
+              <a:endParaRPr lang="en-US" sz="1050" dirty="0">
+                <a:solidFill>
+                  <a:schemeClr val="tx1"/>
+                </a:solidFill>
+              </a:endParaRPr>
+            </a:p>
+            <a:p>
+              <a:pPr marL="285750" indent="-285750">
+                <a:buFont typeface="Arial" panose="020B0604020202020204" pitchFamily="34" charset="0"/>
+                <a:buChar char="•"/>
+              </a:pPr>
+              <a:r>
+                <a:rPr lang="en-US" sz="1050" dirty="0" err="1">
+                  <a:solidFill>
+                    <a:schemeClr val="tx1"/>
+                  </a:solidFill>
+                </a:rPr>
+                <a:t>pneumonia_mortality</a:t>
+              </a:r>
+              <a:endParaRPr lang="en-US" sz="1050" dirty="0">
+                <a:solidFill>
+                  <a:schemeClr val="tx1"/>
+                </a:solidFill>
+              </a:endParaRPr>
+            </a:p>
+            <a:p>
+              <a:pPr marL="285750" indent="-285750">
+                <a:buFont typeface="Arial" panose="020B0604020202020204" pitchFamily="34" charset="0"/>
+                <a:buChar char="•"/>
+              </a:pPr>
+              <a:r>
+                <a:rPr lang="en-US" sz="1050" dirty="0" err="1">
+                  <a:solidFill>
+                    <a:schemeClr val="tx1"/>
+                  </a:solidFill>
+                </a:rPr>
+                <a:t>stroke_mortality</a:t>
+              </a:r>
+              <a:endParaRPr lang="en-US" sz="1050" dirty="0">
+                <a:solidFill>
+                  <a:schemeClr val="tx1"/>
+                </a:solidFill>
+              </a:endParaRPr>
+            </a:p>
+            <a:p>
+              <a:pPr marL="285750" indent="-285750">
+                <a:buFont typeface="Arial" panose="020B0604020202020204" pitchFamily="34" charset="0"/>
+                <a:buChar char="•"/>
+              </a:pPr>
+              <a:r>
+                <a:rPr lang="en-US" sz="1050" dirty="0" err="1">
+                  <a:solidFill>
+                    <a:schemeClr val="tx1"/>
+                  </a:solidFill>
+                </a:rPr>
+                <a:t>blood_clots</a:t>
+              </a:r>
+              <a:endParaRPr lang="en-US" sz="1050" dirty="0">
+                <a:solidFill>
+                  <a:schemeClr val="tx1"/>
+                </a:solidFill>
+              </a:endParaRPr>
+            </a:p>
+            <a:p>
+              <a:pPr marL="285750" indent="-285750">
+                <a:buFont typeface="Arial" panose="020B0604020202020204" pitchFamily="34" charset="0"/>
+                <a:buChar char="•"/>
+              </a:pPr>
+              <a:r>
+                <a:rPr lang="en-US" sz="1050" dirty="0" err="1">
+                  <a:solidFill>
+                    <a:schemeClr val="tx1"/>
+                  </a:solidFill>
+                </a:rPr>
+                <a:t>blood_infections</a:t>
+              </a:r>
+              <a:endParaRPr lang="en-US" sz="1050" dirty="0">
+                <a:solidFill>
+                  <a:schemeClr val="tx1"/>
+                </a:solidFill>
+              </a:endParaRPr>
+            </a:p>
+            <a:p>
+              <a:pPr marL="285750" indent="-285750">
+                <a:buFont typeface="Arial" panose="020B0604020202020204" pitchFamily="34" charset="0"/>
+                <a:buChar char="•"/>
+              </a:pPr>
+              <a:r>
+                <a:rPr lang="en-US" sz="1050" dirty="0" err="1">
+                  <a:solidFill>
+                    <a:schemeClr val="tx1"/>
+                  </a:solidFill>
+                </a:rPr>
+                <a:t>wound_open</a:t>
+              </a:r>
+              <a:endParaRPr lang="en-US" sz="1050" dirty="0">
+                <a:solidFill>
+                  <a:schemeClr val="tx1"/>
+                </a:solidFill>
+              </a:endParaRPr>
+            </a:p>
+            <a:p>
+              <a:pPr marL="285750" indent="-285750">
+                <a:buFont typeface="Arial" panose="020B0604020202020204" pitchFamily="34" charset="0"/>
+                <a:buChar char="•"/>
+              </a:pPr>
+              <a:r>
+                <a:rPr lang="en-US" sz="1050" dirty="0" err="1">
+                  <a:solidFill>
+                    <a:schemeClr val="tx1"/>
+                  </a:solidFill>
+                </a:rPr>
+                <a:t>cut_tears</a:t>
+              </a:r>
+              <a:endParaRPr lang="en-US" sz="1050" dirty="0">
+                <a:solidFill>
+                  <a:schemeClr val="tx1"/>
+                </a:solidFill>
+              </a:endParaRPr>
+            </a:p>
+            <a:p>
+              <a:pPr marL="285750" indent="-285750">
+                <a:buFont typeface="Arial" panose="020B0604020202020204" pitchFamily="34" charset="0"/>
+                <a:buChar char="•"/>
+              </a:pPr>
+              <a:r>
+                <a:rPr lang="en-US" sz="1050" dirty="0" err="1">
+                  <a:solidFill>
+                    <a:schemeClr val="tx1"/>
+                  </a:solidFill>
+                </a:rPr>
+                <a:t>pressure_sores</a:t>
+              </a:r>
+              <a:endParaRPr lang="en-US" sz="1050" dirty="0">
+                <a:solidFill>
+                  <a:schemeClr val="tx1"/>
+                </a:solidFill>
+              </a:endParaRPr>
+            </a:p>
+            <a:p>
+              <a:pPr marL="285750" indent="-285750">
+                <a:buFont typeface="Arial" panose="020B0604020202020204" pitchFamily="34" charset="0"/>
+                <a:buChar char="•"/>
+              </a:pPr>
+              <a:r>
+                <a:rPr lang="en-US" sz="1050" dirty="0" err="1">
+                  <a:solidFill>
+                    <a:schemeClr val="tx1"/>
+                  </a:solidFill>
+                </a:rPr>
+                <a:t>complications_mortality</a:t>
+              </a:r>
+              <a:endParaRPr lang="en-US" sz="1050" dirty="0">
+                <a:solidFill>
+                  <a:schemeClr val="tx1"/>
+                </a:solidFill>
+              </a:endParaRPr>
+            </a:p>
+            <a:p>
+              <a:pPr marL="285750" indent="-285750">
+                <a:buFont typeface="Arial" panose="020B0604020202020204" pitchFamily="34" charset="0"/>
+                <a:buChar char="•"/>
+              </a:pPr>
+              <a:r>
+                <a:rPr lang="en-US" sz="1050" dirty="0" err="1">
+                  <a:solidFill>
+                    <a:schemeClr val="tx1"/>
+                  </a:solidFill>
+                </a:rPr>
+                <a:t>collapsed_lung</a:t>
+              </a:r>
+              <a:endParaRPr lang="en-US" sz="1050" dirty="0">
+                <a:solidFill>
+                  <a:schemeClr val="tx1"/>
+                </a:solidFill>
+              </a:endParaRPr>
+            </a:p>
+            <a:p>
+              <a:pPr marL="285750" indent="-285750">
+                <a:buFont typeface="Arial" panose="020B0604020202020204" pitchFamily="34" charset="0"/>
+                <a:buChar char="•"/>
+              </a:pPr>
+              <a:r>
+                <a:rPr lang="en-US" sz="1050" dirty="0" err="1">
+                  <a:solidFill>
+                    <a:schemeClr val="tx1"/>
+                  </a:solidFill>
+                </a:rPr>
+                <a:t>catheter_infections</a:t>
+              </a:r>
+              <a:endParaRPr lang="en-US" sz="1050" dirty="0">
+                <a:solidFill>
+                  <a:schemeClr val="tx1"/>
+                </a:solidFill>
+              </a:endParaRPr>
+            </a:p>
+            <a:p>
+              <a:pPr marL="285750" indent="-285750">
+                <a:buFont typeface="Arial" panose="020B0604020202020204" pitchFamily="34" charset="0"/>
+                <a:buChar char="•"/>
+              </a:pPr>
+              <a:r>
+                <a:rPr lang="en-US" sz="1050" dirty="0" err="1">
+                  <a:solidFill>
+                    <a:schemeClr val="tx1"/>
+                  </a:solidFill>
+                </a:rPr>
+                <a:t>broken_hip_fell</a:t>
+              </a:r>
+              <a:endParaRPr lang="en-US" sz="1050" dirty="0">
+                <a:solidFill>
+                  <a:schemeClr val="tx1"/>
+                </a:solidFill>
+              </a:endParaRPr>
+            </a:p>
+            <a:p>
+              <a:pPr marL="285750" indent="-285750">
+                <a:buFont typeface="Arial" panose="020B0604020202020204" pitchFamily="34" charset="0"/>
+                <a:buChar char="•"/>
+              </a:pPr>
+              <a:r>
+                <a:rPr lang="en-US" sz="1050" dirty="0" err="1">
+                  <a:solidFill>
+                    <a:schemeClr val="tx1"/>
+                  </a:solidFill>
+                </a:rPr>
+                <a:t>serious_complications</a:t>
               </a:r>
               <a:endParaRPr lang="en-US" sz="1050" dirty="0">
                 <a:solidFill>
@@ -3492,7 +3641,7 @@
               <a:pPr algn="ctr"/>
               <a:r>
                 <a:rPr lang="en-US" sz="1050" dirty="0"/>
-                <a:t>hospitals</a:t>
+                <a:t>complications</a:t>
               </a:r>
             </a:p>
           </p:txBody>
@@ -3506,10 +3655,10 @@
         </p:nvGrpSpPr>
         <p:grpSpPr>
           <a:xfrm>
-            <a:off x="9056253" y="2365754"/>
-            <a:ext cx="1745673" cy="2207491"/>
+            <a:off x="10136910" y="2939253"/>
+            <a:ext cx="1745673" cy="3480424"/>
             <a:chOff x="4091708" y="1958109"/>
-            <a:chExt cx="2105892" cy="2530763"/>
+            <a:chExt cx="2105892" cy="3990108"/>
           </a:xfrm>
         </p:grpSpPr>
         <p:sp>
@@ -3520,8 +3669,8 @@
           </p:nvSpPr>
           <p:spPr>
             <a:xfrm>
-              <a:off x="4091710" y="2346035"/>
-              <a:ext cx="2105890" cy="2142837"/>
+              <a:off x="4091710" y="2346036"/>
+              <a:ext cx="2105890" cy="3602181"/>
             </a:xfrm>
             <a:prstGeom prst="rect">
               <a:avLst/>
@@ -3565,182 +3714,349 @@
                     <a:schemeClr val="tx1"/>
                   </a:solidFill>
                 </a:rPr>
-                <a:t>hospital_id</a:t>
-              </a:r>
-              <a:endParaRPr lang="en-US" sz="1050" dirty="0">
-                <a:solidFill>
-                  <a:schemeClr val="tx1"/>
-                </a:solidFill>
-              </a:endParaRPr>
-            </a:p>
-            <a:p>
-              <a:pPr marL="285750" indent="-285750">
-                <a:buFont typeface="Arial" panose="020B0604020202020204" pitchFamily="34" charset="0"/>
-                <a:buChar char="•"/>
-              </a:pPr>
-              <a:r>
-                <a:rPr lang="en-US" sz="1050" dirty="0" err="1">
-                  <a:solidFill>
-                    <a:schemeClr val="tx1"/>
-                  </a:solidFill>
-                </a:rPr>
-                <a:t>hospital_name</a:t>
-              </a:r>
-              <a:endParaRPr lang="en-US" sz="1050" dirty="0">
-                <a:solidFill>
-                  <a:schemeClr val="tx1"/>
-                </a:solidFill>
-              </a:endParaRPr>
-            </a:p>
-            <a:p>
-              <a:pPr marL="285750" indent="-285750">
-                <a:buFont typeface="Arial" panose="020B0604020202020204" pitchFamily="34" charset="0"/>
-                <a:buChar char="•"/>
-              </a:pPr>
-              <a:r>
-                <a:rPr lang="en-US" sz="1050" dirty="0">
-                  <a:solidFill>
-                    <a:schemeClr val="tx1"/>
-                  </a:solidFill>
-                </a:rPr>
-                <a:t>address</a:t>
-              </a:r>
-            </a:p>
-            <a:p>
-              <a:pPr marL="285750" indent="-285750">
-                <a:buFont typeface="Arial" panose="020B0604020202020204" pitchFamily="34" charset="0"/>
-                <a:buChar char="•"/>
-              </a:pPr>
-              <a:r>
-                <a:rPr lang="en-US" sz="1050" dirty="0">
-                  <a:solidFill>
-                    <a:schemeClr val="tx1"/>
-                  </a:solidFill>
-                </a:rPr>
-                <a:t>city</a:t>
-              </a:r>
-            </a:p>
-            <a:p>
-              <a:pPr marL="285750" indent="-285750">
-                <a:buFont typeface="Arial" panose="020B0604020202020204" pitchFamily="34" charset="0"/>
-                <a:buChar char="•"/>
-              </a:pPr>
-              <a:r>
-                <a:rPr lang="en-US" sz="1050" dirty="0">
-                  <a:solidFill>
-                    <a:schemeClr val="tx1"/>
-                  </a:solidFill>
-                </a:rPr>
-                <a:t>state</a:t>
-              </a:r>
-            </a:p>
-            <a:p>
-              <a:pPr marL="285750" indent="-285750">
-                <a:buFont typeface="Arial" panose="020B0604020202020204" pitchFamily="34" charset="0"/>
-                <a:buChar char="•"/>
-              </a:pPr>
-              <a:r>
-                <a:rPr lang="en-US" sz="1050" dirty="0" err="1">
-                  <a:solidFill>
-                    <a:schemeClr val="tx1"/>
-                  </a:solidFill>
-                </a:rPr>
-                <a:t>zip_code</a:t>
-              </a:r>
-              <a:endParaRPr lang="en-US" sz="1050" dirty="0">
-                <a:solidFill>
-                  <a:schemeClr val="tx1"/>
-                </a:solidFill>
-              </a:endParaRPr>
-            </a:p>
-            <a:p>
-              <a:pPr marL="285750" indent="-285750">
-                <a:buFont typeface="Arial" panose="020B0604020202020204" pitchFamily="34" charset="0"/>
-                <a:buChar char="•"/>
-              </a:pPr>
-              <a:r>
-                <a:rPr lang="en-US" sz="1050" dirty="0" err="1">
-                  <a:solidFill>
-                    <a:schemeClr val="tx1"/>
-                  </a:solidFill>
-                </a:rPr>
-                <a:t>county_name</a:t>
-              </a:r>
-              <a:endParaRPr lang="en-US" sz="1050" dirty="0">
-                <a:solidFill>
-                  <a:schemeClr val="tx1"/>
-                </a:solidFill>
-              </a:endParaRPr>
-            </a:p>
-            <a:p>
-              <a:pPr marL="285750" indent="-285750">
-                <a:buFont typeface="Arial" panose="020B0604020202020204" pitchFamily="34" charset="0"/>
-                <a:buChar char="•"/>
-              </a:pPr>
-              <a:r>
-                <a:rPr lang="en-US" sz="1050" dirty="0" err="1">
-                  <a:solidFill>
-                    <a:schemeClr val="tx1"/>
-                  </a:solidFill>
-                </a:rPr>
-                <a:t>phone_number</a:t>
-              </a:r>
-              <a:endParaRPr lang="en-US" sz="1050" dirty="0">
-                <a:solidFill>
-                  <a:schemeClr val="tx1"/>
-                </a:solidFill>
-              </a:endParaRPr>
-            </a:p>
-            <a:p>
-              <a:pPr marL="285750" indent="-285750">
-                <a:buFont typeface="Arial" panose="020B0604020202020204" pitchFamily="34" charset="0"/>
-                <a:buChar char="•"/>
-              </a:pPr>
-              <a:r>
-                <a:rPr lang="en-US" sz="1050" dirty="0" err="1">
-                  <a:solidFill>
-                    <a:schemeClr val="tx1"/>
-                  </a:solidFill>
-                </a:rPr>
-                <a:t>hospital_type</a:t>
-              </a:r>
-              <a:endParaRPr lang="en-US" sz="1050" dirty="0">
-                <a:solidFill>
-                  <a:schemeClr val="tx1"/>
-                </a:solidFill>
-              </a:endParaRPr>
-            </a:p>
-            <a:p>
-              <a:pPr marL="285750" indent="-285750">
-                <a:buFont typeface="Arial" panose="020B0604020202020204" pitchFamily="34" charset="0"/>
-                <a:buChar char="•"/>
-              </a:pPr>
-              <a:r>
-                <a:rPr lang="en-US" sz="1050" dirty="0" err="1">
-                  <a:solidFill>
-                    <a:schemeClr val="tx1"/>
-                  </a:solidFill>
-                </a:rPr>
-                <a:t>hospital_ownership</a:t>
-              </a:r>
-              <a:endParaRPr lang="en-US" sz="1050" dirty="0">
-                <a:solidFill>
-                  <a:schemeClr val="tx1"/>
-                </a:solidFill>
-              </a:endParaRPr>
-            </a:p>
-            <a:p>
-              <a:pPr marL="285750" indent="-285750">
-                <a:buFont typeface="Arial" panose="020B0604020202020204" pitchFamily="34" charset="0"/>
-                <a:buChar char="•"/>
-              </a:pPr>
-              <a:r>
-                <a:rPr lang="en-US" sz="1050" dirty="0" err="1">
-                  <a:solidFill>
-                    <a:schemeClr val="tx1"/>
-                  </a:solidFill>
-                </a:rPr>
-                <a:t>emergency_services</a:t>
+                <a:t>provider_id</a:t>
+              </a:r>
+              <a:endParaRPr lang="en-US" sz="1050" dirty="0">
+                <a:solidFill>
+                  <a:schemeClr val="tx1"/>
+                </a:solidFill>
+              </a:endParaRPr>
+            </a:p>
+            <a:p>
+              <a:pPr marL="285750" indent="-285750">
+                <a:buFont typeface="Arial" panose="020B0604020202020204" pitchFamily="34" charset="0"/>
+                <a:buChar char="•"/>
+              </a:pPr>
+              <a:r>
+                <a:rPr lang="en-US" sz="1050" dirty="0" err="1">
+                  <a:solidFill>
+                    <a:schemeClr val="tx1"/>
+                  </a:solidFill>
+                </a:rPr>
+                <a:t>clabsi_device_days</a:t>
+              </a:r>
+              <a:endParaRPr lang="en-US" sz="1050" dirty="0">
+                <a:solidFill>
+                  <a:schemeClr val="tx1"/>
+                </a:solidFill>
+              </a:endParaRPr>
+            </a:p>
+            <a:p>
+              <a:pPr marL="285750" indent="-285750">
+                <a:buFont typeface="Arial" panose="020B0604020202020204" pitchFamily="34" charset="0"/>
+                <a:buChar char="•"/>
+              </a:pPr>
+              <a:r>
+                <a:rPr lang="en-US" sz="1050" dirty="0" err="1">
+                  <a:solidFill>
+                    <a:schemeClr val="tx1"/>
+                  </a:solidFill>
+                </a:rPr>
+                <a:t>clabsi_predicted</a:t>
+              </a:r>
+              <a:endParaRPr lang="en-US" sz="1050" dirty="0">
+                <a:solidFill>
+                  <a:schemeClr val="tx1"/>
+                </a:solidFill>
+              </a:endParaRPr>
+            </a:p>
+            <a:p>
+              <a:pPr marL="285750" indent="-285750">
+                <a:buFont typeface="Arial" panose="020B0604020202020204" pitchFamily="34" charset="0"/>
+                <a:buChar char="•"/>
+              </a:pPr>
+              <a:r>
+                <a:rPr lang="en-US" sz="1050" dirty="0" err="1">
+                  <a:solidFill>
+                    <a:schemeClr val="tx1"/>
+                  </a:solidFill>
+                </a:rPr>
+                <a:t>clabsi_observed</a:t>
+              </a:r>
+              <a:endParaRPr lang="en-US" sz="1050" dirty="0">
+                <a:solidFill>
+                  <a:schemeClr val="tx1"/>
+                </a:solidFill>
+              </a:endParaRPr>
+            </a:p>
+            <a:p>
+              <a:pPr marL="285750" indent="-285750">
+                <a:buFont typeface="Arial" panose="020B0604020202020204" pitchFamily="34" charset="0"/>
+                <a:buChar char="•"/>
+              </a:pPr>
+              <a:r>
+                <a:rPr lang="en-US" sz="1050" dirty="0" err="1">
+                  <a:solidFill>
+                    <a:schemeClr val="tx1"/>
+                  </a:solidFill>
+                </a:rPr>
+                <a:t>cauti_day</a:t>
+              </a:r>
+              <a:endParaRPr lang="en-US" sz="1050" dirty="0">
+                <a:solidFill>
+                  <a:schemeClr val="tx1"/>
+                </a:solidFill>
+              </a:endParaRPr>
+            </a:p>
+            <a:p>
+              <a:pPr marL="285750" indent="-285750">
+                <a:buFont typeface="Arial" panose="020B0604020202020204" pitchFamily="34" charset="0"/>
+                <a:buChar char="•"/>
+              </a:pPr>
+              <a:r>
+                <a:rPr lang="en-US" sz="1050" dirty="0" err="1">
+                  <a:solidFill>
+                    <a:schemeClr val="tx1"/>
+                  </a:solidFill>
+                </a:rPr>
+                <a:t>cauti_predicted</a:t>
+              </a:r>
+              <a:endParaRPr lang="en-US" sz="1050" dirty="0">
+                <a:solidFill>
+                  <a:schemeClr val="tx1"/>
+                </a:solidFill>
+              </a:endParaRPr>
+            </a:p>
+            <a:p>
+              <a:pPr marL="285750" indent="-285750">
+                <a:buFont typeface="Arial" panose="020B0604020202020204" pitchFamily="34" charset="0"/>
+                <a:buChar char="•"/>
+              </a:pPr>
+              <a:r>
+                <a:rPr lang="en-US" sz="1050" dirty="0" err="1">
+                  <a:solidFill>
+                    <a:schemeClr val="tx1"/>
+                  </a:solidFill>
+                </a:rPr>
+                <a:t>cauti_observed</a:t>
+              </a:r>
+              <a:endParaRPr lang="en-US" sz="1050" dirty="0">
+                <a:solidFill>
+                  <a:schemeClr val="tx1"/>
+                </a:solidFill>
+              </a:endParaRPr>
+            </a:p>
+            <a:p>
+              <a:pPr marL="285750" indent="-285750">
+                <a:buFont typeface="Arial" panose="020B0604020202020204" pitchFamily="34" charset="0"/>
+                <a:buChar char="•"/>
+              </a:pPr>
+              <a:r>
+                <a:rPr lang="en-US" sz="1050" dirty="0" err="1">
+                  <a:solidFill>
+                    <a:schemeClr val="tx1"/>
+                  </a:solidFill>
+                </a:rPr>
+                <a:t>ssi_colon_procedures</a:t>
+              </a:r>
+              <a:endParaRPr lang="en-US" sz="1050" dirty="0">
+                <a:solidFill>
+                  <a:schemeClr val="tx1"/>
+                </a:solidFill>
+              </a:endParaRPr>
+            </a:p>
+            <a:p>
+              <a:pPr marL="285750" indent="-285750">
+                <a:buFont typeface="Arial" panose="020B0604020202020204" pitchFamily="34" charset="0"/>
+                <a:buChar char="•"/>
+              </a:pPr>
+              <a:r>
+                <a:rPr lang="en-US" sz="1050" dirty="0" err="1">
+                  <a:solidFill>
+                    <a:schemeClr val="tx1"/>
+                  </a:solidFill>
+                </a:rPr>
+                <a:t>ssi_predicted</a:t>
+              </a:r>
+              <a:endParaRPr lang="en-US" sz="1050" dirty="0">
+                <a:solidFill>
+                  <a:schemeClr val="tx1"/>
+                </a:solidFill>
+              </a:endParaRPr>
+            </a:p>
+            <a:p>
+              <a:pPr marL="285750" indent="-285750">
+                <a:buFont typeface="Arial" panose="020B0604020202020204" pitchFamily="34" charset="0"/>
+                <a:buChar char="•"/>
+              </a:pPr>
+              <a:r>
+                <a:rPr lang="en-US" sz="1050" dirty="0" err="1">
+                  <a:solidFill>
+                    <a:schemeClr val="tx1"/>
+                  </a:solidFill>
+                </a:rPr>
+                <a:t>ssi_observed</a:t>
+              </a:r>
+              <a:endParaRPr lang="en-US" sz="1050" dirty="0">
+                <a:solidFill>
+                  <a:schemeClr val="tx1"/>
+                </a:solidFill>
+              </a:endParaRPr>
+            </a:p>
+            <a:p>
+              <a:pPr marL="285750" indent="-285750">
+                <a:buFont typeface="Arial" panose="020B0604020202020204" pitchFamily="34" charset="0"/>
+                <a:buChar char="•"/>
+              </a:pPr>
+              <a:r>
+                <a:rPr lang="en-US" sz="1050" dirty="0" err="1">
+                  <a:solidFill>
+                    <a:schemeClr val="tx1"/>
+                  </a:solidFill>
+                </a:rPr>
+                <a:t>ssi_ab_procedures</a:t>
+              </a:r>
+              <a:endParaRPr lang="en-US" sz="1050" dirty="0">
+                <a:solidFill>
+                  <a:schemeClr val="tx1"/>
+                </a:solidFill>
+              </a:endParaRPr>
+            </a:p>
+            <a:p>
+              <a:pPr marL="285750" indent="-285750">
+                <a:buFont typeface="Arial" panose="020B0604020202020204" pitchFamily="34" charset="0"/>
+                <a:buChar char="•"/>
+              </a:pPr>
+              <a:r>
+                <a:rPr lang="en-US" sz="1050" dirty="0" err="1">
+                  <a:solidFill>
+                    <a:schemeClr val="tx1"/>
+                  </a:solidFill>
+                </a:rPr>
+                <a:t>ssi_ab_predicted</a:t>
+              </a:r>
+              <a:endParaRPr lang="en-US" sz="1050" dirty="0">
+                <a:solidFill>
+                  <a:schemeClr val="tx1"/>
+                </a:solidFill>
+              </a:endParaRPr>
+            </a:p>
+            <a:p>
+              <a:pPr marL="285750" indent="-285750">
+                <a:buFont typeface="Arial" panose="020B0604020202020204" pitchFamily="34" charset="0"/>
+                <a:buChar char="•"/>
+              </a:pPr>
+              <a:r>
+                <a:rPr lang="en-US" sz="1050" dirty="0" err="1">
+                  <a:solidFill>
+                    <a:schemeClr val="tx1"/>
+                  </a:solidFill>
+                </a:rPr>
+                <a:t>ssi_ab_observed</a:t>
+              </a:r>
+              <a:endParaRPr lang="en-US" sz="1050" dirty="0">
+                <a:solidFill>
+                  <a:schemeClr val="tx1"/>
+                </a:solidFill>
+              </a:endParaRPr>
+            </a:p>
+            <a:p>
+              <a:pPr marL="285750" indent="-285750">
+                <a:buFont typeface="Arial" panose="020B0604020202020204" pitchFamily="34" charset="0"/>
+                <a:buChar char="•"/>
+              </a:pPr>
+              <a:r>
+                <a:rPr lang="en-US" sz="1050" dirty="0" err="1">
+                  <a:solidFill>
+                    <a:schemeClr val="tx1"/>
+                  </a:solidFill>
+                </a:rPr>
+                <a:t>mrsa_patient_days</a:t>
+              </a:r>
+              <a:endParaRPr lang="en-US" sz="1050" dirty="0">
+                <a:solidFill>
+                  <a:schemeClr val="tx1"/>
+                </a:solidFill>
+              </a:endParaRPr>
+            </a:p>
+            <a:p>
+              <a:pPr marL="285750" indent="-285750">
+                <a:buFont typeface="Arial" panose="020B0604020202020204" pitchFamily="34" charset="0"/>
+                <a:buChar char="•"/>
+              </a:pPr>
+              <a:r>
+                <a:rPr lang="en-US" sz="1050" dirty="0" err="1">
+                  <a:solidFill>
+                    <a:schemeClr val="tx1"/>
+                  </a:solidFill>
+                </a:rPr>
+                <a:t>mrsa_predicted</a:t>
+              </a:r>
+              <a:endParaRPr lang="en-US" sz="1050" dirty="0">
+                <a:solidFill>
+                  <a:schemeClr val="tx1"/>
+                </a:solidFill>
+              </a:endParaRPr>
+            </a:p>
+            <a:p>
+              <a:pPr marL="285750" indent="-285750">
+                <a:buFont typeface="Arial" panose="020B0604020202020204" pitchFamily="34" charset="0"/>
+                <a:buChar char="•"/>
+              </a:pPr>
+              <a:r>
+                <a:rPr lang="en-US" sz="1050" dirty="0" err="1">
+                  <a:solidFill>
+                    <a:schemeClr val="tx1"/>
+                  </a:solidFill>
+                </a:rPr>
+                <a:t>mrsa_observed</a:t>
+              </a:r>
+              <a:endParaRPr lang="en-US" sz="1050" dirty="0">
+                <a:solidFill>
+                  <a:schemeClr val="tx1"/>
+                </a:solidFill>
+              </a:endParaRPr>
+            </a:p>
+            <a:p>
+              <a:pPr marL="285750" indent="-285750">
+                <a:buFont typeface="Arial" panose="020B0604020202020204" pitchFamily="34" charset="0"/>
+                <a:buChar char="•"/>
+              </a:pPr>
+              <a:r>
+                <a:rPr lang="en-US" sz="1050" dirty="0" err="1">
+                  <a:solidFill>
+                    <a:schemeClr val="tx1"/>
+                  </a:solidFill>
+                </a:rPr>
+                <a:t>cdiff_patient_days</a:t>
+              </a:r>
+              <a:endParaRPr lang="en-US" sz="1050" dirty="0">
+                <a:solidFill>
+                  <a:schemeClr val="tx1"/>
+                </a:solidFill>
+              </a:endParaRPr>
+            </a:p>
+            <a:p>
+              <a:pPr marL="285750" indent="-285750">
+                <a:buFont typeface="Arial" panose="020B0604020202020204" pitchFamily="34" charset="0"/>
+                <a:buChar char="•"/>
+              </a:pPr>
+              <a:r>
+                <a:rPr lang="en-US" sz="1050" dirty="0" err="1">
+                  <a:solidFill>
+                    <a:schemeClr val="tx1"/>
+                  </a:solidFill>
+                </a:rPr>
+                <a:t>cdiff_predicted</a:t>
+              </a:r>
+              <a:endParaRPr lang="en-US" sz="1050" dirty="0">
+                <a:solidFill>
+                  <a:schemeClr val="tx1"/>
+                </a:solidFill>
+              </a:endParaRPr>
+            </a:p>
+            <a:p>
+              <a:pPr marL="285750" indent="-285750">
+                <a:buFont typeface="Arial" panose="020B0604020202020204" pitchFamily="34" charset="0"/>
+                <a:buChar char="•"/>
+              </a:pPr>
+              <a:r>
+                <a:rPr lang="en-US" sz="1050" dirty="0" err="1">
+                  <a:solidFill>
+                    <a:schemeClr val="tx1"/>
+                  </a:solidFill>
+                </a:rPr>
+                <a:t>cdiff_observed</a:t>
               </a:r>
               <a:endParaRPr lang="en-US" sz="1050" dirty="0">
                 <a:solidFill>
@@ -3792,9 +4108,10 @@
             <a:p>
               <a:pPr algn="ctr"/>
               <a:r>
-                <a:rPr lang="en-US" sz="1050" dirty="0"/>
-                <a:t>hospitals</a:t>
-              </a:r>
+                <a:rPr lang="en-US" sz="1050" dirty="0" err="1"/>
+                <a:t>hais</a:t>
+              </a:r>
+              <a:endParaRPr lang="en-US" sz="1050" dirty="0"/>
             </a:p>
           </p:txBody>
         </p:sp>
@@ -3807,10 +4124,10 @@
         </p:nvGrpSpPr>
         <p:grpSpPr>
           <a:xfrm>
-            <a:off x="798943" y="4627417"/>
-            <a:ext cx="1745673" cy="2207491"/>
+            <a:off x="99288" y="94597"/>
+            <a:ext cx="2923311" cy="3535295"/>
             <a:chOff x="4091708" y="1958109"/>
-            <a:chExt cx="2105892" cy="2530763"/>
+            <a:chExt cx="2105892" cy="4053015"/>
           </a:xfrm>
         </p:grpSpPr>
         <p:sp>
@@ -3821,8 +4138,8 @@
           </p:nvSpPr>
           <p:spPr>
             <a:xfrm>
-              <a:off x="4091710" y="2346035"/>
-              <a:ext cx="2105890" cy="2142837"/>
+              <a:off x="4091710" y="2346037"/>
+              <a:ext cx="2105890" cy="3665087"/>
             </a:xfrm>
             <a:prstGeom prst="rect">
               <a:avLst/>
@@ -3885,163 +4202,330 @@
                     <a:schemeClr val="tx1"/>
                   </a:solidFill>
                 </a:rPr>
-                <a:t>hospital_name</a:t>
-              </a:r>
-              <a:endParaRPr lang="en-US" sz="1050" dirty="0">
-                <a:solidFill>
-                  <a:schemeClr val="tx1"/>
-                </a:solidFill>
-              </a:endParaRPr>
-            </a:p>
-            <a:p>
-              <a:pPr marL="285750" indent="-285750">
-                <a:buFont typeface="Arial" panose="020B0604020202020204" pitchFamily="34" charset="0"/>
-                <a:buChar char="•"/>
-              </a:pPr>
-              <a:r>
-                <a:rPr lang="en-US" sz="1050" dirty="0">
-                  <a:solidFill>
-                    <a:schemeClr val="tx1"/>
-                  </a:solidFill>
-                </a:rPr>
-                <a:t>address</a:t>
-              </a:r>
-            </a:p>
-            <a:p>
-              <a:pPr marL="285750" indent="-285750">
-                <a:buFont typeface="Arial" panose="020B0604020202020204" pitchFamily="34" charset="0"/>
-                <a:buChar char="•"/>
-              </a:pPr>
-              <a:r>
-                <a:rPr lang="en-US" sz="1050" dirty="0">
-                  <a:solidFill>
-                    <a:schemeClr val="tx1"/>
-                  </a:solidFill>
-                </a:rPr>
-                <a:t>city</a:t>
-              </a:r>
-            </a:p>
-            <a:p>
-              <a:pPr marL="285750" indent="-285750">
-                <a:buFont typeface="Arial" panose="020B0604020202020204" pitchFamily="34" charset="0"/>
-                <a:buChar char="•"/>
-              </a:pPr>
-              <a:r>
-                <a:rPr lang="en-US" sz="1050" dirty="0">
-                  <a:solidFill>
-                    <a:schemeClr val="tx1"/>
-                  </a:solidFill>
-                </a:rPr>
-                <a:t>state</a:t>
-              </a:r>
-            </a:p>
-            <a:p>
-              <a:pPr marL="285750" indent="-285750">
-                <a:buFont typeface="Arial" panose="020B0604020202020204" pitchFamily="34" charset="0"/>
-                <a:buChar char="•"/>
-              </a:pPr>
-              <a:r>
-                <a:rPr lang="en-US" sz="1050" dirty="0" err="1">
-                  <a:solidFill>
-                    <a:schemeClr val="tx1"/>
-                  </a:solidFill>
-                </a:rPr>
-                <a:t>zip_code</a:t>
-              </a:r>
-              <a:endParaRPr lang="en-US" sz="1050" dirty="0">
-                <a:solidFill>
-                  <a:schemeClr val="tx1"/>
-                </a:solidFill>
-              </a:endParaRPr>
-            </a:p>
-            <a:p>
-              <a:pPr marL="285750" indent="-285750">
-                <a:buFont typeface="Arial" panose="020B0604020202020204" pitchFamily="34" charset="0"/>
-                <a:buChar char="•"/>
-              </a:pPr>
-              <a:r>
-                <a:rPr lang="en-US" sz="1050" dirty="0" err="1">
-                  <a:solidFill>
-                    <a:schemeClr val="tx1"/>
-                  </a:solidFill>
-                </a:rPr>
-                <a:t>county_name</a:t>
-              </a:r>
-              <a:endParaRPr lang="en-US" sz="1050" dirty="0">
-                <a:solidFill>
-                  <a:schemeClr val="tx1"/>
-                </a:solidFill>
-              </a:endParaRPr>
-            </a:p>
-            <a:p>
-              <a:pPr marL="285750" indent="-285750">
-                <a:buFont typeface="Arial" panose="020B0604020202020204" pitchFamily="34" charset="0"/>
-                <a:buChar char="•"/>
-              </a:pPr>
-              <a:r>
-                <a:rPr lang="en-US" sz="1050" dirty="0" err="1">
-                  <a:solidFill>
-                    <a:schemeClr val="tx1"/>
-                  </a:solidFill>
-                </a:rPr>
-                <a:t>phone_number</a:t>
-              </a:r>
-              <a:endParaRPr lang="en-US" sz="1050" dirty="0">
-                <a:solidFill>
-                  <a:schemeClr val="tx1"/>
-                </a:solidFill>
-              </a:endParaRPr>
-            </a:p>
-            <a:p>
-              <a:pPr marL="285750" indent="-285750">
-                <a:buFont typeface="Arial" panose="020B0604020202020204" pitchFamily="34" charset="0"/>
-                <a:buChar char="•"/>
-              </a:pPr>
-              <a:r>
-                <a:rPr lang="en-US" sz="1050" dirty="0" err="1">
-                  <a:solidFill>
-                    <a:schemeClr val="tx1"/>
-                  </a:solidFill>
-                </a:rPr>
-                <a:t>hospital_type</a:t>
-              </a:r>
-              <a:endParaRPr lang="en-US" sz="1050" dirty="0">
-                <a:solidFill>
-                  <a:schemeClr val="tx1"/>
-                </a:solidFill>
-              </a:endParaRPr>
-            </a:p>
-            <a:p>
-              <a:pPr marL="285750" indent="-285750">
-                <a:buFont typeface="Arial" panose="020B0604020202020204" pitchFamily="34" charset="0"/>
-                <a:buChar char="•"/>
-              </a:pPr>
-              <a:r>
-                <a:rPr lang="en-US" sz="1050" dirty="0" err="1">
-                  <a:solidFill>
-                    <a:schemeClr val="tx1"/>
-                  </a:solidFill>
-                </a:rPr>
-                <a:t>hospital_ownership</a:t>
-              </a:r>
-              <a:endParaRPr lang="en-US" sz="1050" dirty="0">
-                <a:solidFill>
-                  <a:schemeClr val="tx1"/>
-                </a:solidFill>
-              </a:endParaRPr>
-            </a:p>
-            <a:p>
-              <a:pPr marL="285750" indent="-285750">
-                <a:buFont typeface="Arial" panose="020B0604020202020204" pitchFamily="34" charset="0"/>
-                <a:buChar char="•"/>
-              </a:pPr>
-              <a:r>
-                <a:rPr lang="en-US" sz="1050" dirty="0" err="1">
-                  <a:solidFill>
-                    <a:schemeClr val="tx1"/>
-                  </a:solidFill>
-                </a:rPr>
-                <a:t>emergency_services</a:t>
+                <a:t>comm_nurses_baseline</a:t>
+              </a:r>
+              <a:endParaRPr lang="en-US" sz="1050" dirty="0">
+                <a:solidFill>
+                  <a:schemeClr val="tx1"/>
+                </a:solidFill>
+              </a:endParaRPr>
+            </a:p>
+            <a:p>
+              <a:pPr marL="285750" indent="-285750">
+                <a:buFont typeface="Arial" panose="020B0604020202020204" pitchFamily="34" charset="0"/>
+                <a:buChar char="•"/>
+              </a:pPr>
+              <a:r>
+                <a:rPr lang="en-US" sz="1050" dirty="0" err="1">
+                  <a:solidFill>
+                    <a:schemeClr val="tx1"/>
+                  </a:solidFill>
+                </a:rPr>
+                <a:t>comm_nurses_performance</a:t>
+              </a:r>
+              <a:endParaRPr lang="en-US" sz="1050" dirty="0">
+                <a:solidFill>
+                  <a:schemeClr val="tx1"/>
+                </a:solidFill>
+              </a:endParaRPr>
+            </a:p>
+            <a:p>
+              <a:pPr marL="285750" indent="-285750">
+                <a:buFont typeface="Arial" panose="020B0604020202020204" pitchFamily="34" charset="0"/>
+                <a:buChar char="•"/>
+              </a:pPr>
+              <a:r>
+                <a:rPr lang="en-US" sz="1050" dirty="0" err="1">
+                  <a:solidFill>
+                    <a:schemeClr val="tx1"/>
+                  </a:solidFill>
+                </a:rPr>
+                <a:t>comm_doctors_baseline</a:t>
+              </a:r>
+              <a:endParaRPr lang="en-US" sz="1050" dirty="0">
+                <a:solidFill>
+                  <a:schemeClr val="tx1"/>
+                </a:solidFill>
+              </a:endParaRPr>
+            </a:p>
+            <a:p>
+              <a:pPr marL="285750" indent="-285750">
+                <a:buFont typeface="Arial" panose="020B0604020202020204" pitchFamily="34" charset="0"/>
+                <a:buChar char="•"/>
+              </a:pPr>
+              <a:r>
+                <a:rPr lang="en-US" sz="1050" dirty="0" err="1">
+                  <a:solidFill>
+                    <a:schemeClr val="tx1"/>
+                  </a:solidFill>
+                </a:rPr>
+                <a:t>comm_doctors_performance</a:t>
+              </a:r>
+              <a:endParaRPr lang="en-US" sz="1050" dirty="0">
+                <a:solidFill>
+                  <a:schemeClr val="tx1"/>
+                </a:solidFill>
+              </a:endParaRPr>
+            </a:p>
+            <a:p>
+              <a:pPr marL="285750" indent="-285750">
+                <a:buFont typeface="Arial" panose="020B0604020202020204" pitchFamily="34" charset="0"/>
+                <a:buChar char="•"/>
+              </a:pPr>
+              <a:r>
+                <a:rPr lang="en-US" sz="1050" dirty="0" err="1">
+                  <a:solidFill>
+                    <a:schemeClr val="tx1"/>
+                  </a:solidFill>
+                </a:rPr>
+                <a:t>comm_medicines_baseline</a:t>
+              </a:r>
+              <a:endParaRPr lang="en-US" sz="1050" dirty="0">
+                <a:solidFill>
+                  <a:schemeClr val="tx1"/>
+                </a:solidFill>
+              </a:endParaRPr>
+            </a:p>
+            <a:p>
+              <a:pPr marL="285750" indent="-285750">
+                <a:buFont typeface="Arial" panose="020B0604020202020204" pitchFamily="34" charset="0"/>
+                <a:buChar char="•"/>
+              </a:pPr>
+              <a:r>
+                <a:rPr lang="en-US" sz="1050" dirty="0" err="1">
+                  <a:solidFill>
+                    <a:schemeClr val="tx1"/>
+                  </a:solidFill>
+                </a:rPr>
+                <a:t>comm_medicines_performnaces</a:t>
+              </a:r>
+              <a:endParaRPr lang="en-US" sz="1050" dirty="0">
+                <a:solidFill>
+                  <a:schemeClr val="tx1"/>
+                </a:solidFill>
+              </a:endParaRPr>
+            </a:p>
+            <a:p>
+              <a:pPr marL="285750" indent="-285750">
+                <a:buFont typeface="Arial" panose="020B0604020202020204" pitchFamily="34" charset="0"/>
+                <a:buChar char="•"/>
+              </a:pPr>
+              <a:r>
+                <a:rPr lang="en-US" sz="1050" dirty="0" err="1">
+                  <a:solidFill>
+                    <a:schemeClr val="tx1"/>
+                  </a:solidFill>
+                </a:rPr>
+                <a:t>responsiveness_staff_baseline</a:t>
+              </a:r>
+              <a:endParaRPr lang="en-US" sz="1050" dirty="0">
+                <a:solidFill>
+                  <a:schemeClr val="tx1"/>
+                </a:solidFill>
+              </a:endParaRPr>
+            </a:p>
+            <a:p>
+              <a:pPr marL="285750" indent="-285750">
+                <a:buFont typeface="Arial" panose="020B0604020202020204" pitchFamily="34" charset="0"/>
+                <a:buChar char="•"/>
+              </a:pPr>
+              <a:r>
+                <a:rPr lang="en-US" sz="1050" dirty="0" err="1">
+                  <a:solidFill>
+                    <a:schemeClr val="tx1"/>
+                  </a:solidFill>
+                </a:rPr>
+                <a:t>responsiveness_staff_performance</a:t>
+              </a:r>
+              <a:endParaRPr lang="en-US" sz="1050" dirty="0">
+                <a:solidFill>
+                  <a:schemeClr val="tx1"/>
+                </a:solidFill>
+              </a:endParaRPr>
+            </a:p>
+            <a:p>
+              <a:pPr marL="285750" indent="-285750">
+                <a:buFont typeface="Arial" panose="020B0604020202020204" pitchFamily="34" charset="0"/>
+                <a:buChar char="•"/>
+              </a:pPr>
+              <a:r>
+                <a:rPr lang="en-US" sz="1050" dirty="0" err="1">
+                  <a:solidFill>
+                    <a:schemeClr val="tx1"/>
+                  </a:solidFill>
+                </a:rPr>
+                <a:t>pain_management_baseline</a:t>
+              </a:r>
+              <a:endParaRPr lang="en-US" sz="1050" dirty="0">
+                <a:solidFill>
+                  <a:schemeClr val="tx1"/>
+                </a:solidFill>
+              </a:endParaRPr>
+            </a:p>
+            <a:p>
+              <a:pPr marL="285750" indent="-285750">
+                <a:buFont typeface="Arial" panose="020B0604020202020204" pitchFamily="34" charset="0"/>
+                <a:buChar char="•"/>
+              </a:pPr>
+              <a:r>
+                <a:rPr lang="en-US" sz="1050" dirty="0" err="1">
+                  <a:solidFill>
+                    <a:schemeClr val="tx1"/>
+                  </a:solidFill>
+                </a:rPr>
+                <a:t>pain_management_performance</a:t>
+              </a:r>
+              <a:endParaRPr lang="en-US" sz="1050" dirty="0">
+                <a:solidFill>
+                  <a:schemeClr val="tx1"/>
+                </a:solidFill>
+              </a:endParaRPr>
+            </a:p>
+            <a:p>
+              <a:pPr marL="285750" indent="-285750">
+                <a:buFont typeface="Arial" panose="020B0604020202020204" pitchFamily="34" charset="0"/>
+                <a:buChar char="•"/>
+              </a:pPr>
+              <a:r>
+                <a:rPr lang="en-US" sz="1050" dirty="0" err="1">
+                  <a:solidFill>
+                    <a:schemeClr val="tx1"/>
+                  </a:solidFill>
+                </a:rPr>
+                <a:t>clean_quiet_performance</a:t>
+              </a:r>
+              <a:endParaRPr lang="en-US" sz="1050" dirty="0">
+                <a:solidFill>
+                  <a:schemeClr val="tx1"/>
+                </a:solidFill>
+              </a:endParaRPr>
+            </a:p>
+            <a:p>
+              <a:pPr marL="285750" indent="-285750">
+                <a:buFont typeface="Arial" panose="020B0604020202020204" pitchFamily="34" charset="0"/>
+                <a:buChar char="•"/>
+              </a:pPr>
+              <a:r>
+                <a:rPr lang="en-US" sz="1050" dirty="0" err="1">
+                  <a:solidFill>
+                    <a:schemeClr val="tx1"/>
+                  </a:solidFill>
+                </a:rPr>
+                <a:t>clean_quiet_achievement</a:t>
+              </a:r>
+              <a:endParaRPr lang="en-US" sz="1050" dirty="0">
+                <a:solidFill>
+                  <a:schemeClr val="tx1"/>
+                </a:solidFill>
+              </a:endParaRPr>
+            </a:p>
+            <a:p>
+              <a:pPr marL="285750" indent="-285750">
+                <a:buFont typeface="Arial" panose="020B0604020202020204" pitchFamily="34" charset="0"/>
+                <a:buChar char="•"/>
+              </a:pPr>
+              <a:r>
+                <a:rPr lang="en-US" sz="1050" dirty="0" err="1">
+                  <a:solidFill>
+                    <a:schemeClr val="tx1"/>
+                  </a:solidFill>
+                </a:rPr>
+                <a:t>discharge_baseline</a:t>
+              </a:r>
+              <a:endParaRPr lang="en-US" sz="1050" dirty="0">
+                <a:solidFill>
+                  <a:schemeClr val="tx1"/>
+                </a:solidFill>
+              </a:endParaRPr>
+            </a:p>
+            <a:p>
+              <a:pPr marL="285750" indent="-285750">
+                <a:buFont typeface="Arial" panose="020B0604020202020204" pitchFamily="34" charset="0"/>
+                <a:buChar char="•"/>
+              </a:pPr>
+              <a:r>
+                <a:rPr lang="en-US" sz="1050" dirty="0" err="1">
+                  <a:solidFill>
+                    <a:schemeClr val="tx1"/>
+                  </a:solidFill>
+                </a:rPr>
+                <a:t>discharge_performance</a:t>
+              </a:r>
+              <a:endParaRPr lang="en-US" sz="1050" dirty="0">
+                <a:solidFill>
+                  <a:schemeClr val="tx1"/>
+                </a:solidFill>
+              </a:endParaRPr>
+            </a:p>
+            <a:p>
+              <a:pPr marL="285750" indent="-285750">
+                <a:buFont typeface="Arial" panose="020B0604020202020204" pitchFamily="34" charset="0"/>
+                <a:buChar char="•"/>
+              </a:pPr>
+              <a:r>
+                <a:rPr lang="en-US" sz="1050" dirty="0" err="1">
+                  <a:solidFill>
+                    <a:schemeClr val="tx1"/>
+                  </a:solidFill>
+                </a:rPr>
+                <a:t>overall_rating_baseline</a:t>
+              </a:r>
+              <a:endParaRPr lang="en-US" sz="1050" dirty="0">
+                <a:solidFill>
+                  <a:schemeClr val="tx1"/>
+                </a:solidFill>
+              </a:endParaRPr>
+            </a:p>
+            <a:p>
+              <a:pPr marL="285750" indent="-285750">
+                <a:buFont typeface="Arial" panose="020B0604020202020204" pitchFamily="34" charset="0"/>
+                <a:buChar char="•"/>
+              </a:pPr>
+              <a:r>
+                <a:rPr lang="en-US" sz="1050" dirty="0" err="1">
+                  <a:solidFill>
+                    <a:schemeClr val="tx1"/>
+                  </a:solidFill>
+                </a:rPr>
+                <a:t>overall_rating_performance</a:t>
+              </a:r>
+              <a:endParaRPr lang="en-US" sz="1050" dirty="0">
+                <a:solidFill>
+                  <a:schemeClr val="tx1"/>
+                </a:solidFill>
+              </a:endParaRPr>
+            </a:p>
+            <a:p>
+              <a:pPr marL="285750" indent="-285750">
+                <a:buFont typeface="Arial" panose="020B0604020202020204" pitchFamily="34" charset="0"/>
+                <a:buChar char="•"/>
+              </a:pPr>
+              <a:r>
+                <a:rPr lang="en-US" sz="1050" dirty="0" err="1">
+                  <a:solidFill>
+                    <a:schemeClr val="tx1"/>
+                  </a:solidFill>
+                </a:rPr>
+                <a:t>hcahps_base_score</a:t>
+              </a:r>
+              <a:endParaRPr lang="en-US" sz="1050" dirty="0">
+                <a:solidFill>
+                  <a:schemeClr val="tx1"/>
+                </a:solidFill>
+              </a:endParaRPr>
+            </a:p>
+            <a:p>
+              <a:pPr marL="285750" indent="-285750">
+                <a:buFont typeface="Arial" panose="020B0604020202020204" pitchFamily="34" charset="0"/>
+                <a:buChar char="•"/>
+              </a:pPr>
+              <a:r>
+                <a:rPr lang="en-US" sz="1050" dirty="0" err="1">
+                  <a:solidFill>
+                    <a:schemeClr val="tx1"/>
+                  </a:solidFill>
+                </a:rPr>
+                <a:t>hcahps_consistency_score</a:t>
               </a:r>
               <a:endParaRPr lang="en-US" sz="1050" dirty="0">
                 <a:solidFill>
@@ -4108,10 +4592,10 @@
         </p:nvGrpSpPr>
         <p:grpSpPr>
           <a:xfrm>
-            <a:off x="798942" y="2365754"/>
-            <a:ext cx="1745673" cy="2207491"/>
+            <a:off x="99288" y="3685308"/>
+            <a:ext cx="2923314" cy="3111814"/>
             <a:chOff x="4091708" y="1958109"/>
-            <a:chExt cx="2105892" cy="2530763"/>
+            <a:chExt cx="2105893" cy="3567519"/>
           </a:xfrm>
         </p:grpSpPr>
         <p:sp>
@@ -4122,8 +4606,8 @@
           </p:nvSpPr>
           <p:spPr>
             <a:xfrm>
-              <a:off x="4091710" y="2346035"/>
-              <a:ext cx="2105890" cy="2142837"/>
+              <a:off x="4091711" y="2346037"/>
+              <a:ext cx="2105890" cy="3179591"/>
             </a:xfrm>
             <a:prstGeom prst="rect">
               <a:avLst/>
@@ -4167,26 +4651,83 @@
                     <a:schemeClr val="tx1"/>
                   </a:solidFill>
                 </a:rPr>
-                <a:t>hospital_id</a:t>
-              </a:r>
-              <a:endParaRPr lang="en-US" sz="1050" dirty="0">
-                <a:solidFill>
-                  <a:schemeClr val="tx1"/>
-                </a:solidFill>
-              </a:endParaRPr>
-            </a:p>
-            <a:p>
-              <a:pPr marL="285750" indent="-285750">
-                <a:buFont typeface="Arial" panose="020B0604020202020204" pitchFamily="34" charset="0"/>
-                <a:buChar char="•"/>
-              </a:pPr>
-              <a:r>
-                <a:rPr lang="en-US" sz="1050" dirty="0" err="1">
-                  <a:solidFill>
-                    <a:schemeClr val="tx1"/>
-                  </a:solidFill>
-                </a:rPr>
-                <a:t>hospital_name</a:t>
+                <a:t>provider_id</a:t>
+              </a:r>
+              <a:endParaRPr lang="en-US" sz="1050" dirty="0">
+                <a:solidFill>
+                  <a:schemeClr val="tx1"/>
+                </a:solidFill>
+              </a:endParaRPr>
+            </a:p>
+            <a:p>
+              <a:pPr marL="285750" indent="-285750">
+                <a:buFont typeface="Arial" panose="020B0604020202020204" pitchFamily="34" charset="0"/>
+                <a:buChar char="•"/>
+              </a:pPr>
+              <a:r>
+                <a:rPr lang="en-US" sz="1050" dirty="0" err="1">
+                  <a:solidFill>
+                    <a:schemeClr val="tx1"/>
+                  </a:solidFill>
+                </a:rPr>
+                <a:t>er_volume</a:t>
+              </a:r>
+              <a:endParaRPr lang="en-US" sz="1050" dirty="0">
+                <a:solidFill>
+                  <a:schemeClr val="tx1"/>
+                </a:solidFill>
+              </a:endParaRPr>
+            </a:p>
+            <a:p>
+              <a:pPr marL="285750" indent="-285750">
+                <a:buFont typeface="Arial" panose="020B0604020202020204" pitchFamily="34" charset="0"/>
+                <a:buChar char="•"/>
+              </a:pPr>
+              <a:r>
+                <a:rPr lang="en-US" sz="1050" dirty="0" err="1">
+                  <a:solidFill>
+                    <a:schemeClr val="tx1"/>
+                  </a:solidFill>
+                </a:rPr>
+                <a:t>pop_flu_immunization</a:t>
+              </a:r>
+              <a:endParaRPr lang="en-US" sz="1050" dirty="0">
+                <a:solidFill>
+                  <a:schemeClr val="tx1"/>
+                </a:solidFill>
+              </a:endParaRPr>
+            </a:p>
+            <a:p>
+              <a:pPr marL="285750" indent="-285750">
+                <a:buFont typeface="Arial" panose="020B0604020202020204" pitchFamily="34" charset="0"/>
+                <a:buChar char="•"/>
+              </a:pPr>
+              <a:r>
+                <a:rPr lang="en-US" sz="1050" dirty="0" err="1">
+                  <a:solidFill>
+                    <a:schemeClr val="tx1"/>
+                  </a:solidFill>
+                </a:rPr>
+                <a:t>worker_flu_immunization</a:t>
+              </a:r>
+              <a:endParaRPr lang="en-US" sz="1050" dirty="0">
+                <a:solidFill>
+                  <a:schemeClr val="tx1"/>
+                </a:solidFill>
+              </a:endParaRPr>
+            </a:p>
+            <a:p>
+              <a:pPr marL="285750" indent="-285750">
+                <a:buFont typeface="Arial" panose="020B0604020202020204" pitchFamily="34" charset="0"/>
+                <a:buChar char="•"/>
+              </a:pPr>
+              <a:r>
+                <a:rPr lang="en-US" sz="1050" dirty="0" err="1">
+                  <a:solidFill>
+                    <a:schemeClr val="tx1"/>
+                  </a:solidFill>
+                </a:rPr>
+                <a:t>fibrinolysis_median_time</a:t>
               </a:r>
               <a:endParaRPr lang="en-US" sz="1050" dirty="0">
                 <a:solidFill>
@@ -4205,145 +4746,204 @@
                     <a:schemeClr val="tx1"/>
                   </a:solidFill>
                 </a:rPr>
-                <a:t>address</a:t>
-              </a:r>
-            </a:p>
-            <a:p>
-              <a:pPr marL="285750" indent="-285750">
-                <a:buFont typeface="Arial" panose="020B0604020202020204" pitchFamily="34" charset="0"/>
-                <a:buChar char="•"/>
-              </a:pPr>
-              <a:r>
-                <a:rPr lang="en-US" sz="1050" dirty="0">
-                  <a:solidFill>
-                    <a:schemeClr val="tx1"/>
-                  </a:solidFill>
-                </a:rPr>
-                <a:t>city</a:t>
-              </a:r>
-            </a:p>
-            <a:p>
-              <a:pPr marL="285750" indent="-285750">
-                <a:buFont typeface="Arial" panose="020B0604020202020204" pitchFamily="34" charset="0"/>
-                <a:buChar char="•"/>
-              </a:pPr>
-              <a:r>
-                <a:rPr lang="en-US" sz="1050" dirty="0">
-                  <a:solidFill>
-                    <a:schemeClr val="tx1"/>
-                  </a:solidFill>
-                </a:rPr>
-                <a:t>state</a:t>
-              </a:r>
-            </a:p>
-            <a:p>
-              <a:pPr marL="285750" indent="-285750">
-                <a:buFont typeface="Arial" panose="020B0604020202020204" pitchFamily="34" charset="0"/>
-                <a:buChar char="•"/>
-              </a:pPr>
-              <a:r>
-                <a:rPr lang="en-US" sz="1050" dirty="0" err="1">
-                  <a:solidFill>
-                    <a:schemeClr val="tx1"/>
-                  </a:solidFill>
-                </a:rPr>
-                <a:t>zip_code</a:t>
-              </a:r>
-              <a:endParaRPr lang="en-US" sz="1050" dirty="0">
-                <a:solidFill>
-                  <a:schemeClr val="tx1"/>
-                </a:solidFill>
-              </a:endParaRPr>
-            </a:p>
-            <a:p>
-              <a:pPr marL="285750" indent="-285750">
-                <a:buFont typeface="Arial" panose="020B0604020202020204" pitchFamily="34" charset="0"/>
-                <a:buChar char="•"/>
-              </a:pPr>
-              <a:r>
-                <a:rPr lang="en-US" sz="1050" dirty="0" err="1">
-                  <a:solidFill>
-                    <a:schemeClr val="tx1"/>
-                  </a:solidFill>
-                </a:rPr>
-                <a:t>county_name</a:t>
-              </a:r>
-              <a:endParaRPr lang="en-US" sz="1050" dirty="0">
-                <a:solidFill>
-                  <a:schemeClr val="tx1"/>
-                </a:solidFill>
-              </a:endParaRPr>
-            </a:p>
-            <a:p>
-              <a:pPr marL="285750" indent="-285750">
-                <a:buFont typeface="Arial" panose="020B0604020202020204" pitchFamily="34" charset="0"/>
-                <a:buChar char="•"/>
-              </a:pPr>
-              <a:r>
-                <a:rPr lang="en-US" sz="1050" dirty="0" err="1">
-                  <a:solidFill>
-                    <a:schemeClr val="tx1"/>
-                  </a:solidFill>
-                </a:rPr>
-                <a:t>phone_number</a:t>
-              </a:r>
-              <a:endParaRPr lang="en-US" sz="1050" dirty="0">
-                <a:solidFill>
-                  <a:schemeClr val="tx1"/>
-                </a:solidFill>
-              </a:endParaRPr>
-            </a:p>
-            <a:p>
-              <a:pPr marL="285750" indent="-285750">
-                <a:buFont typeface="Arial" panose="020B0604020202020204" pitchFamily="34" charset="0"/>
-                <a:buChar char="•"/>
-              </a:pPr>
-              <a:r>
-                <a:rPr lang="en-US" sz="1050" dirty="0" err="1">
-                  <a:solidFill>
-                    <a:schemeClr val="tx1"/>
-                  </a:solidFill>
-                </a:rPr>
-                <a:t>hospital_type</a:t>
-              </a:r>
-              <a:endParaRPr lang="en-US" sz="1050" dirty="0">
-                <a:solidFill>
-                  <a:schemeClr val="tx1"/>
-                </a:solidFill>
-              </a:endParaRPr>
-            </a:p>
-            <a:p>
-              <a:pPr marL="285750" indent="-285750">
-                <a:buFont typeface="Arial" panose="020B0604020202020204" pitchFamily="34" charset="0"/>
-                <a:buChar char="•"/>
-              </a:pPr>
-              <a:r>
-                <a:rPr lang="en-US" sz="1050" dirty="0" err="1">
-                  <a:solidFill>
-                    <a:schemeClr val="tx1"/>
-                  </a:solidFill>
-                </a:rPr>
-                <a:t>hospital_ownership</a:t>
-              </a:r>
-              <a:endParaRPr lang="en-US" sz="1050" dirty="0">
-                <a:solidFill>
-                  <a:schemeClr val="tx1"/>
-                </a:solidFill>
-              </a:endParaRPr>
-            </a:p>
-            <a:p>
-              <a:pPr marL="285750" indent="-285750">
-                <a:buFont typeface="Arial" panose="020B0604020202020204" pitchFamily="34" charset="0"/>
-                <a:buChar char="•"/>
-              </a:pPr>
-              <a:r>
-                <a:rPr lang="en-US" sz="1050" dirty="0" err="1">
-                  <a:solidFill>
-                    <a:schemeClr val="tx1"/>
-                  </a:solidFill>
-                </a:rPr>
-                <a:t>emergency_services</a:t>
-              </a:r>
+                <a:t>fibrinolysis_within_30_min</a:t>
+              </a:r>
+            </a:p>
+            <a:p>
+              <a:pPr marL="285750" indent="-285750">
+                <a:buFont typeface="Arial" panose="020B0604020202020204" pitchFamily="34" charset="0"/>
+                <a:buChar char="•"/>
+              </a:pPr>
+              <a:r>
+                <a:rPr lang="en-US" sz="1050" dirty="0" err="1">
+                  <a:solidFill>
+                    <a:schemeClr val="tx1"/>
+                  </a:solidFill>
+                </a:rPr>
+                <a:t>door_to_diagnostic</a:t>
+              </a:r>
+              <a:endParaRPr lang="en-US" sz="1050" dirty="0">
+                <a:solidFill>
+                  <a:schemeClr val="tx1"/>
+                </a:solidFill>
+              </a:endParaRPr>
+            </a:p>
+            <a:p>
+              <a:pPr marL="285750" indent="-285750">
+                <a:buFont typeface="Arial" panose="020B0604020202020204" pitchFamily="34" charset="0"/>
+                <a:buChar char="•"/>
+              </a:pPr>
+              <a:r>
+                <a:rPr lang="en-US" sz="1050" dirty="0" err="1">
+                  <a:solidFill>
+                    <a:schemeClr val="tx1"/>
+                  </a:solidFill>
+                </a:rPr>
+                <a:t>pain_med_median_time</a:t>
+              </a:r>
+              <a:endParaRPr lang="en-US" sz="1050" dirty="0">
+                <a:solidFill>
+                  <a:schemeClr val="tx1"/>
+                </a:solidFill>
+              </a:endParaRPr>
+            </a:p>
+            <a:p>
+              <a:pPr marL="285750" indent="-285750">
+                <a:buFont typeface="Arial" panose="020B0604020202020204" pitchFamily="34" charset="0"/>
+                <a:buChar char="•"/>
+              </a:pPr>
+              <a:r>
+                <a:rPr lang="en-US" sz="1050" dirty="0" err="1">
+                  <a:solidFill>
+                    <a:schemeClr val="tx1"/>
+                  </a:solidFill>
+                </a:rPr>
+                <a:t>left_before_being_seen</a:t>
+              </a:r>
+              <a:endParaRPr lang="en-US" sz="1050" dirty="0">
+                <a:solidFill>
+                  <a:schemeClr val="tx1"/>
+                </a:solidFill>
+              </a:endParaRPr>
+            </a:p>
+            <a:p>
+              <a:pPr marL="285750" indent="-285750">
+                <a:buFont typeface="Arial" panose="020B0604020202020204" pitchFamily="34" charset="0"/>
+                <a:buChar char="•"/>
+              </a:pPr>
+              <a:r>
+                <a:rPr lang="en-US" sz="1050" dirty="0" err="1">
+                  <a:solidFill>
+                    <a:schemeClr val="tx1"/>
+                  </a:solidFill>
+                </a:rPr>
+                <a:t>cataract_visual_improvement</a:t>
+              </a:r>
+              <a:endParaRPr lang="en-US" sz="1050" dirty="0">
+                <a:solidFill>
+                  <a:schemeClr val="tx1"/>
+                </a:solidFill>
+              </a:endParaRPr>
+            </a:p>
+            <a:p>
+              <a:pPr marL="285750" indent="-285750">
+                <a:buFont typeface="Arial" panose="020B0604020202020204" pitchFamily="34" charset="0"/>
+                <a:buChar char="•"/>
+              </a:pPr>
+              <a:r>
+                <a:rPr lang="en-US" sz="1050" dirty="0" err="1">
+                  <a:solidFill>
+                    <a:schemeClr val="tx1"/>
+                  </a:solidFill>
+                </a:rPr>
+                <a:t>facility_transfer_median_time</a:t>
+              </a:r>
+              <a:endParaRPr lang="en-US" sz="1050" dirty="0">
+                <a:solidFill>
+                  <a:schemeClr val="tx1"/>
+                </a:solidFill>
+              </a:endParaRPr>
+            </a:p>
+            <a:p>
+              <a:pPr marL="285750" indent="-285750">
+                <a:buFont typeface="Arial" panose="020B0604020202020204" pitchFamily="34" charset="0"/>
+                <a:buChar char="•"/>
+              </a:pPr>
+              <a:r>
+                <a:rPr lang="en-US" sz="1050" dirty="0" err="1">
+                  <a:solidFill>
+                    <a:schemeClr val="tx1"/>
+                  </a:solidFill>
+                </a:rPr>
+                <a:t>coronary_intervention</a:t>
+              </a:r>
+              <a:endParaRPr lang="en-US" sz="1050" dirty="0">
+                <a:solidFill>
+                  <a:schemeClr val="tx1"/>
+                </a:solidFill>
+              </a:endParaRPr>
+            </a:p>
+            <a:p>
+              <a:pPr marL="285750" indent="-285750">
+                <a:buFont typeface="Arial" panose="020B0604020202020204" pitchFamily="34" charset="0"/>
+                <a:buChar char="•"/>
+              </a:pPr>
+              <a:r>
+                <a:rPr lang="en-US" sz="1050" dirty="0" err="1">
+                  <a:solidFill>
+                    <a:schemeClr val="tx1"/>
+                  </a:solidFill>
+                </a:rPr>
+                <a:t>ecg_median_time</a:t>
+              </a:r>
+              <a:endParaRPr lang="en-US" sz="1050" dirty="0">
+                <a:solidFill>
+                  <a:schemeClr val="tx1"/>
+                </a:solidFill>
+              </a:endParaRPr>
+            </a:p>
+            <a:p>
+              <a:pPr marL="285750" indent="-285750">
+                <a:buFont typeface="Arial" panose="020B0604020202020204" pitchFamily="34" charset="0"/>
+                <a:buChar char="•"/>
+              </a:pPr>
+              <a:r>
+                <a:rPr lang="en-US" sz="1050" dirty="0" err="1">
+                  <a:solidFill>
+                    <a:schemeClr val="tx1"/>
+                  </a:solidFill>
+                </a:rPr>
+                <a:t>newborns_schedule_early_percentage</a:t>
+              </a:r>
+              <a:endParaRPr lang="en-US" sz="1050" dirty="0">
+                <a:solidFill>
+                  <a:schemeClr val="tx1"/>
+                </a:solidFill>
+              </a:endParaRPr>
+            </a:p>
+            <a:p>
+              <a:pPr marL="285750" indent="-285750">
+                <a:buFont typeface="Arial" panose="020B0604020202020204" pitchFamily="34" charset="0"/>
+                <a:buChar char="•"/>
+              </a:pPr>
+              <a:r>
+                <a:rPr lang="en-US" sz="1050" dirty="0" err="1">
+                  <a:solidFill>
+                    <a:schemeClr val="tx1"/>
+                  </a:solidFill>
+                </a:rPr>
+                <a:t>warfarin_discharge_instructions</a:t>
+              </a:r>
+              <a:endParaRPr lang="en-US" sz="1050" dirty="0">
+                <a:solidFill>
+                  <a:schemeClr val="tx1"/>
+                </a:solidFill>
+              </a:endParaRPr>
+            </a:p>
+            <a:p>
+              <a:pPr marL="285750" indent="-285750">
+                <a:buFont typeface="Arial" panose="020B0604020202020204" pitchFamily="34" charset="0"/>
+                <a:buChar char="•"/>
+              </a:pPr>
+              <a:r>
+                <a:rPr lang="en-US" sz="1050" dirty="0" err="1">
+                  <a:solidFill>
+                    <a:schemeClr val="tx1"/>
+                  </a:solidFill>
+                </a:rPr>
+                <a:t>hai_preventabl_venous_thromboembolism</a:t>
+              </a:r>
+              <a:endParaRPr lang="en-US" sz="1050" dirty="0">
+                <a:solidFill>
+                  <a:schemeClr val="tx1"/>
+                </a:solidFill>
+              </a:endParaRPr>
+            </a:p>
+            <a:p>
+              <a:pPr marL="285750" indent="-285750">
+                <a:buFont typeface="Arial" panose="020B0604020202020204" pitchFamily="34" charset="0"/>
+                <a:buChar char="•"/>
+              </a:pPr>
               <a:endParaRPr lang="en-US" sz="1050" dirty="0">
                 <a:solidFill>
                   <a:schemeClr val="tx1"/>
@@ -4395,308 +4995,7 @@
               <a:pPr algn="ctr"/>
               <a:r>
                 <a:rPr lang="en-US" sz="1050" dirty="0"/>
-                <a:t>hospitals</a:t>
-              </a:r>
-            </a:p>
-          </p:txBody>
-        </p:sp>
-      </p:grpSp>
-      <p:grpSp>
-        <p:nvGrpSpPr>
-          <p:cNvPr id="17" name="Group 16"/>
-          <p:cNvGrpSpPr/>
-          <p:nvPr/>
-        </p:nvGrpSpPr>
-        <p:grpSpPr>
-          <a:xfrm>
-            <a:off x="798942" y="104091"/>
-            <a:ext cx="1745673" cy="2207491"/>
-            <a:chOff x="4091708" y="1958109"/>
-            <a:chExt cx="2105892" cy="2530763"/>
-          </a:xfrm>
-        </p:grpSpPr>
-        <p:sp>
-          <p:nvSpPr>
-            <p:cNvPr id="18" name="Rectangle 17"/>
-            <p:cNvSpPr/>
-            <p:nvPr/>
-          </p:nvSpPr>
-          <p:spPr>
-            <a:xfrm>
-              <a:off x="4091710" y="2346035"/>
-              <a:ext cx="2105890" cy="2142837"/>
-            </a:xfrm>
-            <a:prstGeom prst="rect">
-              <a:avLst/>
-            </a:prstGeom>
-            <a:solidFill>
-              <a:schemeClr val="bg1"/>
-            </a:solidFill>
-            <a:ln>
-              <a:solidFill>
-                <a:schemeClr val="tx1"/>
-              </a:solidFill>
-            </a:ln>
-          </p:spPr>
-          <p:style>
-            <a:lnRef idx="2">
-              <a:schemeClr val="accent1">
-                <a:shade val="50000"/>
-              </a:schemeClr>
-            </a:lnRef>
-            <a:fillRef idx="1">
-              <a:schemeClr val="accent1"/>
-            </a:fillRef>
-            <a:effectRef idx="0">
-              <a:schemeClr val="accent1"/>
-            </a:effectRef>
-            <a:fontRef idx="minor">
-              <a:schemeClr val="lt1"/>
-            </a:fontRef>
-          </p:style>
-          <p:txBody>
-            <a:bodyPr rtlCol="0" anchor="t"/>
-            <a:lstStyle/>
-            <a:p>
-              <a:pPr marL="285750" indent="-285750">
-                <a:buFont typeface="Arial" panose="020B0604020202020204" pitchFamily="34" charset="0"/>
-                <a:buChar char="•"/>
-              </a:pPr>
-              <a:r>
-                <a:rPr lang="en-US" sz="1050" dirty="0" err="1">
-                  <a:solidFill>
-                    <a:schemeClr val="tx1"/>
-                  </a:solidFill>
-                </a:rPr>
-                <a:t>hospital_id</a:t>
-              </a:r>
-              <a:endParaRPr lang="en-US" sz="1050" dirty="0">
-                <a:solidFill>
-                  <a:schemeClr val="tx1"/>
-                </a:solidFill>
-              </a:endParaRPr>
-            </a:p>
-            <a:p>
-              <a:pPr marL="285750" indent="-285750">
-                <a:buFont typeface="Arial" panose="020B0604020202020204" pitchFamily="34" charset="0"/>
-                <a:buChar char="•"/>
-              </a:pPr>
-              <a:r>
-                <a:rPr lang="en-US" sz="1050" dirty="0" err="1">
-                  <a:solidFill>
-                    <a:schemeClr val="tx1"/>
-                  </a:solidFill>
-                </a:rPr>
-                <a:t>hospital_name</a:t>
-              </a:r>
-              <a:endParaRPr lang="en-US" sz="1050" dirty="0">
-                <a:solidFill>
-                  <a:schemeClr val="tx1"/>
-                </a:solidFill>
-              </a:endParaRPr>
-            </a:p>
-            <a:p>
-              <a:pPr marL="285750" indent="-285750">
-                <a:buFont typeface="Arial" panose="020B0604020202020204" pitchFamily="34" charset="0"/>
-                <a:buChar char="•"/>
-              </a:pPr>
-              <a:r>
-                <a:rPr lang="en-US" sz="1050" dirty="0">
-                  <a:solidFill>
-                    <a:schemeClr val="tx1"/>
-                  </a:solidFill>
-                </a:rPr>
-                <a:t>address</a:t>
-              </a:r>
-            </a:p>
-            <a:p>
-              <a:pPr marL="285750" indent="-285750">
-                <a:buFont typeface="Arial" panose="020B0604020202020204" pitchFamily="34" charset="0"/>
-                <a:buChar char="•"/>
-              </a:pPr>
-              <a:r>
-                <a:rPr lang="en-US" sz="1050" dirty="0">
-                  <a:solidFill>
-                    <a:schemeClr val="tx1"/>
-                  </a:solidFill>
-                </a:rPr>
-                <a:t>city</a:t>
-              </a:r>
-            </a:p>
-            <a:p>
-              <a:pPr marL="285750" indent="-285750">
-                <a:buFont typeface="Arial" panose="020B0604020202020204" pitchFamily="34" charset="0"/>
-                <a:buChar char="•"/>
-              </a:pPr>
-              <a:r>
-                <a:rPr lang="en-US" sz="1050" dirty="0">
-                  <a:solidFill>
-                    <a:schemeClr val="tx1"/>
-                  </a:solidFill>
-                </a:rPr>
-                <a:t>state</a:t>
-              </a:r>
-            </a:p>
-            <a:p>
-              <a:pPr marL="285750" indent="-285750">
-                <a:buFont typeface="Arial" panose="020B0604020202020204" pitchFamily="34" charset="0"/>
-                <a:buChar char="•"/>
-              </a:pPr>
-              <a:r>
-                <a:rPr lang="en-US" sz="1050" dirty="0" err="1">
-                  <a:solidFill>
-                    <a:schemeClr val="tx1"/>
-                  </a:solidFill>
-                </a:rPr>
-                <a:t>zip_code</a:t>
-              </a:r>
-              <a:endParaRPr lang="en-US" sz="1050" dirty="0">
-                <a:solidFill>
-                  <a:schemeClr val="tx1"/>
-                </a:solidFill>
-              </a:endParaRPr>
-            </a:p>
-            <a:p>
-              <a:pPr marL="285750" indent="-285750">
-                <a:buFont typeface="Arial" panose="020B0604020202020204" pitchFamily="34" charset="0"/>
-                <a:buChar char="•"/>
-              </a:pPr>
-              <a:r>
-                <a:rPr lang="en-US" sz="1050" dirty="0" err="1">
-                  <a:solidFill>
-                    <a:schemeClr val="tx1"/>
-                  </a:solidFill>
-                </a:rPr>
-                <a:t>county_name</a:t>
-              </a:r>
-              <a:endParaRPr lang="en-US" sz="1050" dirty="0">
-                <a:solidFill>
-                  <a:schemeClr val="tx1"/>
-                </a:solidFill>
-              </a:endParaRPr>
-            </a:p>
-            <a:p>
-              <a:pPr marL="285750" indent="-285750">
-                <a:buFont typeface="Arial" panose="020B0604020202020204" pitchFamily="34" charset="0"/>
-                <a:buChar char="•"/>
-              </a:pPr>
-              <a:r>
-                <a:rPr lang="en-US" sz="1050" dirty="0" err="1">
-                  <a:solidFill>
-                    <a:schemeClr val="tx1"/>
-                  </a:solidFill>
-                </a:rPr>
-                <a:t>phone_number</a:t>
-              </a:r>
-              <a:endParaRPr lang="en-US" sz="1050" dirty="0">
-                <a:solidFill>
-                  <a:schemeClr val="tx1"/>
-                </a:solidFill>
-              </a:endParaRPr>
-            </a:p>
-            <a:p>
-              <a:pPr marL="285750" indent="-285750">
-                <a:buFont typeface="Arial" panose="020B0604020202020204" pitchFamily="34" charset="0"/>
-                <a:buChar char="•"/>
-              </a:pPr>
-              <a:r>
-                <a:rPr lang="en-US" sz="1050" dirty="0" err="1">
-                  <a:solidFill>
-                    <a:schemeClr val="tx1"/>
-                  </a:solidFill>
-                </a:rPr>
-                <a:t>hospital_type</a:t>
-              </a:r>
-              <a:endParaRPr lang="en-US" sz="1050" dirty="0">
-                <a:solidFill>
-                  <a:schemeClr val="tx1"/>
-                </a:solidFill>
-              </a:endParaRPr>
-            </a:p>
-            <a:p>
-              <a:pPr marL="285750" indent="-285750">
-                <a:buFont typeface="Arial" panose="020B0604020202020204" pitchFamily="34" charset="0"/>
-                <a:buChar char="•"/>
-              </a:pPr>
-              <a:r>
-                <a:rPr lang="en-US" sz="1050" dirty="0" err="1">
-                  <a:solidFill>
-                    <a:schemeClr val="tx1"/>
-                  </a:solidFill>
-                </a:rPr>
-                <a:t>hospital_ownership</a:t>
-              </a:r>
-              <a:endParaRPr lang="en-US" sz="1050" dirty="0">
-                <a:solidFill>
-                  <a:schemeClr val="tx1"/>
-                </a:solidFill>
-              </a:endParaRPr>
-            </a:p>
-            <a:p>
-              <a:pPr marL="285750" indent="-285750">
-                <a:buFont typeface="Arial" panose="020B0604020202020204" pitchFamily="34" charset="0"/>
-                <a:buChar char="•"/>
-              </a:pPr>
-              <a:r>
-                <a:rPr lang="en-US" sz="1050" dirty="0" err="1">
-                  <a:solidFill>
-                    <a:schemeClr val="tx1"/>
-                  </a:solidFill>
-                </a:rPr>
-                <a:t>emergency_services</a:t>
-              </a:r>
-              <a:endParaRPr lang="en-US" sz="1050" dirty="0">
-                <a:solidFill>
-                  <a:schemeClr val="tx1"/>
-                </a:solidFill>
-              </a:endParaRPr>
-            </a:p>
-          </p:txBody>
-        </p:sp>
-        <p:sp>
-          <p:nvSpPr>
-            <p:cNvPr id="19" name="Rectangle 18"/>
-            <p:cNvSpPr/>
-            <p:nvPr/>
-          </p:nvSpPr>
-          <p:spPr>
-            <a:xfrm>
-              <a:off x="4091708" y="1958109"/>
-              <a:ext cx="2105891" cy="387927"/>
-            </a:xfrm>
-            <a:prstGeom prst="rect">
-              <a:avLst/>
-            </a:prstGeom>
-            <a:ln>
-              <a:solidFill>
-                <a:schemeClr val="tx1"/>
-              </a:solidFill>
-            </a:ln>
-          </p:spPr>
-          <p:style>
-            <a:lnRef idx="2">
-              <a:schemeClr val="accent1">
-                <a:shade val="50000"/>
-              </a:schemeClr>
-            </a:lnRef>
-            <a:fillRef idx="1">
-              <a:schemeClr val="accent1"/>
-            </a:fillRef>
-            <a:effectRef idx="0">
-              <a:schemeClr val="accent1"/>
-            </a:effectRef>
-            <a:fontRef idx="minor">
-              <a:schemeClr val="lt1"/>
-            </a:fontRef>
-          </p:style>
-          <p:txBody>
-            <a:bodyPr rtlCol="0" anchor="ctr"/>
-            <a:lstStyle/>
-            <a:p>
-              <a:pPr algn="ctr"/>
-              <a:r>
-                <a:rPr lang="en-US" sz="1050" dirty="0"/>
-                <a:t>hospitals</a:t>
+                <a:t>care</a:t>
               </a:r>
             </a:p>
           </p:txBody>
@@ -4710,8 +5009,8 @@
         </p:nvGrpSpPr>
         <p:grpSpPr>
           <a:xfrm>
-            <a:off x="9056253" y="4627417"/>
-            <a:ext cx="1745673" cy="2207491"/>
+            <a:off x="7532254" y="4341091"/>
+            <a:ext cx="2128982" cy="2207491"/>
             <a:chOff x="4091708" y="1958109"/>
             <a:chExt cx="2105892" cy="2530763"/>
           </a:xfrm>
@@ -4788,163 +5087,178 @@
                     <a:schemeClr val="tx1"/>
                   </a:solidFill>
                 </a:rPr>
-                <a:t>hospital_name</a:t>
-              </a:r>
-              <a:endParaRPr lang="en-US" sz="1050" dirty="0">
-                <a:solidFill>
-                  <a:schemeClr val="tx1"/>
-                </a:solidFill>
-              </a:endParaRPr>
-            </a:p>
-            <a:p>
-              <a:pPr marL="285750" indent="-285750">
-                <a:buFont typeface="Arial" panose="020B0604020202020204" pitchFamily="34" charset="0"/>
-                <a:buChar char="•"/>
-              </a:pPr>
-              <a:r>
-                <a:rPr lang="en-US" sz="1050" dirty="0">
-                  <a:solidFill>
-                    <a:schemeClr val="tx1"/>
-                  </a:solidFill>
-                </a:rPr>
-                <a:t>address</a:t>
-              </a:r>
-            </a:p>
-            <a:p>
-              <a:pPr marL="285750" indent="-285750">
-                <a:buFont typeface="Arial" panose="020B0604020202020204" pitchFamily="34" charset="0"/>
-                <a:buChar char="•"/>
-              </a:pPr>
-              <a:r>
-                <a:rPr lang="en-US" sz="1050" dirty="0">
-                  <a:solidFill>
-                    <a:schemeClr val="tx1"/>
-                  </a:solidFill>
-                </a:rPr>
-                <a:t>city</a:t>
-              </a:r>
-            </a:p>
-            <a:p>
-              <a:pPr marL="285750" indent="-285750">
-                <a:buFont typeface="Arial" panose="020B0604020202020204" pitchFamily="34" charset="0"/>
-                <a:buChar char="•"/>
-              </a:pPr>
-              <a:r>
-                <a:rPr lang="en-US" sz="1050" dirty="0">
-                  <a:solidFill>
-                    <a:schemeClr val="tx1"/>
-                  </a:solidFill>
-                </a:rPr>
-                <a:t>state</a:t>
-              </a:r>
-            </a:p>
-            <a:p>
-              <a:pPr marL="285750" indent="-285750">
-                <a:buFont typeface="Arial" panose="020B0604020202020204" pitchFamily="34" charset="0"/>
-                <a:buChar char="•"/>
-              </a:pPr>
-              <a:r>
-                <a:rPr lang="en-US" sz="1050" dirty="0" err="1">
-                  <a:solidFill>
-                    <a:schemeClr val="tx1"/>
-                  </a:solidFill>
-                </a:rPr>
-                <a:t>zip_code</a:t>
-              </a:r>
-              <a:endParaRPr lang="en-US" sz="1050" dirty="0">
-                <a:solidFill>
-                  <a:schemeClr val="tx1"/>
-                </a:solidFill>
-              </a:endParaRPr>
-            </a:p>
-            <a:p>
-              <a:pPr marL="285750" indent="-285750">
-                <a:buFont typeface="Arial" panose="020B0604020202020204" pitchFamily="34" charset="0"/>
-                <a:buChar char="•"/>
-              </a:pPr>
-              <a:r>
-                <a:rPr lang="en-US" sz="1050" dirty="0" err="1">
-                  <a:solidFill>
-                    <a:schemeClr val="tx1"/>
-                  </a:solidFill>
-                </a:rPr>
-                <a:t>county_name</a:t>
-              </a:r>
-              <a:endParaRPr lang="en-US" sz="1050" dirty="0">
-                <a:solidFill>
-                  <a:schemeClr val="tx1"/>
-                </a:solidFill>
-              </a:endParaRPr>
-            </a:p>
-            <a:p>
-              <a:pPr marL="285750" indent="-285750">
-                <a:buFont typeface="Arial" panose="020B0604020202020204" pitchFamily="34" charset="0"/>
-                <a:buChar char="•"/>
-              </a:pPr>
-              <a:r>
-                <a:rPr lang="en-US" sz="1050" dirty="0" err="1">
-                  <a:solidFill>
-                    <a:schemeClr val="tx1"/>
-                  </a:solidFill>
-                </a:rPr>
-                <a:t>phone_number</a:t>
-              </a:r>
-              <a:endParaRPr lang="en-US" sz="1050" dirty="0">
-                <a:solidFill>
-                  <a:schemeClr val="tx1"/>
-                </a:solidFill>
-              </a:endParaRPr>
-            </a:p>
-            <a:p>
-              <a:pPr marL="285750" indent="-285750">
-                <a:buFont typeface="Arial" panose="020B0604020202020204" pitchFamily="34" charset="0"/>
-                <a:buChar char="•"/>
-              </a:pPr>
-              <a:r>
-                <a:rPr lang="en-US" sz="1050" dirty="0" err="1">
-                  <a:solidFill>
-                    <a:schemeClr val="tx1"/>
-                  </a:solidFill>
-                </a:rPr>
-                <a:t>hospital_type</a:t>
-              </a:r>
-              <a:endParaRPr lang="en-US" sz="1050" dirty="0">
-                <a:solidFill>
-                  <a:schemeClr val="tx1"/>
-                </a:solidFill>
-              </a:endParaRPr>
-            </a:p>
-            <a:p>
-              <a:pPr marL="285750" indent="-285750">
-                <a:buFont typeface="Arial" panose="020B0604020202020204" pitchFamily="34" charset="0"/>
-                <a:buChar char="•"/>
-              </a:pPr>
-              <a:r>
-                <a:rPr lang="en-US" sz="1050" dirty="0" err="1">
-                  <a:solidFill>
-                    <a:schemeClr val="tx1"/>
-                  </a:solidFill>
-                </a:rPr>
-                <a:t>hospital_ownership</a:t>
-              </a:r>
-              <a:endParaRPr lang="en-US" sz="1050" dirty="0">
-                <a:solidFill>
-                  <a:schemeClr val="tx1"/>
-                </a:solidFill>
-              </a:endParaRPr>
-            </a:p>
-            <a:p>
-              <a:pPr marL="285750" indent="-285750">
-                <a:buFont typeface="Arial" panose="020B0604020202020204" pitchFamily="34" charset="0"/>
-                <a:buChar char="•"/>
-              </a:pPr>
-              <a:r>
-                <a:rPr lang="en-US" sz="1050" dirty="0" err="1">
-                  <a:solidFill>
-                    <a:schemeClr val="tx1"/>
-                  </a:solidFill>
-                </a:rPr>
-                <a:t>emergency_services</a:t>
+                <a:t>heart_attack_return_days</a:t>
+              </a:r>
+              <a:endParaRPr lang="en-US" sz="1050" dirty="0">
+                <a:solidFill>
+                  <a:schemeClr val="tx1"/>
+                </a:solidFill>
+              </a:endParaRPr>
+            </a:p>
+            <a:p>
+              <a:pPr marL="285750" indent="-285750">
+                <a:buFont typeface="Arial" panose="020B0604020202020204" pitchFamily="34" charset="0"/>
+                <a:buChar char="•"/>
+              </a:pPr>
+              <a:r>
+                <a:rPr lang="en-US" sz="1050" dirty="0" err="1">
+                  <a:solidFill>
+                    <a:schemeClr val="tx1"/>
+                  </a:solidFill>
+                </a:rPr>
+                <a:t>heart_failure_return_days</a:t>
+              </a:r>
+              <a:endParaRPr lang="en-US" sz="1050" dirty="0">
+                <a:solidFill>
+                  <a:schemeClr val="tx1"/>
+                </a:solidFill>
+              </a:endParaRPr>
+            </a:p>
+            <a:p>
+              <a:pPr marL="285750" indent="-285750">
+                <a:buFont typeface="Arial" panose="020B0604020202020204" pitchFamily="34" charset="0"/>
+                <a:buChar char="•"/>
+              </a:pPr>
+              <a:r>
+                <a:rPr lang="en-US" sz="1050" dirty="0" err="1">
+                  <a:solidFill>
+                    <a:schemeClr val="tx1"/>
+                  </a:solidFill>
+                </a:rPr>
+                <a:t>ami_readmission_rate</a:t>
+              </a:r>
+              <a:endParaRPr lang="en-US" sz="1050" dirty="0">
+                <a:solidFill>
+                  <a:schemeClr val="tx1"/>
+                </a:solidFill>
+              </a:endParaRPr>
+            </a:p>
+            <a:p>
+              <a:pPr marL="285750" indent="-285750">
+                <a:buFont typeface="Arial" panose="020B0604020202020204" pitchFamily="34" charset="0"/>
+                <a:buChar char="•"/>
+              </a:pPr>
+              <a:r>
+                <a:rPr lang="en-US" sz="1050" dirty="0" err="1">
+                  <a:solidFill>
+                    <a:schemeClr val="tx1"/>
+                  </a:solidFill>
+                </a:rPr>
+                <a:t>cabg_readmission_rate</a:t>
+              </a:r>
+              <a:endParaRPr lang="en-US" sz="1050" dirty="0">
+                <a:solidFill>
+                  <a:schemeClr val="tx1"/>
+                </a:solidFill>
+              </a:endParaRPr>
+            </a:p>
+            <a:p>
+              <a:pPr marL="285750" indent="-285750">
+                <a:buFont typeface="Arial" panose="020B0604020202020204" pitchFamily="34" charset="0"/>
+                <a:buChar char="•"/>
+              </a:pPr>
+              <a:r>
+                <a:rPr lang="en-US" sz="1050" dirty="0" err="1">
+                  <a:solidFill>
+                    <a:schemeClr val="tx1"/>
+                  </a:solidFill>
+                </a:rPr>
+                <a:t>copd_readmission_rate</a:t>
+              </a:r>
+              <a:endParaRPr lang="en-US" sz="1050" dirty="0">
+                <a:solidFill>
+                  <a:schemeClr val="tx1"/>
+                </a:solidFill>
+              </a:endParaRPr>
+            </a:p>
+            <a:p>
+              <a:pPr marL="285750" indent="-285750">
+                <a:buFont typeface="Arial" panose="020B0604020202020204" pitchFamily="34" charset="0"/>
+                <a:buChar char="•"/>
+              </a:pPr>
+              <a:r>
+                <a:rPr lang="en-US" sz="1050" dirty="0" err="1">
+                  <a:solidFill>
+                    <a:schemeClr val="tx1"/>
+                  </a:solidFill>
+                </a:rPr>
+                <a:t>hf_readmission_rate</a:t>
+              </a:r>
+              <a:endParaRPr lang="en-US" sz="1050" dirty="0">
+                <a:solidFill>
+                  <a:schemeClr val="tx1"/>
+                </a:solidFill>
+              </a:endParaRPr>
+            </a:p>
+            <a:p>
+              <a:pPr marL="285750" indent="-285750">
+                <a:buFont typeface="Arial" panose="020B0604020202020204" pitchFamily="34" charset="0"/>
+                <a:buChar char="•"/>
+              </a:pPr>
+              <a:r>
+                <a:rPr lang="en-US" sz="1050" dirty="0" err="1">
+                  <a:solidFill>
+                    <a:schemeClr val="tx1"/>
+                  </a:solidFill>
+                </a:rPr>
+                <a:t>tka_readmission_rate</a:t>
+              </a:r>
+              <a:endParaRPr lang="en-US" sz="1050" dirty="0">
+                <a:solidFill>
+                  <a:schemeClr val="tx1"/>
+                </a:solidFill>
+              </a:endParaRPr>
+            </a:p>
+            <a:p>
+              <a:pPr marL="285750" indent="-285750">
+                <a:buFont typeface="Arial" panose="020B0604020202020204" pitchFamily="34" charset="0"/>
+                <a:buChar char="•"/>
+              </a:pPr>
+              <a:r>
+                <a:rPr lang="en-US" sz="1050" dirty="0" err="1">
+                  <a:solidFill>
+                    <a:schemeClr val="tx1"/>
+                  </a:solidFill>
+                </a:rPr>
+                <a:t>discharge_readmission_rate</a:t>
+              </a:r>
+              <a:endParaRPr lang="en-US" sz="1050" dirty="0">
+                <a:solidFill>
+                  <a:schemeClr val="tx1"/>
+                </a:solidFill>
+              </a:endParaRPr>
+            </a:p>
+            <a:p>
+              <a:pPr marL="285750" indent="-285750">
+                <a:buFont typeface="Arial" panose="020B0604020202020204" pitchFamily="34" charset="0"/>
+                <a:buChar char="•"/>
+              </a:pPr>
+              <a:r>
+                <a:rPr lang="en-US" sz="1050" dirty="0" err="1">
+                  <a:solidFill>
+                    <a:schemeClr val="tx1"/>
+                  </a:solidFill>
+                </a:rPr>
+                <a:t>pneumonia_readmission_rate</a:t>
+              </a:r>
+              <a:endParaRPr lang="en-US" sz="1050" dirty="0">
+                <a:solidFill>
+                  <a:schemeClr val="tx1"/>
+                </a:solidFill>
+              </a:endParaRPr>
+            </a:p>
+            <a:p>
+              <a:pPr marL="285750" indent="-285750">
+                <a:buFont typeface="Arial" panose="020B0604020202020204" pitchFamily="34" charset="0"/>
+                <a:buChar char="•"/>
+              </a:pPr>
+              <a:r>
+                <a:rPr lang="en-US" sz="1050" dirty="0" err="1">
+                  <a:solidFill>
+                    <a:schemeClr val="tx1"/>
+                  </a:solidFill>
+                </a:rPr>
+                <a:t>stroke_readmission_rate</a:t>
               </a:r>
               <a:endParaRPr lang="en-US" sz="1050" dirty="0">
                 <a:solidFill>
@@ -4997,7 +5311,961 @@
               <a:pPr algn="ctr"/>
               <a:r>
                 <a:rPr lang="en-US" sz="1050" dirty="0"/>
-                <a:t>hospitals</a:t>
+                <a:t>returns</a:t>
+              </a:r>
+            </a:p>
+          </p:txBody>
+        </p:sp>
+      </p:grpSp>
+      <p:cxnSp>
+        <p:nvCxnSpPr>
+          <p:cNvPr id="40" name="Straight Connector 39"/>
+          <p:cNvCxnSpPr/>
+          <p:nvPr/>
+        </p:nvCxnSpPr>
+        <p:spPr>
+          <a:xfrm>
+            <a:off x="3022598" y="508000"/>
+            <a:ext cx="598057" cy="0"/>
+          </a:xfrm>
+          <a:prstGeom prst="line">
+            <a:avLst/>
+          </a:prstGeom>
+          <a:ln>
+            <a:solidFill>
+              <a:schemeClr val="tx1"/>
+            </a:solidFill>
+          </a:ln>
+        </p:spPr>
+        <p:style>
+          <a:lnRef idx="1">
+            <a:schemeClr val="accent1"/>
+          </a:lnRef>
+          <a:fillRef idx="0">
+            <a:schemeClr val="accent1"/>
+          </a:fillRef>
+          <a:effectRef idx="0">
+            <a:schemeClr val="accent1"/>
+          </a:effectRef>
+          <a:fontRef idx="minor">
+            <a:schemeClr val="tx1"/>
+          </a:fontRef>
+        </p:style>
+      </p:cxnSp>
+      <p:cxnSp>
+        <p:nvCxnSpPr>
+          <p:cNvPr id="44" name="Straight Connector 43"/>
+          <p:cNvCxnSpPr/>
+          <p:nvPr/>
+        </p:nvCxnSpPr>
+        <p:spPr>
+          <a:xfrm flipH="1">
+            <a:off x="3629892" y="508000"/>
+            <a:ext cx="1" cy="2773203"/>
+          </a:xfrm>
+          <a:prstGeom prst="line">
+            <a:avLst/>
+          </a:prstGeom>
+          <a:ln>
+            <a:solidFill>
+              <a:schemeClr val="tx1"/>
+            </a:solidFill>
+          </a:ln>
+        </p:spPr>
+        <p:style>
+          <a:lnRef idx="1">
+            <a:schemeClr val="accent1"/>
+          </a:lnRef>
+          <a:fillRef idx="0">
+            <a:schemeClr val="accent1"/>
+          </a:fillRef>
+          <a:effectRef idx="0">
+            <a:schemeClr val="accent1"/>
+          </a:effectRef>
+          <a:fontRef idx="minor">
+            <a:schemeClr val="tx1"/>
+          </a:fontRef>
+        </p:style>
+      </p:cxnSp>
+      <p:cxnSp>
+        <p:nvCxnSpPr>
+          <p:cNvPr id="47" name="Straight Connector 46"/>
+          <p:cNvCxnSpPr/>
+          <p:nvPr/>
+        </p:nvCxnSpPr>
+        <p:spPr>
+          <a:xfrm>
+            <a:off x="3629892" y="3281203"/>
+            <a:ext cx="774696" cy="0"/>
+          </a:xfrm>
+          <a:prstGeom prst="line">
+            <a:avLst/>
+          </a:prstGeom>
+          <a:ln>
+            <a:solidFill>
+              <a:schemeClr val="tx1"/>
+            </a:solidFill>
+          </a:ln>
+        </p:spPr>
+        <p:style>
+          <a:lnRef idx="1">
+            <a:schemeClr val="accent1"/>
+          </a:lnRef>
+          <a:fillRef idx="0">
+            <a:schemeClr val="accent1"/>
+          </a:fillRef>
+          <a:effectRef idx="0">
+            <a:schemeClr val="accent1"/>
+          </a:effectRef>
+          <a:fontRef idx="minor">
+            <a:schemeClr val="tx1"/>
+          </a:fontRef>
+        </p:style>
+      </p:cxnSp>
+      <p:cxnSp>
+        <p:nvCxnSpPr>
+          <p:cNvPr id="51" name="Straight Connector 50"/>
+          <p:cNvCxnSpPr/>
+          <p:nvPr/>
+        </p:nvCxnSpPr>
+        <p:spPr>
+          <a:xfrm>
+            <a:off x="3149600" y="420863"/>
+            <a:ext cx="0" cy="174273"/>
+          </a:xfrm>
+          <a:prstGeom prst="line">
+            <a:avLst/>
+          </a:prstGeom>
+          <a:ln>
+            <a:solidFill>
+              <a:schemeClr val="tx1"/>
+            </a:solidFill>
+          </a:ln>
+        </p:spPr>
+        <p:style>
+          <a:lnRef idx="1">
+            <a:schemeClr val="accent1"/>
+          </a:lnRef>
+          <a:fillRef idx="0">
+            <a:schemeClr val="accent1"/>
+          </a:fillRef>
+          <a:effectRef idx="0">
+            <a:schemeClr val="accent1"/>
+          </a:effectRef>
+          <a:fontRef idx="minor">
+            <a:schemeClr val="tx1"/>
+          </a:fontRef>
+        </p:style>
+      </p:cxnSp>
+      <p:cxnSp>
+        <p:nvCxnSpPr>
+          <p:cNvPr id="52" name="Straight Connector 51"/>
+          <p:cNvCxnSpPr/>
+          <p:nvPr/>
+        </p:nvCxnSpPr>
+        <p:spPr>
+          <a:xfrm>
+            <a:off x="4216400" y="3212538"/>
+            <a:ext cx="0" cy="174273"/>
+          </a:xfrm>
+          <a:prstGeom prst="line">
+            <a:avLst/>
+          </a:prstGeom>
+          <a:ln>
+            <a:solidFill>
+              <a:schemeClr val="tx1"/>
+            </a:solidFill>
+          </a:ln>
+        </p:spPr>
+        <p:style>
+          <a:lnRef idx="1">
+            <a:schemeClr val="accent1"/>
+          </a:lnRef>
+          <a:fillRef idx="0">
+            <a:schemeClr val="accent1"/>
+          </a:fillRef>
+          <a:effectRef idx="0">
+            <a:schemeClr val="accent1"/>
+          </a:effectRef>
+          <a:fontRef idx="minor">
+            <a:schemeClr val="tx1"/>
+          </a:fontRef>
+        </p:style>
+      </p:cxnSp>
+      <p:cxnSp>
+        <p:nvCxnSpPr>
+          <p:cNvPr id="54" name="Straight Connector 53"/>
+          <p:cNvCxnSpPr/>
+          <p:nvPr/>
+        </p:nvCxnSpPr>
+        <p:spPr>
+          <a:xfrm>
+            <a:off x="3022597" y="4133273"/>
+            <a:ext cx="598058" cy="0"/>
+          </a:xfrm>
+          <a:prstGeom prst="line">
+            <a:avLst/>
+          </a:prstGeom>
+          <a:ln>
+            <a:solidFill>
+              <a:schemeClr val="tx1"/>
+            </a:solidFill>
+          </a:ln>
+        </p:spPr>
+        <p:style>
+          <a:lnRef idx="1">
+            <a:schemeClr val="accent1"/>
+          </a:lnRef>
+          <a:fillRef idx="0">
+            <a:schemeClr val="accent1"/>
+          </a:fillRef>
+          <a:effectRef idx="0">
+            <a:schemeClr val="accent1"/>
+          </a:effectRef>
+          <a:fontRef idx="minor">
+            <a:schemeClr val="tx1"/>
+          </a:fontRef>
+        </p:style>
+      </p:cxnSp>
+      <p:cxnSp>
+        <p:nvCxnSpPr>
+          <p:cNvPr id="57" name="Straight Connector 56"/>
+          <p:cNvCxnSpPr/>
+          <p:nvPr/>
+        </p:nvCxnSpPr>
+        <p:spPr>
+          <a:xfrm flipV="1">
+            <a:off x="3620655" y="3335407"/>
+            <a:ext cx="0" cy="797867"/>
+          </a:xfrm>
+          <a:prstGeom prst="line">
+            <a:avLst/>
+          </a:prstGeom>
+          <a:ln>
+            <a:solidFill>
+              <a:schemeClr val="tx1"/>
+            </a:solidFill>
+          </a:ln>
+        </p:spPr>
+        <p:style>
+          <a:lnRef idx="1">
+            <a:schemeClr val="accent1"/>
+          </a:lnRef>
+          <a:fillRef idx="0">
+            <a:schemeClr val="accent1"/>
+          </a:fillRef>
+          <a:effectRef idx="0">
+            <a:schemeClr val="accent1"/>
+          </a:effectRef>
+          <a:fontRef idx="minor">
+            <a:schemeClr val="tx1"/>
+          </a:fontRef>
+        </p:style>
+      </p:cxnSp>
+      <p:cxnSp>
+        <p:nvCxnSpPr>
+          <p:cNvPr id="62" name="Straight Connector 61"/>
+          <p:cNvCxnSpPr/>
+          <p:nvPr/>
+        </p:nvCxnSpPr>
+        <p:spPr>
+          <a:xfrm>
+            <a:off x="3629892" y="3335408"/>
+            <a:ext cx="774696" cy="0"/>
+          </a:xfrm>
+          <a:prstGeom prst="line">
+            <a:avLst/>
+          </a:prstGeom>
+          <a:ln>
+            <a:solidFill>
+              <a:schemeClr val="tx1"/>
+            </a:solidFill>
+          </a:ln>
+        </p:spPr>
+        <p:style>
+          <a:lnRef idx="1">
+            <a:schemeClr val="accent1"/>
+          </a:lnRef>
+          <a:fillRef idx="0">
+            <a:schemeClr val="accent1"/>
+          </a:fillRef>
+          <a:effectRef idx="0">
+            <a:schemeClr val="accent1"/>
+          </a:effectRef>
+          <a:fontRef idx="minor">
+            <a:schemeClr val="tx1"/>
+          </a:fontRef>
+        </p:style>
+      </p:cxnSp>
+      <p:cxnSp>
+        <p:nvCxnSpPr>
+          <p:cNvPr id="64" name="Straight Connector 63"/>
+          <p:cNvCxnSpPr/>
+          <p:nvPr/>
+        </p:nvCxnSpPr>
+        <p:spPr>
+          <a:xfrm>
+            <a:off x="3149600" y="4046136"/>
+            <a:ext cx="0" cy="174273"/>
+          </a:xfrm>
+          <a:prstGeom prst="line">
+            <a:avLst/>
+          </a:prstGeom>
+          <a:ln>
+            <a:solidFill>
+              <a:schemeClr val="tx1"/>
+            </a:solidFill>
+          </a:ln>
+        </p:spPr>
+        <p:style>
+          <a:lnRef idx="1">
+            <a:schemeClr val="accent1"/>
+          </a:lnRef>
+          <a:fillRef idx="0">
+            <a:schemeClr val="accent1"/>
+          </a:fillRef>
+          <a:effectRef idx="0">
+            <a:schemeClr val="accent1"/>
+          </a:effectRef>
+          <a:fontRef idx="minor">
+            <a:schemeClr val="tx1"/>
+          </a:fontRef>
+        </p:style>
+      </p:cxnSp>
+      <p:cxnSp>
+        <p:nvCxnSpPr>
+          <p:cNvPr id="66" name="Straight Connector 65"/>
+          <p:cNvCxnSpPr/>
+          <p:nvPr/>
+        </p:nvCxnSpPr>
+        <p:spPr>
+          <a:xfrm flipH="1">
+            <a:off x="7102764" y="507999"/>
+            <a:ext cx="429490" cy="0"/>
+          </a:xfrm>
+          <a:prstGeom prst="line">
+            <a:avLst/>
+          </a:prstGeom>
+          <a:ln>
+            <a:solidFill>
+              <a:schemeClr val="tx1"/>
+            </a:solidFill>
+          </a:ln>
+        </p:spPr>
+        <p:style>
+          <a:lnRef idx="1">
+            <a:schemeClr val="accent1"/>
+          </a:lnRef>
+          <a:fillRef idx="0">
+            <a:schemeClr val="accent1"/>
+          </a:fillRef>
+          <a:effectRef idx="0">
+            <a:schemeClr val="accent1"/>
+          </a:effectRef>
+          <a:fontRef idx="minor">
+            <a:schemeClr val="tx1"/>
+          </a:fontRef>
+        </p:style>
+      </p:cxnSp>
+      <p:cxnSp>
+        <p:nvCxnSpPr>
+          <p:cNvPr id="68" name="Straight Connector 67"/>
+          <p:cNvCxnSpPr/>
+          <p:nvPr/>
+        </p:nvCxnSpPr>
+        <p:spPr>
+          <a:xfrm flipH="1">
+            <a:off x="7084291" y="507999"/>
+            <a:ext cx="9236" cy="2717580"/>
+          </a:xfrm>
+          <a:prstGeom prst="line">
+            <a:avLst/>
+          </a:prstGeom>
+          <a:ln>
+            <a:solidFill>
+              <a:schemeClr val="tx1"/>
+            </a:solidFill>
+          </a:ln>
+        </p:spPr>
+        <p:style>
+          <a:lnRef idx="1">
+            <a:schemeClr val="accent1"/>
+          </a:lnRef>
+          <a:fillRef idx="0">
+            <a:schemeClr val="accent1"/>
+          </a:fillRef>
+          <a:effectRef idx="0">
+            <a:schemeClr val="accent1"/>
+          </a:effectRef>
+          <a:fontRef idx="minor">
+            <a:schemeClr val="tx1"/>
+          </a:fontRef>
+        </p:style>
+      </p:cxnSp>
+      <p:cxnSp>
+        <p:nvCxnSpPr>
+          <p:cNvPr id="70" name="Straight Connector 69"/>
+          <p:cNvCxnSpPr/>
+          <p:nvPr/>
+        </p:nvCxnSpPr>
+        <p:spPr>
+          <a:xfrm flipH="1">
+            <a:off x="6145643" y="3212538"/>
+            <a:ext cx="947883" cy="0"/>
+          </a:xfrm>
+          <a:prstGeom prst="line">
+            <a:avLst/>
+          </a:prstGeom>
+          <a:ln>
+            <a:solidFill>
+              <a:schemeClr val="tx1"/>
+            </a:solidFill>
+          </a:ln>
+        </p:spPr>
+        <p:style>
+          <a:lnRef idx="1">
+            <a:schemeClr val="accent1"/>
+          </a:lnRef>
+          <a:fillRef idx="0">
+            <a:schemeClr val="accent1"/>
+          </a:fillRef>
+          <a:effectRef idx="0">
+            <a:schemeClr val="accent1"/>
+          </a:effectRef>
+          <a:fontRef idx="minor">
+            <a:schemeClr val="tx1"/>
+          </a:fontRef>
+        </p:style>
+      </p:cxnSp>
+      <p:cxnSp>
+        <p:nvCxnSpPr>
+          <p:cNvPr id="71" name="Straight Connector 70"/>
+          <p:cNvCxnSpPr/>
+          <p:nvPr/>
+        </p:nvCxnSpPr>
+        <p:spPr>
+          <a:xfrm>
+            <a:off x="7331364" y="416854"/>
+            <a:ext cx="0" cy="174273"/>
+          </a:xfrm>
+          <a:prstGeom prst="line">
+            <a:avLst/>
+          </a:prstGeom>
+          <a:ln>
+            <a:solidFill>
+              <a:schemeClr val="tx1"/>
+            </a:solidFill>
+          </a:ln>
+        </p:spPr>
+        <p:style>
+          <a:lnRef idx="1">
+            <a:schemeClr val="accent1"/>
+          </a:lnRef>
+          <a:fillRef idx="0">
+            <a:schemeClr val="accent1"/>
+          </a:fillRef>
+          <a:effectRef idx="0">
+            <a:schemeClr val="accent1"/>
+          </a:effectRef>
+          <a:fontRef idx="minor">
+            <a:schemeClr val="tx1"/>
+          </a:fontRef>
+        </p:style>
+      </p:cxnSp>
+      <p:cxnSp>
+        <p:nvCxnSpPr>
+          <p:cNvPr id="72" name="Straight Connector 71"/>
+          <p:cNvCxnSpPr/>
+          <p:nvPr/>
+        </p:nvCxnSpPr>
+        <p:spPr>
+          <a:xfrm>
+            <a:off x="6289965" y="3162345"/>
+            <a:ext cx="0" cy="310528"/>
+          </a:xfrm>
+          <a:prstGeom prst="line">
+            <a:avLst/>
+          </a:prstGeom>
+          <a:ln>
+            <a:solidFill>
+              <a:schemeClr val="tx1"/>
+            </a:solidFill>
+          </a:ln>
+        </p:spPr>
+        <p:style>
+          <a:lnRef idx="1">
+            <a:schemeClr val="accent1"/>
+          </a:lnRef>
+          <a:fillRef idx="0">
+            <a:schemeClr val="accent1"/>
+          </a:fillRef>
+          <a:effectRef idx="0">
+            <a:schemeClr val="accent1"/>
+          </a:effectRef>
+          <a:fontRef idx="minor">
+            <a:schemeClr val="tx1"/>
+          </a:fontRef>
+        </p:style>
+      </p:cxnSp>
+      <p:cxnSp>
+        <p:nvCxnSpPr>
+          <p:cNvPr id="73" name="Straight Connector 72"/>
+          <p:cNvCxnSpPr/>
+          <p:nvPr/>
+        </p:nvCxnSpPr>
+        <p:spPr>
+          <a:xfrm>
+            <a:off x="6139869" y="3259964"/>
+            <a:ext cx="598058" cy="0"/>
+          </a:xfrm>
+          <a:prstGeom prst="line">
+            <a:avLst/>
+          </a:prstGeom>
+          <a:ln>
+            <a:solidFill>
+              <a:schemeClr val="tx1"/>
+            </a:solidFill>
+          </a:ln>
+        </p:spPr>
+        <p:style>
+          <a:lnRef idx="1">
+            <a:schemeClr val="accent1"/>
+          </a:lnRef>
+          <a:fillRef idx="0">
+            <a:schemeClr val="accent1"/>
+          </a:fillRef>
+          <a:effectRef idx="0">
+            <a:schemeClr val="accent1"/>
+          </a:effectRef>
+          <a:fontRef idx="minor">
+            <a:schemeClr val="tx1"/>
+          </a:fontRef>
+        </p:style>
+      </p:cxnSp>
+      <p:cxnSp>
+        <p:nvCxnSpPr>
+          <p:cNvPr id="74" name="Straight Connector 73"/>
+          <p:cNvCxnSpPr/>
+          <p:nvPr/>
+        </p:nvCxnSpPr>
+        <p:spPr>
+          <a:xfrm flipV="1">
+            <a:off x="6737927" y="3259965"/>
+            <a:ext cx="0" cy="1536639"/>
+          </a:xfrm>
+          <a:prstGeom prst="line">
+            <a:avLst/>
+          </a:prstGeom>
+          <a:ln>
+            <a:solidFill>
+              <a:schemeClr val="tx1"/>
+            </a:solidFill>
+          </a:ln>
+        </p:spPr>
+        <p:style>
+          <a:lnRef idx="1">
+            <a:schemeClr val="accent1"/>
+          </a:lnRef>
+          <a:fillRef idx="0">
+            <a:schemeClr val="accent1"/>
+          </a:fillRef>
+          <a:effectRef idx="0">
+            <a:schemeClr val="accent1"/>
+          </a:effectRef>
+          <a:fontRef idx="minor">
+            <a:schemeClr val="tx1"/>
+          </a:fontRef>
+        </p:style>
+      </p:cxnSp>
+      <p:cxnSp>
+        <p:nvCxnSpPr>
+          <p:cNvPr id="75" name="Straight Connector 74"/>
+          <p:cNvCxnSpPr/>
+          <p:nvPr/>
+        </p:nvCxnSpPr>
+        <p:spPr>
+          <a:xfrm>
+            <a:off x="6737927" y="4796605"/>
+            <a:ext cx="783933" cy="0"/>
+          </a:xfrm>
+          <a:prstGeom prst="line">
+            <a:avLst/>
+          </a:prstGeom>
+          <a:ln>
+            <a:solidFill>
+              <a:schemeClr val="tx1"/>
+            </a:solidFill>
+          </a:ln>
+        </p:spPr>
+        <p:style>
+          <a:lnRef idx="1">
+            <a:schemeClr val="accent1"/>
+          </a:lnRef>
+          <a:fillRef idx="0">
+            <a:schemeClr val="accent1"/>
+          </a:fillRef>
+          <a:effectRef idx="0">
+            <a:schemeClr val="accent1"/>
+          </a:effectRef>
+          <a:fontRef idx="minor">
+            <a:schemeClr val="tx1"/>
+          </a:fontRef>
+        </p:style>
+      </p:cxnSp>
+      <p:cxnSp>
+        <p:nvCxnSpPr>
+          <p:cNvPr id="78" name="Straight Connector 77"/>
+          <p:cNvCxnSpPr/>
+          <p:nvPr/>
+        </p:nvCxnSpPr>
+        <p:spPr>
+          <a:xfrm>
+            <a:off x="6150260" y="3386811"/>
+            <a:ext cx="3986650" cy="0"/>
+          </a:xfrm>
+          <a:prstGeom prst="line">
+            <a:avLst/>
+          </a:prstGeom>
+          <a:ln>
+            <a:solidFill>
+              <a:schemeClr val="tx1"/>
+            </a:solidFill>
+          </a:ln>
+        </p:spPr>
+        <p:style>
+          <a:lnRef idx="1">
+            <a:schemeClr val="accent1"/>
+          </a:lnRef>
+          <a:fillRef idx="0">
+            <a:schemeClr val="accent1"/>
+          </a:fillRef>
+          <a:effectRef idx="0">
+            <a:schemeClr val="accent1"/>
+          </a:effectRef>
+          <a:fontRef idx="minor">
+            <a:schemeClr val="tx1"/>
+          </a:fontRef>
+        </p:style>
+      </p:cxnSp>
+      <p:cxnSp>
+        <p:nvCxnSpPr>
+          <p:cNvPr id="81" name="Straight Connector 80"/>
+          <p:cNvCxnSpPr/>
+          <p:nvPr/>
+        </p:nvCxnSpPr>
+        <p:spPr>
+          <a:xfrm>
+            <a:off x="9986818" y="3299674"/>
+            <a:ext cx="0" cy="174273"/>
+          </a:xfrm>
+          <a:prstGeom prst="line">
+            <a:avLst/>
+          </a:prstGeom>
+          <a:ln>
+            <a:solidFill>
+              <a:schemeClr val="tx1"/>
+            </a:solidFill>
+          </a:ln>
+        </p:spPr>
+        <p:style>
+          <a:lnRef idx="1">
+            <a:schemeClr val="accent1"/>
+          </a:lnRef>
+          <a:fillRef idx="0">
+            <a:schemeClr val="accent1"/>
+          </a:fillRef>
+          <a:effectRef idx="0">
+            <a:schemeClr val="accent1"/>
+          </a:effectRef>
+          <a:fontRef idx="minor">
+            <a:schemeClr val="tx1"/>
+          </a:fontRef>
+        </p:style>
+      </p:cxnSp>
+      <p:cxnSp>
+        <p:nvCxnSpPr>
+          <p:cNvPr id="82" name="Straight Connector 81"/>
+          <p:cNvCxnSpPr/>
+          <p:nvPr/>
+        </p:nvCxnSpPr>
+        <p:spPr>
+          <a:xfrm>
+            <a:off x="7331364" y="4679465"/>
+            <a:ext cx="0" cy="174273"/>
+          </a:xfrm>
+          <a:prstGeom prst="line">
+            <a:avLst/>
+          </a:prstGeom>
+          <a:ln>
+            <a:solidFill>
+              <a:schemeClr val="tx1"/>
+            </a:solidFill>
+          </a:ln>
+        </p:spPr>
+        <p:style>
+          <a:lnRef idx="1">
+            <a:schemeClr val="accent1"/>
+          </a:lnRef>
+          <a:fillRef idx="0">
+            <a:schemeClr val="accent1"/>
+          </a:fillRef>
+          <a:effectRef idx="0">
+            <a:schemeClr val="accent1"/>
+          </a:effectRef>
+          <a:fontRef idx="minor">
+            <a:schemeClr val="tx1"/>
+          </a:fontRef>
+        </p:style>
+      </p:cxnSp>
+    </p:spTree>
+    <p:extLst>
+      <p:ext uri="{BB962C8B-B14F-4D97-AF65-F5344CB8AC3E}">
+        <p14:creationId xmlns:p14="http://schemas.microsoft.com/office/powerpoint/2010/main" val="3566307497"/>
+      </p:ext>
+    </p:extLst>
+  </p:cSld>
+  <p:clrMapOvr>
+    <a:masterClrMapping/>
+  </p:clrMapOvr>
+</p:sld>
+</file>
+
+<file path=ppt/slides/slide2.xml><?xml version="1.0" encoding="utf-8"?>
+<p:sld xmlns:a="http://schemas.openxmlformats.org/drawingml/2006/main" xmlns:r="http://schemas.openxmlformats.org/officeDocument/2006/relationships" xmlns:p="http://schemas.openxmlformats.org/presentationml/2006/main">
+  <p:cSld>
+    <p:spTree>
+      <p:nvGrpSpPr>
+        <p:cNvPr id="1" name=""/>
+        <p:cNvGrpSpPr/>
+        <p:nvPr/>
+      </p:nvGrpSpPr>
+      <p:grpSpPr>
+        <a:xfrm>
+          <a:off x="0" y="0"/>
+          <a:ext cx="0" cy="0"/>
+          <a:chOff x="0" y="0"/>
+          <a:chExt cx="0" cy="0"/>
+        </a:xfrm>
+      </p:grpSpPr>
+      <p:grpSp>
+        <p:nvGrpSpPr>
+          <p:cNvPr id="2" name="Group 1"/>
+          <p:cNvGrpSpPr/>
+          <p:nvPr/>
+        </p:nvGrpSpPr>
+        <p:grpSpPr>
+          <a:xfrm>
+            <a:off x="4634339" y="4596519"/>
+            <a:ext cx="1905006" cy="1517695"/>
+            <a:chOff x="4091708" y="1958109"/>
+            <a:chExt cx="2105892" cy="1739952"/>
+          </a:xfrm>
+        </p:grpSpPr>
+        <p:sp>
+          <p:nvSpPr>
+            <p:cNvPr id="3" name="Rectangle 2"/>
+            <p:cNvSpPr/>
+            <p:nvPr/>
+          </p:nvSpPr>
+          <p:spPr>
+            <a:xfrm>
+              <a:off x="4091710" y="2346036"/>
+              <a:ext cx="2105890" cy="1352025"/>
+            </a:xfrm>
+            <a:prstGeom prst="rect">
+              <a:avLst/>
+            </a:prstGeom>
+            <a:solidFill>
+              <a:schemeClr val="bg1"/>
+            </a:solidFill>
+            <a:ln>
+              <a:solidFill>
+                <a:schemeClr val="tx1"/>
+              </a:solidFill>
+            </a:ln>
+          </p:spPr>
+          <p:style>
+            <a:lnRef idx="2">
+              <a:schemeClr val="accent1">
+                <a:shade val="50000"/>
+              </a:schemeClr>
+            </a:lnRef>
+            <a:fillRef idx="1">
+              <a:schemeClr val="accent1"/>
+            </a:fillRef>
+            <a:effectRef idx="0">
+              <a:schemeClr val="accent1"/>
+            </a:effectRef>
+            <a:fontRef idx="minor">
+              <a:schemeClr val="lt1"/>
+            </a:fontRef>
+          </p:style>
+          <p:txBody>
+            <a:bodyPr rtlCol="0" anchor="t"/>
+            <a:lstStyle/>
+            <a:p>
+              <a:pPr marL="285750" indent="-285750">
+                <a:buFont typeface="Arial" panose="020B0604020202020204" pitchFamily="34" charset="0"/>
+                <a:buChar char="•"/>
+              </a:pPr>
+              <a:r>
+                <a:rPr lang="en-US" sz="1050" dirty="0" err="1">
+                  <a:solidFill>
+                    <a:schemeClr val="tx1"/>
+                  </a:solidFill>
+                </a:rPr>
+                <a:t>measure_name</a:t>
+              </a:r>
+              <a:endParaRPr lang="en-US" sz="1050" dirty="0">
+                <a:solidFill>
+                  <a:schemeClr val="tx1"/>
+                </a:solidFill>
+              </a:endParaRPr>
+            </a:p>
+            <a:p>
+              <a:pPr marL="285750" indent="-285750">
+                <a:buFont typeface="Arial" panose="020B0604020202020204" pitchFamily="34" charset="0"/>
+                <a:buChar char="•"/>
+              </a:pPr>
+              <a:r>
+                <a:rPr lang="en-US" sz="1050" dirty="0" err="1">
+                  <a:solidFill>
+                    <a:schemeClr val="tx1"/>
+                  </a:solidFill>
+                </a:rPr>
+                <a:t>measure_id</a:t>
+              </a:r>
+              <a:endParaRPr lang="en-US" sz="1050" dirty="0">
+                <a:solidFill>
+                  <a:schemeClr val="tx1"/>
+                </a:solidFill>
+              </a:endParaRPr>
+            </a:p>
+            <a:p>
+              <a:pPr marL="285750" indent="-285750">
+                <a:buFont typeface="Arial" panose="020B0604020202020204" pitchFamily="34" charset="0"/>
+                <a:buChar char="•"/>
+              </a:pPr>
+              <a:r>
+                <a:rPr lang="en-US" sz="1050" dirty="0" err="1">
+                  <a:solidFill>
+                    <a:schemeClr val="tx1"/>
+                  </a:solidFill>
+                </a:rPr>
+                <a:t>measure_start_quarter</a:t>
+              </a:r>
+              <a:r>
+                <a:rPr lang="en-US" sz="1050" dirty="0">
+                  <a:solidFill>
+                    <a:schemeClr val="tx1"/>
+                  </a:solidFill>
+                </a:rPr>
+                <a:t> </a:t>
+              </a:r>
+            </a:p>
+            <a:p>
+              <a:pPr marL="285750" indent="-285750">
+                <a:buFont typeface="Arial" panose="020B0604020202020204" pitchFamily="34" charset="0"/>
+                <a:buChar char="•"/>
+              </a:pPr>
+              <a:r>
+                <a:rPr lang="en-US" sz="1050" dirty="0" err="1">
+                  <a:solidFill>
+                    <a:schemeClr val="tx1"/>
+                  </a:solidFill>
+                </a:rPr>
+                <a:t>measure_start_date</a:t>
+              </a:r>
+              <a:r>
+                <a:rPr lang="en-US" sz="1050" dirty="0">
+                  <a:solidFill>
+                    <a:schemeClr val="tx1"/>
+                  </a:solidFill>
+                </a:rPr>
+                <a:t> </a:t>
+              </a:r>
+            </a:p>
+            <a:p>
+              <a:pPr marL="285750" indent="-285750">
+                <a:buFont typeface="Arial" panose="020B0604020202020204" pitchFamily="34" charset="0"/>
+                <a:buChar char="•"/>
+              </a:pPr>
+              <a:r>
+                <a:rPr lang="en-US" sz="1050" dirty="0" err="1">
+                  <a:solidFill>
+                    <a:schemeClr val="tx1"/>
+                  </a:solidFill>
+                </a:rPr>
+                <a:t>measure_end_quarter</a:t>
+              </a:r>
+              <a:r>
+                <a:rPr lang="en-US" sz="1050" dirty="0">
+                  <a:solidFill>
+                    <a:schemeClr val="tx1"/>
+                  </a:solidFill>
+                </a:rPr>
+                <a:t> </a:t>
+              </a:r>
+              <a:r>
+                <a:rPr lang="en-US" sz="1050" dirty="0" err="1">
+                  <a:solidFill>
+                    <a:schemeClr val="tx1"/>
+                  </a:solidFill>
+                </a:rPr>
+                <a:t>measure_end_date</a:t>
+              </a:r>
+              <a:endParaRPr lang="en-US" sz="1050" dirty="0">
+                <a:solidFill>
+                  <a:schemeClr val="tx1"/>
+                </a:solidFill>
+              </a:endParaRPr>
+            </a:p>
+          </p:txBody>
+        </p:sp>
+        <p:sp>
+          <p:nvSpPr>
+            <p:cNvPr id="4" name="Rectangle 3"/>
+            <p:cNvSpPr/>
+            <p:nvPr/>
+          </p:nvSpPr>
+          <p:spPr>
+            <a:xfrm>
+              <a:off x="4091708" y="1958109"/>
+              <a:ext cx="2105891" cy="387927"/>
+            </a:xfrm>
+            <a:prstGeom prst="rect">
+              <a:avLst/>
+            </a:prstGeom>
+            <a:ln>
+              <a:solidFill>
+                <a:schemeClr val="tx1"/>
+              </a:solidFill>
+            </a:ln>
+          </p:spPr>
+          <p:style>
+            <a:lnRef idx="2">
+              <a:schemeClr val="accent1">
+                <a:shade val="50000"/>
+              </a:schemeClr>
+            </a:lnRef>
+            <a:fillRef idx="1">
+              <a:schemeClr val="accent1"/>
+            </a:fillRef>
+            <a:effectRef idx="0">
+              <a:schemeClr val="accent1"/>
+            </a:effectRef>
+            <a:fontRef idx="minor">
+              <a:schemeClr val="lt1"/>
+            </a:fontRef>
+          </p:style>
+          <p:txBody>
+            <a:bodyPr rtlCol="0" anchor="ctr"/>
+            <a:lstStyle/>
+            <a:p>
+              <a:pPr algn="ctr"/>
+              <a:r>
+                <a:rPr lang="en-US" sz="1050" dirty="0"/>
+                <a:t>measures</a:t>
               </a:r>
             </a:p>
           </p:txBody>
@@ -5006,7 +6274,7 @@
     </p:spTree>
     <p:extLst>
       <p:ext uri="{BB962C8B-B14F-4D97-AF65-F5344CB8AC3E}">
-        <p14:creationId xmlns:p14="http://schemas.microsoft.com/office/powerpoint/2010/main" val="3566307497"/>
+        <p14:creationId xmlns:p14="http://schemas.microsoft.com/office/powerpoint/2010/main" val="1064026956"/>
       </p:ext>
     </p:extLst>
   </p:cSld>

--- a/documents/ERF.pptx
+++ b/documents/ERF.pptx
@@ -113,6 +113,10 @@
 </p:presentation>
 </file>
 
+<file path=ppt/revisionInfo.xml><?xml version="1.0" encoding="utf-8"?>
+<p1510:revInfo xmlns:a="http://schemas.openxmlformats.org/drawingml/2006/main" xmlns:r="http://schemas.openxmlformats.org/officeDocument/2006/relationships" xmlns:p1510="http://schemas.microsoft.com/office/powerpoint/2015/10/main"/>
+</file>
+
 <file path=ppt/slideLayouts/slideLayout1.xml><?xml version="1.0" encoding="utf-8"?>
 <p:sldLayout xmlns:a="http://schemas.openxmlformats.org/drawingml/2006/main" xmlns:r="http://schemas.openxmlformats.org/officeDocument/2006/relationships" xmlns:p="http://schemas.openxmlformats.org/presentationml/2006/main" type="title" preserve="1">
   <p:cSld name="Title Slide">
@@ -242,7 +246,7 @@
           <a:p>
             <a:fld id="{9CF71C48-D304-4A48-BAC6-9C5BC7076525}" type="datetimeFigureOut">
               <a:rPr lang="en-US" smtClean="0"/>
-              <a:t>10/27/2017</a:t>
+              <a:t>10/28/2017</a:t>
             </a:fld>
             <a:endParaRPr lang="en-US"/>
           </a:p>
@@ -410,7 +414,7 @@
           <a:p>
             <a:fld id="{9CF71C48-D304-4A48-BAC6-9C5BC7076525}" type="datetimeFigureOut">
               <a:rPr lang="en-US" smtClean="0"/>
-              <a:t>10/27/2017</a:t>
+              <a:t>10/28/2017</a:t>
             </a:fld>
             <a:endParaRPr lang="en-US"/>
           </a:p>
@@ -588,7 +592,7 @@
           <a:p>
             <a:fld id="{9CF71C48-D304-4A48-BAC6-9C5BC7076525}" type="datetimeFigureOut">
               <a:rPr lang="en-US" smtClean="0"/>
-              <a:t>10/27/2017</a:t>
+              <a:t>10/28/2017</a:t>
             </a:fld>
             <a:endParaRPr lang="en-US"/>
           </a:p>
@@ -756,7 +760,7 @@
           <a:p>
             <a:fld id="{9CF71C48-D304-4A48-BAC6-9C5BC7076525}" type="datetimeFigureOut">
               <a:rPr lang="en-US" smtClean="0"/>
-              <a:t>10/27/2017</a:t>
+              <a:t>10/28/2017</a:t>
             </a:fld>
             <a:endParaRPr lang="en-US"/>
           </a:p>
@@ -1001,7 +1005,7 @@
           <a:p>
             <a:fld id="{9CF71C48-D304-4A48-BAC6-9C5BC7076525}" type="datetimeFigureOut">
               <a:rPr lang="en-US" smtClean="0"/>
-              <a:t>10/27/2017</a:t>
+              <a:t>10/28/2017</a:t>
             </a:fld>
             <a:endParaRPr lang="en-US"/>
           </a:p>
@@ -1230,7 +1234,7 @@
           <a:p>
             <a:fld id="{9CF71C48-D304-4A48-BAC6-9C5BC7076525}" type="datetimeFigureOut">
               <a:rPr lang="en-US" smtClean="0"/>
-              <a:t>10/27/2017</a:t>
+              <a:t>10/28/2017</a:t>
             </a:fld>
             <a:endParaRPr lang="en-US"/>
           </a:p>
@@ -1594,7 +1598,7 @@
           <a:p>
             <a:fld id="{9CF71C48-D304-4A48-BAC6-9C5BC7076525}" type="datetimeFigureOut">
               <a:rPr lang="en-US" smtClean="0"/>
-              <a:t>10/27/2017</a:t>
+              <a:t>10/28/2017</a:t>
             </a:fld>
             <a:endParaRPr lang="en-US"/>
           </a:p>
@@ -1711,7 +1715,7 @@
           <a:p>
             <a:fld id="{9CF71C48-D304-4A48-BAC6-9C5BC7076525}" type="datetimeFigureOut">
               <a:rPr lang="en-US" smtClean="0"/>
-              <a:t>10/27/2017</a:t>
+              <a:t>10/28/2017</a:t>
             </a:fld>
             <a:endParaRPr lang="en-US"/>
           </a:p>
@@ -1806,7 +1810,7 @@
           <a:p>
             <a:fld id="{9CF71C48-D304-4A48-BAC6-9C5BC7076525}" type="datetimeFigureOut">
               <a:rPr lang="en-US" smtClean="0"/>
-              <a:t>10/27/2017</a:t>
+              <a:t>10/28/2017</a:t>
             </a:fld>
             <a:endParaRPr lang="en-US"/>
           </a:p>
@@ -2081,7 +2085,7 @@
           <a:p>
             <a:fld id="{9CF71C48-D304-4A48-BAC6-9C5BC7076525}" type="datetimeFigureOut">
               <a:rPr lang="en-US" smtClean="0"/>
-              <a:t>10/27/2017</a:t>
+              <a:t>10/28/2017</a:t>
             </a:fld>
             <a:endParaRPr lang="en-US"/>
           </a:p>
@@ -2333,7 +2337,7 @@
           <a:p>
             <a:fld id="{9CF71C48-D304-4A48-BAC6-9C5BC7076525}" type="datetimeFigureOut">
               <a:rPr lang="en-US" smtClean="0"/>
-              <a:t>10/27/2017</a:t>
+              <a:t>10/28/2017</a:t>
             </a:fld>
             <a:endParaRPr lang="en-US"/>
           </a:p>
@@ -2544,7 +2548,7 @@
           <a:p>
             <a:fld id="{9CF71C48-D304-4A48-BAC6-9C5BC7076525}" type="datetimeFigureOut">
               <a:rPr lang="en-US" smtClean="0"/>
-              <a:t>10/27/2017</a:t>
+              <a:t>10/28/2017</a:t>
             </a:fld>
             <a:endParaRPr lang="en-US"/>
           </a:p>
@@ -5068,7 +5072,7 @@
                     <a:schemeClr val="tx1"/>
                   </a:solidFill>
                 </a:rPr>
-                <a:t>hospital_id</a:t>
+                <a:t>provider_id</a:t>
               </a:r>
               <a:endParaRPr lang="en-US" sz="1050" dirty="0">
                 <a:solidFill>
@@ -5425,48 +5429,15 @@
       <p:cxnSp>
         <p:nvCxnSpPr>
           <p:cNvPr id="51" name="Straight Connector 50"/>
-          <p:cNvCxnSpPr/>
+          <p:cNvCxnSpPr>
+            <a:cxnSpLocks/>
+          </p:cNvCxnSpPr>
           <p:nvPr/>
         </p:nvCxnSpPr>
         <p:spPr>
           <a:xfrm>
-            <a:off x="3149600" y="420863"/>
-            <a:ext cx="0" cy="174273"/>
-          </a:xfrm>
-          <a:prstGeom prst="line">
-            <a:avLst/>
-          </a:prstGeom>
-          <a:ln>
-            <a:solidFill>
-              <a:schemeClr val="tx1"/>
-            </a:solidFill>
-          </a:ln>
-        </p:spPr>
-        <p:style>
-          <a:lnRef idx="1">
-            <a:schemeClr val="accent1"/>
-          </a:lnRef>
-          <a:fillRef idx="0">
-            <a:schemeClr val="accent1"/>
-          </a:fillRef>
-          <a:effectRef idx="0">
-            <a:schemeClr val="accent1"/>
-          </a:effectRef>
-          <a:fontRef idx="minor">
-            <a:schemeClr val="tx1"/>
-          </a:fontRef>
-        </p:style>
-      </p:cxnSp>
-      <p:cxnSp>
-        <p:nvCxnSpPr>
-          <p:cNvPr id="52" name="Straight Connector 51"/>
-          <p:cNvCxnSpPr/>
-          <p:nvPr/>
-        </p:nvCxnSpPr>
-        <p:spPr>
-          <a:xfrm>
-            <a:off x="4216400" y="3212538"/>
-            <a:ext cx="0" cy="174273"/>
+            <a:off x="3116044" y="466054"/>
+            <a:ext cx="0" cy="87137"/>
           </a:xfrm>
           <a:prstGeom prst="line">
             <a:avLst/>
@@ -5600,13 +5571,15 @@
       <p:cxnSp>
         <p:nvCxnSpPr>
           <p:cNvPr id="64" name="Straight Connector 63"/>
-          <p:cNvCxnSpPr/>
+          <p:cNvCxnSpPr>
+            <a:cxnSpLocks/>
+          </p:cNvCxnSpPr>
           <p:nvPr/>
         </p:nvCxnSpPr>
         <p:spPr>
           <a:xfrm>
-            <a:off x="3149600" y="4046136"/>
-            <a:ext cx="0" cy="174273"/>
+            <a:off x="3107655" y="4091328"/>
+            <a:ext cx="0" cy="87136"/>
           </a:xfrm>
           <a:prstGeom prst="line">
             <a:avLst/>
@@ -5740,13 +5713,15 @@
       <p:cxnSp>
         <p:nvCxnSpPr>
           <p:cNvPr id="71" name="Straight Connector 70"/>
-          <p:cNvCxnSpPr/>
+          <p:cNvCxnSpPr>
+            <a:cxnSpLocks/>
+          </p:cNvCxnSpPr>
           <p:nvPr/>
         </p:nvCxnSpPr>
         <p:spPr>
           <a:xfrm>
-            <a:off x="7331364" y="416854"/>
-            <a:ext cx="0" cy="174273"/>
+            <a:off x="7406865" y="466054"/>
+            <a:ext cx="0" cy="83128"/>
           </a:xfrm>
           <a:prstGeom prst="line">
             <a:avLst/>
@@ -5775,13 +5750,15 @@
       <p:cxnSp>
         <p:nvCxnSpPr>
           <p:cNvPr id="72" name="Straight Connector 71"/>
-          <p:cNvCxnSpPr/>
+          <p:cNvCxnSpPr>
+            <a:cxnSpLocks/>
+          </p:cNvCxnSpPr>
           <p:nvPr/>
         </p:nvCxnSpPr>
         <p:spPr>
           <a:xfrm>
-            <a:off x="6289965" y="3162345"/>
-            <a:ext cx="0" cy="310528"/>
+            <a:off x="6248020" y="3179123"/>
+            <a:ext cx="0" cy="58581"/>
           </a:xfrm>
           <a:prstGeom prst="line">
             <a:avLst/>
@@ -5950,13 +5927,15 @@
       <p:cxnSp>
         <p:nvCxnSpPr>
           <p:cNvPr id="81" name="Straight Connector 80"/>
-          <p:cNvCxnSpPr/>
+          <p:cNvCxnSpPr>
+            <a:cxnSpLocks/>
+          </p:cNvCxnSpPr>
           <p:nvPr/>
         </p:nvCxnSpPr>
         <p:spPr>
           <a:xfrm>
-            <a:off x="9986818" y="3299674"/>
-            <a:ext cx="0" cy="174273"/>
+            <a:off x="9986818" y="3333230"/>
+            <a:ext cx="0" cy="114199"/>
           </a:xfrm>
           <a:prstGeom prst="line">
             <a:avLst/>
@@ -5985,13 +5964,187 @@
       <p:cxnSp>
         <p:nvCxnSpPr>
           <p:cNvPr id="82" name="Straight Connector 81"/>
-          <p:cNvCxnSpPr/>
+          <p:cNvCxnSpPr>
+            <a:cxnSpLocks/>
+          </p:cNvCxnSpPr>
           <p:nvPr/>
         </p:nvCxnSpPr>
         <p:spPr>
           <a:xfrm>
-            <a:off x="7331364" y="4679465"/>
-            <a:ext cx="0" cy="174273"/>
+            <a:off x="7331364" y="4753067"/>
+            <a:ext cx="0" cy="85482"/>
+          </a:xfrm>
+          <a:prstGeom prst="line">
+            <a:avLst/>
+          </a:prstGeom>
+          <a:ln>
+            <a:solidFill>
+              <a:schemeClr val="tx1"/>
+            </a:solidFill>
+          </a:ln>
+        </p:spPr>
+        <p:style>
+          <a:lnRef idx="1">
+            <a:schemeClr val="accent1"/>
+          </a:lnRef>
+          <a:fillRef idx="0">
+            <a:schemeClr val="accent1"/>
+          </a:fillRef>
+          <a:effectRef idx="0">
+            <a:schemeClr val="accent1"/>
+          </a:effectRef>
+          <a:fontRef idx="minor">
+            <a:schemeClr val="tx1"/>
+          </a:fontRef>
+        </p:style>
+      </p:cxnSp>
+      <p:cxnSp>
+        <p:nvCxnSpPr>
+          <p:cNvPr id="48" name="Straight Connector 47">
+            <a:extLst>
+              <a:ext uri="{FF2B5EF4-FFF2-40B4-BE49-F238E27FC236}">
+                <a16:creationId xmlns:a16="http://schemas.microsoft.com/office/drawing/2014/main" id="{A8F7E5DB-DCEA-4DD7-B52D-76043F00BB74}"/>
+              </a:ext>
+            </a:extLst>
+          </p:cNvPr>
+          <p:cNvCxnSpPr>
+            <a:cxnSpLocks/>
+          </p:cNvCxnSpPr>
+          <p:nvPr/>
+        </p:nvCxnSpPr>
+        <p:spPr>
+          <a:xfrm>
+            <a:off x="6324919" y="3239244"/>
+            <a:ext cx="0" cy="58581"/>
+          </a:xfrm>
+          <a:prstGeom prst="line">
+            <a:avLst/>
+          </a:prstGeom>
+          <a:ln>
+            <a:solidFill>
+              <a:schemeClr val="tx1"/>
+            </a:solidFill>
+          </a:ln>
+        </p:spPr>
+        <p:style>
+          <a:lnRef idx="1">
+            <a:schemeClr val="accent1"/>
+          </a:lnRef>
+          <a:fillRef idx="0">
+            <a:schemeClr val="accent1"/>
+          </a:fillRef>
+          <a:effectRef idx="0">
+            <a:schemeClr val="accent1"/>
+          </a:effectRef>
+          <a:fontRef idx="minor">
+            <a:schemeClr val="tx1"/>
+          </a:fontRef>
+        </p:style>
+      </p:cxnSp>
+      <p:cxnSp>
+        <p:nvCxnSpPr>
+          <p:cNvPr id="50" name="Straight Connector 49">
+            <a:extLst>
+              <a:ext uri="{FF2B5EF4-FFF2-40B4-BE49-F238E27FC236}">
+                <a16:creationId xmlns:a16="http://schemas.microsoft.com/office/drawing/2014/main" id="{2A5B80E3-A9B6-4BD9-A5EF-7106AFDC53B6}"/>
+              </a:ext>
+            </a:extLst>
+          </p:cNvPr>
+          <p:cNvCxnSpPr>
+            <a:cxnSpLocks/>
+          </p:cNvCxnSpPr>
+          <p:nvPr/>
+        </p:nvCxnSpPr>
+        <p:spPr>
+          <a:xfrm>
+            <a:off x="6248020" y="3355292"/>
+            <a:ext cx="0" cy="58581"/>
+          </a:xfrm>
+          <a:prstGeom prst="line">
+            <a:avLst/>
+          </a:prstGeom>
+          <a:ln>
+            <a:solidFill>
+              <a:schemeClr val="tx1"/>
+            </a:solidFill>
+          </a:ln>
+        </p:spPr>
+        <p:style>
+          <a:lnRef idx="1">
+            <a:schemeClr val="accent1"/>
+          </a:lnRef>
+          <a:fillRef idx="0">
+            <a:schemeClr val="accent1"/>
+          </a:fillRef>
+          <a:effectRef idx="0">
+            <a:schemeClr val="accent1"/>
+          </a:effectRef>
+          <a:fontRef idx="minor">
+            <a:schemeClr val="tx1"/>
+          </a:fontRef>
+        </p:style>
+      </p:cxnSp>
+      <p:cxnSp>
+        <p:nvCxnSpPr>
+          <p:cNvPr id="53" name="Straight Connector 52">
+            <a:extLst>
+              <a:ext uri="{FF2B5EF4-FFF2-40B4-BE49-F238E27FC236}">
+                <a16:creationId xmlns:a16="http://schemas.microsoft.com/office/drawing/2014/main" id="{CF6106DB-0EF4-4F2E-BB51-4B57C9531F0D}"/>
+              </a:ext>
+            </a:extLst>
+          </p:cNvPr>
+          <p:cNvCxnSpPr>
+            <a:cxnSpLocks/>
+          </p:cNvCxnSpPr>
+          <p:nvPr/>
+        </p:nvCxnSpPr>
+        <p:spPr>
+          <a:xfrm>
+            <a:off x="4335328" y="3246235"/>
+            <a:ext cx="0" cy="58581"/>
+          </a:xfrm>
+          <a:prstGeom prst="line">
+            <a:avLst/>
+          </a:prstGeom>
+          <a:ln>
+            <a:solidFill>
+              <a:schemeClr val="tx1"/>
+            </a:solidFill>
+          </a:ln>
+        </p:spPr>
+        <p:style>
+          <a:lnRef idx="1">
+            <a:schemeClr val="accent1"/>
+          </a:lnRef>
+          <a:fillRef idx="0">
+            <a:schemeClr val="accent1"/>
+          </a:fillRef>
+          <a:effectRef idx="0">
+            <a:schemeClr val="accent1"/>
+          </a:effectRef>
+          <a:fontRef idx="minor">
+            <a:schemeClr val="tx1"/>
+          </a:fontRef>
+        </p:style>
+      </p:cxnSp>
+      <p:cxnSp>
+        <p:nvCxnSpPr>
+          <p:cNvPr id="55" name="Straight Connector 54">
+            <a:extLst>
+              <a:ext uri="{FF2B5EF4-FFF2-40B4-BE49-F238E27FC236}">
+                <a16:creationId xmlns:a16="http://schemas.microsoft.com/office/drawing/2014/main" id="{906870C2-DF63-404D-884B-3B37092C5D3B}"/>
+              </a:ext>
+            </a:extLst>
+          </p:cNvPr>
+          <p:cNvCxnSpPr>
+            <a:cxnSpLocks/>
+          </p:cNvCxnSpPr>
+          <p:nvPr/>
+        </p:nvCxnSpPr>
+        <p:spPr>
+          <a:xfrm>
+            <a:off x="4284994" y="3313347"/>
+            <a:ext cx="0" cy="58581"/>
           </a:xfrm>
           <a:prstGeom prst="line">
             <a:avLst/>

--- a/documents/ERF.pptx
+++ b/documents/ERF.pptx
@@ -246,7 +246,7 @@
           <a:p>
             <a:fld id="{9CF71C48-D304-4A48-BAC6-9C5BC7076525}" type="datetimeFigureOut">
               <a:rPr lang="en-US" smtClean="0"/>
-              <a:t>10/28/2017</a:t>
+              <a:t>10/30/2017</a:t>
             </a:fld>
             <a:endParaRPr lang="en-US"/>
           </a:p>
@@ -414,7 +414,7 @@
           <a:p>
             <a:fld id="{9CF71C48-D304-4A48-BAC6-9C5BC7076525}" type="datetimeFigureOut">
               <a:rPr lang="en-US" smtClean="0"/>
-              <a:t>10/28/2017</a:t>
+              <a:t>10/30/2017</a:t>
             </a:fld>
             <a:endParaRPr lang="en-US"/>
           </a:p>
@@ -592,7 +592,7 @@
           <a:p>
             <a:fld id="{9CF71C48-D304-4A48-BAC6-9C5BC7076525}" type="datetimeFigureOut">
               <a:rPr lang="en-US" smtClean="0"/>
-              <a:t>10/28/2017</a:t>
+              <a:t>10/30/2017</a:t>
             </a:fld>
             <a:endParaRPr lang="en-US"/>
           </a:p>
@@ -760,7 +760,7 @@
           <a:p>
             <a:fld id="{9CF71C48-D304-4A48-BAC6-9C5BC7076525}" type="datetimeFigureOut">
               <a:rPr lang="en-US" smtClean="0"/>
-              <a:t>10/28/2017</a:t>
+              <a:t>10/30/2017</a:t>
             </a:fld>
             <a:endParaRPr lang="en-US"/>
           </a:p>
@@ -1005,7 +1005,7 @@
           <a:p>
             <a:fld id="{9CF71C48-D304-4A48-BAC6-9C5BC7076525}" type="datetimeFigureOut">
               <a:rPr lang="en-US" smtClean="0"/>
-              <a:t>10/28/2017</a:t>
+              <a:t>10/30/2017</a:t>
             </a:fld>
             <a:endParaRPr lang="en-US"/>
           </a:p>
@@ -1234,7 +1234,7 @@
           <a:p>
             <a:fld id="{9CF71C48-D304-4A48-BAC6-9C5BC7076525}" type="datetimeFigureOut">
               <a:rPr lang="en-US" smtClean="0"/>
-              <a:t>10/28/2017</a:t>
+              <a:t>10/30/2017</a:t>
             </a:fld>
             <a:endParaRPr lang="en-US"/>
           </a:p>
@@ -1598,7 +1598,7 @@
           <a:p>
             <a:fld id="{9CF71C48-D304-4A48-BAC6-9C5BC7076525}" type="datetimeFigureOut">
               <a:rPr lang="en-US" smtClean="0"/>
-              <a:t>10/28/2017</a:t>
+              <a:t>10/30/2017</a:t>
             </a:fld>
             <a:endParaRPr lang="en-US"/>
           </a:p>
@@ -1715,7 +1715,7 @@
           <a:p>
             <a:fld id="{9CF71C48-D304-4A48-BAC6-9C5BC7076525}" type="datetimeFigureOut">
               <a:rPr lang="en-US" smtClean="0"/>
-              <a:t>10/28/2017</a:t>
+              <a:t>10/30/2017</a:t>
             </a:fld>
             <a:endParaRPr lang="en-US"/>
           </a:p>
@@ -1810,7 +1810,7 @@
           <a:p>
             <a:fld id="{9CF71C48-D304-4A48-BAC6-9C5BC7076525}" type="datetimeFigureOut">
               <a:rPr lang="en-US" smtClean="0"/>
-              <a:t>10/28/2017</a:t>
+              <a:t>10/30/2017</a:t>
             </a:fld>
             <a:endParaRPr lang="en-US"/>
           </a:p>
@@ -2085,7 +2085,7 @@
           <a:p>
             <a:fld id="{9CF71C48-D304-4A48-BAC6-9C5BC7076525}" type="datetimeFigureOut">
               <a:rPr lang="en-US" smtClean="0"/>
-              <a:t>10/28/2017</a:t>
+              <a:t>10/30/2017</a:t>
             </a:fld>
             <a:endParaRPr lang="en-US"/>
           </a:p>
@@ -2337,7 +2337,7 @@
           <a:p>
             <a:fld id="{9CF71C48-D304-4A48-BAC6-9C5BC7076525}" type="datetimeFigureOut">
               <a:rPr lang="en-US" smtClean="0"/>
-              <a:t>10/28/2017</a:t>
+              <a:t>10/30/2017</a:t>
             </a:fld>
             <a:endParaRPr lang="en-US"/>
           </a:p>
@@ -2548,7 +2548,7 @@
           <a:p>
             <a:fld id="{9CF71C48-D304-4A48-BAC6-9C5BC7076525}" type="datetimeFigureOut">
               <a:rPr lang="en-US" smtClean="0"/>
-              <a:t>10/28/2017</a:t>
+              <a:t>10/30/2017</a:t>
             </a:fld>
             <a:endParaRPr lang="en-US"/>
           </a:p>
@@ -6208,10 +6208,10 @@
         </p:nvGrpSpPr>
         <p:grpSpPr>
           <a:xfrm>
-            <a:off x="4634339" y="4596519"/>
-            <a:ext cx="1905006" cy="1517695"/>
+            <a:off x="7257464" y="491854"/>
+            <a:ext cx="2246752" cy="1804281"/>
             <a:chOff x="4091708" y="1958109"/>
-            <a:chExt cx="2105892" cy="1739952"/>
+            <a:chExt cx="2105892" cy="2068507"/>
           </a:xfrm>
         </p:grpSpPr>
         <p:sp>
@@ -6223,7 +6223,7 @@
           <p:spPr>
             <a:xfrm>
               <a:off x="4091710" y="2346036"/>
-              <a:ext cx="2105890" cy="1352025"/>
+              <a:ext cx="2105890" cy="1680580"/>
             </a:xfrm>
             <a:prstGeom prst="rect">
               <a:avLst/>
@@ -6267,105 +6267,140 @@
                     <a:schemeClr val="tx1"/>
                   </a:solidFill>
                 </a:rPr>
-                <a:t>measure_name</a:t>
-              </a:r>
-              <a:endParaRPr lang="en-US" sz="1050" dirty="0">
-                <a:solidFill>
-                  <a:schemeClr val="tx1"/>
-                </a:solidFill>
-              </a:endParaRPr>
-            </a:p>
-            <a:p>
-              <a:pPr marL="285750" indent="-285750">
-                <a:buFont typeface="Arial" panose="020B0604020202020204" pitchFamily="34" charset="0"/>
-                <a:buChar char="•"/>
-              </a:pPr>
-              <a:r>
-                <a:rPr lang="en-US" sz="1050" dirty="0" err="1">
-                  <a:solidFill>
-                    <a:schemeClr val="tx1"/>
-                  </a:solidFill>
-                </a:rPr>
-                <a:t>measure_id</a:t>
-              </a:r>
-              <a:endParaRPr lang="en-US" sz="1050" dirty="0">
-                <a:solidFill>
-                  <a:schemeClr val="tx1"/>
-                </a:solidFill>
-              </a:endParaRPr>
-            </a:p>
-            <a:p>
-              <a:pPr marL="285750" indent="-285750">
-                <a:buFont typeface="Arial" panose="020B0604020202020204" pitchFamily="34" charset="0"/>
-                <a:buChar char="•"/>
-              </a:pPr>
-              <a:r>
-                <a:rPr lang="en-US" sz="1050" dirty="0" err="1">
-                  <a:solidFill>
-                    <a:schemeClr val="tx1"/>
-                  </a:solidFill>
-                </a:rPr>
-                <a:t>measure_start_quarter</a:t>
-              </a:r>
-              <a:r>
-                <a:rPr lang="en-US" sz="1050" dirty="0">
-                  <a:solidFill>
-                    <a:schemeClr val="tx1"/>
-                  </a:solidFill>
-                </a:rPr>
-                <a:t> </a:t>
-              </a:r>
-            </a:p>
-            <a:p>
-              <a:pPr marL="285750" indent="-285750">
-                <a:buFont typeface="Arial" panose="020B0604020202020204" pitchFamily="34" charset="0"/>
-                <a:buChar char="•"/>
-              </a:pPr>
-              <a:r>
-                <a:rPr lang="en-US" sz="1050" dirty="0" err="1">
-                  <a:solidFill>
-                    <a:schemeClr val="tx1"/>
-                  </a:solidFill>
-                </a:rPr>
-                <a:t>measure_start_date</a:t>
-              </a:r>
-              <a:r>
-                <a:rPr lang="en-US" sz="1050" dirty="0">
-                  <a:solidFill>
-                    <a:schemeClr val="tx1"/>
-                  </a:solidFill>
-                </a:rPr>
-                <a:t> </a:t>
-              </a:r>
-            </a:p>
-            <a:p>
-              <a:pPr marL="285750" indent="-285750">
-                <a:buFont typeface="Arial" panose="020B0604020202020204" pitchFamily="34" charset="0"/>
-                <a:buChar char="•"/>
-              </a:pPr>
-              <a:r>
-                <a:rPr lang="en-US" sz="1050" dirty="0" err="1">
-                  <a:solidFill>
-                    <a:schemeClr val="tx1"/>
-                  </a:solidFill>
-                </a:rPr>
-                <a:t>measure_end_quarter</a:t>
-              </a:r>
-              <a:r>
-                <a:rPr lang="en-US" sz="1050" dirty="0">
-                  <a:solidFill>
-                    <a:schemeClr val="tx1"/>
-                  </a:solidFill>
-                </a:rPr>
-                <a:t> </a:t>
-              </a:r>
-              <a:r>
-                <a:rPr lang="en-US" sz="1050" dirty="0" err="1">
-                  <a:solidFill>
-                    <a:schemeClr val="tx1"/>
-                  </a:solidFill>
-                </a:rPr>
-                <a:t>measure_end_date</a:t>
+                <a:t>provider_id</a:t>
+              </a:r>
+              <a:endParaRPr lang="en-US" sz="1050" dirty="0">
+                <a:solidFill>
+                  <a:schemeClr val="tx1"/>
+                </a:solidFill>
+              </a:endParaRPr>
+            </a:p>
+            <a:p>
+              <a:pPr marL="285750" indent="-285750">
+                <a:buFont typeface="Arial" panose="020B0604020202020204" pitchFamily="34" charset="0"/>
+                <a:buChar char="•"/>
+              </a:pPr>
+              <a:r>
+                <a:rPr lang="en-US" sz="1050" dirty="0" err="1">
+                  <a:solidFill>
+                    <a:schemeClr val="tx1"/>
+                  </a:solidFill>
+                </a:rPr>
+                <a:t>mortality_score</a:t>
+              </a:r>
+              <a:endParaRPr lang="en-US" sz="1050" dirty="0">
+                <a:solidFill>
+                  <a:schemeClr val="tx1"/>
+                </a:solidFill>
+              </a:endParaRPr>
+            </a:p>
+            <a:p>
+              <a:pPr marL="285750" indent="-285750">
+                <a:buFont typeface="Arial" panose="020B0604020202020204" pitchFamily="34" charset="0"/>
+                <a:buChar char="•"/>
+              </a:pPr>
+              <a:r>
+                <a:rPr lang="en-US" sz="1050" dirty="0" err="1">
+                  <a:solidFill>
+                    <a:schemeClr val="tx1"/>
+                  </a:solidFill>
+                </a:rPr>
+                <a:t>safety_score</a:t>
+              </a:r>
+              <a:endParaRPr lang="en-US" sz="1050" dirty="0">
+                <a:solidFill>
+                  <a:schemeClr val="tx1"/>
+                </a:solidFill>
+              </a:endParaRPr>
+            </a:p>
+            <a:p>
+              <a:pPr marL="285750" indent="-285750">
+                <a:buFont typeface="Arial" panose="020B0604020202020204" pitchFamily="34" charset="0"/>
+                <a:buChar char="•"/>
+              </a:pPr>
+              <a:r>
+                <a:rPr lang="en-US" sz="1050" dirty="0" err="1">
+                  <a:solidFill>
+                    <a:schemeClr val="tx1"/>
+                  </a:solidFill>
+                </a:rPr>
+                <a:t>readmission_score</a:t>
+              </a:r>
+              <a:endParaRPr lang="en-US" sz="1050" dirty="0">
+                <a:solidFill>
+                  <a:schemeClr val="tx1"/>
+                </a:solidFill>
+              </a:endParaRPr>
+            </a:p>
+            <a:p>
+              <a:pPr marL="285750" indent="-285750">
+                <a:buFont typeface="Arial" panose="020B0604020202020204" pitchFamily="34" charset="0"/>
+                <a:buChar char="•"/>
+              </a:pPr>
+              <a:r>
+                <a:rPr lang="en-US" sz="1050" dirty="0" err="1">
+                  <a:solidFill>
+                    <a:schemeClr val="tx1"/>
+                  </a:solidFill>
+                </a:rPr>
+                <a:t>patient_experience_score</a:t>
+              </a:r>
+              <a:endParaRPr lang="en-US" sz="1050" dirty="0">
+                <a:solidFill>
+                  <a:schemeClr val="tx1"/>
+                </a:solidFill>
+              </a:endParaRPr>
+            </a:p>
+            <a:p>
+              <a:pPr marL="285750" indent="-285750">
+                <a:buFont typeface="Arial" panose="020B0604020202020204" pitchFamily="34" charset="0"/>
+                <a:buChar char="•"/>
+              </a:pPr>
+              <a:r>
+                <a:rPr lang="en-US" sz="1050" dirty="0" err="1">
+                  <a:solidFill>
+                    <a:schemeClr val="tx1"/>
+                  </a:solidFill>
+                </a:rPr>
+                <a:t>effectiveness_score</a:t>
+              </a:r>
+              <a:endParaRPr lang="en-US" sz="1050" dirty="0">
+                <a:solidFill>
+                  <a:schemeClr val="tx1"/>
+                </a:solidFill>
+              </a:endParaRPr>
+            </a:p>
+            <a:p>
+              <a:pPr marL="285750" indent="-285750">
+                <a:buFont typeface="Arial" panose="020B0604020202020204" pitchFamily="34" charset="0"/>
+                <a:buChar char="•"/>
+              </a:pPr>
+              <a:r>
+                <a:rPr lang="en-US" sz="1050" dirty="0" err="1">
+                  <a:solidFill>
+                    <a:schemeClr val="tx1"/>
+                  </a:solidFill>
+                </a:rPr>
+                <a:t>timeliness_score</a:t>
+              </a:r>
+              <a:endParaRPr lang="en-US" sz="1050" dirty="0">
+                <a:solidFill>
+                  <a:schemeClr val="tx1"/>
+                </a:solidFill>
+              </a:endParaRPr>
+            </a:p>
+            <a:p>
+              <a:pPr marL="285750" indent="-285750">
+                <a:buFont typeface="Arial" panose="020B0604020202020204" pitchFamily="34" charset="0"/>
+                <a:buChar char="•"/>
+              </a:pPr>
+              <a:r>
+                <a:rPr lang="en-US" sz="1050" dirty="0" err="1">
+                  <a:solidFill>
+                    <a:schemeClr val="tx1"/>
+                  </a:solidFill>
+                </a:rPr>
+                <a:t>efficiency_score</a:t>
               </a:r>
               <a:endParaRPr lang="en-US" sz="1050" dirty="0">
                 <a:solidFill>
@@ -6417,9 +6452,531 @@
             <a:p>
               <a:pPr algn="ctr"/>
               <a:r>
-                <a:rPr lang="en-US" sz="1050" dirty="0"/>
-                <a:t>measures</a:t>
-              </a:r>
+                <a:rPr lang="en-US" sz="1050" dirty="0" err="1"/>
+                <a:t>hospital_baseline</a:t>
+              </a:r>
+              <a:endParaRPr lang="en-US" sz="1050" dirty="0"/>
+            </a:p>
+          </p:txBody>
+        </p:sp>
+      </p:grpSp>
+      <p:grpSp>
+        <p:nvGrpSpPr>
+          <p:cNvPr id="5" name="Group 4"/>
+          <p:cNvGrpSpPr/>
+          <p:nvPr/>
+        </p:nvGrpSpPr>
+        <p:grpSpPr>
+          <a:xfrm>
+            <a:off x="4015503" y="1539061"/>
+            <a:ext cx="1868062" cy="1613949"/>
+            <a:chOff x="4091708" y="1958109"/>
+            <a:chExt cx="2105892" cy="1850301"/>
+          </a:xfrm>
+        </p:grpSpPr>
+        <p:sp>
+          <p:nvSpPr>
+            <p:cNvPr id="6" name="Rectangle 5"/>
+            <p:cNvSpPr/>
+            <p:nvPr/>
+          </p:nvSpPr>
+          <p:spPr>
+            <a:xfrm>
+              <a:off x="4091710" y="2346037"/>
+              <a:ext cx="2105890" cy="1462373"/>
+            </a:xfrm>
+            <a:prstGeom prst="rect">
+              <a:avLst/>
+            </a:prstGeom>
+            <a:solidFill>
+              <a:schemeClr val="bg1"/>
+            </a:solidFill>
+            <a:ln>
+              <a:solidFill>
+                <a:schemeClr val="tx1"/>
+              </a:solidFill>
+            </a:ln>
+          </p:spPr>
+          <p:style>
+            <a:lnRef idx="2">
+              <a:schemeClr val="accent1">
+                <a:shade val="50000"/>
+              </a:schemeClr>
+            </a:lnRef>
+            <a:fillRef idx="1">
+              <a:schemeClr val="accent1"/>
+            </a:fillRef>
+            <a:effectRef idx="0">
+              <a:schemeClr val="accent1"/>
+            </a:effectRef>
+            <a:fontRef idx="minor">
+              <a:schemeClr val="lt1"/>
+            </a:fontRef>
+          </p:style>
+          <p:txBody>
+            <a:bodyPr rtlCol="0" anchor="t"/>
+            <a:lstStyle/>
+            <a:p>
+              <a:pPr marL="285750" indent="-285750">
+                <a:buFont typeface="Arial" panose="020B0604020202020204" pitchFamily="34" charset="0"/>
+                <a:buChar char="•"/>
+              </a:pPr>
+              <a:r>
+                <a:rPr lang="en-US" sz="1050" dirty="0" err="1">
+                  <a:solidFill>
+                    <a:schemeClr val="tx1"/>
+                  </a:solidFill>
+                </a:rPr>
+                <a:t>provider_id</a:t>
+              </a:r>
+              <a:endParaRPr lang="en-US" sz="1050" dirty="0">
+                <a:solidFill>
+                  <a:schemeClr val="tx1"/>
+                </a:solidFill>
+              </a:endParaRPr>
+            </a:p>
+            <a:p>
+              <a:pPr marL="285750" indent="-285750">
+                <a:buFont typeface="Arial" panose="020B0604020202020204" pitchFamily="34" charset="0"/>
+                <a:buChar char="•"/>
+              </a:pPr>
+              <a:r>
+                <a:rPr lang="en-US" sz="1050" dirty="0" err="1">
+                  <a:solidFill>
+                    <a:schemeClr val="tx1"/>
+                  </a:solidFill>
+                </a:rPr>
+                <a:t>hospital_name</a:t>
+              </a:r>
+              <a:endParaRPr lang="en-US" sz="1050" dirty="0">
+                <a:solidFill>
+                  <a:schemeClr val="tx1"/>
+                </a:solidFill>
+              </a:endParaRPr>
+            </a:p>
+            <a:p>
+              <a:pPr marL="285750" indent="-285750">
+                <a:buFont typeface="Arial" panose="020B0604020202020204" pitchFamily="34" charset="0"/>
+                <a:buChar char="•"/>
+              </a:pPr>
+              <a:r>
+                <a:rPr lang="en-US" sz="1050" dirty="0">
+                  <a:solidFill>
+                    <a:schemeClr val="tx1"/>
+                  </a:solidFill>
+                </a:rPr>
+                <a:t>city</a:t>
+              </a:r>
+            </a:p>
+            <a:p>
+              <a:pPr marL="285750" indent="-285750">
+                <a:buFont typeface="Arial" panose="020B0604020202020204" pitchFamily="34" charset="0"/>
+                <a:buChar char="•"/>
+              </a:pPr>
+              <a:r>
+                <a:rPr lang="en-US" sz="1050" dirty="0">
+                  <a:solidFill>
+                    <a:schemeClr val="tx1"/>
+                  </a:solidFill>
+                </a:rPr>
+                <a:t>state</a:t>
+              </a:r>
+            </a:p>
+            <a:p>
+              <a:pPr marL="285750" indent="-285750">
+                <a:buFont typeface="Arial" panose="020B0604020202020204" pitchFamily="34" charset="0"/>
+                <a:buChar char="•"/>
+              </a:pPr>
+              <a:r>
+                <a:rPr lang="en-US" sz="1050" dirty="0" err="1">
+                  <a:solidFill>
+                    <a:schemeClr val="tx1"/>
+                  </a:solidFill>
+                </a:rPr>
+                <a:t>zip_code</a:t>
+              </a:r>
+              <a:endParaRPr lang="en-US" sz="1050" dirty="0">
+                <a:solidFill>
+                  <a:schemeClr val="tx1"/>
+                </a:solidFill>
+              </a:endParaRPr>
+            </a:p>
+            <a:p>
+              <a:pPr marL="285750" indent="-285750">
+                <a:buFont typeface="Arial" panose="020B0604020202020204" pitchFamily="34" charset="0"/>
+                <a:buChar char="•"/>
+              </a:pPr>
+              <a:r>
+                <a:rPr lang="en-US" sz="1050" dirty="0" err="1">
+                  <a:solidFill>
+                    <a:schemeClr val="tx1"/>
+                  </a:solidFill>
+                </a:rPr>
+                <a:t>hospital_type</a:t>
+              </a:r>
+              <a:endParaRPr lang="en-US" sz="1050" dirty="0">
+                <a:solidFill>
+                  <a:schemeClr val="tx1"/>
+                </a:solidFill>
+              </a:endParaRPr>
+            </a:p>
+            <a:p>
+              <a:pPr marL="285750" indent="-285750">
+                <a:buFont typeface="Arial" panose="020B0604020202020204" pitchFamily="34" charset="0"/>
+                <a:buChar char="•"/>
+              </a:pPr>
+              <a:r>
+                <a:rPr lang="en-US" sz="1050" dirty="0" err="1">
+                  <a:solidFill>
+                    <a:schemeClr val="tx1"/>
+                  </a:solidFill>
+                </a:rPr>
+                <a:t>hospital_ownership</a:t>
+              </a:r>
+              <a:endParaRPr lang="en-US" sz="1050" dirty="0">
+                <a:solidFill>
+                  <a:schemeClr val="tx1"/>
+                </a:solidFill>
+              </a:endParaRPr>
+            </a:p>
+            <a:p>
+              <a:pPr marL="285750" indent="-285750">
+                <a:buFont typeface="Arial" panose="020B0604020202020204" pitchFamily="34" charset="0"/>
+                <a:buChar char="•"/>
+              </a:pPr>
+              <a:endParaRPr lang="en-US" sz="1050" dirty="0">
+                <a:solidFill>
+                  <a:schemeClr val="tx1"/>
+                </a:solidFill>
+              </a:endParaRPr>
+            </a:p>
+          </p:txBody>
+        </p:sp>
+        <p:sp>
+          <p:nvSpPr>
+            <p:cNvPr id="7" name="Rectangle 6"/>
+            <p:cNvSpPr/>
+            <p:nvPr/>
+          </p:nvSpPr>
+          <p:spPr>
+            <a:xfrm>
+              <a:off x="4091708" y="1958109"/>
+              <a:ext cx="2105891" cy="387927"/>
+            </a:xfrm>
+            <a:prstGeom prst="rect">
+              <a:avLst/>
+            </a:prstGeom>
+            <a:ln>
+              <a:solidFill>
+                <a:schemeClr val="tx1"/>
+              </a:solidFill>
+            </a:ln>
+          </p:spPr>
+          <p:style>
+            <a:lnRef idx="2">
+              <a:schemeClr val="accent1">
+                <a:shade val="50000"/>
+              </a:schemeClr>
+            </a:lnRef>
+            <a:fillRef idx="1">
+              <a:schemeClr val="accent1"/>
+            </a:fillRef>
+            <a:effectRef idx="0">
+              <a:schemeClr val="accent1"/>
+            </a:effectRef>
+            <a:fontRef idx="minor">
+              <a:schemeClr val="lt1"/>
+            </a:fontRef>
+          </p:style>
+          <p:txBody>
+            <a:bodyPr rtlCol="0" anchor="ctr"/>
+            <a:lstStyle/>
+            <a:p>
+              <a:pPr algn="ctr"/>
+              <a:r>
+                <a:rPr lang="en-US" sz="1050" dirty="0" err="1"/>
+                <a:t>hospital_info</a:t>
+              </a:r>
+              <a:endParaRPr lang="en-US" sz="1050" dirty="0"/>
+            </a:p>
+          </p:txBody>
+        </p:sp>
+      </p:grpSp>
+      <p:grpSp>
+        <p:nvGrpSpPr>
+          <p:cNvPr id="13" name="Group 12"/>
+          <p:cNvGrpSpPr/>
+          <p:nvPr/>
+        </p:nvGrpSpPr>
+        <p:grpSpPr>
+          <a:xfrm>
+            <a:off x="7257464" y="2859901"/>
+            <a:ext cx="3622971" cy="1952244"/>
+            <a:chOff x="4091708" y="1958109"/>
+            <a:chExt cx="2105892" cy="2238137"/>
+          </a:xfrm>
+        </p:grpSpPr>
+        <p:sp>
+          <p:nvSpPr>
+            <p:cNvPr id="14" name="Rectangle 13"/>
+            <p:cNvSpPr/>
+            <p:nvPr/>
+          </p:nvSpPr>
+          <p:spPr>
+            <a:xfrm>
+              <a:off x="4091710" y="2346037"/>
+              <a:ext cx="2105890" cy="1850209"/>
+            </a:xfrm>
+            <a:prstGeom prst="rect">
+              <a:avLst/>
+            </a:prstGeom>
+            <a:solidFill>
+              <a:schemeClr val="bg1"/>
+            </a:solidFill>
+            <a:ln>
+              <a:solidFill>
+                <a:schemeClr val="tx1"/>
+              </a:solidFill>
+            </a:ln>
+          </p:spPr>
+          <p:style>
+            <a:lnRef idx="2">
+              <a:schemeClr val="accent1">
+                <a:shade val="50000"/>
+              </a:schemeClr>
+            </a:lnRef>
+            <a:fillRef idx="1">
+              <a:schemeClr val="accent1"/>
+            </a:fillRef>
+            <a:effectRef idx="0">
+              <a:schemeClr val="accent1"/>
+            </a:effectRef>
+            <a:fontRef idx="minor">
+              <a:schemeClr val="lt1"/>
+            </a:fontRef>
+          </p:style>
+          <p:txBody>
+            <a:bodyPr rtlCol="0" anchor="t"/>
+            <a:lstStyle/>
+            <a:p>
+              <a:pPr marL="285750" indent="-285750">
+                <a:buFont typeface="Arial" panose="020B0604020202020204" pitchFamily="34" charset="0"/>
+                <a:buChar char="•"/>
+              </a:pPr>
+              <a:r>
+                <a:rPr lang="en-US" sz="1050" dirty="0" err="1">
+                  <a:solidFill>
+                    <a:schemeClr val="tx1"/>
+                  </a:solidFill>
+                </a:rPr>
+                <a:t>provider_id</a:t>
+              </a:r>
+              <a:endParaRPr lang="en-US" sz="1050" dirty="0">
+                <a:solidFill>
+                  <a:schemeClr val="tx1"/>
+                </a:solidFill>
+              </a:endParaRPr>
+            </a:p>
+            <a:p>
+              <a:pPr marL="285750" indent="-285750">
+                <a:buFont typeface="Arial" panose="020B0604020202020204" pitchFamily="34" charset="0"/>
+                <a:buChar char="•"/>
+              </a:pPr>
+              <a:r>
+                <a:rPr lang="en-US" sz="1050" dirty="0" err="1">
+                  <a:solidFill>
+                    <a:schemeClr val="tx1"/>
+                  </a:solidFill>
+                </a:rPr>
+                <a:t>hospital_overall_rating</a:t>
+              </a:r>
+              <a:endParaRPr lang="en-US" sz="1050" dirty="0">
+                <a:solidFill>
+                  <a:schemeClr val="tx1"/>
+                </a:solidFill>
+              </a:endParaRPr>
+            </a:p>
+            <a:p>
+              <a:pPr marL="285750" indent="-285750">
+                <a:buFont typeface="Arial" panose="020B0604020202020204" pitchFamily="34" charset="0"/>
+                <a:buChar char="•"/>
+              </a:pPr>
+              <a:r>
+                <a:rPr lang="en-US" sz="1050" dirty="0" err="1">
+                  <a:solidFill>
+                    <a:schemeClr val="tx1"/>
+                  </a:solidFill>
+                </a:rPr>
+                <a:t>mortality_national_comparison</a:t>
+              </a:r>
+              <a:endParaRPr lang="en-US" sz="1050" dirty="0">
+                <a:solidFill>
+                  <a:schemeClr val="tx1"/>
+                </a:solidFill>
+              </a:endParaRPr>
+            </a:p>
+            <a:p>
+              <a:pPr marL="285750" indent="-285750">
+                <a:buFont typeface="Arial" panose="020B0604020202020204" pitchFamily="34" charset="0"/>
+                <a:buChar char="•"/>
+              </a:pPr>
+              <a:r>
+                <a:rPr lang="en-US" sz="1050" dirty="0" err="1">
+                  <a:solidFill>
+                    <a:schemeClr val="tx1"/>
+                  </a:solidFill>
+                </a:rPr>
+                <a:t>safety_of_care_national_comparison</a:t>
+              </a:r>
+              <a:endParaRPr lang="en-US" sz="1050" dirty="0">
+                <a:solidFill>
+                  <a:schemeClr val="tx1"/>
+                </a:solidFill>
+              </a:endParaRPr>
+            </a:p>
+            <a:p>
+              <a:pPr marL="285750" indent="-285750">
+                <a:buFont typeface="Arial" panose="020B0604020202020204" pitchFamily="34" charset="0"/>
+                <a:buChar char="•"/>
+              </a:pPr>
+              <a:r>
+                <a:rPr lang="en-US" sz="1050" dirty="0" err="1">
+                  <a:solidFill>
+                    <a:schemeClr val="tx1"/>
+                  </a:solidFill>
+                </a:rPr>
+                <a:t>readmission_national_comparison</a:t>
+              </a:r>
+              <a:endParaRPr lang="en-US" sz="1050" dirty="0">
+                <a:solidFill>
+                  <a:schemeClr val="tx1"/>
+                </a:solidFill>
+              </a:endParaRPr>
+            </a:p>
+            <a:p>
+              <a:pPr marL="285750" indent="-285750">
+                <a:buFont typeface="Arial" panose="020B0604020202020204" pitchFamily="34" charset="0"/>
+                <a:buChar char="•"/>
+              </a:pPr>
+              <a:r>
+                <a:rPr lang="en-US" sz="1050" dirty="0" err="1">
+                  <a:solidFill>
+                    <a:schemeClr val="tx1"/>
+                  </a:solidFill>
+                </a:rPr>
+                <a:t>patient_experience_national_comparison</a:t>
+              </a:r>
+              <a:endParaRPr lang="en-US" sz="1050" dirty="0">
+                <a:solidFill>
+                  <a:schemeClr val="tx1"/>
+                </a:solidFill>
+              </a:endParaRPr>
+            </a:p>
+            <a:p>
+              <a:pPr marL="285750" indent="-285750">
+                <a:buFont typeface="Arial" panose="020B0604020202020204" pitchFamily="34" charset="0"/>
+                <a:buChar char="•"/>
+              </a:pPr>
+              <a:r>
+                <a:rPr lang="en-US" sz="1050" dirty="0" err="1">
+                  <a:solidFill>
+                    <a:schemeClr val="tx1"/>
+                  </a:solidFill>
+                </a:rPr>
+                <a:t>effectiveness_of_care_national_comparison</a:t>
+              </a:r>
+              <a:endParaRPr lang="en-US" sz="1050" dirty="0">
+                <a:solidFill>
+                  <a:schemeClr val="tx1"/>
+                </a:solidFill>
+              </a:endParaRPr>
+            </a:p>
+            <a:p>
+              <a:pPr marL="285750" indent="-285750">
+                <a:buFont typeface="Arial" panose="020B0604020202020204" pitchFamily="34" charset="0"/>
+                <a:buChar char="•"/>
+              </a:pPr>
+              <a:r>
+                <a:rPr lang="en-US" sz="1050" dirty="0" err="1">
+                  <a:solidFill>
+                    <a:schemeClr val="tx1"/>
+                  </a:solidFill>
+                </a:rPr>
+                <a:t>timeliness_of_care_national_comparison</a:t>
+              </a:r>
+              <a:endParaRPr lang="en-US" sz="1050" dirty="0">
+                <a:solidFill>
+                  <a:schemeClr val="tx1"/>
+                </a:solidFill>
+              </a:endParaRPr>
+            </a:p>
+            <a:p>
+              <a:pPr marL="285750" indent="-285750">
+                <a:buFont typeface="Arial" panose="020B0604020202020204" pitchFamily="34" charset="0"/>
+                <a:buChar char="•"/>
+              </a:pPr>
+              <a:r>
+                <a:rPr lang="en-US" sz="1050" dirty="0" err="1">
+                  <a:solidFill>
+                    <a:schemeClr val="tx1"/>
+                  </a:solidFill>
+                </a:rPr>
+                <a:t>efficient_use_of_medical_imaging_national_comparison</a:t>
+              </a:r>
+              <a:endParaRPr lang="en-US" sz="1050" dirty="0">
+                <a:solidFill>
+                  <a:schemeClr val="tx1"/>
+                </a:solidFill>
+              </a:endParaRPr>
+            </a:p>
+          </p:txBody>
+        </p:sp>
+        <p:sp>
+          <p:nvSpPr>
+            <p:cNvPr id="15" name="Rectangle 14"/>
+            <p:cNvSpPr/>
+            <p:nvPr/>
+          </p:nvSpPr>
+          <p:spPr>
+            <a:xfrm>
+              <a:off x="4091708" y="1958109"/>
+              <a:ext cx="2105891" cy="387927"/>
+            </a:xfrm>
+            <a:prstGeom prst="rect">
+              <a:avLst/>
+            </a:prstGeom>
+            <a:ln>
+              <a:solidFill>
+                <a:schemeClr val="tx1"/>
+              </a:solidFill>
+            </a:ln>
+          </p:spPr>
+          <p:style>
+            <a:lnRef idx="2">
+              <a:schemeClr val="accent1">
+                <a:shade val="50000"/>
+              </a:schemeClr>
+            </a:lnRef>
+            <a:fillRef idx="1">
+              <a:schemeClr val="accent1"/>
+            </a:fillRef>
+            <a:effectRef idx="0">
+              <a:schemeClr val="accent1"/>
+            </a:effectRef>
+            <a:fontRef idx="minor">
+              <a:schemeClr val="lt1"/>
+            </a:fontRef>
+          </p:style>
+          <p:txBody>
+            <a:bodyPr rtlCol="0" anchor="ctr"/>
+            <a:lstStyle/>
+            <a:p>
+              <a:pPr algn="ctr"/>
+              <a:r>
+                <a:rPr lang="en-US" sz="1050" dirty="0" err="1"/>
+                <a:t>hospital_comparison</a:t>
+              </a:r>
+              <a:endParaRPr lang="en-US" sz="1050" dirty="0"/>
             </a:p>
           </p:txBody>
         </p:sp>

--- a/documents/ERF.pptx
+++ b/documents/ERF.pptx
@@ -6208,10 +6208,10 @@
         </p:nvGrpSpPr>
         <p:grpSpPr>
           <a:xfrm>
-            <a:off x="7257464" y="491854"/>
-            <a:ext cx="2246752" cy="1804281"/>
+            <a:off x="645374" y="408727"/>
+            <a:ext cx="2246752" cy="755055"/>
             <a:chOff x="4091708" y="1958109"/>
-            <a:chExt cx="2105892" cy="2068507"/>
+            <a:chExt cx="2105892" cy="865628"/>
           </a:xfrm>
         </p:grpSpPr>
         <p:sp>
@@ -6223,7 +6223,7 @@
           <p:spPr>
             <a:xfrm>
               <a:off x="4091710" y="2346036"/>
-              <a:ext cx="2105890" cy="1680580"/>
+              <a:ext cx="2105890" cy="477701"/>
             </a:xfrm>
             <a:prstGeom prst="rect">
               <a:avLst/>
@@ -6286,121 +6286,7 @@
                     <a:schemeClr val="tx1"/>
                   </a:solidFill>
                 </a:rPr>
-                <a:t>mortality_score</a:t>
-              </a:r>
-              <a:endParaRPr lang="en-US" sz="1050" dirty="0">
-                <a:solidFill>
-                  <a:schemeClr val="tx1"/>
-                </a:solidFill>
-              </a:endParaRPr>
-            </a:p>
-            <a:p>
-              <a:pPr marL="285750" indent="-285750">
-                <a:buFont typeface="Arial" panose="020B0604020202020204" pitchFamily="34" charset="0"/>
-                <a:buChar char="•"/>
-              </a:pPr>
-              <a:r>
-                <a:rPr lang="en-US" sz="1050" dirty="0" err="1">
-                  <a:solidFill>
-                    <a:schemeClr val="tx1"/>
-                  </a:solidFill>
-                </a:rPr>
-                <a:t>safety_score</a:t>
-              </a:r>
-              <a:endParaRPr lang="en-US" sz="1050" dirty="0">
-                <a:solidFill>
-                  <a:schemeClr val="tx1"/>
-                </a:solidFill>
-              </a:endParaRPr>
-            </a:p>
-            <a:p>
-              <a:pPr marL="285750" indent="-285750">
-                <a:buFont typeface="Arial" panose="020B0604020202020204" pitchFamily="34" charset="0"/>
-                <a:buChar char="•"/>
-              </a:pPr>
-              <a:r>
-                <a:rPr lang="en-US" sz="1050" dirty="0" err="1">
-                  <a:solidFill>
-                    <a:schemeClr val="tx1"/>
-                  </a:solidFill>
-                </a:rPr>
-                <a:t>readmission_score</a:t>
-              </a:r>
-              <a:endParaRPr lang="en-US" sz="1050" dirty="0">
-                <a:solidFill>
-                  <a:schemeClr val="tx1"/>
-                </a:solidFill>
-              </a:endParaRPr>
-            </a:p>
-            <a:p>
-              <a:pPr marL="285750" indent="-285750">
-                <a:buFont typeface="Arial" panose="020B0604020202020204" pitchFamily="34" charset="0"/>
-                <a:buChar char="•"/>
-              </a:pPr>
-              <a:r>
-                <a:rPr lang="en-US" sz="1050" dirty="0" err="1">
-                  <a:solidFill>
-                    <a:schemeClr val="tx1"/>
-                  </a:solidFill>
-                </a:rPr>
-                <a:t>patient_experience_score</a:t>
-              </a:r>
-              <a:endParaRPr lang="en-US" sz="1050" dirty="0">
-                <a:solidFill>
-                  <a:schemeClr val="tx1"/>
-                </a:solidFill>
-              </a:endParaRPr>
-            </a:p>
-            <a:p>
-              <a:pPr marL="285750" indent="-285750">
-                <a:buFont typeface="Arial" panose="020B0604020202020204" pitchFamily="34" charset="0"/>
-                <a:buChar char="•"/>
-              </a:pPr>
-              <a:r>
-                <a:rPr lang="en-US" sz="1050" dirty="0" err="1">
-                  <a:solidFill>
-                    <a:schemeClr val="tx1"/>
-                  </a:solidFill>
-                </a:rPr>
-                <a:t>effectiveness_score</a:t>
-              </a:r>
-              <a:endParaRPr lang="en-US" sz="1050" dirty="0">
-                <a:solidFill>
-                  <a:schemeClr val="tx1"/>
-                </a:solidFill>
-              </a:endParaRPr>
-            </a:p>
-            <a:p>
-              <a:pPr marL="285750" indent="-285750">
-                <a:buFont typeface="Arial" panose="020B0604020202020204" pitchFamily="34" charset="0"/>
-                <a:buChar char="•"/>
-              </a:pPr>
-              <a:r>
-                <a:rPr lang="en-US" sz="1050" dirty="0" err="1">
-                  <a:solidFill>
-                    <a:schemeClr val="tx1"/>
-                  </a:solidFill>
-                </a:rPr>
-                <a:t>timeliness_score</a:t>
-              </a:r>
-              <a:endParaRPr lang="en-US" sz="1050" dirty="0">
-                <a:solidFill>
-                  <a:schemeClr val="tx1"/>
-                </a:solidFill>
-              </a:endParaRPr>
-            </a:p>
-            <a:p>
-              <a:pPr marL="285750" indent="-285750">
-                <a:buFont typeface="Arial" panose="020B0604020202020204" pitchFamily="34" charset="0"/>
-                <a:buChar char="•"/>
-              </a:pPr>
-              <a:r>
-                <a:rPr lang="en-US" sz="1050" dirty="0" err="1">
-                  <a:solidFill>
-                    <a:schemeClr val="tx1"/>
-                  </a:solidFill>
-                </a:rPr>
-                <a:t>efficiency_score</a:t>
+                <a:t>total_score</a:t>
               </a:r>
               <a:endParaRPr lang="en-US" sz="1050" dirty="0">
                 <a:solidFill>
@@ -6453,7 +6339,7 @@
               <a:pPr algn="ctr"/>
               <a:r>
                 <a:rPr lang="en-US" sz="1050" dirty="0" err="1"/>
-                <a:t>hospital_baseline</a:t>
+                <a:t>top_hospitals</a:t>
               </a:r>
               <a:endParaRPr lang="en-US" sz="1050" dirty="0"/>
             </a:p>
@@ -6468,7 +6354,7 @@
         </p:nvGrpSpPr>
         <p:grpSpPr>
           <a:xfrm>
-            <a:off x="4015503" y="1539061"/>
+            <a:off x="4549184" y="1604836"/>
             <a:ext cx="1868062" cy="1613949"/>
             <a:chOff x="4091708" y="1958109"/>
             <a:chExt cx="2105892" cy="1850301"/>
@@ -6710,7 +6596,7 @@
         </p:nvGrpSpPr>
         <p:grpSpPr>
           <a:xfrm>
-            <a:off x="7257464" y="2859901"/>
+            <a:off x="7409863" y="2943029"/>
             <a:ext cx="3622971" cy="1952244"/>
             <a:chOff x="4091708" y="1958109"/>
             <a:chExt cx="2105892" cy="2238137"/>
@@ -6977,6 +6863,875 @@
                 <a:t>hospital_comparison</a:t>
               </a:r>
               <a:endParaRPr lang="en-US" sz="1050" dirty="0"/>
+            </a:p>
+          </p:txBody>
+        </p:sp>
+      </p:grpSp>
+      <p:grpSp>
+        <p:nvGrpSpPr>
+          <p:cNvPr id="11" name="Group 10"/>
+          <p:cNvGrpSpPr/>
+          <p:nvPr/>
+        </p:nvGrpSpPr>
+        <p:grpSpPr>
+          <a:xfrm>
+            <a:off x="7409863" y="635018"/>
+            <a:ext cx="2246752" cy="1804281"/>
+            <a:chOff x="4091708" y="1958109"/>
+            <a:chExt cx="2105892" cy="2068507"/>
+          </a:xfrm>
+        </p:grpSpPr>
+        <p:sp>
+          <p:nvSpPr>
+            <p:cNvPr id="12" name="Rectangle 11"/>
+            <p:cNvSpPr/>
+            <p:nvPr/>
+          </p:nvSpPr>
+          <p:spPr>
+            <a:xfrm>
+              <a:off x="4091710" y="2346036"/>
+              <a:ext cx="2105890" cy="1680580"/>
+            </a:xfrm>
+            <a:prstGeom prst="rect">
+              <a:avLst/>
+            </a:prstGeom>
+            <a:solidFill>
+              <a:schemeClr val="bg1"/>
+            </a:solidFill>
+            <a:ln>
+              <a:solidFill>
+                <a:schemeClr val="tx1"/>
+              </a:solidFill>
+            </a:ln>
+          </p:spPr>
+          <p:style>
+            <a:lnRef idx="2">
+              <a:schemeClr val="accent1">
+                <a:shade val="50000"/>
+              </a:schemeClr>
+            </a:lnRef>
+            <a:fillRef idx="1">
+              <a:schemeClr val="accent1"/>
+            </a:fillRef>
+            <a:effectRef idx="0">
+              <a:schemeClr val="accent1"/>
+            </a:effectRef>
+            <a:fontRef idx="minor">
+              <a:schemeClr val="lt1"/>
+            </a:fontRef>
+          </p:style>
+          <p:txBody>
+            <a:bodyPr rtlCol="0" anchor="t"/>
+            <a:lstStyle/>
+            <a:p>
+              <a:pPr marL="285750" indent="-285750">
+                <a:buFont typeface="Arial" panose="020B0604020202020204" pitchFamily="34" charset="0"/>
+                <a:buChar char="•"/>
+              </a:pPr>
+              <a:r>
+                <a:rPr lang="en-US" sz="1050" dirty="0" err="1">
+                  <a:solidFill>
+                    <a:schemeClr val="tx1"/>
+                  </a:solidFill>
+                </a:rPr>
+                <a:t>provider_id</a:t>
+              </a:r>
+              <a:endParaRPr lang="en-US" sz="1050" dirty="0">
+                <a:solidFill>
+                  <a:schemeClr val="tx1"/>
+                </a:solidFill>
+              </a:endParaRPr>
+            </a:p>
+            <a:p>
+              <a:pPr marL="285750" indent="-285750">
+                <a:buFont typeface="Arial" panose="020B0604020202020204" pitchFamily="34" charset="0"/>
+                <a:buChar char="•"/>
+              </a:pPr>
+              <a:r>
+                <a:rPr lang="en-US" sz="1050" dirty="0" err="1">
+                  <a:solidFill>
+                    <a:schemeClr val="tx1"/>
+                  </a:solidFill>
+                </a:rPr>
+                <a:t>mortality_score</a:t>
+              </a:r>
+              <a:endParaRPr lang="en-US" sz="1050" dirty="0">
+                <a:solidFill>
+                  <a:schemeClr val="tx1"/>
+                </a:solidFill>
+              </a:endParaRPr>
+            </a:p>
+            <a:p>
+              <a:pPr marL="285750" indent="-285750">
+                <a:buFont typeface="Arial" panose="020B0604020202020204" pitchFamily="34" charset="0"/>
+                <a:buChar char="•"/>
+              </a:pPr>
+              <a:r>
+                <a:rPr lang="en-US" sz="1050" dirty="0" err="1">
+                  <a:solidFill>
+                    <a:schemeClr val="tx1"/>
+                  </a:solidFill>
+                </a:rPr>
+                <a:t>safety_score</a:t>
+              </a:r>
+              <a:endParaRPr lang="en-US" sz="1050" dirty="0">
+                <a:solidFill>
+                  <a:schemeClr val="tx1"/>
+                </a:solidFill>
+              </a:endParaRPr>
+            </a:p>
+            <a:p>
+              <a:pPr marL="285750" indent="-285750">
+                <a:buFont typeface="Arial" panose="020B0604020202020204" pitchFamily="34" charset="0"/>
+                <a:buChar char="•"/>
+              </a:pPr>
+              <a:r>
+                <a:rPr lang="en-US" sz="1050" dirty="0" err="1">
+                  <a:solidFill>
+                    <a:schemeClr val="tx1"/>
+                  </a:solidFill>
+                </a:rPr>
+                <a:t>readmission_score</a:t>
+              </a:r>
+              <a:endParaRPr lang="en-US" sz="1050" dirty="0">
+                <a:solidFill>
+                  <a:schemeClr val="tx1"/>
+                </a:solidFill>
+              </a:endParaRPr>
+            </a:p>
+            <a:p>
+              <a:pPr marL="285750" indent="-285750">
+                <a:buFont typeface="Arial" panose="020B0604020202020204" pitchFamily="34" charset="0"/>
+                <a:buChar char="•"/>
+              </a:pPr>
+              <a:r>
+                <a:rPr lang="en-US" sz="1050" dirty="0" err="1">
+                  <a:solidFill>
+                    <a:schemeClr val="tx1"/>
+                  </a:solidFill>
+                </a:rPr>
+                <a:t>patient_experience_score</a:t>
+              </a:r>
+              <a:endParaRPr lang="en-US" sz="1050" dirty="0">
+                <a:solidFill>
+                  <a:schemeClr val="tx1"/>
+                </a:solidFill>
+              </a:endParaRPr>
+            </a:p>
+            <a:p>
+              <a:pPr marL="285750" indent="-285750">
+                <a:buFont typeface="Arial" panose="020B0604020202020204" pitchFamily="34" charset="0"/>
+                <a:buChar char="•"/>
+              </a:pPr>
+              <a:r>
+                <a:rPr lang="en-US" sz="1050" dirty="0" err="1">
+                  <a:solidFill>
+                    <a:schemeClr val="tx1"/>
+                  </a:solidFill>
+                </a:rPr>
+                <a:t>effectiveness_score</a:t>
+              </a:r>
+              <a:endParaRPr lang="en-US" sz="1050" dirty="0">
+                <a:solidFill>
+                  <a:schemeClr val="tx1"/>
+                </a:solidFill>
+              </a:endParaRPr>
+            </a:p>
+            <a:p>
+              <a:pPr marL="285750" indent="-285750">
+                <a:buFont typeface="Arial" panose="020B0604020202020204" pitchFamily="34" charset="0"/>
+                <a:buChar char="•"/>
+              </a:pPr>
+              <a:r>
+                <a:rPr lang="en-US" sz="1050" dirty="0" err="1">
+                  <a:solidFill>
+                    <a:schemeClr val="tx1"/>
+                  </a:solidFill>
+                </a:rPr>
+                <a:t>timeliness_score</a:t>
+              </a:r>
+              <a:endParaRPr lang="en-US" sz="1050" dirty="0">
+                <a:solidFill>
+                  <a:schemeClr val="tx1"/>
+                </a:solidFill>
+              </a:endParaRPr>
+            </a:p>
+            <a:p>
+              <a:pPr marL="285750" indent="-285750">
+                <a:buFont typeface="Arial" panose="020B0604020202020204" pitchFamily="34" charset="0"/>
+                <a:buChar char="•"/>
+              </a:pPr>
+              <a:r>
+                <a:rPr lang="en-US" sz="1050" dirty="0" err="1">
+                  <a:solidFill>
+                    <a:schemeClr val="tx1"/>
+                  </a:solidFill>
+                </a:rPr>
+                <a:t>efficiency_score</a:t>
+              </a:r>
+              <a:endParaRPr lang="en-US" sz="1050" dirty="0">
+                <a:solidFill>
+                  <a:schemeClr val="tx1"/>
+                </a:solidFill>
+              </a:endParaRPr>
+            </a:p>
+          </p:txBody>
+        </p:sp>
+        <p:sp>
+          <p:nvSpPr>
+            <p:cNvPr id="16" name="Rectangle 15"/>
+            <p:cNvSpPr/>
+            <p:nvPr/>
+          </p:nvSpPr>
+          <p:spPr>
+            <a:xfrm>
+              <a:off x="4091708" y="1958109"/>
+              <a:ext cx="2105891" cy="387927"/>
+            </a:xfrm>
+            <a:prstGeom prst="rect">
+              <a:avLst/>
+            </a:prstGeom>
+            <a:ln>
+              <a:solidFill>
+                <a:schemeClr val="tx1"/>
+              </a:solidFill>
+            </a:ln>
+          </p:spPr>
+          <p:style>
+            <a:lnRef idx="2">
+              <a:schemeClr val="accent1">
+                <a:shade val="50000"/>
+              </a:schemeClr>
+            </a:lnRef>
+            <a:fillRef idx="1">
+              <a:schemeClr val="accent1"/>
+            </a:fillRef>
+            <a:effectRef idx="0">
+              <a:schemeClr val="accent1"/>
+            </a:effectRef>
+            <a:fontRef idx="minor">
+              <a:schemeClr val="lt1"/>
+            </a:fontRef>
+          </p:style>
+          <p:txBody>
+            <a:bodyPr rtlCol="0" anchor="ctr"/>
+            <a:lstStyle/>
+            <a:p>
+              <a:pPr algn="ctr"/>
+              <a:r>
+                <a:rPr lang="en-US" sz="1050" dirty="0" err="1"/>
+                <a:t>hospital_baseline</a:t>
+              </a:r>
+              <a:endParaRPr lang="en-US" sz="1050" dirty="0"/>
+            </a:p>
+          </p:txBody>
+        </p:sp>
+      </p:grpSp>
+      <p:grpSp>
+        <p:nvGrpSpPr>
+          <p:cNvPr id="17" name="Group 16"/>
+          <p:cNvGrpSpPr/>
+          <p:nvPr/>
+        </p:nvGrpSpPr>
+        <p:grpSpPr>
+          <a:xfrm>
+            <a:off x="633257" y="1604836"/>
+            <a:ext cx="2246752" cy="755055"/>
+            <a:chOff x="4091708" y="1958109"/>
+            <a:chExt cx="2105892" cy="865628"/>
+          </a:xfrm>
+        </p:grpSpPr>
+        <p:sp>
+          <p:nvSpPr>
+            <p:cNvPr id="18" name="Rectangle 17"/>
+            <p:cNvSpPr/>
+            <p:nvPr/>
+          </p:nvSpPr>
+          <p:spPr>
+            <a:xfrm>
+              <a:off x="4091710" y="2346036"/>
+              <a:ext cx="2105890" cy="477701"/>
+            </a:xfrm>
+            <a:prstGeom prst="rect">
+              <a:avLst/>
+            </a:prstGeom>
+            <a:solidFill>
+              <a:schemeClr val="bg1"/>
+            </a:solidFill>
+            <a:ln>
+              <a:solidFill>
+                <a:schemeClr val="tx1"/>
+              </a:solidFill>
+            </a:ln>
+          </p:spPr>
+          <p:style>
+            <a:lnRef idx="2">
+              <a:schemeClr val="accent1">
+                <a:shade val="50000"/>
+              </a:schemeClr>
+            </a:lnRef>
+            <a:fillRef idx="1">
+              <a:schemeClr val="accent1"/>
+            </a:fillRef>
+            <a:effectRef idx="0">
+              <a:schemeClr val="accent1"/>
+            </a:effectRef>
+            <a:fontRef idx="minor">
+              <a:schemeClr val="lt1"/>
+            </a:fontRef>
+          </p:style>
+          <p:txBody>
+            <a:bodyPr rtlCol="0" anchor="t"/>
+            <a:lstStyle/>
+            <a:p>
+              <a:pPr marL="285750" indent="-285750">
+                <a:buFont typeface="Arial" panose="020B0604020202020204" pitchFamily="34" charset="0"/>
+                <a:buChar char="•"/>
+              </a:pPr>
+              <a:r>
+                <a:rPr lang="en-US" sz="1050" dirty="0">
+                  <a:solidFill>
+                    <a:schemeClr val="tx1"/>
+                  </a:solidFill>
+                </a:rPr>
+                <a:t>state</a:t>
+              </a:r>
+            </a:p>
+            <a:p>
+              <a:pPr marL="285750" indent="-285750">
+                <a:buFont typeface="Arial" panose="020B0604020202020204" pitchFamily="34" charset="0"/>
+                <a:buChar char="•"/>
+              </a:pPr>
+              <a:r>
+                <a:rPr lang="en-US" sz="1050" dirty="0" err="1">
+                  <a:solidFill>
+                    <a:schemeClr val="tx1"/>
+                  </a:solidFill>
+                </a:rPr>
+                <a:t>hospital_count</a:t>
+              </a:r>
+              <a:endParaRPr lang="en-US" sz="1050" dirty="0">
+                <a:solidFill>
+                  <a:schemeClr val="tx1"/>
+                </a:solidFill>
+              </a:endParaRPr>
+            </a:p>
+          </p:txBody>
+        </p:sp>
+        <p:sp>
+          <p:nvSpPr>
+            <p:cNvPr id="19" name="Rectangle 18"/>
+            <p:cNvSpPr/>
+            <p:nvPr/>
+          </p:nvSpPr>
+          <p:spPr>
+            <a:xfrm>
+              <a:off x="4091708" y="1958109"/>
+              <a:ext cx="2105891" cy="387927"/>
+            </a:xfrm>
+            <a:prstGeom prst="rect">
+              <a:avLst/>
+            </a:prstGeom>
+            <a:ln>
+              <a:solidFill>
+                <a:schemeClr val="tx1"/>
+              </a:solidFill>
+            </a:ln>
+          </p:spPr>
+          <p:style>
+            <a:lnRef idx="2">
+              <a:schemeClr val="accent1">
+                <a:shade val="50000"/>
+              </a:schemeClr>
+            </a:lnRef>
+            <a:fillRef idx="1">
+              <a:schemeClr val="accent1"/>
+            </a:fillRef>
+            <a:effectRef idx="0">
+              <a:schemeClr val="accent1"/>
+            </a:effectRef>
+            <a:fontRef idx="minor">
+              <a:schemeClr val="lt1"/>
+            </a:fontRef>
+          </p:style>
+          <p:txBody>
+            <a:bodyPr rtlCol="0" anchor="ctr"/>
+            <a:lstStyle/>
+            <a:p>
+              <a:pPr algn="ctr"/>
+              <a:r>
+                <a:rPr lang="en-US" sz="1050" dirty="0" err="1"/>
+                <a:t>states_hospital_count</a:t>
+              </a:r>
+              <a:endParaRPr lang="en-US" sz="1050" dirty="0"/>
+            </a:p>
+          </p:txBody>
+        </p:sp>
+      </p:grpSp>
+      <p:grpSp>
+        <p:nvGrpSpPr>
+          <p:cNvPr id="23" name="Group 22"/>
+          <p:cNvGrpSpPr/>
+          <p:nvPr/>
+        </p:nvGrpSpPr>
+        <p:grpSpPr>
+          <a:xfrm>
+            <a:off x="633257" y="2800945"/>
+            <a:ext cx="2923311" cy="3535295"/>
+            <a:chOff x="4091708" y="1958109"/>
+            <a:chExt cx="2105892" cy="4053015"/>
+          </a:xfrm>
+        </p:grpSpPr>
+        <p:sp>
+          <p:nvSpPr>
+            <p:cNvPr id="24" name="Rectangle 23"/>
+            <p:cNvSpPr/>
+            <p:nvPr/>
+          </p:nvSpPr>
+          <p:spPr>
+            <a:xfrm>
+              <a:off x="4091710" y="2346037"/>
+              <a:ext cx="2105890" cy="3665087"/>
+            </a:xfrm>
+            <a:prstGeom prst="rect">
+              <a:avLst/>
+            </a:prstGeom>
+            <a:solidFill>
+              <a:schemeClr val="bg1"/>
+            </a:solidFill>
+            <a:ln>
+              <a:solidFill>
+                <a:schemeClr val="tx1"/>
+              </a:solidFill>
+            </a:ln>
+          </p:spPr>
+          <p:style>
+            <a:lnRef idx="2">
+              <a:schemeClr val="accent1">
+                <a:shade val="50000"/>
+              </a:schemeClr>
+            </a:lnRef>
+            <a:fillRef idx="1">
+              <a:schemeClr val="accent1"/>
+            </a:fillRef>
+            <a:effectRef idx="0">
+              <a:schemeClr val="accent1"/>
+            </a:effectRef>
+            <a:fontRef idx="minor">
+              <a:schemeClr val="lt1"/>
+            </a:fontRef>
+          </p:style>
+          <p:txBody>
+            <a:bodyPr rtlCol="0" anchor="t"/>
+            <a:lstStyle/>
+            <a:p>
+              <a:pPr marL="285750" indent="-285750">
+                <a:buFont typeface="Arial" panose="020B0604020202020204" pitchFamily="34" charset="0"/>
+                <a:buChar char="•"/>
+              </a:pPr>
+              <a:r>
+                <a:rPr lang="en-US" sz="1050">
+                  <a:solidFill>
+                    <a:schemeClr val="tx1"/>
+                  </a:solidFill>
+                </a:rPr>
+                <a:t>provider_id</a:t>
+              </a:r>
+              <a:endParaRPr lang="en-US" sz="1050" dirty="0">
+                <a:solidFill>
+                  <a:schemeClr val="tx1"/>
+                </a:solidFill>
+              </a:endParaRPr>
+            </a:p>
+            <a:p>
+              <a:pPr marL="285750" indent="-285750">
+                <a:buFont typeface="Arial" panose="020B0604020202020204" pitchFamily="34" charset="0"/>
+                <a:buChar char="•"/>
+              </a:pPr>
+              <a:r>
+                <a:rPr lang="en-US" sz="1050" dirty="0" err="1">
+                  <a:solidFill>
+                    <a:schemeClr val="tx1"/>
+                  </a:solidFill>
+                </a:rPr>
+                <a:t>comm_nurses_baseline</a:t>
+              </a:r>
+              <a:endParaRPr lang="en-US" sz="1050" dirty="0">
+                <a:solidFill>
+                  <a:schemeClr val="tx1"/>
+                </a:solidFill>
+              </a:endParaRPr>
+            </a:p>
+            <a:p>
+              <a:pPr marL="285750" indent="-285750">
+                <a:buFont typeface="Arial" panose="020B0604020202020204" pitchFamily="34" charset="0"/>
+                <a:buChar char="•"/>
+              </a:pPr>
+              <a:r>
+                <a:rPr lang="en-US" sz="1050" dirty="0" err="1">
+                  <a:solidFill>
+                    <a:schemeClr val="tx1"/>
+                  </a:solidFill>
+                </a:rPr>
+                <a:t>comm_nurses_performance</a:t>
+              </a:r>
+              <a:endParaRPr lang="en-US" sz="1050" dirty="0">
+                <a:solidFill>
+                  <a:schemeClr val="tx1"/>
+                </a:solidFill>
+              </a:endParaRPr>
+            </a:p>
+            <a:p>
+              <a:pPr marL="285750" indent="-285750">
+                <a:buFont typeface="Arial" panose="020B0604020202020204" pitchFamily="34" charset="0"/>
+                <a:buChar char="•"/>
+              </a:pPr>
+              <a:r>
+                <a:rPr lang="en-US" sz="1050" dirty="0" err="1">
+                  <a:solidFill>
+                    <a:schemeClr val="tx1"/>
+                  </a:solidFill>
+                </a:rPr>
+                <a:t>comm_doctors_baseline</a:t>
+              </a:r>
+              <a:endParaRPr lang="en-US" sz="1050" dirty="0">
+                <a:solidFill>
+                  <a:schemeClr val="tx1"/>
+                </a:solidFill>
+              </a:endParaRPr>
+            </a:p>
+            <a:p>
+              <a:pPr marL="285750" indent="-285750">
+                <a:buFont typeface="Arial" panose="020B0604020202020204" pitchFamily="34" charset="0"/>
+                <a:buChar char="•"/>
+              </a:pPr>
+              <a:r>
+                <a:rPr lang="en-US" sz="1050" dirty="0" err="1">
+                  <a:solidFill>
+                    <a:schemeClr val="tx1"/>
+                  </a:solidFill>
+                </a:rPr>
+                <a:t>comm_doctors_performance</a:t>
+              </a:r>
+              <a:endParaRPr lang="en-US" sz="1050" dirty="0">
+                <a:solidFill>
+                  <a:schemeClr val="tx1"/>
+                </a:solidFill>
+              </a:endParaRPr>
+            </a:p>
+            <a:p>
+              <a:pPr marL="285750" indent="-285750">
+                <a:buFont typeface="Arial" panose="020B0604020202020204" pitchFamily="34" charset="0"/>
+                <a:buChar char="•"/>
+              </a:pPr>
+              <a:r>
+                <a:rPr lang="en-US" sz="1050" dirty="0" err="1">
+                  <a:solidFill>
+                    <a:schemeClr val="tx1"/>
+                  </a:solidFill>
+                </a:rPr>
+                <a:t>comm_medicines_baseline</a:t>
+              </a:r>
+              <a:endParaRPr lang="en-US" sz="1050" dirty="0">
+                <a:solidFill>
+                  <a:schemeClr val="tx1"/>
+                </a:solidFill>
+              </a:endParaRPr>
+            </a:p>
+            <a:p>
+              <a:pPr marL="285750" indent="-285750">
+                <a:buFont typeface="Arial" panose="020B0604020202020204" pitchFamily="34" charset="0"/>
+                <a:buChar char="•"/>
+              </a:pPr>
+              <a:r>
+                <a:rPr lang="en-US" sz="1050" dirty="0" err="1">
+                  <a:solidFill>
+                    <a:schemeClr val="tx1"/>
+                  </a:solidFill>
+                </a:rPr>
+                <a:t>comm_medicines_performnaces</a:t>
+              </a:r>
+              <a:endParaRPr lang="en-US" sz="1050" dirty="0">
+                <a:solidFill>
+                  <a:schemeClr val="tx1"/>
+                </a:solidFill>
+              </a:endParaRPr>
+            </a:p>
+            <a:p>
+              <a:pPr marL="285750" indent="-285750">
+                <a:buFont typeface="Arial" panose="020B0604020202020204" pitchFamily="34" charset="0"/>
+                <a:buChar char="•"/>
+              </a:pPr>
+              <a:r>
+                <a:rPr lang="en-US" sz="1050" dirty="0" err="1">
+                  <a:solidFill>
+                    <a:schemeClr val="tx1"/>
+                  </a:solidFill>
+                </a:rPr>
+                <a:t>responsiveness_staff_baseline</a:t>
+              </a:r>
+              <a:endParaRPr lang="en-US" sz="1050" dirty="0">
+                <a:solidFill>
+                  <a:schemeClr val="tx1"/>
+                </a:solidFill>
+              </a:endParaRPr>
+            </a:p>
+            <a:p>
+              <a:pPr marL="285750" indent="-285750">
+                <a:buFont typeface="Arial" panose="020B0604020202020204" pitchFamily="34" charset="0"/>
+                <a:buChar char="•"/>
+              </a:pPr>
+              <a:r>
+                <a:rPr lang="en-US" sz="1050" dirty="0" err="1">
+                  <a:solidFill>
+                    <a:schemeClr val="tx1"/>
+                  </a:solidFill>
+                </a:rPr>
+                <a:t>responsiveness_staff_performance</a:t>
+              </a:r>
+              <a:endParaRPr lang="en-US" sz="1050" dirty="0">
+                <a:solidFill>
+                  <a:schemeClr val="tx1"/>
+                </a:solidFill>
+              </a:endParaRPr>
+            </a:p>
+            <a:p>
+              <a:pPr marL="285750" indent="-285750">
+                <a:buFont typeface="Arial" panose="020B0604020202020204" pitchFamily="34" charset="0"/>
+                <a:buChar char="•"/>
+              </a:pPr>
+              <a:r>
+                <a:rPr lang="en-US" sz="1050" dirty="0" err="1">
+                  <a:solidFill>
+                    <a:schemeClr val="tx1"/>
+                  </a:solidFill>
+                </a:rPr>
+                <a:t>pain_management_baseline</a:t>
+              </a:r>
+              <a:endParaRPr lang="en-US" sz="1050" dirty="0">
+                <a:solidFill>
+                  <a:schemeClr val="tx1"/>
+                </a:solidFill>
+              </a:endParaRPr>
+            </a:p>
+            <a:p>
+              <a:pPr marL="285750" indent="-285750">
+                <a:buFont typeface="Arial" panose="020B0604020202020204" pitchFamily="34" charset="0"/>
+                <a:buChar char="•"/>
+              </a:pPr>
+              <a:r>
+                <a:rPr lang="en-US" sz="1050" dirty="0" err="1">
+                  <a:solidFill>
+                    <a:schemeClr val="tx1"/>
+                  </a:solidFill>
+                </a:rPr>
+                <a:t>pain_management_performance</a:t>
+              </a:r>
+              <a:endParaRPr lang="en-US" sz="1050" dirty="0">
+                <a:solidFill>
+                  <a:schemeClr val="tx1"/>
+                </a:solidFill>
+              </a:endParaRPr>
+            </a:p>
+            <a:p>
+              <a:pPr marL="285750" indent="-285750">
+                <a:buFont typeface="Arial" panose="020B0604020202020204" pitchFamily="34" charset="0"/>
+                <a:buChar char="•"/>
+              </a:pPr>
+              <a:r>
+                <a:rPr lang="en-US" sz="1050" dirty="0" err="1">
+                  <a:solidFill>
+                    <a:schemeClr val="tx1"/>
+                  </a:solidFill>
+                </a:rPr>
+                <a:t>clean_quiet_performance</a:t>
+              </a:r>
+              <a:endParaRPr lang="en-US" sz="1050" dirty="0">
+                <a:solidFill>
+                  <a:schemeClr val="tx1"/>
+                </a:solidFill>
+              </a:endParaRPr>
+            </a:p>
+            <a:p>
+              <a:pPr marL="285750" indent="-285750">
+                <a:buFont typeface="Arial" panose="020B0604020202020204" pitchFamily="34" charset="0"/>
+                <a:buChar char="•"/>
+              </a:pPr>
+              <a:r>
+                <a:rPr lang="en-US" sz="1050" dirty="0" err="1">
+                  <a:solidFill>
+                    <a:schemeClr val="tx1"/>
+                  </a:solidFill>
+                </a:rPr>
+                <a:t>clean_quiet_achievement</a:t>
+              </a:r>
+              <a:endParaRPr lang="en-US" sz="1050" dirty="0">
+                <a:solidFill>
+                  <a:schemeClr val="tx1"/>
+                </a:solidFill>
+              </a:endParaRPr>
+            </a:p>
+            <a:p>
+              <a:pPr marL="285750" indent="-285750">
+                <a:buFont typeface="Arial" panose="020B0604020202020204" pitchFamily="34" charset="0"/>
+                <a:buChar char="•"/>
+              </a:pPr>
+              <a:r>
+                <a:rPr lang="en-US" sz="1050" dirty="0" err="1">
+                  <a:solidFill>
+                    <a:schemeClr val="tx1"/>
+                  </a:solidFill>
+                </a:rPr>
+                <a:t>discharge_baseline</a:t>
+              </a:r>
+              <a:endParaRPr lang="en-US" sz="1050" dirty="0">
+                <a:solidFill>
+                  <a:schemeClr val="tx1"/>
+                </a:solidFill>
+              </a:endParaRPr>
+            </a:p>
+            <a:p>
+              <a:pPr marL="285750" indent="-285750">
+                <a:buFont typeface="Arial" panose="020B0604020202020204" pitchFamily="34" charset="0"/>
+                <a:buChar char="•"/>
+              </a:pPr>
+              <a:r>
+                <a:rPr lang="en-US" sz="1050" dirty="0" err="1">
+                  <a:solidFill>
+                    <a:schemeClr val="tx1"/>
+                  </a:solidFill>
+                </a:rPr>
+                <a:t>discharge_performance</a:t>
+              </a:r>
+              <a:endParaRPr lang="en-US" sz="1050" dirty="0">
+                <a:solidFill>
+                  <a:schemeClr val="tx1"/>
+                </a:solidFill>
+              </a:endParaRPr>
+            </a:p>
+            <a:p>
+              <a:pPr marL="285750" indent="-285750">
+                <a:buFont typeface="Arial" panose="020B0604020202020204" pitchFamily="34" charset="0"/>
+                <a:buChar char="•"/>
+              </a:pPr>
+              <a:r>
+                <a:rPr lang="en-US" sz="1050" dirty="0" err="1">
+                  <a:solidFill>
+                    <a:schemeClr val="tx1"/>
+                  </a:solidFill>
+                </a:rPr>
+                <a:t>overall_rating_baseline</a:t>
+              </a:r>
+              <a:endParaRPr lang="en-US" sz="1050" dirty="0">
+                <a:solidFill>
+                  <a:schemeClr val="tx1"/>
+                </a:solidFill>
+              </a:endParaRPr>
+            </a:p>
+            <a:p>
+              <a:pPr marL="285750" indent="-285750">
+                <a:buFont typeface="Arial" panose="020B0604020202020204" pitchFamily="34" charset="0"/>
+                <a:buChar char="•"/>
+              </a:pPr>
+              <a:r>
+                <a:rPr lang="en-US" sz="1050" dirty="0" err="1">
+                  <a:solidFill>
+                    <a:schemeClr val="tx1"/>
+                  </a:solidFill>
+                </a:rPr>
+                <a:t>overall_rating_performance</a:t>
+              </a:r>
+              <a:endParaRPr lang="en-US" sz="1050" dirty="0">
+                <a:solidFill>
+                  <a:schemeClr val="tx1"/>
+                </a:solidFill>
+              </a:endParaRPr>
+            </a:p>
+            <a:p>
+              <a:pPr marL="285750" indent="-285750">
+                <a:buFont typeface="Arial" panose="020B0604020202020204" pitchFamily="34" charset="0"/>
+                <a:buChar char="•"/>
+              </a:pPr>
+              <a:r>
+                <a:rPr lang="en-US" sz="1050" dirty="0" err="1">
+                  <a:solidFill>
+                    <a:schemeClr val="tx1"/>
+                  </a:solidFill>
+                </a:rPr>
+                <a:t>hcahps_base_score</a:t>
+              </a:r>
+              <a:endParaRPr lang="en-US" sz="1050" dirty="0">
+                <a:solidFill>
+                  <a:schemeClr val="tx1"/>
+                </a:solidFill>
+              </a:endParaRPr>
+            </a:p>
+            <a:p>
+              <a:pPr marL="285750" indent="-285750">
+                <a:buFont typeface="Arial" panose="020B0604020202020204" pitchFamily="34" charset="0"/>
+                <a:buChar char="•"/>
+              </a:pPr>
+              <a:r>
+                <a:rPr lang="en-US" sz="1050" dirty="0" err="1">
+                  <a:solidFill>
+                    <a:schemeClr val="tx1"/>
+                  </a:solidFill>
+                </a:rPr>
+                <a:t>hcahps_consistency_score</a:t>
+              </a:r>
+              <a:endParaRPr lang="en-US" sz="1050" dirty="0">
+                <a:solidFill>
+                  <a:schemeClr val="tx1"/>
+                </a:solidFill>
+              </a:endParaRPr>
+            </a:p>
+          </p:txBody>
+        </p:sp>
+        <p:sp>
+          <p:nvSpPr>
+            <p:cNvPr id="25" name="Rectangle 24"/>
+            <p:cNvSpPr/>
+            <p:nvPr/>
+          </p:nvSpPr>
+          <p:spPr>
+            <a:xfrm>
+              <a:off x="4091708" y="1958109"/>
+              <a:ext cx="2105891" cy="387927"/>
+            </a:xfrm>
+            <a:prstGeom prst="rect">
+              <a:avLst/>
+            </a:prstGeom>
+            <a:ln>
+              <a:solidFill>
+                <a:schemeClr val="tx1"/>
+              </a:solidFill>
+            </a:ln>
+          </p:spPr>
+          <p:style>
+            <a:lnRef idx="2">
+              <a:schemeClr val="accent1">
+                <a:shade val="50000"/>
+              </a:schemeClr>
+            </a:lnRef>
+            <a:fillRef idx="1">
+              <a:schemeClr val="accent1"/>
+            </a:fillRef>
+            <a:effectRef idx="0">
+              <a:schemeClr val="accent1"/>
+            </a:effectRef>
+            <a:fontRef idx="minor">
+              <a:schemeClr val="lt1"/>
+            </a:fontRef>
+          </p:style>
+          <p:txBody>
+            <a:bodyPr rtlCol="0" anchor="ctr"/>
+            <a:lstStyle/>
+            <a:p>
+              <a:pPr algn="ctr"/>
+              <a:r>
+                <a:rPr lang="en-US" sz="1050" dirty="0"/>
+                <a:t>surveys</a:t>
+              </a:r>
             </a:p>
           </p:txBody>
         </p:sp>

--- a/documents/ERF.pptx
+++ b/documents/ERF.pptx
@@ -5,8 +5,8 @@
     <p:sldMasterId id="2147483648" r:id="rId1"/>
   </p:sldMasterIdLst>
   <p:sldIdLst>
-    <p:sldId id="257" r:id="rId2"/>
-    <p:sldId id="258" r:id="rId3"/>
+    <p:sldId id="258" r:id="rId2"/>
+    <p:sldId id="259" r:id="rId3"/>
   </p:sldIdLst>
   <p:sldSz cx="12192000" cy="6858000"/>
   <p:notesSz cx="6858000" cy="9144000"/>
@@ -246,7 +246,7 @@
           <a:p>
             <a:fld id="{9CF71C48-D304-4A48-BAC6-9C5BC7076525}" type="datetimeFigureOut">
               <a:rPr lang="en-US" smtClean="0"/>
-              <a:t>10/30/2017</a:t>
+              <a:t>10/31/2017</a:t>
             </a:fld>
             <a:endParaRPr lang="en-US"/>
           </a:p>
@@ -414,7 +414,7 @@
           <a:p>
             <a:fld id="{9CF71C48-D304-4A48-BAC6-9C5BC7076525}" type="datetimeFigureOut">
               <a:rPr lang="en-US" smtClean="0"/>
-              <a:t>10/30/2017</a:t>
+              <a:t>10/31/2017</a:t>
             </a:fld>
             <a:endParaRPr lang="en-US"/>
           </a:p>
@@ -592,7 +592,7 @@
           <a:p>
             <a:fld id="{9CF71C48-D304-4A48-BAC6-9C5BC7076525}" type="datetimeFigureOut">
               <a:rPr lang="en-US" smtClean="0"/>
-              <a:t>10/30/2017</a:t>
+              <a:t>10/31/2017</a:t>
             </a:fld>
             <a:endParaRPr lang="en-US"/>
           </a:p>
@@ -760,7 +760,7 @@
           <a:p>
             <a:fld id="{9CF71C48-D304-4A48-BAC6-9C5BC7076525}" type="datetimeFigureOut">
               <a:rPr lang="en-US" smtClean="0"/>
-              <a:t>10/30/2017</a:t>
+              <a:t>10/31/2017</a:t>
             </a:fld>
             <a:endParaRPr lang="en-US"/>
           </a:p>
@@ -1005,7 +1005,7 @@
           <a:p>
             <a:fld id="{9CF71C48-D304-4A48-BAC6-9C5BC7076525}" type="datetimeFigureOut">
               <a:rPr lang="en-US" smtClean="0"/>
-              <a:t>10/30/2017</a:t>
+              <a:t>10/31/2017</a:t>
             </a:fld>
             <a:endParaRPr lang="en-US"/>
           </a:p>
@@ -1234,7 +1234,7 @@
           <a:p>
             <a:fld id="{9CF71C48-D304-4A48-BAC6-9C5BC7076525}" type="datetimeFigureOut">
               <a:rPr lang="en-US" smtClean="0"/>
-              <a:t>10/30/2017</a:t>
+              <a:t>10/31/2017</a:t>
             </a:fld>
             <a:endParaRPr lang="en-US"/>
           </a:p>
@@ -1598,7 +1598,7 @@
           <a:p>
             <a:fld id="{9CF71C48-D304-4A48-BAC6-9C5BC7076525}" type="datetimeFigureOut">
               <a:rPr lang="en-US" smtClean="0"/>
-              <a:t>10/30/2017</a:t>
+              <a:t>10/31/2017</a:t>
             </a:fld>
             <a:endParaRPr lang="en-US"/>
           </a:p>
@@ -1715,7 +1715,7 @@
           <a:p>
             <a:fld id="{9CF71C48-D304-4A48-BAC6-9C5BC7076525}" type="datetimeFigureOut">
               <a:rPr lang="en-US" smtClean="0"/>
-              <a:t>10/30/2017</a:t>
+              <a:t>10/31/2017</a:t>
             </a:fld>
             <a:endParaRPr lang="en-US"/>
           </a:p>
@@ -1810,7 +1810,7 @@
           <a:p>
             <a:fld id="{9CF71C48-D304-4A48-BAC6-9C5BC7076525}" type="datetimeFigureOut">
               <a:rPr lang="en-US" smtClean="0"/>
-              <a:t>10/30/2017</a:t>
+              <a:t>10/31/2017</a:t>
             </a:fld>
             <a:endParaRPr lang="en-US"/>
           </a:p>
@@ -2085,7 +2085,7 @@
           <a:p>
             <a:fld id="{9CF71C48-D304-4A48-BAC6-9C5BC7076525}" type="datetimeFigureOut">
               <a:rPr lang="en-US" smtClean="0"/>
-              <a:t>10/30/2017</a:t>
+              <a:t>10/31/2017</a:t>
             </a:fld>
             <a:endParaRPr lang="en-US"/>
           </a:p>
@@ -2337,7 +2337,7 @@
           <a:p>
             <a:fld id="{9CF71C48-D304-4A48-BAC6-9C5BC7076525}" type="datetimeFigureOut">
               <a:rPr lang="en-US" smtClean="0"/>
-              <a:t>10/30/2017</a:t>
+              <a:t>10/31/2017</a:t>
             </a:fld>
             <a:endParaRPr lang="en-US"/>
           </a:p>
@@ -2548,7 +2548,7 @@
           <a:p>
             <a:fld id="{9CF71C48-D304-4A48-BAC6-9C5BC7076525}" type="datetimeFigureOut">
               <a:rPr lang="en-US" smtClean="0"/>
-              <a:t>10/30/2017</a:t>
+              <a:t>10/31/2017</a:t>
             </a:fld>
             <a:endParaRPr lang="en-US"/>
           </a:p>
@@ -2955,6 +2955,2438 @@
       </p:grpSpPr>
       <p:grpSp>
         <p:nvGrpSpPr>
+          <p:cNvPr id="2" name="Group 1"/>
+          <p:cNvGrpSpPr/>
+          <p:nvPr/>
+        </p:nvGrpSpPr>
+        <p:grpSpPr>
+          <a:xfrm>
+            <a:off x="645374" y="408727"/>
+            <a:ext cx="2246752" cy="755055"/>
+            <a:chOff x="4091708" y="1958109"/>
+            <a:chExt cx="2105892" cy="865628"/>
+          </a:xfrm>
+        </p:grpSpPr>
+        <p:sp>
+          <p:nvSpPr>
+            <p:cNvPr id="3" name="Rectangle 2"/>
+            <p:cNvSpPr/>
+            <p:nvPr/>
+          </p:nvSpPr>
+          <p:spPr>
+            <a:xfrm>
+              <a:off x="4091710" y="2346036"/>
+              <a:ext cx="2105890" cy="477701"/>
+            </a:xfrm>
+            <a:prstGeom prst="rect">
+              <a:avLst/>
+            </a:prstGeom>
+            <a:solidFill>
+              <a:schemeClr val="bg1"/>
+            </a:solidFill>
+            <a:ln>
+              <a:solidFill>
+                <a:schemeClr val="tx1"/>
+              </a:solidFill>
+            </a:ln>
+          </p:spPr>
+          <p:style>
+            <a:lnRef idx="2">
+              <a:schemeClr val="accent1">
+                <a:shade val="50000"/>
+              </a:schemeClr>
+            </a:lnRef>
+            <a:fillRef idx="1">
+              <a:schemeClr val="accent1"/>
+            </a:fillRef>
+            <a:effectRef idx="0">
+              <a:schemeClr val="accent1"/>
+            </a:effectRef>
+            <a:fontRef idx="minor">
+              <a:schemeClr val="lt1"/>
+            </a:fontRef>
+          </p:style>
+          <p:txBody>
+            <a:bodyPr rtlCol="0" anchor="t"/>
+            <a:lstStyle/>
+            <a:p>
+              <a:pPr marL="285750" indent="-285750">
+                <a:buFont typeface="Arial" panose="020B0604020202020204" pitchFamily="34" charset="0"/>
+                <a:buChar char="•"/>
+              </a:pPr>
+              <a:r>
+                <a:rPr lang="en-US" sz="1050" dirty="0" err="1">
+                  <a:solidFill>
+                    <a:schemeClr val="tx1"/>
+                  </a:solidFill>
+                </a:rPr>
+                <a:t>provider_id</a:t>
+              </a:r>
+              <a:endParaRPr lang="en-US" sz="1050" dirty="0">
+                <a:solidFill>
+                  <a:schemeClr val="tx1"/>
+                </a:solidFill>
+              </a:endParaRPr>
+            </a:p>
+            <a:p>
+              <a:pPr marL="285750" indent="-285750">
+                <a:buFont typeface="Arial" panose="020B0604020202020204" pitchFamily="34" charset="0"/>
+                <a:buChar char="•"/>
+              </a:pPr>
+              <a:r>
+                <a:rPr lang="en-US" sz="1050" dirty="0" err="1">
+                  <a:solidFill>
+                    <a:schemeClr val="tx1"/>
+                  </a:solidFill>
+                </a:rPr>
+                <a:t>total_score</a:t>
+              </a:r>
+              <a:endParaRPr lang="en-US" sz="1050" dirty="0">
+                <a:solidFill>
+                  <a:schemeClr val="tx1"/>
+                </a:solidFill>
+              </a:endParaRPr>
+            </a:p>
+          </p:txBody>
+        </p:sp>
+        <p:sp>
+          <p:nvSpPr>
+            <p:cNvPr id="4" name="Rectangle 3"/>
+            <p:cNvSpPr/>
+            <p:nvPr/>
+          </p:nvSpPr>
+          <p:spPr>
+            <a:xfrm>
+              <a:off x="4091708" y="1958109"/>
+              <a:ext cx="2105891" cy="387927"/>
+            </a:xfrm>
+            <a:prstGeom prst="rect">
+              <a:avLst/>
+            </a:prstGeom>
+            <a:ln>
+              <a:solidFill>
+                <a:schemeClr val="tx1"/>
+              </a:solidFill>
+            </a:ln>
+          </p:spPr>
+          <p:style>
+            <a:lnRef idx="2">
+              <a:schemeClr val="accent1">
+                <a:shade val="50000"/>
+              </a:schemeClr>
+            </a:lnRef>
+            <a:fillRef idx="1">
+              <a:schemeClr val="accent1"/>
+            </a:fillRef>
+            <a:effectRef idx="0">
+              <a:schemeClr val="accent1"/>
+            </a:effectRef>
+            <a:fontRef idx="minor">
+              <a:schemeClr val="lt1"/>
+            </a:fontRef>
+          </p:style>
+          <p:txBody>
+            <a:bodyPr rtlCol="0" anchor="ctr"/>
+            <a:lstStyle/>
+            <a:p>
+              <a:pPr algn="ctr"/>
+              <a:r>
+                <a:rPr lang="en-US" sz="1050" dirty="0" err="1"/>
+                <a:t>top_hospitals</a:t>
+              </a:r>
+              <a:endParaRPr lang="en-US" sz="1050" dirty="0"/>
+            </a:p>
+          </p:txBody>
+        </p:sp>
+      </p:grpSp>
+      <p:grpSp>
+        <p:nvGrpSpPr>
+          <p:cNvPr id="5" name="Group 4"/>
+          <p:cNvGrpSpPr/>
+          <p:nvPr/>
+        </p:nvGrpSpPr>
+        <p:grpSpPr>
+          <a:xfrm>
+            <a:off x="4549184" y="1604836"/>
+            <a:ext cx="1868062" cy="1613949"/>
+            <a:chOff x="4091708" y="1958109"/>
+            <a:chExt cx="2105892" cy="1850301"/>
+          </a:xfrm>
+        </p:grpSpPr>
+        <p:sp>
+          <p:nvSpPr>
+            <p:cNvPr id="6" name="Rectangle 5"/>
+            <p:cNvSpPr/>
+            <p:nvPr/>
+          </p:nvSpPr>
+          <p:spPr>
+            <a:xfrm>
+              <a:off x="4091710" y="2346037"/>
+              <a:ext cx="2105890" cy="1462373"/>
+            </a:xfrm>
+            <a:prstGeom prst="rect">
+              <a:avLst/>
+            </a:prstGeom>
+            <a:solidFill>
+              <a:schemeClr val="bg1"/>
+            </a:solidFill>
+            <a:ln>
+              <a:solidFill>
+                <a:schemeClr val="tx1"/>
+              </a:solidFill>
+            </a:ln>
+          </p:spPr>
+          <p:style>
+            <a:lnRef idx="2">
+              <a:schemeClr val="accent1">
+                <a:shade val="50000"/>
+              </a:schemeClr>
+            </a:lnRef>
+            <a:fillRef idx="1">
+              <a:schemeClr val="accent1"/>
+            </a:fillRef>
+            <a:effectRef idx="0">
+              <a:schemeClr val="accent1"/>
+            </a:effectRef>
+            <a:fontRef idx="minor">
+              <a:schemeClr val="lt1"/>
+            </a:fontRef>
+          </p:style>
+          <p:txBody>
+            <a:bodyPr rtlCol="0" anchor="t"/>
+            <a:lstStyle/>
+            <a:p>
+              <a:pPr marL="285750" indent="-285750">
+                <a:buFont typeface="Arial" panose="020B0604020202020204" pitchFamily="34" charset="0"/>
+                <a:buChar char="•"/>
+              </a:pPr>
+              <a:r>
+                <a:rPr lang="en-US" sz="1050" dirty="0" err="1">
+                  <a:solidFill>
+                    <a:schemeClr val="tx1"/>
+                  </a:solidFill>
+                </a:rPr>
+                <a:t>provider_id</a:t>
+              </a:r>
+              <a:endParaRPr lang="en-US" sz="1050" dirty="0">
+                <a:solidFill>
+                  <a:schemeClr val="tx1"/>
+                </a:solidFill>
+              </a:endParaRPr>
+            </a:p>
+            <a:p>
+              <a:pPr marL="285750" indent="-285750">
+                <a:buFont typeface="Arial" panose="020B0604020202020204" pitchFamily="34" charset="0"/>
+                <a:buChar char="•"/>
+              </a:pPr>
+              <a:r>
+                <a:rPr lang="en-US" sz="1050" dirty="0" err="1">
+                  <a:solidFill>
+                    <a:schemeClr val="tx1"/>
+                  </a:solidFill>
+                </a:rPr>
+                <a:t>hospital_name</a:t>
+              </a:r>
+              <a:endParaRPr lang="en-US" sz="1050" dirty="0">
+                <a:solidFill>
+                  <a:schemeClr val="tx1"/>
+                </a:solidFill>
+              </a:endParaRPr>
+            </a:p>
+            <a:p>
+              <a:pPr marL="285750" indent="-285750">
+                <a:buFont typeface="Arial" panose="020B0604020202020204" pitchFamily="34" charset="0"/>
+                <a:buChar char="•"/>
+              </a:pPr>
+              <a:r>
+                <a:rPr lang="en-US" sz="1050" dirty="0">
+                  <a:solidFill>
+                    <a:schemeClr val="tx1"/>
+                  </a:solidFill>
+                </a:rPr>
+                <a:t>city</a:t>
+              </a:r>
+            </a:p>
+            <a:p>
+              <a:pPr marL="285750" indent="-285750">
+                <a:buFont typeface="Arial" panose="020B0604020202020204" pitchFamily="34" charset="0"/>
+                <a:buChar char="•"/>
+              </a:pPr>
+              <a:r>
+                <a:rPr lang="en-US" sz="1050" dirty="0">
+                  <a:solidFill>
+                    <a:schemeClr val="tx1"/>
+                  </a:solidFill>
+                </a:rPr>
+                <a:t>state</a:t>
+              </a:r>
+            </a:p>
+            <a:p>
+              <a:pPr marL="285750" indent="-285750">
+                <a:buFont typeface="Arial" panose="020B0604020202020204" pitchFamily="34" charset="0"/>
+                <a:buChar char="•"/>
+              </a:pPr>
+              <a:r>
+                <a:rPr lang="en-US" sz="1050" dirty="0" err="1">
+                  <a:solidFill>
+                    <a:schemeClr val="tx1"/>
+                  </a:solidFill>
+                </a:rPr>
+                <a:t>zip_code</a:t>
+              </a:r>
+              <a:endParaRPr lang="en-US" sz="1050" dirty="0">
+                <a:solidFill>
+                  <a:schemeClr val="tx1"/>
+                </a:solidFill>
+              </a:endParaRPr>
+            </a:p>
+            <a:p>
+              <a:pPr marL="285750" indent="-285750">
+                <a:buFont typeface="Arial" panose="020B0604020202020204" pitchFamily="34" charset="0"/>
+                <a:buChar char="•"/>
+              </a:pPr>
+              <a:r>
+                <a:rPr lang="en-US" sz="1050" dirty="0" err="1">
+                  <a:solidFill>
+                    <a:schemeClr val="tx1"/>
+                  </a:solidFill>
+                </a:rPr>
+                <a:t>hospital_type</a:t>
+              </a:r>
+              <a:endParaRPr lang="en-US" sz="1050" dirty="0">
+                <a:solidFill>
+                  <a:schemeClr val="tx1"/>
+                </a:solidFill>
+              </a:endParaRPr>
+            </a:p>
+            <a:p>
+              <a:pPr marL="285750" indent="-285750">
+                <a:buFont typeface="Arial" panose="020B0604020202020204" pitchFamily="34" charset="0"/>
+                <a:buChar char="•"/>
+              </a:pPr>
+              <a:r>
+                <a:rPr lang="en-US" sz="1050" dirty="0" err="1">
+                  <a:solidFill>
+                    <a:schemeClr val="tx1"/>
+                  </a:solidFill>
+                </a:rPr>
+                <a:t>hospital_ownership</a:t>
+              </a:r>
+              <a:endParaRPr lang="en-US" sz="1050" dirty="0">
+                <a:solidFill>
+                  <a:schemeClr val="tx1"/>
+                </a:solidFill>
+              </a:endParaRPr>
+            </a:p>
+            <a:p>
+              <a:pPr marL="285750" indent="-285750">
+                <a:buFont typeface="Arial" panose="020B0604020202020204" pitchFamily="34" charset="0"/>
+                <a:buChar char="•"/>
+              </a:pPr>
+              <a:endParaRPr lang="en-US" sz="1050" dirty="0">
+                <a:solidFill>
+                  <a:schemeClr val="tx1"/>
+                </a:solidFill>
+              </a:endParaRPr>
+            </a:p>
+          </p:txBody>
+        </p:sp>
+        <p:sp>
+          <p:nvSpPr>
+            <p:cNvPr id="7" name="Rectangle 6"/>
+            <p:cNvSpPr/>
+            <p:nvPr/>
+          </p:nvSpPr>
+          <p:spPr>
+            <a:xfrm>
+              <a:off x="4091708" y="1958109"/>
+              <a:ext cx="2105891" cy="387927"/>
+            </a:xfrm>
+            <a:prstGeom prst="rect">
+              <a:avLst/>
+            </a:prstGeom>
+            <a:ln>
+              <a:solidFill>
+                <a:schemeClr val="tx1"/>
+              </a:solidFill>
+            </a:ln>
+          </p:spPr>
+          <p:style>
+            <a:lnRef idx="2">
+              <a:schemeClr val="accent1">
+                <a:shade val="50000"/>
+              </a:schemeClr>
+            </a:lnRef>
+            <a:fillRef idx="1">
+              <a:schemeClr val="accent1"/>
+            </a:fillRef>
+            <a:effectRef idx="0">
+              <a:schemeClr val="accent1"/>
+            </a:effectRef>
+            <a:fontRef idx="minor">
+              <a:schemeClr val="lt1"/>
+            </a:fontRef>
+          </p:style>
+          <p:txBody>
+            <a:bodyPr rtlCol="0" anchor="ctr"/>
+            <a:lstStyle/>
+            <a:p>
+              <a:pPr algn="ctr"/>
+              <a:r>
+                <a:rPr lang="en-US" sz="1050" dirty="0" err="1"/>
+                <a:t>hospital_info</a:t>
+              </a:r>
+              <a:endParaRPr lang="en-US" sz="1050" dirty="0"/>
+            </a:p>
+          </p:txBody>
+        </p:sp>
+      </p:grpSp>
+      <p:grpSp>
+        <p:nvGrpSpPr>
+          <p:cNvPr id="13" name="Group 12"/>
+          <p:cNvGrpSpPr/>
+          <p:nvPr/>
+        </p:nvGrpSpPr>
+        <p:grpSpPr>
+          <a:xfrm>
+            <a:off x="7409863" y="2943029"/>
+            <a:ext cx="3622971" cy="1952244"/>
+            <a:chOff x="4091708" y="1958109"/>
+            <a:chExt cx="2105892" cy="2238137"/>
+          </a:xfrm>
+        </p:grpSpPr>
+        <p:sp>
+          <p:nvSpPr>
+            <p:cNvPr id="14" name="Rectangle 13"/>
+            <p:cNvSpPr/>
+            <p:nvPr/>
+          </p:nvSpPr>
+          <p:spPr>
+            <a:xfrm>
+              <a:off x="4091710" y="2346037"/>
+              <a:ext cx="2105890" cy="1850209"/>
+            </a:xfrm>
+            <a:prstGeom prst="rect">
+              <a:avLst/>
+            </a:prstGeom>
+            <a:solidFill>
+              <a:schemeClr val="bg1"/>
+            </a:solidFill>
+            <a:ln>
+              <a:solidFill>
+                <a:schemeClr val="tx1"/>
+              </a:solidFill>
+            </a:ln>
+          </p:spPr>
+          <p:style>
+            <a:lnRef idx="2">
+              <a:schemeClr val="accent1">
+                <a:shade val="50000"/>
+              </a:schemeClr>
+            </a:lnRef>
+            <a:fillRef idx="1">
+              <a:schemeClr val="accent1"/>
+            </a:fillRef>
+            <a:effectRef idx="0">
+              <a:schemeClr val="accent1"/>
+            </a:effectRef>
+            <a:fontRef idx="minor">
+              <a:schemeClr val="lt1"/>
+            </a:fontRef>
+          </p:style>
+          <p:txBody>
+            <a:bodyPr rtlCol="0" anchor="t"/>
+            <a:lstStyle/>
+            <a:p>
+              <a:pPr marL="285750" indent="-285750">
+                <a:buFont typeface="Arial" panose="020B0604020202020204" pitchFamily="34" charset="0"/>
+                <a:buChar char="•"/>
+              </a:pPr>
+              <a:r>
+                <a:rPr lang="en-US" sz="1050" dirty="0" err="1">
+                  <a:solidFill>
+                    <a:schemeClr val="tx1"/>
+                  </a:solidFill>
+                </a:rPr>
+                <a:t>provider_id</a:t>
+              </a:r>
+              <a:endParaRPr lang="en-US" sz="1050" dirty="0">
+                <a:solidFill>
+                  <a:schemeClr val="tx1"/>
+                </a:solidFill>
+              </a:endParaRPr>
+            </a:p>
+            <a:p>
+              <a:pPr marL="285750" indent="-285750">
+                <a:buFont typeface="Arial" panose="020B0604020202020204" pitchFamily="34" charset="0"/>
+                <a:buChar char="•"/>
+              </a:pPr>
+              <a:r>
+                <a:rPr lang="en-US" sz="1050" dirty="0" err="1">
+                  <a:solidFill>
+                    <a:schemeClr val="tx1"/>
+                  </a:solidFill>
+                </a:rPr>
+                <a:t>hospital_overall_rating</a:t>
+              </a:r>
+              <a:endParaRPr lang="en-US" sz="1050" dirty="0">
+                <a:solidFill>
+                  <a:schemeClr val="tx1"/>
+                </a:solidFill>
+              </a:endParaRPr>
+            </a:p>
+            <a:p>
+              <a:pPr marL="285750" indent="-285750">
+                <a:buFont typeface="Arial" panose="020B0604020202020204" pitchFamily="34" charset="0"/>
+                <a:buChar char="•"/>
+              </a:pPr>
+              <a:r>
+                <a:rPr lang="en-US" sz="1050" dirty="0" err="1">
+                  <a:solidFill>
+                    <a:schemeClr val="tx1"/>
+                  </a:solidFill>
+                </a:rPr>
+                <a:t>mortality_national_comparison</a:t>
+              </a:r>
+              <a:endParaRPr lang="en-US" sz="1050" dirty="0">
+                <a:solidFill>
+                  <a:schemeClr val="tx1"/>
+                </a:solidFill>
+              </a:endParaRPr>
+            </a:p>
+            <a:p>
+              <a:pPr marL="285750" indent="-285750">
+                <a:buFont typeface="Arial" panose="020B0604020202020204" pitchFamily="34" charset="0"/>
+                <a:buChar char="•"/>
+              </a:pPr>
+              <a:r>
+                <a:rPr lang="en-US" sz="1050" dirty="0" err="1">
+                  <a:solidFill>
+                    <a:schemeClr val="tx1"/>
+                  </a:solidFill>
+                </a:rPr>
+                <a:t>safety_of_care_national_comparison</a:t>
+              </a:r>
+              <a:endParaRPr lang="en-US" sz="1050" dirty="0">
+                <a:solidFill>
+                  <a:schemeClr val="tx1"/>
+                </a:solidFill>
+              </a:endParaRPr>
+            </a:p>
+            <a:p>
+              <a:pPr marL="285750" indent="-285750">
+                <a:buFont typeface="Arial" panose="020B0604020202020204" pitchFamily="34" charset="0"/>
+                <a:buChar char="•"/>
+              </a:pPr>
+              <a:r>
+                <a:rPr lang="en-US" sz="1050" dirty="0" err="1">
+                  <a:solidFill>
+                    <a:schemeClr val="tx1"/>
+                  </a:solidFill>
+                </a:rPr>
+                <a:t>readmission_national_comparison</a:t>
+              </a:r>
+              <a:endParaRPr lang="en-US" sz="1050" dirty="0">
+                <a:solidFill>
+                  <a:schemeClr val="tx1"/>
+                </a:solidFill>
+              </a:endParaRPr>
+            </a:p>
+            <a:p>
+              <a:pPr marL="285750" indent="-285750">
+                <a:buFont typeface="Arial" panose="020B0604020202020204" pitchFamily="34" charset="0"/>
+                <a:buChar char="•"/>
+              </a:pPr>
+              <a:r>
+                <a:rPr lang="en-US" sz="1050" dirty="0" err="1">
+                  <a:solidFill>
+                    <a:schemeClr val="tx1"/>
+                  </a:solidFill>
+                </a:rPr>
+                <a:t>patient_experience_national_comparison</a:t>
+              </a:r>
+              <a:endParaRPr lang="en-US" sz="1050" dirty="0">
+                <a:solidFill>
+                  <a:schemeClr val="tx1"/>
+                </a:solidFill>
+              </a:endParaRPr>
+            </a:p>
+            <a:p>
+              <a:pPr marL="285750" indent="-285750">
+                <a:buFont typeface="Arial" panose="020B0604020202020204" pitchFamily="34" charset="0"/>
+                <a:buChar char="•"/>
+              </a:pPr>
+              <a:r>
+                <a:rPr lang="en-US" sz="1050" dirty="0" err="1">
+                  <a:solidFill>
+                    <a:schemeClr val="tx1"/>
+                  </a:solidFill>
+                </a:rPr>
+                <a:t>effectiveness_of_care_national_comparison</a:t>
+              </a:r>
+              <a:endParaRPr lang="en-US" sz="1050" dirty="0">
+                <a:solidFill>
+                  <a:schemeClr val="tx1"/>
+                </a:solidFill>
+              </a:endParaRPr>
+            </a:p>
+            <a:p>
+              <a:pPr marL="285750" indent="-285750">
+                <a:buFont typeface="Arial" panose="020B0604020202020204" pitchFamily="34" charset="0"/>
+                <a:buChar char="•"/>
+              </a:pPr>
+              <a:r>
+                <a:rPr lang="en-US" sz="1050" dirty="0" err="1">
+                  <a:solidFill>
+                    <a:schemeClr val="tx1"/>
+                  </a:solidFill>
+                </a:rPr>
+                <a:t>timeliness_of_care_national_comparison</a:t>
+              </a:r>
+              <a:endParaRPr lang="en-US" sz="1050" dirty="0">
+                <a:solidFill>
+                  <a:schemeClr val="tx1"/>
+                </a:solidFill>
+              </a:endParaRPr>
+            </a:p>
+            <a:p>
+              <a:pPr marL="285750" indent="-285750">
+                <a:buFont typeface="Arial" panose="020B0604020202020204" pitchFamily="34" charset="0"/>
+                <a:buChar char="•"/>
+              </a:pPr>
+              <a:r>
+                <a:rPr lang="en-US" sz="1050" dirty="0" err="1">
+                  <a:solidFill>
+                    <a:schemeClr val="tx1"/>
+                  </a:solidFill>
+                </a:rPr>
+                <a:t>efficient_use_of_medical_imaging_national_comparison</a:t>
+              </a:r>
+              <a:endParaRPr lang="en-US" sz="1050" dirty="0">
+                <a:solidFill>
+                  <a:schemeClr val="tx1"/>
+                </a:solidFill>
+              </a:endParaRPr>
+            </a:p>
+          </p:txBody>
+        </p:sp>
+        <p:sp>
+          <p:nvSpPr>
+            <p:cNvPr id="15" name="Rectangle 14"/>
+            <p:cNvSpPr/>
+            <p:nvPr/>
+          </p:nvSpPr>
+          <p:spPr>
+            <a:xfrm>
+              <a:off x="4091708" y="1958109"/>
+              <a:ext cx="2105891" cy="387927"/>
+            </a:xfrm>
+            <a:prstGeom prst="rect">
+              <a:avLst/>
+            </a:prstGeom>
+            <a:ln>
+              <a:solidFill>
+                <a:schemeClr val="tx1"/>
+              </a:solidFill>
+            </a:ln>
+          </p:spPr>
+          <p:style>
+            <a:lnRef idx="2">
+              <a:schemeClr val="accent1">
+                <a:shade val="50000"/>
+              </a:schemeClr>
+            </a:lnRef>
+            <a:fillRef idx="1">
+              <a:schemeClr val="accent1"/>
+            </a:fillRef>
+            <a:effectRef idx="0">
+              <a:schemeClr val="accent1"/>
+            </a:effectRef>
+            <a:fontRef idx="minor">
+              <a:schemeClr val="lt1"/>
+            </a:fontRef>
+          </p:style>
+          <p:txBody>
+            <a:bodyPr rtlCol="0" anchor="ctr"/>
+            <a:lstStyle/>
+            <a:p>
+              <a:pPr algn="ctr"/>
+              <a:r>
+                <a:rPr lang="en-US" sz="1050" dirty="0" err="1"/>
+                <a:t>hospital_comparison</a:t>
+              </a:r>
+              <a:endParaRPr lang="en-US" sz="1050" dirty="0"/>
+            </a:p>
+          </p:txBody>
+        </p:sp>
+      </p:grpSp>
+      <p:grpSp>
+        <p:nvGrpSpPr>
+          <p:cNvPr id="11" name="Group 10"/>
+          <p:cNvGrpSpPr/>
+          <p:nvPr/>
+        </p:nvGrpSpPr>
+        <p:grpSpPr>
+          <a:xfrm>
+            <a:off x="7409863" y="635018"/>
+            <a:ext cx="2246752" cy="1804281"/>
+            <a:chOff x="4091708" y="1958109"/>
+            <a:chExt cx="2105892" cy="2068507"/>
+          </a:xfrm>
+        </p:grpSpPr>
+        <p:sp>
+          <p:nvSpPr>
+            <p:cNvPr id="12" name="Rectangle 11"/>
+            <p:cNvSpPr/>
+            <p:nvPr/>
+          </p:nvSpPr>
+          <p:spPr>
+            <a:xfrm>
+              <a:off x="4091710" y="2346036"/>
+              <a:ext cx="2105890" cy="1680580"/>
+            </a:xfrm>
+            <a:prstGeom prst="rect">
+              <a:avLst/>
+            </a:prstGeom>
+            <a:solidFill>
+              <a:schemeClr val="bg1"/>
+            </a:solidFill>
+            <a:ln>
+              <a:solidFill>
+                <a:schemeClr val="tx1"/>
+              </a:solidFill>
+            </a:ln>
+          </p:spPr>
+          <p:style>
+            <a:lnRef idx="2">
+              <a:schemeClr val="accent1">
+                <a:shade val="50000"/>
+              </a:schemeClr>
+            </a:lnRef>
+            <a:fillRef idx="1">
+              <a:schemeClr val="accent1"/>
+            </a:fillRef>
+            <a:effectRef idx="0">
+              <a:schemeClr val="accent1"/>
+            </a:effectRef>
+            <a:fontRef idx="minor">
+              <a:schemeClr val="lt1"/>
+            </a:fontRef>
+          </p:style>
+          <p:txBody>
+            <a:bodyPr rtlCol="0" anchor="t"/>
+            <a:lstStyle/>
+            <a:p>
+              <a:pPr marL="285750" indent="-285750">
+                <a:buFont typeface="Arial" panose="020B0604020202020204" pitchFamily="34" charset="0"/>
+                <a:buChar char="•"/>
+              </a:pPr>
+              <a:r>
+                <a:rPr lang="en-US" sz="1050" dirty="0" err="1">
+                  <a:solidFill>
+                    <a:schemeClr val="tx1"/>
+                  </a:solidFill>
+                </a:rPr>
+                <a:t>provider_id</a:t>
+              </a:r>
+              <a:endParaRPr lang="en-US" sz="1050" dirty="0">
+                <a:solidFill>
+                  <a:schemeClr val="tx1"/>
+                </a:solidFill>
+              </a:endParaRPr>
+            </a:p>
+            <a:p>
+              <a:pPr marL="285750" indent="-285750">
+                <a:buFont typeface="Arial" panose="020B0604020202020204" pitchFamily="34" charset="0"/>
+                <a:buChar char="•"/>
+              </a:pPr>
+              <a:r>
+                <a:rPr lang="en-US" sz="1050" dirty="0" err="1">
+                  <a:solidFill>
+                    <a:schemeClr val="tx1"/>
+                  </a:solidFill>
+                </a:rPr>
+                <a:t>mortality_score</a:t>
+              </a:r>
+              <a:endParaRPr lang="en-US" sz="1050" dirty="0">
+                <a:solidFill>
+                  <a:schemeClr val="tx1"/>
+                </a:solidFill>
+              </a:endParaRPr>
+            </a:p>
+            <a:p>
+              <a:pPr marL="285750" indent="-285750">
+                <a:buFont typeface="Arial" panose="020B0604020202020204" pitchFamily="34" charset="0"/>
+                <a:buChar char="•"/>
+              </a:pPr>
+              <a:r>
+                <a:rPr lang="en-US" sz="1050" dirty="0" err="1">
+                  <a:solidFill>
+                    <a:schemeClr val="tx1"/>
+                  </a:solidFill>
+                </a:rPr>
+                <a:t>safety_score</a:t>
+              </a:r>
+              <a:endParaRPr lang="en-US" sz="1050" dirty="0">
+                <a:solidFill>
+                  <a:schemeClr val="tx1"/>
+                </a:solidFill>
+              </a:endParaRPr>
+            </a:p>
+            <a:p>
+              <a:pPr marL="285750" indent="-285750">
+                <a:buFont typeface="Arial" panose="020B0604020202020204" pitchFamily="34" charset="0"/>
+                <a:buChar char="•"/>
+              </a:pPr>
+              <a:r>
+                <a:rPr lang="en-US" sz="1050" dirty="0" err="1">
+                  <a:solidFill>
+                    <a:schemeClr val="tx1"/>
+                  </a:solidFill>
+                </a:rPr>
+                <a:t>readmission_score</a:t>
+              </a:r>
+              <a:endParaRPr lang="en-US" sz="1050" dirty="0">
+                <a:solidFill>
+                  <a:schemeClr val="tx1"/>
+                </a:solidFill>
+              </a:endParaRPr>
+            </a:p>
+            <a:p>
+              <a:pPr marL="285750" indent="-285750">
+                <a:buFont typeface="Arial" panose="020B0604020202020204" pitchFamily="34" charset="0"/>
+                <a:buChar char="•"/>
+              </a:pPr>
+              <a:r>
+                <a:rPr lang="en-US" sz="1050" dirty="0" err="1">
+                  <a:solidFill>
+                    <a:schemeClr val="tx1"/>
+                  </a:solidFill>
+                </a:rPr>
+                <a:t>patient_experience_score</a:t>
+              </a:r>
+              <a:endParaRPr lang="en-US" sz="1050" dirty="0">
+                <a:solidFill>
+                  <a:schemeClr val="tx1"/>
+                </a:solidFill>
+              </a:endParaRPr>
+            </a:p>
+            <a:p>
+              <a:pPr marL="285750" indent="-285750">
+                <a:buFont typeface="Arial" panose="020B0604020202020204" pitchFamily="34" charset="0"/>
+                <a:buChar char="•"/>
+              </a:pPr>
+              <a:r>
+                <a:rPr lang="en-US" sz="1050" dirty="0" err="1">
+                  <a:solidFill>
+                    <a:schemeClr val="tx1"/>
+                  </a:solidFill>
+                </a:rPr>
+                <a:t>effectiveness_score</a:t>
+              </a:r>
+              <a:endParaRPr lang="en-US" sz="1050" dirty="0">
+                <a:solidFill>
+                  <a:schemeClr val="tx1"/>
+                </a:solidFill>
+              </a:endParaRPr>
+            </a:p>
+            <a:p>
+              <a:pPr marL="285750" indent="-285750">
+                <a:buFont typeface="Arial" panose="020B0604020202020204" pitchFamily="34" charset="0"/>
+                <a:buChar char="•"/>
+              </a:pPr>
+              <a:r>
+                <a:rPr lang="en-US" sz="1050" dirty="0" err="1">
+                  <a:solidFill>
+                    <a:schemeClr val="tx1"/>
+                  </a:solidFill>
+                </a:rPr>
+                <a:t>timeliness_score</a:t>
+              </a:r>
+              <a:endParaRPr lang="en-US" sz="1050" dirty="0">
+                <a:solidFill>
+                  <a:schemeClr val="tx1"/>
+                </a:solidFill>
+              </a:endParaRPr>
+            </a:p>
+            <a:p>
+              <a:pPr marL="285750" indent="-285750">
+                <a:buFont typeface="Arial" panose="020B0604020202020204" pitchFamily="34" charset="0"/>
+                <a:buChar char="•"/>
+              </a:pPr>
+              <a:r>
+                <a:rPr lang="en-US" sz="1050" dirty="0" err="1">
+                  <a:solidFill>
+                    <a:schemeClr val="tx1"/>
+                  </a:solidFill>
+                </a:rPr>
+                <a:t>efficiency_score</a:t>
+              </a:r>
+              <a:endParaRPr lang="en-US" sz="1050" dirty="0">
+                <a:solidFill>
+                  <a:schemeClr val="tx1"/>
+                </a:solidFill>
+              </a:endParaRPr>
+            </a:p>
+          </p:txBody>
+        </p:sp>
+        <p:sp>
+          <p:nvSpPr>
+            <p:cNvPr id="16" name="Rectangle 15"/>
+            <p:cNvSpPr/>
+            <p:nvPr/>
+          </p:nvSpPr>
+          <p:spPr>
+            <a:xfrm>
+              <a:off x="4091708" y="1958109"/>
+              <a:ext cx="2105891" cy="387927"/>
+            </a:xfrm>
+            <a:prstGeom prst="rect">
+              <a:avLst/>
+            </a:prstGeom>
+            <a:ln>
+              <a:solidFill>
+                <a:schemeClr val="tx1"/>
+              </a:solidFill>
+            </a:ln>
+          </p:spPr>
+          <p:style>
+            <a:lnRef idx="2">
+              <a:schemeClr val="accent1">
+                <a:shade val="50000"/>
+              </a:schemeClr>
+            </a:lnRef>
+            <a:fillRef idx="1">
+              <a:schemeClr val="accent1"/>
+            </a:fillRef>
+            <a:effectRef idx="0">
+              <a:schemeClr val="accent1"/>
+            </a:effectRef>
+            <a:fontRef idx="minor">
+              <a:schemeClr val="lt1"/>
+            </a:fontRef>
+          </p:style>
+          <p:txBody>
+            <a:bodyPr rtlCol="0" anchor="ctr"/>
+            <a:lstStyle/>
+            <a:p>
+              <a:pPr algn="ctr"/>
+              <a:r>
+                <a:rPr lang="en-US" sz="1050" dirty="0" err="1"/>
+                <a:t>hospital_baseline</a:t>
+              </a:r>
+              <a:endParaRPr lang="en-US" sz="1050" dirty="0"/>
+            </a:p>
+          </p:txBody>
+        </p:sp>
+      </p:grpSp>
+      <p:grpSp>
+        <p:nvGrpSpPr>
+          <p:cNvPr id="17" name="Group 16"/>
+          <p:cNvGrpSpPr/>
+          <p:nvPr/>
+        </p:nvGrpSpPr>
+        <p:grpSpPr>
+          <a:xfrm>
+            <a:off x="633257" y="1604836"/>
+            <a:ext cx="2246752" cy="755055"/>
+            <a:chOff x="4091708" y="1958109"/>
+            <a:chExt cx="2105892" cy="865628"/>
+          </a:xfrm>
+        </p:grpSpPr>
+        <p:sp>
+          <p:nvSpPr>
+            <p:cNvPr id="18" name="Rectangle 17"/>
+            <p:cNvSpPr/>
+            <p:nvPr/>
+          </p:nvSpPr>
+          <p:spPr>
+            <a:xfrm>
+              <a:off x="4091710" y="2346036"/>
+              <a:ext cx="2105890" cy="477701"/>
+            </a:xfrm>
+            <a:prstGeom prst="rect">
+              <a:avLst/>
+            </a:prstGeom>
+            <a:solidFill>
+              <a:schemeClr val="bg1"/>
+            </a:solidFill>
+            <a:ln>
+              <a:solidFill>
+                <a:schemeClr val="tx1"/>
+              </a:solidFill>
+            </a:ln>
+          </p:spPr>
+          <p:style>
+            <a:lnRef idx="2">
+              <a:schemeClr val="accent1">
+                <a:shade val="50000"/>
+              </a:schemeClr>
+            </a:lnRef>
+            <a:fillRef idx="1">
+              <a:schemeClr val="accent1"/>
+            </a:fillRef>
+            <a:effectRef idx="0">
+              <a:schemeClr val="accent1"/>
+            </a:effectRef>
+            <a:fontRef idx="minor">
+              <a:schemeClr val="lt1"/>
+            </a:fontRef>
+          </p:style>
+          <p:txBody>
+            <a:bodyPr rtlCol="0" anchor="t"/>
+            <a:lstStyle/>
+            <a:p>
+              <a:pPr marL="285750" indent="-285750">
+                <a:buFont typeface="Arial" panose="020B0604020202020204" pitchFamily="34" charset="0"/>
+                <a:buChar char="•"/>
+              </a:pPr>
+              <a:r>
+                <a:rPr lang="en-US" sz="1050" dirty="0">
+                  <a:solidFill>
+                    <a:schemeClr val="tx1"/>
+                  </a:solidFill>
+                </a:rPr>
+                <a:t>state</a:t>
+              </a:r>
+            </a:p>
+            <a:p>
+              <a:pPr marL="285750" indent="-285750">
+                <a:buFont typeface="Arial" panose="020B0604020202020204" pitchFamily="34" charset="0"/>
+                <a:buChar char="•"/>
+              </a:pPr>
+              <a:r>
+                <a:rPr lang="en-US" sz="1050" dirty="0" err="1">
+                  <a:solidFill>
+                    <a:schemeClr val="tx1"/>
+                  </a:solidFill>
+                </a:rPr>
+                <a:t>hospital_count</a:t>
+              </a:r>
+              <a:endParaRPr lang="en-US" sz="1050" dirty="0">
+                <a:solidFill>
+                  <a:schemeClr val="tx1"/>
+                </a:solidFill>
+              </a:endParaRPr>
+            </a:p>
+          </p:txBody>
+        </p:sp>
+        <p:sp>
+          <p:nvSpPr>
+            <p:cNvPr id="19" name="Rectangle 18"/>
+            <p:cNvSpPr/>
+            <p:nvPr/>
+          </p:nvSpPr>
+          <p:spPr>
+            <a:xfrm>
+              <a:off x="4091708" y="1958109"/>
+              <a:ext cx="2105891" cy="387927"/>
+            </a:xfrm>
+            <a:prstGeom prst="rect">
+              <a:avLst/>
+            </a:prstGeom>
+            <a:ln>
+              <a:solidFill>
+                <a:schemeClr val="tx1"/>
+              </a:solidFill>
+            </a:ln>
+          </p:spPr>
+          <p:style>
+            <a:lnRef idx="2">
+              <a:schemeClr val="accent1">
+                <a:shade val="50000"/>
+              </a:schemeClr>
+            </a:lnRef>
+            <a:fillRef idx="1">
+              <a:schemeClr val="accent1"/>
+            </a:fillRef>
+            <a:effectRef idx="0">
+              <a:schemeClr val="accent1"/>
+            </a:effectRef>
+            <a:fontRef idx="minor">
+              <a:schemeClr val="lt1"/>
+            </a:fontRef>
+          </p:style>
+          <p:txBody>
+            <a:bodyPr rtlCol="0" anchor="ctr"/>
+            <a:lstStyle/>
+            <a:p>
+              <a:pPr algn="ctr"/>
+              <a:r>
+                <a:rPr lang="en-US" sz="1050" dirty="0" err="1"/>
+                <a:t>states_hospital_count</a:t>
+              </a:r>
+              <a:endParaRPr lang="en-US" sz="1050" dirty="0"/>
+            </a:p>
+          </p:txBody>
+        </p:sp>
+      </p:grpSp>
+      <p:grpSp>
+        <p:nvGrpSpPr>
+          <p:cNvPr id="23" name="Group 22"/>
+          <p:cNvGrpSpPr/>
+          <p:nvPr/>
+        </p:nvGrpSpPr>
+        <p:grpSpPr>
+          <a:xfrm>
+            <a:off x="633257" y="2800945"/>
+            <a:ext cx="2923311" cy="3535295"/>
+            <a:chOff x="4091708" y="1958109"/>
+            <a:chExt cx="2105892" cy="4053015"/>
+          </a:xfrm>
+        </p:grpSpPr>
+        <p:sp>
+          <p:nvSpPr>
+            <p:cNvPr id="24" name="Rectangle 23"/>
+            <p:cNvSpPr/>
+            <p:nvPr/>
+          </p:nvSpPr>
+          <p:spPr>
+            <a:xfrm>
+              <a:off x="4091710" y="2346037"/>
+              <a:ext cx="2105890" cy="3665087"/>
+            </a:xfrm>
+            <a:prstGeom prst="rect">
+              <a:avLst/>
+            </a:prstGeom>
+            <a:solidFill>
+              <a:schemeClr val="bg1"/>
+            </a:solidFill>
+            <a:ln>
+              <a:solidFill>
+                <a:schemeClr val="tx1"/>
+              </a:solidFill>
+            </a:ln>
+          </p:spPr>
+          <p:style>
+            <a:lnRef idx="2">
+              <a:schemeClr val="accent1">
+                <a:shade val="50000"/>
+              </a:schemeClr>
+            </a:lnRef>
+            <a:fillRef idx="1">
+              <a:schemeClr val="accent1"/>
+            </a:fillRef>
+            <a:effectRef idx="0">
+              <a:schemeClr val="accent1"/>
+            </a:effectRef>
+            <a:fontRef idx="minor">
+              <a:schemeClr val="lt1"/>
+            </a:fontRef>
+          </p:style>
+          <p:txBody>
+            <a:bodyPr rtlCol="0" anchor="t"/>
+            <a:lstStyle/>
+            <a:p>
+              <a:pPr marL="285750" indent="-285750">
+                <a:buFont typeface="Arial" panose="020B0604020202020204" pitchFamily="34" charset="0"/>
+                <a:buChar char="•"/>
+              </a:pPr>
+              <a:r>
+                <a:rPr lang="en-US" sz="1050">
+                  <a:solidFill>
+                    <a:schemeClr val="tx1"/>
+                  </a:solidFill>
+                </a:rPr>
+                <a:t>provider_id</a:t>
+              </a:r>
+              <a:endParaRPr lang="en-US" sz="1050" dirty="0">
+                <a:solidFill>
+                  <a:schemeClr val="tx1"/>
+                </a:solidFill>
+              </a:endParaRPr>
+            </a:p>
+            <a:p>
+              <a:pPr marL="285750" indent="-285750">
+                <a:buFont typeface="Arial" panose="020B0604020202020204" pitchFamily="34" charset="0"/>
+                <a:buChar char="•"/>
+              </a:pPr>
+              <a:r>
+                <a:rPr lang="en-US" sz="1050" dirty="0" err="1">
+                  <a:solidFill>
+                    <a:schemeClr val="tx1"/>
+                  </a:solidFill>
+                </a:rPr>
+                <a:t>comm_nurses_baseline</a:t>
+              </a:r>
+              <a:endParaRPr lang="en-US" sz="1050" dirty="0">
+                <a:solidFill>
+                  <a:schemeClr val="tx1"/>
+                </a:solidFill>
+              </a:endParaRPr>
+            </a:p>
+            <a:p>
+              <a:pPr marL="285750" indent="-285750">
+                <a:buFont typeface="Arial" panose="020B0604020202020204" pitchFamily="34" charset="0"/>
+                <a:buChar char="•"/>
+              </a:pPr>
+              <a:r>
+                <a:rPr lang="en-US" sz="1050" dirty="0" err="1">
+                  <a:solidFill>
+                    <a:schemeClr val="tx1"/>
+                  </a:solidFill>
+                </a:rPr>
+                <a:t>comm_nurses_performance</a:t>
+              </a:r>
+              <a:endParaRPr lang="en-US" sz="1050" dirty="0">
+                <a:solidFill>
+                  <a:schemeClr val="tx1"/>
+                </a:solidFill>
+              </a:endParaRPr>
+            </a:p>
+            <a:p>
+              <a:pPr marL="285750" indent="-285750">
+                <a:buFont typeface="Arial" panose="020B0604020202020204" pitchFamily="34" charset="0"/>
+                <a:buChar char="•"/>
+              </a:pPr>
+              <a:r>
+                <a:rPr lang="en-US" sz="1050" dirty="0" err="1">
+                  <a:solidFill>
+                    <a:schemeClr val="tx1"/>
+                  </a:solidFill>
+                </a:rPr>
+                <a:t>comm_doctors_baseline</a:t>
+              </a:r>
+              <a:endParaRPr lang="en-US" sz="1050" dirty="0">
+                <a:solidFill>
+                  <a:schemeClr val="tx1"/>
+                </a:solidFill>
+              </a:endParaRPr>
+            </a:p>
+            <a:p>
+              <a:pPr marL="285750" indent="-285750">
+                <a:buFont typeface="Arial" panose="020B0604020202020204" pitchFamily="34" charset="0"/>
+                <a:buChar char="•"/>
+              </a:pPr>
+              <a:r>
+                <a:rPr lang="en-US" sz="1050" dirty="0" err="1">
+                  <a:solidFill>
+                    <a:schemeClr val="tx1"/>
+                  </a:solidFill>
+                </a:rPr>
+                <a:t>comm_doctors_performance</a:t>
+              </a:r>
+              <a:endParaRPr lang="en-US" sz="1050" dirty="0">
+                <a:solidFill>
+                  <a:schemeClr val="tx1"/>
+                </a:solidFill>
+              </a:endParaRPr>
+            </a:p>
+            <a:p>
+              <a:pPr marL="285750" indent="-285750">
+                <a:buFont typeface="Arial" panose="020B0604020202020204" pitchFamily="34" charset="0"/>
+                <a:buChar char="•"/>
+              </a:pPr>
+              <a:r>
+                <a:rPr lang="en-US" sz="1050" dirty="0" err="1">
+                  <a:solidFill>
+                    <a:schemeClr val="tx1"/>
+                  </a:solidFill>
+                </a:rPr>
+                <a:t>comm_medicines_baseline</a:t>
+              </a:r>
+              <a:endParaRPr lang="en-US" sz="1050" dirty="0">
+                <a:solidFill>
+                  <a:schemeClr val="tx1"/>
+                </a:solidFill>
+              </a:endParaRPr>
+            </a:p>
+            <a:p>
+              <a:pPr marL="285750" indent="-285750">
+                <a:buFont typeface="Arial" panose="020B0604020202020204" pitchFamily="34" charset="0"/>
+                <a:buChar char="•"/>
+              </a:pPr>
+              <a:r>
+                <a:rPr lang="en-US" sz="1050" dirty="0" err="1">
+                  <a:solidFill>
+                    <a:schemeClr val="tx1"/>
+                  </a:solidFill>
+                </a:rPr>
+                <a:t>comm_medicines_performnaces</a:t>
+              </a:r>
+              <a:endParaRPr lang="en-US" sz="1050" dirty="0">
+                <a:solidFill>
+                  <a:schemeClr val="tx1"/>
+                </a:solidFill>
+              </a:endParaRPr>
+            </a:p>
+            <a:p>
+              <a:pPr marL="285750" indent="-285750">
+                <a:buFont typeface="Arial" panose="020B0604020202020204" pitchFamily="34" charset="0"/>
+                <a:buChar char="•"/>
+              </a:pPr>
+              <a:r>
+                <a:rPr lang="en-US" sz="1050" dirty="0" err="1">
+                  <a:solidFill>
+                    <a:schemeClr val="tx1"/>
+                  </a:solidFill>
+                </a:rPr>
+                <a:t>responsiveness_staff_baseline</a:t>
+              </a:r>
+              <a:endParaRPr lang="en-US" sz="1050" dirty="0">
+                <a:solidFill>
+                  <a:schemeClr val="tx1"/>
+                </a:solidFill>
+              </a:endParaRPr>
+            </a:p>
+            <a:p>
+              <a:pPr marL="285750" indent="-285750">
+                <a:buFont typeface="Arial" panose="020B0604020202020204" pitchFamily="34" charset="0"/>
+                <a:buChar char="•"/>
+              </a:pPr>
+              <a:r>
+                <a:rPr lang="en-US" sz="1050" dirty="0" err="1">
+                  <a:solidFill>
+                    <a:schemeClr val="tx1"/>
+                  </a:solidFill>
+                </a:rPr>
+                <a:t>responsiveness_staff_performance</a:t>
+              </a:r>
+              <a:endParaRPr lang="en-US" sz="1050" dirty="0">
+                <a:solidFill>
+                  <a:schemeClr val="tx1"/>
+                </a:solidFill>
+              </a:endParaRPr>
+            </a:p>
+            <a:p>
+              <a:pPr marL="285750" indent="-285750">
+                <a:buFont typeface="Arial" panose="020B0604020202020204" pitchFamily="34" charset="0"/>
+                <a:buChar char="•"/>
+              </a:pPr>
+              <a:r>
+                <a:rPr lang="en-US" sz="1050" dirty="0" err="1">
+                  <a:solidFill>
+                    <a:schemeClr val="tx1"/>
+                  </a:solidFill>
+                </a:rPr>
+                <a:t>pain_management_baseline</a:t>
+              </a:r>
+              <a:endParaRPr lang="en-US" sz="1050" dirty="0">
+                <a:solidFill>
+                  <a:schemeClr val="tx1"/>
+                </a:solidFill>
+              </a:endParaRPr>
+            </a:p>
+            <a:p>
+              <a:pPr marL="285750" indent="-285750">
+                <a:buFont typeface="Arial" panose="020B0604020202020204" pitchFamily="34" charset="0"/>
+                <a:buChar char="•"/>
+              </a:pPr>
+              <a:r>
+                <a:rPr lang="en-US" sz="1050" dirty="0" err="1">
+                  <a:solidFill>
+                    <a:schemeClr val="tx1"/>
+                  </a:solidFill>
+                </a:rPr>
+                <a:t>pain_management_performance</a:t>
+              </a:r>
+              <a:endParaRPr lang="en-US" sz="1050" dirty="0">
+                <a:solidFill>
+                  <a:schemeClr val="tx1"/>
+                </a:solidFill>
+              </a:endParaRPr>
+            </a:p>
+            <a:p>
+              <a:pPr marL="285750" indent="-285750">
+                <a:buFont typeface="Arial" panose="020B0604020202020204" pitchFamily="34" charset="0"/>
+                <a:buChar char="•"/>
+              </a:pPr>
+              <a:r>
+                <a:rPr lang="en-US" sz="1050" dirty="0" err="1">
+                  <a:solidFill>
+                    <a:schemeClr val="tx1"/>
+                  </a:solidFill>
+                </a:rPr>
+                <a:t>clean_quiet_performance</a:t>
+              </a:r>
+              <a:endParaRPr lang="en-US" sz="1050" dirty="0">
+                <a:solidFill>
+                  <a:schemeClr val="tx1"/>
+                </a:solidFill>
+              </a:endParaRPr>
+            </a:p>
+            <a:p>
+              <a:pPr marL="285750" indent="-285750">
+                <a:buFont typeface="Arial" panose="020B0604020202020204" pitchFamily="34" charset="0"/>
+                <a:buChar char="•"/>
+              </a:pPr>
+              <a:r>
+                <a:rPr lang="en-US" sz="1050" dirty="0" err="1">
+                  <a:solidFill>
+                    <a:schemeClr val="tx1"/>
+                  </a:solidFill>
+                </a:rPr>
+                <a:t>clean_quiet_achievement</a:t>
+              </a:r>
+              <a:endParaRPr lang="en-US" sz="1050" dirty="0">
+                <a:solidFill>
+                  <a:schemeClr val="tx1"/>
+                </a:solidFill>
+              </a:endParaRPr>
+            </a:p>
+            <a:p>
+              <a:pPr marL="285750" indent="-285750">
+                <a:buFont typeface="Arial" panose="020B0604020202020204" pitchFamily="34" charset="0"/>
+                <a:buChar char="•"/>
+              </a:pPr>
+              <a:r>
+                <a:rPr lang="en-US" sz="1050" dirty="0" err="1">
+                  <a:solidFill>
+                    <a:schemeClr val="tx1"/>
+                  </a:solidFill>
+                </a:rPr>
+                <a:t>discharge_baseline</a:t>
+              </a:r>
+              <a:endParaRPr lang="en-US" sz="1050" dirty="0">
+                <a:solidFill>
+                  <a:schemeClr val="tx1"/>
+                </a:solidFill>
+              </a:endParaRPr>
+            </a:p>
+            <a:p>
+              <a:pPr marL="285750" indent="-285750">
+                <a:buFont typeface="Arial" panose="020B0604020202020204" pitchFamily="34" charset="0"/>
+                <a:buChar char="•"/>
+              </a:pPr>
+              <a:r>
+                <a:rPr lang="en-US" sz="1050" dirty="0" err="1">
+                  <a:solidFill>
+                    <a:schemeClr val="tx1"/>
+                  </a:solidFill>
+                </a:rPr>
+                <a:t>discharge_performance</a:t>
+              </a:r>
+              <a:endParaRPr lang="en-US" sz="1050" dirty="0">
+                <a:solidFill>
+                  <a:schemeClr val="tx1"/>
+                </a:solidFill>
+              </a:endParaRPr>
+            </a:p>
+            <a:p>
+              <a:pPr marL="285750" indent="-285750">
+                <a:buFont typeface="Arial" panose="020B0604020202020204" pitchFamily="34" charset="0"/>
+                <a:buChar char="•"/>
+              </a:pPr>
+              <a:r>
+                <a:rPr lang="en-US" sz="1050" dirty="0" err="1">
+                  <a:solidFill>
+                    <a:schemeClr val="tx1"/>
+                  </a:solidFill>
+                </a:rPr>
+                <a:t>overall_rating_baseline</a:t>
+              </a:r>
+              <a:endParaRPr lang="en-US" sz="1050" dirty="0">
+                <a:solidFill>
+                  <a:schemeClr val="tx1"/>
+                </a:solidFill>
+              </a:endParaRPr>
+            </a:p>
+            <a:p>
+              <a:pPr marL="285750" indent="-285750">
+                <a:buFont typeface="Arial" panose="020B0604020202020204" pitchFamily="34" charset="0"/>
+                <a:buChar char="•"/>
+              </a:pPr>
+              <a:r>
+                <a:rPr lang="en-US" sz="1050" dirty="0" err="1">
+                  <a:solidFill>
+                    <a:schemeClr val="tx1"/>
+                  </a:solidFill>
+                </a:rPr>
+                <a:t>overall_rating_performance</a:t>
+              </a:r>
+              <a:endParaRPr lang="en-US" sz="1050" dirty="0">
+                <a:solidFill>
+                  <a:schemeClr val="tx1"/>
+                </a:solidFill>
+              </a:endParaRPr>
+            </a:p>
+            <a:p>
+              <a:pPr marL="285750" indent="-285750">
+                <a:buFont typeface="Arial" panose="020B0604020202020204" pitchFamily="34" charset="0"/>
+                <a:buChar char="•"/>
+              </a:pPr>
+              <a:r>
+                <a:rPr lang="en-US" sz="1050" dirty="0" err="1">
+                  <a:solidFill>
+                    <a:schemeClr val="tx1"/>
+                  </a:solidFill>
+                </a:rPr>
+                <a:t>hcahps_base_score</a:t>
+              </a:r>
+              <a:endParaRPr lang="en-US" sz="1050" dirty="0">
+                <a:solidFill>
+                  <a:schemeClr val="tx1"/>
+                </a:solidFill>
+              </a:endParaRPr>
+            </a:p>
+            <a:p>
+              <a:pPr marL="285750" indent="-285750">
+                <a:buFont typeface="Arial" panose="020B0604020202020204" pitchFamily="34" charset="0"/>
+                <a:buChar char="•"/>
+              </a:pPr>
+              <a:r>
+                <a:rPr lang="en-US" sz="1050" dirty="0" err="1">
+                  <a:solidFill>
+                    <a:schemeClr val="tx1"/>
+                  </a:solidFill>
+                </a:rPr>
+                <a:t>hcahps_consistency_score</a:t>
+              </a:r>
+              <a:endParaRPr lang="en-US" sz="1050" dirty="0">
+                <a:solidFill>
+                  <a:schemeClr val="tx1"/>
+                </a:solidFill>
+              </a:endParaRPr>
+            </a:p>
+          </p:txBody>
+        </p:sp>
+        <p:sp>
+          <p:nvSpPr>
+            <p:cNvPr id="25" name="Rectangle 24"/>
+            <p:cNvSpPr/>
+            <p:nvPr/>
+          </p:nvSpPr>
+          <p:spPr>
+            <a:xfrm>
+              <a:off x="4091708" y="1958109"/>
+              <a:ext cx="2105891" cy="387927"/>
+            </a:xfrm>
+            <a:prstGeom prst="rect">
+              <a:avLst/>
+            </a:prstGeom>
+            <a:ln>
+              <a:solidFill>
+                <a:schemeClr val="tx1"/>
+              </a:solidFill>
+            </a:ln>
+          </p:spPr>
+          <p:style>
+            <a:lnRef idx="2">
+              <a:schemeClr val="accent1">
+                <a:shade val="50000"/>
+              </a:schemeClr>
+            </a:lnRef>
+            <a:fillRef idx="1">
+              <a:schemeClr val="accent1"/>
+            </a:fillRef>
+            <a:effectRef idx="0">
+              <a:schemeClr val="accent1"/>
+            </a:effectRef>
+            <a:fontRef idx="minor">
+              <a:schemeClr val="lt1"/>
+            </a:fontRef>
+          </p:style>
+          <p:txBody>
+            <a:bodyPr rtlCol="0" anchor="ctr"/>
+            <a:lstStyle/>
+            <a:p>
+              <a:pPr algn="ctr"/>
+              <a:r>
+                <a:rPr lang="en-US" sz="1050" dirty="0"/>
+                <a:t>surveys</a:t>
+              </a:r>
+            </a:p>
+          </p:txBody>
+        </p:sp>
+      </p:grpSp>
+      <p:cxnSp>
+        <p:nvCxnSpPr>
+          <p:cNvPr id="20" name="Straight Connector 19"/>
+          <p:cNvCxnSpPr/>
+          <p:nvPr/>
+        </p:nvCxnSpPr>
+        <p:spPr>
+          <a:xfrm>
+            <a:off x="2874816" y="895927"/>
+            <a:ext cx="911789" cy="0"/>
+          </a:xfrm>
+          <a:prstGeom prst="line">
+            <a:avLst/>
+          </a:prstGeom>
+          <a:ln>
+            <a:solidFill>
+              <a:schemeClr val="tx1"/>
+            </a:solidFill>
+          </a:ln>
+        </p:spPr>
+        <p:style>
+          <a:lnRef idx="1">
+            <a:schemeClr val="accent1"/>
+          </a:lnRef>
+          <a:fillRef idx="0">
+            <a:schemeClr val="accent1"/>
+          </a:fillRef>
+          <a:effectRef idx="0">
+            <a:schemeClr val="accent1"/>
+          </a:effectRef>
+          <a:fontRef idx="minor">
+            <a:schemeClr val="tx1"/>
+          </a:fontRef>
+        </p:style>
+      </p:cxnSp>
+      <p:cxnSp>
+        <p:nvCxnSpPr>
+          <p:cNvPr id="21" name="Straight Connector 20"/>
+          <p:cNvCxnSpPr/>
+          <p:nvPr/>
+        </p:nvCxnSpPr>
+        <p:spPr>
+          <a:xfrm>
+            <a:off x="3781986" y="895927"/>
+            <a:ext cx="4620" cy="1166076"/>
+          </a:xfrm>
+          <a:prstGeom prst="line">
+            <a:avLst/>
+          </a:prstGeom>
+          <a:ln>
+            <a:solidFill>
+              <a:schemeClr val="tx1"/>
+            </a:solidFill>
+          </a:ln>
+        </p:spPr>
+        <p:style>
+          <a:lnRef idx="1">
+            <a:schemeClr val="accent1"/>
+          </a:lnRef>
+          <a:fillRef idx="0">
+            <a:schemeClr val="accent1"/>
+          </a:fillRef>
+          <a:effectRef idx="0">
+            <a:schemeClr val="accent1"/>
+          </a:effectRef>
+          <a:fontRef idx="minor">
+            <a:schemeClr val="tx1"/>
+          </a:fontRef>
+        </p:style>
+      </p:cxnSp>
+      <p:cxnSp>
+        <p:nvCxnSpPr>
+          <p:cNvPr id="22" name="Straight Connector 21"/>
+          <p:cNvCxnSpPr/>
+          <p:nvPr/>
+        </p:nvCxnSpPr>
+        <p:spPr>
+          <a:xfrm>
+            <a:off x="3774488" y="2062003"/>
+            <a:ext cx="774696" cy="0"/>
+          </a:xfrm>
+          <a:prstGeom prst="line">
+            <a:avLst/>
+          </a:prstGeom>
+          <a:ln>
+            <a:solidFill>
+              <a:schemeClr val="tx1"/>
+            </a:solidFill>
+          </a:ln>
+        </p:spPr>
+        <p:style>
+          <a:lnRef idx="1">
+            <a:schemeClr val="accent1"/>
+          </a:lnRef>
+          <a:fillRef idx="0">
+            <a:schemeClr val="accent1"/>
+          </a:fillRef>
+          <a:effectRef idx="0">
+            <a:schemeClr val="accent1"/>
+          </a:effectRef>
+          <a:fontRef idx="minor">
+            <a:schemeClr val="tx1"/>
+          </a:fontRef>
+        </p:style>
+      </p:cxnSp>
+      <p:cxnSp>
+        <p:nvCxnSpPr>
+          <p:cNvPr id="26" name="Straight Connector 25"/>
+          <p:cNvCxnSpPr>
+            <a:cxnSpLocks/>
+          </p:cNvCxnSpPr>
+          <p:nvPr/>
+        </p:nvCxnSpPr>
+        <p:spPr>
+          <a:xfrm>
+            <a:off x="2968262" y="853981"/>
+            <a:ext cx="0" cy="87137"/>
+          </a:xfrm>
+          <a:prstGeom prst="line">
+            <a:avLst/>
+          </a:prstGeom>
+          <a:ln>
+            <a:solidFill>
+              <a:schemeClr val="tx1"/>
+            </a:solidFill>
+          </a:ln>
+        </p:spPr>
+        <p:style>
+          <a:lnRef idx="1">
+            <a:schemeClr val="accent1"/>
+          </a:lnRef>
+          <a:fillRef idx="0">
+            <a:schemeClr val="accent1"/>
+          </a:fillRef>
+          <a:effectRef idx="0">
+            <a:schemeClr val="accent1"/>
+          </a:effectRef>
+          <a:fontRef idx="minor">
+            <a:schemeClr val="tx1"/>
+          </a:fontRef>
+        </p:style>
+      </p:cxnSp>
+      <p:cxnSp>
+        <p:nvCxnSpPr>
+          <p:cNvPr id="27" name="Straight Connector 26">
+            <a:extLst/>
+          </p:cNvPr>
+          <p:cNvCxnSpPr>
+            <a:cxnSpLocks/>
+          </p:cNvCxnSpPr>
+          <p:nvPr/>
+        </p:nvCxnSpPr>
+        <p:spPr>
+          <a:xfrm>
+            <a:off x="4469531" y="2029328"/>
+            <a:ext cx="0" cy="58581"/>
+          </a:xfrm>
+          <a:prstGeom prst="line">
+            <a:avLst/>
+          </a:prstGeom>
+          <a:ln>
+            <a:solidFill>
+              <a:schemeClr val="tx1"/>
+            </a:solidFill>
+          </a:ln>
+        </p:spPr>
+        <p:style>
+          <a:lnRef idx="1">
+            <a:schemeClr val="accent1"/>
+          </a:lnRef>
+          <a:fillRef idx="0">
+            <a:schemeClr val="accent1"/>
+          </a:fillRef>
+          <a:effectRef idx="0">
+            <a:schemeClr val="accent1"/>
+          </a:effectRef>
+          <a:fontRef idx="minor">
+            <a:schemeClr val="tx1"/>
+          </a:fontRef>
+        </p:style>
+      </p:cxnSp>
+      <p:cxnSp>
+        <p:nvCxnSpPr>
+          <p:cNvPr id="29" name="Straight Connector 28"/>
+          <p:cNvCxnSpPr/>
+          <p:nvPr/>
+        </p:nvCxnSpPr>
+        <p:spPr>
+          <a:xfrm>
+            <a:off x="2892125" y="2092527"/>
+            <a:ext cx="911789" cy="0"/>
+          </a:xfrm>
+          <a:prstGeom prst="line">
+            <a:avLst/>
+          </a:prstGeom>
+          <a:ln>
+            <a:solidFill>
+              <a:schemeClr val="tx1"/>
+            </a:solidFill>
+          </a:ln>
+        </p:spPr>
+        <p:style>
+          <a:lnRef idx="1">
+            <a:schemeClr val="accent1"/>
+          </a:lnRef>
+          <a:fillRef idx="0">
+            <a:schemeClr val="accent1"/>
+          </a:fillRef>
+          <a:effectRef idx="0">
+            <a:schemeClr val="accent1"/>
+          </a:effectRef>
+          <a:fontRef idx="minor">
+            <a:schemeClr val="tx1"/>
+          </a:fontRef>
+        </p:style>
+      </p:cxnSp>
+      <p:cxnSp>
+        <p:nvCxnSpPr>
+          <p:cNvPr id="30" name="Straight Connector 29"/>
+          <p:cNvCxnSpPr>
+            <a:cxnSpLocks/>
+          </p:cNvCxnSpPr>
+          <p:nvPr/>
+        </p:nvCxnSpPr>
+        <p:spPr>
+          <a:xfrm>
+            <a:off x="2985571" y="2050581"/>
+            <a:ext cx="0" cy="87137"/>
+          </a:xfrm>
+          <a:prstGeom prst="line">
+            <a:avLst/>
+          </a:prstGeom>
+          <a:ln>
+            <a:solidFill>
+              <a:schemeClr val="tx1"/>
+            </a:solidFill>
+          </a:ln>
+        </p:spPr>
+        <p:style>
+          <a:lnRef idx="1">
+            <a:schemeClr val="accent1"/>
+          </a:lnRef>
+          <a:fillRef idx="0">
+            <a:schemeClr val="accent1"/>
+          </a:fillRef>
+          <a:effectRef idx="0">
+            <a:schemeClr val="accent1"/>
+          </a:effectRef>
+          <a:fontRef idx="minor">
+            <a:schemeClr val="tx1"/>
+          </a:fontRef>
+        </p:style>
+      </p:cxnSp>
+      <p:cxnSp>
+        <p:nvCxnSpPr>
+          <p:cNvPr id="31" name="Straight Connector 30"/>
+          <p:cNvCxnSpPr/>
+          <p:nvPr/>
+        </p:nvCxnSpPr>
+        <p:spPr>
+          <a:xfrm>
+            <a:off x="3795113" y="2094679"/>
+            <a:ext cx="0" cy="428417"/>
+          </a:xfrm>
+          <a:prstGeom prst="line">
+            <a:avLst/>
+          </a:prstGeom>
+          <a:ln>
+            <a:solidFill>
+              <a:schemeClr val="tx1"/>
+            </a:solidFill>
+          </a:ln>
+        </p:spPr>
+        <p:style>
+          <a:lnRef idx="1">
+            <a:schemeClr val="accent1"/>
+          </a:lnRef>
+          <a:fillRef idx="0">
+            <a:schemeClr val="accent1"/>
+          </a:fillRef>
+          <a:effectRef idx="0">
+            <a:schemeClr val="accent1"/>
+          </a:effectRef>
+          <a:fontRef idx="minor">
+            <a:schemeClr val="tx1"/>
+          </a:fontRef>
+        </p:style>
+      </p:cxnSp>
+      <p:cxnSp>
+        <p:nvCxnSpPr>
+          <p:cNvPr id="33" name="Straight Connector 32"/>
+          <p:cNvCxnSpPr/>
+          <p:nvPr/>
+        </p:nvCxnSpPr>
+        <p:spPr>
+          <a:xfrm>
+            <a:off x="3803914" y="2526481"/>
+            <a:ext cx="774696" cy="0"/>
+          </a:xfrm>
+          <a:prstGeom prst="line">
+            <a:avLst/>
+          </a:prstGeom>
+          <a:ln>
+            <a:solidFill>
+              <a:schemeClr val="tx1"/>
+            </a:solidFill>
+          </a:ln>
+        </p:spPr>
+        <p:style>
+          <a:lnRef idx="1">
+            <a:schemeClr val="accent1"/>
+          </a:lnRef>
+          <a:fillRef idx="0">
+            <a:schemeClr val="accent1"/>
+          </a:fillRef>
+          <a:effectRef idx="0">
+            <a:schemeClr val="accent1"/>
+          </a:effectRef>
+          <a:fontRef idx="minor">
+            <a:schemeClr val="tx1"/>
+          </a:fontRef>
+        </p:style>
+      </p:cxnSp>
+      <p:cxnSp>
+        <p:nvCxnSpPr>
+          <p:cNvPr id="34" name="Straight Connector 33">
+            <a:extLst/>
+          </p:cNvPr>
+          <p:cNvCxnSpPr>
+            <a:cxnSpLocks/>
+          </p:cNvCxnSpPr>
+          <p:nvPr/>
+        </p:nvCxnSpPr>
+        <p:spPr>
+          <a:xfrm>
+            <a:off x="4498957" y="2493806"/>
+            <a:ext cx="0" cy="58581"/>
+          </a:xfrm>
+          <a:prstGeom prst="line">
+            <a:avLst/>
+          </a:prstGeom>
+          <a:ln>
+            <a:solidFill>
+              <a:schemeClr val="tx1"/>
+            </a:solidFill>
+          </a:ln>
+        </p:spPr>
+        <p:style>
+          <a:lnRef idx="1">
+            <a:schemeClr val="accent1"/>
+          </a:lnRef>
+          <a:fillRef idx="0">
+            <a:schemeClr val="accent1"/>
+          </a:fillRef>
+          <a:effectRef idx="0">
+            <a:schemeClr val="accent1"/>
+          </a:effectRef>
+          <a:fontRef idx="minor">
+            <a:schemeClr val="tx1"/>
+          </a:fontRef>
+        </p:style>
+      </p:cxnSp>
+      <p:cxnSp>
+        <p:nvCxnSpPr>
+          <p:cNvPr id="36" name="Straight Connector 35"/>
+          <p:cNvCxnSpPr/>
+          <p:nvPr/>
+        </p:nvCxnSpPr>
+        <p:spPr>
+          <a:xfrm>
+            <a:off x="3557741" y="3282044"/>
+            <a:ext cx="633521" cy="0"/>
+          </a:xfrm>
+          <a:prstGeom prst="line">
+            <a:avLst/>
+          </a:prstGeom>
+          <a:ln>
+            <a:solidFill>
+              <a:schemeClr val="tx1"/>
+            </a:solidFill>
+          </a:ln>
+        </p:spPr>
+        <p:style>
+          <a:lnRef idx="1">
+            <a:schemeClr val="accent1"/>
+          </a:lnRef>
+          <a:fillRef idx="0">
+            <a:schemeClr val="accent1"/>
+          </a:fillRef>
+          <a:effectRef idx="0">
+            <a:schemeClr val="accent1"/>
+          </a:effectRef>
+          <a:fontRef idx="minor">
+            <a:schemeClr val="tx1"/>
+          </a:fontRef>
+        </p:style>
+      </p:cxnSp>
+      <p:cxnSp>
+        <p:nvCxnSpPr>
+          <p:cNvPr id="37" name="Straight Connector 36"/>
+          <p:cNvCxnSpPr/>
+          <p:nvPr/>
+        </p:nvCxnSpPr>
+        <p:spPr>
+          <a:xfrm>
+            <a:off x="4192110" y="2115969"/>
+            <a:ext cx="4620" cy="1166076"/>
+          </a:xfrm>
+          <a:prstGeom prst="line">
+            <a:avLst/>
+          </a:prstGeom>
+          <a:ln>
+            <a:solidFill>
+              <a:schemeClr val="tx1"/>
+            </a:solidFill>
+          </a:ln>
+        </p:spPr>
+        <p:style>
+          <a:lnRef idx="1">
+            <a:schemeClr val="accent1"/>
+          </a:lnRef>
+          <a:fillRef idx="0">
+            <a:schemeClr val="accent1"/>
+          </a:fillRef>
+          <a:effectRef idx="0">
+            <a:schemeClr val="accent1"/>
+          </a:effectRef>
+          <a:fontRef idx="minor">
+            <a:schemeClr val="tx1"/>
+          </a:fontRef>
+        </p:style>
+      </p:cxnSp>
+      <p:cxnSp>
+        <p:nvCxnSpPr>
+          <p:cNvPr id="38" name="Straight Connector 37"/>
+          <p:cNvCxnSpPr/>
+          <p:nvPr/>
+        </p:nvCxnSpPr>
+        <p:spPr>
+          <a:xfrm>
+            <a:off x="4191262" y="2112162"/>
+            <a:ext cx="357922" cy="0"/>
+          </a:xfrm>
+          <a:prstGeom prst="line">
+            <a:avLst/>
+          </a:prstGeom>
+          <a:ln>
+            <a:solidFill>
+              <a:schemeClr val="tx1"/>
+            </a:solidFill>
+          </a:ln>
+        </p:spPr>
+        <p:style>
+          <a:lnRef idx="1">
+            <a:schemeClr val="accent1"/>
+          </a:lnRef>
+          <a:fillRef idx="0">
+            <a:schemeClr val="accent1"/>
+          </a:fillRef>
+          <a:effectRef idx="0">
+            <a:schemeClr val="accent1"/>
+          </a:effectRef>
+          <a:fontRef idx="minor">
+            <a:schemeClr val="tx1"/>
+          </a:fontRef>
+        </p:style>
+      </p:cxnSp>
+      <p:cxnSp>
+        <p:nvCxnSpPr>
+          <p:cNvPr id="39" name="Straight Connector 38"/>
+          <p:cNvCxnSpPr>
+            <a:cxnSpLocks/>
+          </p:cNvCxnSpPr>
+          <p:nvPr/>
+        </p:nvCxnSpPr>
+        <p:spPr>
+          <a:xfrm>
+            <a:off x="3651187" y="3240098"/>
+            <a:ext cx="0" cy="87137"/>
+          </a:xfrm>
+          <a:prstGeom prst="line">
+            <a:avLst/>
+          </a:prstGeom>
+          <a:ln>
+            <a:solidFill>
+              <a:schemeClr val="tx1"/>
+            </a:solidFill>
+          </a:ln>
+        </p:spPr>
+        <p:style>
+          <a:lnRef idx="1">
+            <a:schemeClr val="accent1"/>
+          </a:lnRef>
+          <a:fillRef idx="0">
+            <a:schemeClr val="accent1"/>
+          </a:fillRef>
+          <a:effectRef idx="0">
+            <a:schemeClr val="accent1"/>
+          </a:effectRef>
+          <a:fontRef idx="minor">
+            <a:schemeClr val="tx1"/>
+          </a:fontRef>
+        </p:style>
+      </p:cxnSp>
+      <p:cxnSp>
+        <p:nvCxnSpPr>
+          <p:cNvPr id="40" name="Straight Connector 39">
+            <a:extLst/>
+          </p:cNvPr>
+          <p:cNvCxnSpPr>
+            <a:cxnSpLocks/>
+          </p:cNvCxnSpPr>
+          <p:nvPr/>
+        </p:nvCxnSpPr>
+        <p:spPr>
+          <a:xfrm>
+            <a:off x="4429973" y="2088723"/>
+            <a:ext cx="0" cy="58581"/>
+          </a:xfrm>
+          <a:prstGeom prst="line">
+            <a:avLst/>
+          </a:prstGeom>
+          <a:ln>
+            <a:solidFill>
+              <a:schemeClr val="tx1"/>
+            </a:solidFill>
+          </a:ln>
+        </p:spPr>
+        <p:style>
+          <a:lnRef idx="1">
+            <a:schemeClr val="accent1"/>
+          </a:lnRef>
+          <a:fillRef idx="0">
+            <a:schemeClr val="accent1"/>
+          </a:fillRef>
+          <a:effectRef idx="0">
+            <a:schemeClr val="accent1"/>
+          </a:effectRef>
+          <a:fontRef idx="minor">
+            <a:schemeClr val="tx1"/>
+          </a:fontRef>
+        </p:style>
+      </p:cxnSp>
+      <p:cxnSp>
+        <p:nvCxnSpPr>
+          <p:cNvPr id="44" name="Straight Connector 43"/>
+          <p:cNvCxnSpPr/>
+          <p:nvPr/>
+        </p:nvCxnSpPr>
+        <p:spPr>
+          <a:xfrm>
+            <a:off x="6422693" y="2078093"/>
+            <a:ext cx="366033" cy="0"/>
+          </a:xfrm>
+          <a:prstGeom prst="line">
+            <a:avLst/>
+          </a:prstGeom>
+          <a:ln>
+            <a:solidFill>
+              <a:schemeClr val="tx1"/>
+            </a:solidFill>
+          </a:ln>
+        </p:spPr>
+        <p:style>
+          <a:lnRef idx="1">
+            <a:schemeClr val="accent1"/>
+          </a:lnRef>
+          <a:fillRef idx="0">
+            <a:schemeClr val="accent1"/>
+          </a:fillRef>
+          <a:effectRef idx="0">
+            <a:schemeClr val="accent1"/>
+          </a:effectRef>
+          <a:fontRef idx="minor">
+            <a:schemeClr val="tx1"/>
+          </a:fontRef>
+        </p:style>
+      </p:cxnSp>
+      <p:cxnSp>
+        <p:nvCxnSpPr>
+          <p:cNvPr id="45" name="Straight Connector 44"/>
+          <p:cNvCxnSpPr/>
+          <p:nvPr/>
+        </p:nvCxnSpPr>
+        <p:spPr>
+          <a:xfrm>
+            <a:off x="6784347" y="2087909"/>
+            <a:ext cx="0" cy="1322515"/>
+          </a:xfrm>
+          <a:prstGeom prst="line">
+            <a:avLst/>
+          </a:prstGeom>
+          <a:ln>
+            <a:solidFill>
+              <a:schemeClr val="tx1"/>
+            </a:solidFill>
+          </a:ln>
+        </p:spPr>
+        <p:style>
+          <a:lnRef idx="1">
+            <a:schemeClr val="accent1"/>
+          </a:lnRef>
+          <a:fillRef idx="0">
+            <a:schemeClr val="accent1"/>
+          </a:fillRef>
+          <a:effectRef idx="0">
+            <a:schemeClr val="accent1"/>
+          </a:effectRef>
+          <a:fontRef idx="minor">
+            <a:schemeClr val="tx1"/>
+          </a:fontRef>
+        </p:style>
+      </p:cxnSp>
+      <p:cxnSp>
+        <p:nvCxnSpPr>
+          <p:cNvPr id="46" name="Straight Connector 45"/>
+          <p:cNvCxnSpPr/>
+          <p:nvPr/>
+        </p:nvCxnSpPr>
+        <p:spPr>
+          <a:xfrm>
+            <a:off x="6784347" y="3410424"/>
+            <a:ext cx="625516" cy="0"/>
+          </a:xfrm>
+          <a:prstGeom prst="line">
+            <a:avLst/>
+          </a:prstGeom>
+          <a:ln>
+            <a:solidFill>
+              <a:schemeClr val="tx1"/>
+            </a:solidFill>
+          </a:ln>
+        </p:spPr>
+        <p:style>
+          <a:lnRef idx="1">
+            <a:schemeClr val="accent1"/>
+          </a:lnRef>
+          <a:fillRef idx="0">
+            <a:schemeClr val="accent1"/>
+          </a:fillRef>
+          <a:effectRef idx="0">
+            <a:schemeClr val="accent1"/>
+          </a:effectRef>
+          <a:fontRef idx="minor">
+            <a:schemeClr val="tx1"/>
+          </a:fontRef>
+        </p:style>
+      </p:cxnSp>
+      <p:cxnSp>
+        <p:nvCxnSpPr>
+          <p:cNvPr id="47" name="Straight Connector 46"/>
+          <p:cNvCxnSpPr>
+            <a:cxnSpLocks/>
+          </p:cNvCxnSpPr>
+          <p:nvPr/>
+        </p:nvCxnSpPr>
+        <p:spPr>
+          <a:xfrm>
+            <a:off x="6479195" y="2052767"/>
+            <a:ext cx="0" cy="70517"/>
+          </a:xfrm>
+          <a:prstGeom prst="line">
+            <a:avLst/>
+          </a:prstGeom>
+          <a:ln>
+            <a:solidFill>
+              <a:schemeClr val="tx1"/>
+            </a:solidFill>
+          </a:ln>
+        </p:spPr>
+        <p:style>
+          <a:lnRef idx="1">
+            <a:schemeClr val="accent1"/>
+          </a:lnRef>
+          <a:fillRef idx="0">
+            <a:schemeClr val="accent1"/>
+          </a:fillRef>
+          <a:effectRef idx="0">
+            <a:schemeClr val="accent1"/>
+          </a:effectRef>
+          <a:fontRef idx="minor">
+            <a:schemeClr val="tx1"/>
+          </a:fontRef>
+        </p:style>
+      </p:cxnSp>
+      <p:cxnSp>
+        <p:nvCxnSpPr>
+          <p:cNvPr id="52" name="Straight Connector 51"/>
+          <p:cNvCxnSpPr/>
+          <p:nvPr/>
+        </p:nvCxnSpPr>
+        <p:spPr>
+          <a:xfrm>
+            <a:off x="6408457" y="2009657"/>
+            <a:ext cx="633521" cy="0"/>
+          </a:xfrm>
+          <a:prstGeom prst="line">
+            <a:avLst/>
+          </a:prstGeom>
+          <a:ln>
+            <a:solidFill>
+              <a:schemeClr val="tx1"/>
+            </a:solidFill>
+          </a:ln>
+        </p:spPr>
+        <p:style>
+          <a:lnRef idx="1">
+            <a:schemeClr val="accent1"/>
+          </a:lnRef>
+          <a:fillRef idx="0">
+            <a:schemeClr val="accent1"/>
+          </a:fillRef>
+          <a:effectRef idx="0">
+            <a:schemeClr val="accent1"/>
+          </a:effectRef>
+          <a:fontRef idx="minor">
+            <a:schemeClr val="tx1"/>
+          </a:fontRef>
+        </p:style>
+      </p:cxnSp>
+      <p:cxnSp>
+        <p:nvCxnSpPr>
+          <p:cNvPr id="53" name="Straight Connector 52"/>
+          <p:cNvCxnSpPr/>
+          <p:nvPr/>
+        </p:nvCxnSpPr>
+        <p:spPr>
+          <a:xfrm>
+            <a:off x="7047446" y="1089157"/>
+            <a:ext cx="0" cy="920501"/>
+          </a:xfrm>
+          <a:prstGeom prst="line">
+            <a:avLst/>
+          </a:prstGeom>
+          <a:ln>
+            <a:solidFill>
+              <a:schemeClr val="tx1"/>
+            </a:solidFill>
+          </a:ln>
+        </p:spPr>
+        <p:style>
+          <a:lnRef idx="1">
+            <a:schemeClr val="accent1"/>
+          </a:lnRef>
+          <a:fillRef idx="0">
+            <a:schemeClr val="accent1"/>
+          </a:fillRef>
+          <a:effectRef idx="0">
+            <a:schemeClr val="accent1"/>
+          </a:effectRef>
+          <a:fontRef idx="minor">
+            <a:schemeClr val="tx1"/>
+          </a:fontRef>
+        </p:style>
+      </p:cxnSp>
+      <p:cxnSp>
+        <p:nvCxnSpPr>
+          <p:cNvPr id="54" name="Straight Connector 53"/>
+          <p:cNvCxnSpPr/>
+          <p:nvPr/>
+        </p:nvCxnSpPr>
+        <p:spPr>
+          <a:xfrm>
+            <a:off x="7051941" y="1089157"/>
+            <a:ext cx="357922" cy="0"/>
+          </a:xfrm>
+          <a:prstGeom prst="line">
+            <a:avLst/>
+          </a:prstGeom>
+          <a:ln>
+            <a:solidFill>
+              <a:schemeClr val="tx1"/>
+            </a:solidFill>
+          </a:ln>
+        </p:spPr>
+        <p:style>
+          <a:lnRef idx="1">
+            <a:schemeClr val="accent1"/>
+          </a:lnRef>
+          <a:fillRef idx="0">
+            <a:schemeClr val="accent1"/>
+          </a:fillRef>
+          <a:effectRef idx="0">
+            <a:schemeClr val="accent1"/>
+          </a:effectRef>
+          <a:fontRef idx="minor">
+            <a:schemeClr val="tx1"/>
+          </a:fontRef>
+        </p:style>
+      </p:cxnSp>
+      <p:cxnSp>
+        <p:nvCxnSpPr>
+          <p:cNvPr id="55" name="Straight Connector 54"/>
+          <p:cNvCxnSpPr>
+            <a:cxnSpLocks/>
+          </p:cNvCxnSpPr>
+          <p:nvPr/>
+        </p:nvCxnSpPr>
+        <p:spPr>
+          <a:xfrm>
+            <a:off x="6501903" y="1967711"/>
+            <a:ext cx="0" cy="87137"/>
+          </a:xfrm>
+          <a:prstGeom prst="line">
+            <a:avLst/>
+          </a:prstGeom>
+          <a:ln>
+            <a:solidFill>
+              <a:schemeClr val="tx1"/>
+            </a:solidFill>
+          </a:ln>
+        </p:spPr>
+        <p:style>
+          <a:lnRef idx="1">
+            <a:schemeClr val="accent1"/>
+          </a:lnRef>
+          <a:fillRef idx="0">
+            <a:schemeClr val="accent1"/>
+          </a:fillRef>
+          <a:effectRef idx="0">
+            <a:schemeClr val="accent1"/>
+          </a:effectRef>
+          <a:fontRef idx="minor">
+            <a:schemeClr val="tx1"/>
+          </a:fontRef>
+        </p:style>
+      </p:cxnSp>
+      <p:cxnSp>
+        <p:nvCxnSpPr>
+          <p:cNvPr id="56" name="Straight Connector 55">
+            <a:extLst/>
+          </p:cNvPr>
+          <p:cNvCxnSpPr>
+            <a:cxnSpLocks/>
+          </p:cNvCxnSpPr>
+          <p:nvPr/>
+        </p:nvCxnSpPr>
+        <p:spPr>
+          <a:xfrm>
+            <a:off x="7289925" y="1059866"/>
+            <a:ext cx="0" cy="58581"/>
+          </a:xfrm>
+          <a:prstGeom prst="line">
+            <a:avLst/>
+          </a:prstGeom>
+          <a:ln>
+            <a:solidFill>
+              <a:schemeClr val="tx1"/>
+            </a:solidFill>
+          </a:ln>
+        </p:spPr>
+        <p:style>
+          <a:lnRef idx="1">
+            <a:schemeClr val="accent1"/>
+          </a:lnRef>
+          <a:fillRef idx="0">
+            <a:schemeClr val="accent1"/>
+          </a:fillRef>
+          <a:effectRef idx="0">
+            <a:schemeClr val="accent1"/>
+          </a:effectRef>
+          <a:fontRef idx="minor">
+            <a:schemeClr val="tx1"/>
+          </a:fontRef>
+        </p:style>
+      </p:cxnSp>
+    </p:spTree>
+    <p:extLst>
+      <p:ext uri="{BB962C8B-B14F-4D97-AF65-F5344CB8AC3E}">
+        <p14:creationId xmlns:p14="http://schemas.microsoft.com/office/powerpoint/2010/main" val="1064026956"/>
+      </p:ext>
+    </p:extLst>
+  </p:cSld>
+  <p:clrMapOvr>
+    <a:masterClrMapping/>
+  </p:clrMapOvr>
+</p:sld>
+</file>
+
+<file path=ppt/slides/slide2.xml><?xml version="1.0" encoding="utf-8"?>
+<p:sld xmlns:a="http://schemas.openxmlformats.org/drawingml/2006/main" xmlns:r="http://schemas.openxmlformats.org/officeDocument/2006/relationships" xmlns:p="http://schemas.openxmlformats.org/presentationml/2006/main">
+  <p:cSld>
+    <p:spTree>
+      <p:nvGrpSpPr>
+        <p:cNvPr id="1" name=""/>
+        <p:cNvGrpSpPr/>
+        <p:nvPr/>
+      </p:nvGrpSpPr>
+      <p:grpSpPr>
+        <a:xfrm>
+          <a:off x="0" y="0"/>
+          <a:ext cx="0" cy="0"/>
+          <a:chOff x="0" y="0"/>
+          <a:chExt cx="0" cy="0"/>
+        </a:xfrm>
+      </p:grpSpPr>
+      <p:grpSp>
+        <p:nvGrpSpPr>
           <p:cNvPr id="4" name="Group 3"/>
           <p:cNvGrpSpPr/>
           <p:nvPr/>
@@ -6173,1573 +8605,7 @@
     </p:spTree>
     <p:extLst>
       <p:ext uri="{BB962C8B-B14F-4D97-AF65-F5344CB8AC3E}">
-        <p14:creationId xmlns:p14="http://schemas.microsoft.com/office/powerpoint/2010/main" val="3566307497"/>
-      </p:ext>
-    </p:extLst>
-  </p:cSld>
-  <p:clrMapOvr>
-    <a:masterClrMapping/>
-  </p:clrMapOvr>
-</p:sld>
-</file>
-
-<file path=ppt/slides/slide2.xml><?xml version="1.0" encoding="utf-8"?>
-<p:sld xmlns:a="http://schemas.openxmlformats.org/drawingml/2006/main" xmlns:r="http://schemas.openxmlformats.org/officeDocument/2006/relationships" xmlns:p="http://schemas.openxmlformats.org/presentationml/2006/main">
-  <p:cSld>
-    <p:spTree>
-      <p:nvGrpSpPr>
-        <p:cNvPr id="1" name=""/>
-        <p:cNvGrpSpPr/>
-        <p:nvPr/>
-      </p:nvGrpSpPr>
-      <p:grpSpPr>
-        <a:xfrm>
-          <a:off x="0" y="0"/>
-          <a:ext cx="0" cy="0"/>
-          <a:chOff x="0" y="0"/>
-          <a:chExt cx="0" cy="0"/>
-        </a:xfrm>
-      </p:grpSpPr>
-      <p:grpSp>
-        <p:nvGrpSpPr>
-          <p:cNvPr id="2" name="Group 1"/>
-          <p:cNvGrpSpPr/>
-          <p:nvPr/>
-        </p:nvGrpSpPr>
-        <p:grpSpPr>
-          <a:xfrm>
-            <a:off x="645374" y="408727"/>
-            <a:ext cx="2246752" cy="755055"/>
-            <a:chOff x="4091708" y="1958109"/>
-            <a:chExt cx="2105892" cy="865628"/>
-          </a:xfrm>
-        </p:grpSpPr>
-        <p:sp>
-          <p:nvSpPr>
-            <p:cNvPr id="3" name="Rectangle 2"/>
-            <p:cNvSpPr/>
-            <p:nvPr/>
-          </p:nvSpPr>
-          <p:spPr>
-            <a:xfrm>
-              <a:off x="4091710" y="2346036"/>
-              <a:ext cx="2105890" cy="477701"/>
-            </a:xfrm>
-            <a:prstGeom prst="rect">
-              <a:avLst/>
-            </a:prstGeom>
-            <a:solidFill>
-              <a:schemeClr val="bg1"/>
-            </a:solidFill>
-            <a:ln>
-              <a:solidFill>
-                <a:schemeClr val="tx1"/>
-              </a:solidFill>
-            </a:ln>
-          </p:spPr>
-          <p:style>
-            <a:lnRef idx="2">
-              <a:schemeClr val="accent1">
-                <a:shade val="50000"/>
-              </a:schemeClr>
-            </a:lnRef>
-            <a:fillRef idx="1">
-              <a:schemeClr val="accent1"/>
-            </a:fillRef>
-            <a:effectRef idx="0">
-              <a:schemeClr val="accent1"/>
-            </a:effectRef>
-            <a:fontRef idx="minor">
-              <a:schemeClr val="lt1"/>
-            </a:fontRef>
-          </p:style>
-          <p:txBody>
-            <a:bodyPr rtlCol="0" anchor="t"/>
-            <a:lstStyle/>
-            <a:p>
-              <a:pPr marL="285750" indent="-285750">
-                <a:buFont typeface="Arial" panose="020B0604020202020204" pitchFamily="34" charset="0"/>
-                <a:buChar char="•"/>
-              </a:pPr>
-              <a:r>
-                <a:rPr lang="en-US" sz="1050" dirty="0" err="1">
-                  <a:solidFill>
-                    <a:schemeClr val="tx1"/>
-                  </a:solidFill>
-                </a:rPr>
-                <a:t>provider_id</a:t>
-              </a:r>
-              <a:endParaRPr lang="en-US" sz="1050" dirty="0">
-                <a:solidFill>
-                  <a:schemeClr val="tx1"/>
-                </a:solidFill>
-              </a:endParaRPr>
-            </a:p>
-            <a:p>
-              <a:pPr marL="285750" indent="-285750">
-                <a:buFont typeface="Arial" panose="020B0604020202020204" pitchFamily="34" charset="0"/>
-                <a:buChar char="•"/>
-              </a:pPr>
-              <a:r>
-                <a:rPr lang="en-US" sz="1050" dirty="0" err="1">
-                  <a:solidFill>
-                    <a:schemeClr val="tx1"/>
-                  </a:solidFill>
-                </a:rPr>
-                <a:t>total_score</a:t>
-              </a:r>
-              <a:endParaRPr lang="en-US" sz="1050" dirty="0">
-                <a:solidFill>
-                  <a:schemeClr val="tx1"/>
-                </a:solidFill>
-              </a:endParaRPr>
-            </a:p>
-          </p:txBody>
-        </p:sp>
-        <p:sp>
-          <p:nvSpPr>
-            <p:cNvPr id="4" name="Rectangle 3"/>
-            <p:cNvSpPr/>
-            <p:nvPr/>
-          </p:nvSpPr>
-          <p:spPr>
-            <a:xfrm>
-              <a:off x="4091708" y="1958109"/>
-              <a:ext cx="2105891" cy="387927"/>
-            </a:xfrm>
-            <a:prstGeom prst="rect">
-              <a:avLst/>
-            </a:prstGeom>
-            <a:ln>
-              <a:solidFill>
-                <a:schemeClr val="tx1"/>
-              </a:solidFill>
-            </a:ln>
-          </p:spPr>
-          <p:style>
-            <a:lnRef idx="2">
-              <a:schemeClr val="accent1">
-                <a:shade val="50000"/>
-              </a:schemeClr>
-            </a:lnRef>
-            <a:fillRef idx="1">
-              <a:schemeClr val="accent1"/>
-            </a:fillRef>
-            <a:effectRef idx="0">
-              <a:schemeClr val="accent1"/>
-            </a:effectRef>
-            <a:fontRef idx="minor">
-              <a:schemeClr val="lt1"/>
-            </a:fontRef>
-          </p:style>
-          <p:txBody>
-            <a:bodyPr rtlCol="0" anchor="ctr"/>
-            <a:lstStyle/>
-            <a:p>
-              <a:pPr algn="ctr"/>
-              <a:r>
-                <a:rPr lang="en-US" sz="1050" dirty="0" err="1"/>
-                <a:t>top_hospitals</a:t>
-              </a:r>
-              <a:endParaRPr lang="en-US" sz="1050" dirty="0"/>
-            </a:p>
-          </p:txBody>
-        </p:sp>
-      </p:grpSp>
-      <p:grpSp>
-        <p:nvGrpSpPr>
-          <p:cNvPr id="5" name="Group 4"/>
-          <p:cNvGrpSpPr/>
-          <p:nvPr/>
-        </p:nvGrpSpPr>
-        <p:grpSpPr>
-          <a:xfrm>
-            <a:off x="4549184" y="1604836"/>
-            <a:ext cx="1868062" cy="1613949"/>
-            <a:chOff x="4091708" y="1958109"/>
-            <a:chExt cx="2105892" cy="1850301"/>
-          </a:xfrm>
-        </p:grpSpPr>
-        <p:sp>
-          <p:nvSpPr>
-            <p:cNvPr id="6" name="Rectangle 5"/>
-            <p:cNvSpPr/>
-            <p:nvPr/>
-          </p:nvSpPr>
-          <p:spPr>
-            <a:xfrm>
-              <a:off x="4091710" y="2346037"/>
-              <a:ext cx="2105890" cy="1462373"/>
-            </a:xfrm>
-            <a:prstGeom prst="rect">
-              <a:avLst/>
-            </a:prstGeom>
-            <a:solidFill>
-              <a:schemeClr val="bg1"/>
-            </a:solidFill>
-            <a:ln>
-              <a:solidFill>
-                <a:schemeClr val="tx1"/>
-              </a:solidFill>
-            </a:ln>
-          </p:spPr>
-          <p:style>
-            <a:lnRef idx="2">
-              <a:schemeClr val="accent1">
-                <a:shade val="50000"/>
-              </a:schemeClr>
-            </a:lnRef>
-            <a:fillRef idx="1">
-              <a:schemeClr val="accent1"/>
-            </a:fillRef>
-            <a:effectRef idx="0">
-              <a:schemeClr val="accent1"/>
-            </a:effectRef>
-            <a:fontRef idx="minor">
-              <a:schemeClr val="lt1"/>
-            </a:fontRef>
-          </p:style>
-          <p:txBody>
-            <a:bodyPr rtlCol="0" anchor="t"/>
-            <a:lstStyle/>
-            <a:p>
-              <a:pPr marL="285750" indent="-285750">
-                <a:buFont typeface="Arial" panose="020B0604020202020204" pitchFamily="34" charset="0"/>
-                <a:buChar char="•"/>
-              </a:pPr>
-              <a:r>
-                <a:rPr lang="en-US" sz="1050" dirty="0" err="1">
-                  <a:solidFill>
-                    <a:schemeClr val="tx1"/>
-                  </a:solidFill>
-                </a:rPr>
-                <a:t>provider_id</a:t>
-              </a:r>
-              <a:endParaRPr lang="en-US" sz="1050" dirty="0">
-                <a:solidFill>
-                  <a:schemeClr val="tx1"/>
-                </a:solidFill>
-              </a:endParaRPr>
-            </a:p>
-            <a:p>
-              <a:pPr marL="285750" indent="-285750">
-                <a:buFont typeface="Arial" panose="020B0604020202020204" pitchFamily="34" charset="0"/>
-                <a:buChar char="•"/>
-              </a:pPr>
-              <a:r>
-                <a:rPr lang="en-US" sz="1050" dirty="0" err="1">
-                  <a:solidFill>
-                    <a:schemeClr val="tx1"/>
-                  </a:solidFill>
-                </a:rPr>
-                <a:t>hospital_name</a:t>
-              </a:r>
-              <a:endParaRPr lang="en-US" sz="1050" dirty="0">
-                <a:solidFill>
-                  <a:schemeClr val="tx1"/>
-                </a:solidFill>
-              </a:endParaRPr>
-            </a:p>
-            <a:p>
-              <a:pPr marL="285750" indent="-285750">
-                <a:buFont typeface="Arial" panose="020B0604020202020204" pitchFamily="34" charset="0"/>
-                <a:buChar char="•"/>
-              </a:pPr>
-              <a:r>
-                <a:rPr lang="en-US" sz="1050" dirty="0">
-                  <a:solidFill>
-                    <a:schemeClr val="tx1"/>
-                  </a:solidFill>
-                </a:rPr>
-                <a:t>city</a:t>
-              </a:r>
-            </a:p>
-            <a:p>
-              <a:pPr marL="285750" indent="-285750">
-                <a:buFont typeface="Arial" panose="020B0604020202020204" pitchFamily="34" charset="0"/>
-                <a:buChar char="•"/>
-              </a:pPr>
-              <a:r>
-                <a:rPr lang="en-US" sz="1050" dirty="0">
-                  <a:solidFill>
-                    <a:schemeClr val="tx1"/>
-                  </a:solidFill>
-                </a:rPr>
-                <a:t>state</a:t>
-              </a:r>
-            </a:p>
-            <a:p>
-              <a:pPr marL="285750" indent="-285750">
-                <a:buFont typeface="Arial" panose="020B0604020202020204" pitchFamily="34" charset="0"/>
-                <a:buChar char="•"/>
-              </a:pPr>
-              <a:r>
-                <a:rPr lang="en-US" sz="1050" dirty="0" err="1">
-                  <a:solidFill>
-                    <a:schemeClr val="tx1"/>
-                  </a:solidFill>
-                </a:rPr>
-                <a:t>zip_code</a:t>
-              </a:r>
-              <a:endParaRPr lang="en-US" sz="1050" dirty="0">
-                <a:solidFill>
-                  <a:schemeClr val="tx1"/>
-                </a:solidFill>
-              </a:endParaRPr>
-            </a:p>
-            <a:p>
-              <a:pPr marL="285750" indent="-285750">
-                <a:buFont typeface="Arial" panose="020B0604020202020204" pitchFamily="34" charset="0"/>
-                <a:buChar char="•"/>
-              </a:pPr>
-              <a:r>
-                <a:rPr lang="en-US" sz="1050" dirty="0" err="1">
-                  <a:solidFill>
-                    <a:schemeClr val="tx1"/>
-                  </a:solidFill>
-                </a:rPr>
-                <a:t>hospital_type</a:t>
-              </a:r>
-              <a:endParaRPr lang="en-US" sz="1050" dirty="0">
-                <a:solidFill>
-                  <a:schemeClr val="tx1"/>
-                </a:solidFill>
-              </a:endParaRPr>
-            </a:p>
-            <a:p>
-              <a:pPr marL="285750" indent="-285750">
-                <a:buFont typeface="Arial" panose="020B0604020202020204" pitchFamily="34" charset="0"/>
-                <a:buChar char="•"/>
-              </a:pPr>
-              <a:r>
-                <a:rPr lang="en-US" sz="1050" dirty="0" err="1">
-                  <a:solidFill>
-                    <a:schemeClr val="tx1"/>
-                  </a:solidFill>
-                </a:rPr>
-                <a:t>hospital_ownership</a:t>
-              </a:r>
-              <a:endParaRPr lang="en-US" sz="1050" dirty="0">
-                <a:solidFill>
-                  <a:schemeClr val="tx1"/>
-                </a:solidFill>
-              </a:endParaRPr>
-            </a:p>
-            <a:p>
-              <a:pPr marL="285750" indent="-285750">
-                <a:buFont typeface="Arial" panose="020B0604020202020204" pitchFamily="34" charset="0"/>
-                <a:buChar char="•"/>
-              </a:pPr>
-              <a:endParaRPr lang="en-US" sz="1050" dirty="0">
-                <a:solidFill>
-                  <a:schemeClr val="tx1"/>
-                </a:solidFill>
-              </a:endParaRPr>
-            </a:p>
-          </p:txBody>
-        </p:sp>
-        <p:sp>
-          <p:nvSpPr>
-            <p:cNvPr id="7" name="Rectangle 6"/>
-            <p:cNvSpPr/>
-            <p:nvPr/>
-          </p:nvSpPr>
-          <p:spPr>
-            <a:xfrm>
-              <a:off x="4091708" y="1958109"/>
-              <a:ext cx="2105891" cy="387927"/>
-            </a:xfrm>
-            <a:prstGeom prst="rect">
-              <a:avLst/>
-            </a:prstGeom>
-            <a:ln>
-              <a:solidFill>
-                <a:schemeClr val="tx1"/>
-              </a:solidFill>
-            </a:ln>
-          </p:spPr>
-          <p:style>
-            <a:lnRef idx="2">
-              <a:schemeClr val="accent1">
-                <a:shade val="50000"/>
-              </a:schemeClr>
-            </a:lnRef>
-            <a:fillRef idx="1">
-              <a:schemeClr val="accent1"/>
-            </a:fillRef>
-            <a:effectRef idx="0">
-              <a:schemeClr val="accent1"/>
-            </a:effectRef>
-            <a:fontRef idx="minor">
-              <a:schemeClr val="lt1"/>
-            </a:fontRef>
-          </p:style>
-          <p:txBody>
-            <a:bodyPr rtlCol="0" anchor="ctr"/>
-            <a:lstStyle/>
-            <a:p>
-              <a:pPr algn="ctr"/>
-              <a:r>
-                <a:rPr lang="en-US" sz="1050" dirty="0" err="1"/>
-                <a:t>hospital_info</a:t>
-              </a:r>
-              <a:endParaRPr lang="en-US" sz="1050" dirty="0"/>
-            </a:p>
-          </p:txBody>
-        </p:sp>
-      </p:grpSp>
-      <p:grpSp>
-        <p:nvGrpSpPr>
-          <p:cNvPr id="13" name="Group 12"/>
-          <p:cNvGrpSpPr/>
-          <p:nvPr/>
-        </p:nvGrpSpPr>
-        <p:grpSpPr>
-          <a:xfrm>
-            <a:off x="7409863" y="2943029"/>
-            <a:ext cx="3622971" cy="1952244"/>
-            <a:chOff x="4091708" y="1958109"/>
-            <a:chExt cx="2105892" cy="2238137"/>
-          </a:xfrm>
-        </p:grpSpPr>
-        <p:sp>
-          <p:nvSpPr>
-            <p:cNvPr id="14" name="Rectangle 13"/>
-            <p:cNvSpPr/>
-            <p:nvPr/>
-          </p:nvSpPr>
-          <p:spPr>
-            <a:xfrm>
-              <a:off x="4091710" y="2346037"/>
-              <a:ext cx="2105890" cy="1850209"/>
-            </a:xfrm>
-            <a:prstGeom prst="rect">
-              <a:avLst/>
-            </a:prstGeom>
-            <a:solidFill>
-              <a:schemeClr val="bg1"/>
-            </a:solidFill>
-            <a:ln>
-              <a:solidFill>
-                <a:schemeClr val="tx1"/>
-              </a:solidFill>
-            </a:ln>
-          </p:spPr>
-          <p:style>
-            <a:lnRef idx="2">
-              <a:schemeClr val="accent1">
-                <a:shade val="50000"/>
-              </a:schemeClr>
-            </a:lnRef>
-            <a:fillRef idx="1">
-              <a:schemeClr val="accent1"/>
-            </a:fillRef>
-            <a:effectRef idx="0">
-              <a:schemeClr val="accent1"/>
-            </a:effectRef>
-            <a:fontRef idx="minor">
-              <a:schemeClr val="lt1"/>
-            </a:fontRef>
-          </p:style>
-          <p:txBody>
-            <a:bodyPr rtlCol="0" anchor="t"/>
-            <a:lstStyle/>
-            <a:p>
-              <a:pPr marL="285750" indent="-285750">
-                <a:buFont typeface="Arial" panose="020B0604020202020204" pitchFamily="34" charset="0"/>
-                <a:buChar char="•"/>
-              </a:pPr>
-              <a:r>
-                <a:rPr lang="en-US" sz="1050" dirty="0" err="1">
-                  <a:solidFill>
-                    <a:schemeClr val="tx1"/>
-                  </a:solidFill>
-                </a:rPr>
-                <a:t>provider_id</a:t>
-              </a:r>
-              <a:endParaRPr lang="en-US" sz="1050" dirty="0">
-                <a:solidFill>
-                  <a:schemeClr val="tx1"/>
-                </a:solidFill>
-              </a:endParaRPr>
-            </a:p>
-            <a:p>
-              <a:pPr marL="285750" indent="-285750">
-                <a:buFont typeface="Arial" panose="020B0604020202020204" pitchFamily="34" charset="0"/>
-                <a:buChar char="•"/>
-              </a:pPr>
-              <a:r>
-                <a:rPr lang="en-US" sz="1050" dirty="0" err="1">
-                  <a:solidFill>
-                    <a:schemeClr val="tx1"/>
-                  </a:solidFill>
-                </a:rPr>
-                <a:t>hospital_overall_rating</a:t>
-              </a:r>
-              <a:endParaRPr lang="en-US" sz="1050" dirty="0">
-                <a:solidFill>
-                  <a:schemeClr val="tx1"/>
-                </a:solidFill>
-              </a:endParaRPr>
-            </a:p>
-            <a:p>
-              <a:pPr marL="285750" indent="-285750">
-                <a:buFont typeface="Arial" panose="020B0604020202020204" pitchFamily="34" charset="0"/>
-                <a:buChar char="•"/>
-              </a:pPr>
-              <a:r>
-                <a:rPr lang="en-US" sz="1050" dirty="0" err="1">
-                  <a:solidFill>
-                    <a:schemeClr val="tx1"/>
-                  </a:solidFill>
-                </a:rPr>
-                <a:t>mortality_national_comparison</a:t>
-              </a:r>
-              <a:endParaRPr lang="en-US" sz="1050" dirty="0">
-                <a:solidFill>
-                  <a:schemeClr val="tx1"/>
-                </a:solidFill>
-              </a:endParaRPr>
-            </a:p>
-            <a:p>
-              <a:pPr marL="285750" indent="-285750">
-                <a:buFont typeface="Arial" panose="020B0604020202020204" pitchFamily="34" charset="0"/>
-                <a:buChar char="•"/>
-              </a:pPr>
-              <a:r>
-                <a:rPr lang="en-US" sz="1050" dirty="0" err="1">
-                  <a:solidFill>
-                    <a:schemeClr val="tx1"/>
-                  </a:solidFill>
-                </a:rPr>
-                <a:t>safety_of_care_national_comparison</a:t>
-              </a:r>
-              <a:endParaRPr lang="en-US" sz="1050" dirty="0">
-                <a:solidFill>
-                  <a:schemeClr val="tx1"/>
-                </a:solidFill>
-              </a:endParaRPr>
-            </a:p>
-            <a:p>
-              <a:pPr marL="285750" indent="-285750">
-                <a:buFont typeface="Arial" panose="020B0604020202020204" pitchFamily="34" charset="0"/>
-                <a:buChar char="•"/>
-              </a:pPr>
-              <a:r>
-                <a:rPr lang="en-US" sz="1050" dirty="0" err="1">
-                  <a:solidFill>
-                    <a:schemeClr val="tx1"/>
-                  </a:solidFill>
-                </a:rPr>
-                <a:t>readmission_national_comparison</a:t>
-              </a:r>
-              <a:endParaRPr lang="en-US" sz="1050" dirty="0">
-                <a:solidFill>
-                  <a:schemeClr val="tx1"/>
-                </a:solidFill>
-              </a:endParaRPr>
-            </a:p>
-            <a:p>
-              <a:pPr marL="285750" indent="-285750">
-                <a:buFont typeface="Arial" panose="020B0604020202020204" pitchFamily="34" charset="0"/>
-                <a:buChar char="•"/>
-              </a:pPr>
-              <a:r>
-                <a:rPr lang="en-US" sz="1050" dirty="0" err="1">
-                  <a:solidFill>
-                    <a:schemeClr val="tx1"/>
-                  </a:solidFill>
-                </a:rPr>
-                <a:t>patient_experience_national_comparison</a:t>
-              </a:r>
-              <a:endParaRPr lang="en-US" sz="1050" dirty="0">
-                <a:solidFill>
-                  <a:schemeClr val="tx1"/>
-                </a:solidFill>
-              </a:endParaRPr>
-            </a:p>
-            <a:p>
-              <a:pPr marL="285750" indent="-285750">
-                <a:buFont typeface="Arial" panose="020B0604020202020204" pitchFamily="34" charset="0"/>
-                <a:buChar char="•"/>
-              </a:pPr>
-              <a:r>
-                <a:rPr lang="en-US" sz="1050" dirty="0" err="1">
-                  <a:solidFill>
-                    <a:schemeClr val="tx1"/>
-                  </a:solidFill>
-                </a:rPr>
-                <a:t>effectiveness_of_care_national_comparison</a:t>
-              </a:r>
-              <a:endParaRPr lang="en-US" sz="1050" dirty="0">
-                <a:solidFill>
-                  <a:schemeClr val="tx1"/>
-                </a:solidFill>
-              </a:endParaRPr>
-            </a:p>
-            <a:p>
-              <a:pPr marL="285750" indent="-285750">
-                <a:buFont typeface="Arial" panose="020B0604020202020204" pitchFamily="34" charset="0"/>
-                <a:buChar char="•"/>
-              </a:pPr>
-              <a:r>
-                <a:rPr lang="en-US" sz="1050" dirty="0" err="1">
-                  <a:solidFill>
-                    <a:schemeClr val="tx1"/>
-                  </a:solidFill>
-                </a:rPr>
-                <a:t>timeliness_of_care_national_comparison</a:t>
-              </a:r>
-              <a:endParaRPr lang="en-US" sz="1050" dirty="0">
-                <a:solidFill>
-                  <a:schemeClr val="tx1"/>
-                </a:solidFill>
-              </a:endParaRPr>
-            </a:p>
-            <a:p>
-              <a:pPr marL="285750" indent="-285750">
-                <a:buFont typeface="Arial" panose="020B0604020202020204" pitchFamily="34" charset="0"/>
-                <a:buChar char="•"/>
-              </a:pPr>
-              <a:r>
-                <a:rPr lang="en-US" sz="1050" dirty="0" err="1">
-                  <a:solidFill>
-                    <a:schemeClr val="tx1"/>
-                  </a:solidFill>
-                </a:rPr>
-                <a:t>efficient_use_of_medical_imaging_national_comparison</a:t>
-              </a:r>
-              <a:endParaRPr lang="en-US" sz="1050" dirty="0">
-                <a:solidFill>
-                  <a:schemeClr val="tx1"/>
-                </a:solidFill>
-              </a:endParaRPr>
-            </a:p>
-          </p:txBody>
-        </p:sp>
-        <p:sp>
-          <p:nvSpPr>
-            <p:cNvPr id="15" name="Rectangle 14"/>
-            <p:cNvSpPr/>
-            <p:nvPr/>
-          </p:nvSpPr>
-          <p:spPr>
-            <a:xfrm>
-              <a:off x="4091708" y="1958109"/>
-              <a:ext cx="2105891" cy="387927"/>
-            </a:xfrm>
-            <a:prstGeom prst="rect">
-              <a:avLst/>
-            </a:prstGeom>
-            <a:ln>
-              <a:solidFill>
-                <a:schemeClr val="tx1"/>
-              </a:solidFill>
-            </a:ln>
-          </p:spPr>
-          <p:style>
-            <a:lnRef idx="2">
-              <a:schemeClr val="accent1">
-                <a:shade val="50000"/>
-              </a:schemeClr>
-            </a:lnRef>
-            <a:fillRef idx="1">
-              <a:schemeClr val="accent1"/>
-            </a:fillRef>
-            <a:effectRef idx="0">
-              <a:schemeClr val="accent1"/>
-            </a:effectRef>
-            <a:fontRef idx="minor">
-              <a:schemeClr val="lt1"/>
-            </a:fontRef>
-          </p:style>
-          <p:txBody>
-            <a:bodyPr rtlCol="0" anchor="ctr"/>
-            <a:lstStyle/>
-            <a:p>
-              <a:pPr algn="ctr"/>
-              <a:r>
-                <a:rPr lang="en-US" sz="1050" dirty="0" err="1"/>
-                <a:t>hospital_comparison</a:t>
-              </a:r>
-              <a:endParaRPr lang="en-US" sz="1050" dirty="0"/>
-            </a:p>
-          </p:txBody>
-        </p:sp>
-      </p:grpSp>
-      <p:grpSp>
-        <p:nvGrpSpPr>
-          <p:cNvPr id="11" name="Group 10"/>
-          <p:cNvGrpSpPr/>
-          <p:nvPr/>
-        </p:nvGrpSpPr>
-        <p:grpSpPr>
-          <a:xfrm>
-            <a:off x="7409863" y="635018"/>
-            <a:ext cx="2246752" cy="1804281"/>
-            <a:chOff x="4091708" y="1958109"/>
-            <a:chExt cx="2105892" cy="2068507"/>
-          </a:xfrm>
-        </p:grpSpPr>
-        <p:sp>
-          <p:nvSpPr>
-            <p:cNvPr id="12" name="Rectangle 11"/>
-            <p:cNvSpPr/>
-            <p:nvPr/>
-          </p:nvSpPr>
-          <p:spPr>
-            <a:xfrm>
-              <a:off x="4091710" y="2346036"/>
-              <a:ext cx="2105890" cy="1680580"/>
-            </a:xfrm>
-            <a:prstGeom prst="rect">
-              <a:avLst/>
-            </a:prstGeom>
-            <a:solidFill>
-              <a:schemeClr val="bg1"/>
-            </a:solidFill>
-            <a:ln>
-              <a:solidFill>
-                <a:schemeClr val="tx1"/>
-              </a:solidFill>
-            </a:ln>
-          </p:spPr>
-          <p:style>
-            <a:lnRef idx="2">
-              <a:schemeClr val="accent1">
-                <a:shade val="50000"/>
-              </a:schemeClr>
-            </a:lnRef>
-            <a:fillRef idx="1">
-              <a:schemeClr val="accent1"/>
-            </a:fillRef>
-            <a:effectRef idx="0">
-              <a:schemeClr val="accent1"/>
-            </a:effectRef>
-            <a:fontRef idx="minor">
-              <a:schemeClr val="lt1"/>
-            </a:fontRef>
-          </p:style>
-          <p:txBody>
-            <a:bodyPr rtlCol="0" anchor="t"/>
-            <a:lstStyle/>
-            <a:p>
-              <a:pPr marL="285750" indent="-285750">
-                <a:buFont typeface="Arial" panose="020B0604020202020204" pitchFamily="34" charset="0"/>
-                <a:buChar char="•"/>
-              </a:pPr>
-              <a:r>
-                <a:rPr lang="en-US" sz="1050" dirty="0" err="1">
-                  <a:solidFill>
-                    <a:schemeClr val="tx1"/>
-                  </a:solidFill>
-                </a:rPr>
-                <a:t>provider_id</a:t>
-              </a:r>
-              <a:endParaRPr lang="en-US" sz="1050" dirty="0">
-                <a:solidFill>
-                  <a:schemeClr val="tx1"/>
-                </a:solidFill>
-              </a:endParaRPr>
-            </a:p>
-            <a:p>
-              <a:pPr marL="285750" indent="-285750">
-                <a:buFont typeface="Arial" panose="020B0604020202020204" pitchFamily="34" charset="0"/>
-                <a:buChar char="•"/>
-              </a:pPr>
-              <a:r>
-                <a:rPr lang="en-US" sz="1050" dirty="0" err="1">
-                  <a:solidFill>
-                    <a:schemeClr val="tx1"/>
-                  </a:solidFill>
-                </a:rPr>
-                <a:t>mortality_score</a:t>
-              </a:r>
-              <a:endParaRPr lang="en-US" sz="1050" dirty="0">
-                <a:solidFill>
-                  <a:schemeClr val="tx1"/>
-                </a:solidFill>
-              </a:endParaRPr>
-            </a:p>
-            <a:p>
-              <a:pPr marL="285750" indent="-285750">
-                <a:buFont typeface="Arial" panose="020B0604020202020204" pitchFamily="34" charset="0"/>
-                <a:buChar char="•"/>
-              </a:pPr>
-              <a:r>
-                <a:rPr lang="en-US" sz="1050" dirty="0" err="1">
-                  <a:solidFill>
-                    <a:schemeClr val="tx1"/>
-                  </a:solidFill>
-                </a:rPr>
-                <a:t>safety_score</a:t>
-              </a:r>
-              <a:endParaRPr lang="en-US" sz="1050" dirty="0">
-                <a:solidFill>
-                  <a:schemeClr val="tx1"/>
-                </a:solidFill>
-              </a:endParaRPr>
-            </a:p>
-            <a:p>
-              <a:pPr marL="285750" indent="-285750">
-                <a:buFont typeface="Arial" panose="020B0604020202020204" pitchFamily="34" charset="0"/>
-                <a:buChar char="•"/>
-              </a:pPr>
-              <a:r>
-                <a:rPr lang="en-US" sz="1050" dirty="0" err="1">
-                  <a:solidFill>
-                    <a:schemeClr val="tx1"/>
-                  </a:solidFill>
-                </a:rPr>
-                <a:t>readmission_score</a:t>
-              </a:r>
-              <a:endParaRPr lang="en-US" sz="1050" dirty="0">
-                <a:solidFill>
-                  <a:schemeClr val="tx1"/>
-                </a:solidFill>
-              </a:endParaRPr>
-            </a:p>
-            <a:p>
-              <a:pPr marL="285750" indent="-285750">
-                <a:buFont typeface="Arial" panose="020B0604020202020204" pitchFamily="34" charset="0"/>
-                <a:buChar char="•"/>
-              </a:pPr>
-              <a:r>
-                <a:rPr lang="en-US" sz="1050" dirty="0" err="1">
-                  <a:solidFill>
-                    <a:schemeClr val="tx1"/>
-                  </a:solidFill>
-                </a:rPr>
-                <a:t>patient_experience_score</a:t>
-              </a:r>
-              <a:endParaRPr lang="en-US" sz="1050" dirty="0">
-                <a:solidFill>
-                  <a:schemeClr val="tx1"/>
-                </a:solidFill>
-              </a:endParaRPr>
-            </a:p>
-            <a:p>
-              <a:pPr marL="285750" indent="-285750">
-                <a:buFont typeface="Arial" panose="020B0604020202020204" pitchFamily="34" charset="0"/>
-                <a:buChar char="•"/>
-              </a:pPr>
-              <a:r>
-                <a:rPr lang="en-US" sz="1050" dirty="0" err="1">
-                  <a:solidFill>
-                    <a:schemeClr val="tx1"/>
-                  </a:solidFill>
-                </a:rPr>
-                <a:t>effectiveness_score</a:t>
-              </a:r>
-              <a:endParaRPr lang="en-US" sz="1050" dirty="0">
-                <a:solidFill>
-                  <a:schemeClr val="tx1"/>
-                </a:solidFill>
-              </a:endParaRPr>
-            </a:p>
-            <a:p>
-              <a:pPr marL="285750" indent="-285750">
-                <a:buFont typeface="Arial" panose="020B0604020202020204" pitchFamily="34" charset="0"/>
-                <a:buChar char="•"/>
-              </a:pPr>
-              <a:r>
-                <a:rPr lang="en-US" sz="1050" dirty="0" err="1">
-                  <a:solidFill>
-                    <a:schemeClr val="tx1"/>
-                  </a:solidFill>
-                </a:rPr>
-                <a:t>timeliness_score</a:t>
-              </a:r>
-              <a:endParaRPr lang="en-US" sz="1050" dirty="0">
-                <a:solidFill>
-                  <a:schemeClr val="tx1"/>
-                </a:solidFill>
-              </a:endParaRPr>
-            </a:p>
-            <a:p>
-              <a:pPr marL="285750" indent="-285750">
-                <a:buFont typeface="Arial" panose="020B0604020202020204" pitchFamily="34" charset="0"/>
-                <a:buChar char="•"/>
-              </a:pPr>
-              <a:r>
-                <a:rPr lang="en-US" sz="1050" dirty="0" err="1">
-                  <a:solidFill>
-                    <a:schemeClr val="tx1"/>
-                  </a:solidFill>
-                </a:rPr>
-                <a:t>efficiency_score</a:t>
-              </a:r>
-              <a:endParaRPr lang="en-US" sz="1050" dirty="0">
-                <a:solidFill>
-                  <a:schemeClr val="tx1"/>
-                </a:solidFill>
-              </a:endParaRPr>
-            </a:p>
-          </p:txBody>
-        </p:sp>
-        <p:sp>
-          <p:nvSpPr>
-            <p:cNvPr id="16" name="Rectangle 15"/>
-            <p:cNvSpPr/>
-            <p:nvPr/>
-          </p:nvSpPr>
-          <p:spPr>
-            <a:xfrm>
-              <a:off x="4091708" y="1958109"/>
-              <a:ext cx="2105891" cy="387927"/>
-            </a:xfrm>
-            <a:prstGeom prst="rect">
-              <a:avLst/>
-            </a:prstGeom>
-            <a:ln>
-              <a:solidFill>
-                <a:schemeClr val="tx1"/>
-              </a:solidFill>
-            </a:ln>
-          </p:spPr>
-          <p:style>
-            <a:lnRef idx="2">
-              <a:schemeClr val="accent1">
-                <a:shade val="50000"/>
-              </a:schemeClr>
-            </a:lnRef>
-            <a:fillRef idx="1">
-              <a:schemeClr val="accent1"/>
-            </a:fillRef>
-            <a:effectRef idx="0">
-              <a:schemeClr val="accent1"/>
-            </a:effectRef>
-            <a:fontRef idx="minor">
-              <a:schemeClr val="lt1"/>
-            </a:fontRef>
-          </p:style>
-          <p:txBody>
-            <a:bodyPr rtlCol="0" anchor="ctr"/>
-            <a:lstStyle/>
-            <a:p>
-              <a:pPr algn="ctr"/>
-              <a:r>
-                <a:rPr lang="en-US" sz="1050" dirty="0" err="1"/>
-                <a:t>hospital_baseline</a:t>
-              </a:r>
-              <a:endParaRPr lang="en-US" sz="1050" dirty="0"/>
-            </a:p>
-          </p:txBody>
-        </p:sp>
-      </p:grpSp>
-      <p:grpSp>
-        <p:nvGrpSpPr>
-          <p:cNvPr id="17" name="Group 16"/>
-          <p:cNvGrpSpPr/>
-          <p:nvPr/>
-        </p:nvGrpSpPr>
-        <p:grpSpPr>
-          <a:xfrm>
-            <a:off x="633257" y="1604836"/>
-            <a:ext cx="2246752" cy="755055"/>
-            <a:chOff x="4091708" y="1958109"/>
-            <a:chExt cx="2105892" cy="865628"/>
-          </a:xfrm>
-        </p:grpSpPr>
-        <p:sp>
-          <p:nvSpPr>
-            <p:cNvPr id="18" name="Rectangle 17"/>
-            <p:cNvSpPr/>
-            <p:nvPr/>
-          </p:nvSpPr>
-          <p:spPr>
-            <a:xfrm>
-              <a:off x="4091710" y="2346036"/>
-              <a:ext cx="2105890" cy="477701"/>
-            </a:xfrm>
-            <a:prstGeom prst="rect">
-              <a:avLst/>
-            </a:prstGeom>
-            <a:solidFill>
-              <a:schemeClr val="bg1"/>
-            </a:solidFill>
-            <a:ln>
-              <a:solidFill>
-                <a:schemeClr val="tx1"/>
-              </a:solidFill>
-            </a:ln>
-          </p:spPr>
-          <p:style>
-            <a:lnRef idx="2">
-              <a:schemeClr val="accent1">
-                <a:shade val="50000"/>
-              </a:schemeClr>
-            </a:lnRef>
-            <a:fillRef idx="1">
-              <a:schemeClr val="accent1"/>
-            </a:fillRef>
-            <a:effectRef idx="0">
-              <a:schemeClr val="accent1"/>
-            </a:effectRef>
-            <a:fontRef idx="minor">
-              <a:schemeClr val="lt1"/>
-            </a:fontRef>
-          </p:style>
-          <p:txBody>
-            <a:bodyPr rtlCol="0" anchor="t"/>
-            <a:lstStyle/>
-            <a:p>
-              <a:pPr marL="285750" indent="-285750">
-                <a:buFont typeface="Arial" panose="020B0604020202020204" pitchFamily="34" charset="0"/>
-                <a:buChar char="•"/>
-              </a:pPr>
-              <a:r>
-                <a:rPr lang="en-US" sz="1050" dirty="0">
-                  <a:solidFill>
-                    <a:schemeClr val="tx1"/>
-                  </a:solidFill>
-                </a:rPr>
-                <a:t>state</a:t>
-              </a:r>
-            </a:p>
-            <a:p>
-              <a:pPr marL="285750" indent="-285750">
-                <a:buFont typeface="Arial" panose="020B0604020202020204" pitchFamily="34" charset="0"/>
-                <a:buChar char="•"/>
-              </a:pPr>
-              <a:r>
-                <a:rPr lang="en-US" sz="1050" dirty="0" err="1">
-                  <a:solidFill>
-                    <a:schemeClr val="tx1"/>
-                  </a:solidFill>
-                </a:rPr>
-                <a:t>hospital_count</a:t>
-              </a:r>
-              <a:endParaRPr lang="en-US" sz="1050" dirty="0">
-                <a:solidFill>
-                  <a:schemeClr val="tx1"/>
-                </a:solidFill>
-              </a:endParaRPr>
-            </a:p>
-          </p:txBody>
-        </p:sp>
-        <p:sp>
-          <p:nvSpPr>
-            <p:cNvPr id="19" name="Rectangle 18"/>
-            <p:cNvSpPr/>
-            <p:nvPr/>
-          </p:nvSpPr>
-          <p:spPr>
-            <a:xfrm>
-              <a:off x="4091708" y="1958109"/>
-              <a:ext cx="2105891" cy="387927"/>
-            </a:xfrm>
-            <a:prstGeom prst="rect">
-              <a:avLst/>
-            </a:prstGeom>
-            <a:ln>
-              <a:solidFill>
-                <a:schemeClr val="tx1"/>
-              </a:solidFill>
-            </a:ln>
-          </p:spPr>
-          <p:style>
-            <a:lnRef idx="2">
-              <a:schemeClr val="accent1">
-                <a:shade val="50000"/>
-              </a:schemeClr>
-            </a:lnRef>
-            <a:fillRef idx="1">
-              <a:schemeClr val="accent1"/>
-            </a:fillRef>
-            <a:effectRef idx="0">
-              <a:schemeClr val="accent1"/>
-            </a:effectRef>
-            <a:fontRef idx="minor">
-              <a:schemeClr val="lt1"/>
-            </a:fontRef>
-          </p:style>
-          <p:txBody>
-            <a:bodyPr rtlCol="0" anchor="ctr"/>
-            <a:lstStyle/>
-            <a:p>
-              <a:pPr algn="ctr"/>
-              <a:r>
-                <a:rPr lang="en-US" sz="1050" dirty="0" err="1"/>
-                <a:t>states_hospital_count</a:t>
-              </a:r>
-              <a:endParaRPr lang="en-US" sz="1050" dirty="0"/>
-            </a:p>
-          </p:txBody>
-        </p:sp>
-      </p:grpSp>
-      <p:grpSp>
-        <p:nvGrpSpPr>
-          <p:cNvPr id="23" name="Group 22"/>
-          <p:cNvGrpSpPr/>
-          <p:nvPr/>
-        </p:nvGrpSpPr>
-        <p:grpSpPr>
-          <a:xfrm>
-            <a:off x="633257" y="2800945"/>
-            <a:ext cx="2923311" cy="3535295"/>
-            <a:chOff x="4091708" y="1958109"/>
-            <a:chExt cx="2105892" cy="4053015"/>
-          </a:xfrm>
-        </p:grpSpPr>
-        <p:sp>
-          <p:nvSpPr>
-            <p:cNvPr id="24" name="Rectangle 23"/>
-            <p:cNvSpPr/>
-            <p:nvPr/>
-          </p:nvSpPr>
-          <p:spPr>
-            <a:xfrm>
-              <a:off x="4091710" y="2346037"/>
-              <a:ext cx="2105890" cy="3665087"/>
-            </a:xfrm>
-            <a:prstGeom prst="rect">
-              <a:avLst/>
-            </a:prstGeom>
-            <a:solidFill>
-              <a:schemeClr val="bg1"/>
-            </a:solidFill>
-            <a:ln>
-              <a:solidFill>
-                <a:schemeClr val="tx1"/>
-              </a:solidFill>
-            </a:ln>
-          </p:spPr>
-          <p:style>
-            <a:lnRef idx="2">
-              <a:schemeClr val="accent1">
-                <a:shade val="50000"/>
-              </a:schemeClr>
-            </a:lnRef>
-            <a:fillRef idx="1">
-              <a:schemeClr val="accent1"/>
-            </a:fillRef>
-            <a:effectRef idx="0">
-              <a:schemeClr val="accent1"/>
-            </a:effectRef>
-            <a:fontRef idx="minor">
-              <a:schemeClr val="lt1"/>
-            </a:fontRef>
-          </p:style>
-          <p:txBody>
-            <a:bodyPr rtlCol="0" anchor="t"/>
-            <a:lstStyle/>
-            <a:p>
-              <a:pPr marL="285750" indent="-285750">
-                <a:buFont typeface="Arial" panose="020B0604020202020204" pitchFamily="34" charset="0"/>
-                <a:buChar char="•"/>
-              </a:pPr>
-              <a:r>
-                <a:rPr lang="en-US" sz="1050">
-                  <a:solidFill>
-                    <a:schemeClr val="tx1"/>
-                  </a:solidFill>
-                </a:rPr>
-                <a:t>provider_id</a:t>
-              </a:r>
-              <a:endParaRPr lang="en-US" sz="1050" dirty="0">
-                <a:solidFill>
-                  <a:schemeClr val="tx1"/>
-                </a:solidFill>
-              </a:endParaRPr>
-            </a:p>
-            <a:p>
-              <a:pPr marL="285750" indent="-285750">
-                <a:buFont typeface="Arial" panose="020B0604020202020204" pitchFamily="34" charset="0"/>
-                <a:buChar char="•"/>
-              </a:pPr>
-              <a:r>
-                <a:rPr lang="en-US" sz="1050" dirty="0" err="1">
-                  <a:solidFill>
-                    <a:schemeClr val="tx1"/>
-                  </a:solidFill>
-                </a:rPr>
-                <a:t>comm_nurses_baseline</a:t>
-              </a:r>
-              <a:endParaRPr lang="en-US" sz="1050" dirty="0">
-                <a:solidFill>
-                  <a:schemeClr val="tx1"/>
-                </a:solidFill>
-              </a:endParaRPr>
-            </a:p>
-            <a:p>
-              <a:pPr marL="285750" indent="-285750">
-                <a:buFont typeface="Arial" panose="020B0604020202020204" pitchFamily="34" charset="0"/>
-                <a:buChar char="•"/>
-              </a:pPr>
-              <a:r>
-                <a:rPr lang="en-US" sz="1050" dirty="0" err="1">
-                  <a:solidFill>
-                    <a:schemeClr val="tx1"/>
-                  </a:solidFill>
-                </a:rPr>
-                <a:t>comm_nurses_performance</a:t>
-              </a:r>
-              <a:endParaRPr lang="en-US" sz="1050" dirty="0">
-                <a:solidFill>
-                  <a:schemeClr val="tx1"/>
-                </a:solidFill>
-              </a:endParaRPr>
-            </a:p>
-            <a:p>
-              <a:pPr marL="285750" indent="-285750">
-                <a:buFont typeface="Arial" panose="020B0604020202020204" pitchFamily="34" charset="0"/>
-                <a:buChar char="•"/>
-              </a:pPr>
-              <a:r>
-                <a:rPr lang="en-US" sz="1050" dirty="0" err="1">
-                  <a:solidFill>
-                    <a:schemeClr val="tx1"/>
-                  </a:solidFill>
-                </a:rPr>
-                <a:t>comm_doctors_baseline</a:t>
-              </a:r>
-              <a:endParaRPr lang="en-US" sz="1050" dirty="0">
-                <a:solidFill>
-                  <a:schemeClr val="tx1"/>
-                </a:solidFill>
-              </a:endParaRPr>
-            </a:p>
-            <a:p>
-              <a:pPr marL="285750" indent="-285750">
-                <a:buFont typeface="Arial" panose="020B0604020202020204" pitchFamily="34" charset="0"/>
-                <a:buChar char="•"/>
-              </a:pPr>
-              <a:r>
-                <a:rPr lang="en-US" sz="1050" dirty="0" err="1">
-                  <a:solidFill>
-                    <a:schemeClr val="tx1"/>
-                  </a:solidFill>
-                </a:rPr>
-                <a:t>comm_doctors_performance</a:t>
-              </a:r>
-              <a:endParaRPr lang="en-US" sz="1050" dirty="0">
-                <a:solidFill>
-                  <a:schemeClr val="tx1"/>
-                </a:solidFill>
-              </a:endParaRPr>
-            </a:p>
-            <a:p>
-              <a:pPr marL="285750" indent="-285750">
-                <a:buFont typeface="Arial" panose="020B0604020202020204" pitchFamily="34" charset="0"/>
-                <a:buChar char="•"/>
-              </a:pPr>
-              <a:r>
-                <a:rPr lang="en-US" sz="1050" dirty="0" err="1">
-                  <a:solidFill>
-                    <a:schemeClr val="tx1"/>
-                  </a:solidFill>
-                </a:rPr>
-                <a:t>comm_medicines_baseline</a:t>
-              </a:r>
-              <a:endParaRPr lang="en-US" sz="1050" dirty="0">
-                <a:solidFill>
-                  <a:schemeClr val="tx1"/>
-                </a:solidFill>
-              </a:endParaRPr>
-            </a:p>
-            <a:p>
-              <a:pPr marL="285750" indent="-285750">
-                <a:buFont typeface="Arial" panose="020B0604020202020204" pitchFamily="34" charset="0"/>
-                <a:buChar char="•"/>
-              </a:pPr>
-              <a:r>
-                <a:rPr lang="en-US" sz="1050" dirty="0" err="1">
-                  <a:solidFill>
-                    <a:schemeClr val="tx1"/>
-                  </a:solidFill>
-                </a:rPr>
-                <a:t>comm_medicines_performnaces</a:t>
-              </a:r>
-              <a:endParaRPr lang="en-US" sz="1050" dirty="0">
-                <a:solidFill>
-                  <a:schemeClr val="tx1"/>
-                </a:solidFill>
-              </a:endParaRPr>
-            </a:p>
-            <a:p>
-              <a:pPr marL="285750" indent="-285750">
-                <a:buFont typeface="Arial" panose="020B0604020202020204" pitchFamily="34" charset="0"/>
-                <a:buChar char="•"/>
-              </a:pPr>
-              <a:r>
-                <a:rPr lang="en-US" sz="1050" dirty="0" err="1">
-                  <a:solidFill>
-                    <a:schemeClr val="tx1"/>
-                  </a:solidFill>
-                </a:rPr>
-                <a:t>responsiveness_staff_baseline</a:t>
-              </a:r>
-              <a:endParaRPr lang="en-US" sz="1050" dirty="0">
-                <a:solidFill>
-                  <a:schemeClr val="tx1"/>
-                </a:solidFill>
-              </a:endParaRPr>
-            </a:p>
-            <a:p>
-              <a:pPr marL="285750" indent="-285750">
-                <a:buFont typeface="Arial" panose="020B0604020202020204" pitchFamily="34" charset="0"/>
-                <a:buChar char="•"/>
-              </a:pPr>
-              <a:r>
-                <a:rPr lang="en-US" sz="1050" dirty="0" err="1">
-                  <a:solidFill>
-                    <a:schemeClr val="tx1"/>
-                  </a:solidFill>
-                </a:rPr>
-                <a:t>responsiveness_staff_performance</a:t>
-              </a:r>
-              <a:endParaRPr lang="en-US" sz="1050" dirty="0">
-                <a:solidFill>
-                  <a:schemeClr val="tx1"/>
-                </a:solidFill>
-              </a:endParaRPr>
-            </a:p>
-            <a:p>
-              <a:pPr marL="285750" indent="-285750">
-                <a:buFont typeface="Arial" panose="020B0604020202020204" pitchFamily="34" charset="0"/>
-                <a:buChar char="•"/>
-              </a:pPr>
-              <a:r>
-                <a:rPr lang="en-US" sz="1050" dirty="0" err="1">
-                  <a:solidFill>
-                    <a:schemeClr val="tx1"/>
-                  </a:solidFill>
-                </a:rPr>
-                <a:t>pain_management_baseline</a:t>
-              </a:r>
-              <a:endParaRPr lang="en-US" sz="1050" dirty="0">
-                <a:solidFill>
-                  <a:schemeClr val="tx1"/>
-                </a:solidFill>
-              </a:endParaRPr>
-            </a:p>
-            <a:p>
-              <a:pPr marL="285750" indent="-285750">
-                <a:buFont typeface="Arial" panose="020B0604020202020204" pitchFamily="34" charset="0"/>
-                <a:buChar char="•"/>
-              </a:pPr>
-              <a:r>
-                <a:rPr lang="en-US" sz="1050" dirty="0" err="1">
-                  <a:solidFill>
-                    <a:schemeClr val="tx1"/>
-                  </a:solidFill>
-                </a:rPr>
-                <a:t>pain_management_performance</a:t>
-              </a:r>
-              <a:endParaRPr lang="en-US" sz="1050" dirty="0">
-                <a:solidFill>
-                  <a:schemeClr val="tx1"/>
-                </a:solidFill>
-              </a:endParaRPr>
-            </a:p>
-            <a:p>
-              <a:pPr marL="285750" indent="-285750">
-                <a:buFont typeface="Arial" panose="020B0604020202020204" pitchFamily="34" charset="0"/>
-                <a:buChar char="•"/>
-              </a:pPr>
-              <a:r>
-                <a:rPr lang="en-US" sz="1050" dirty="0" err="1">
-                  <a:solidFill>
-                    <a:schemeClr val="tx1"/>
-                  </a:solidFill>
-                </a:rPr>
-                <a:t>clean_quiet_performance</a:t>
-              </a:r>
-              <a:endParaRPr lang="en-US" sz="1050" dirty="0">
-                <a:solidFill>
-                  <a:schemeClr val="tx1"/>
-                </a:solidFill>
-              </a:endParaRPr>
-            </a:p>
-            <a:p>
-              <a:pPr marL="285750" indent="-285750">
-                <a:buFont typeface="Arial" panose="020B0604020202020204" pitchFamily="34" charset="0"/>
-                <a:buChar char="•"/>
-              </a:pPr>
-              <a:r>
-                <a:rPr lang="en-US" sz="1050" dirty="0" err="1">
-                  <a:solidFill>
-                    <a:schemeClr val="tx1"/>
-                  </a:solidFill>
-                </a:rPr>
-                <a:t>clean_quiet_achievement</a:t>
-              </a:r>
-              <a:endParaRPr lang="en-US" sz="1050" dirty="0">
-                <a:solidFill>
-                  <a:schemeClr val="tx1"/>
-                </a:solidFill>
-              </a:endParaRPr>
-            </a:p>
-            <a:p>
-              <a:pPr marL="285750" indent="-285750">
-                <a:buFont typeface="Arial" panose="020B0604020202020204" pitchFamily="34" charset="0"/>
-                <a:buChar char="•"/>
-              </a:pPr>
-              <a:r>
-                <a:rPr lang="en-US" sz="1050" dirty="0" err="1">
-                  <a:solidFill>
-                    <a:schemeClr val="tx1"/>
-                  </a:solidFill>
-                </a:rPr>
-                <a:t>discharge_baseline</a:t>
-              </a:r>
-              <a:endParaRPr lang="en-US" sz="1050" dirty="0">
-                <a:solidFill>
-                  <a:schemeClr val="tx1"/>
-                </a:solidFill>
-              </a:endParaRPr>
-            </a:p>
-            <a:p>
-              <a:pPr marL="285750" indent="-285750">
-                <a:buFont typeface="Arial" panose="020B0604020202020204" pitchFamily="34" charset="0"/>
-                <a:buChar char="•"/>
-              </a:pPr>
-              <a:r>
-                <a:rPr lang="en-US" sz="1050" dirty="0" err="1">
-                  <a:solidFill>
-                    <a:schemeClr val="tx1"/>
-                  </a:solidFill>
-                </a:rPr>
-                <a:t>discharge_performance</a:t>
-              </a:r>
-              <a:endParaRPr lang="en-US" sz="1050" dirty="0">
-                <a:solidFill>
-                  <a:schemeClr val="tx1"/>
-                </a:solidFill>
-              </a:endParaRPr>
-            </a:p>
-            <a:p>
-              <a:pPr marL="285750" indent="-285750">
-                <a:buFont typeface="Arial" panose="020B0604020202020204" pitchFamily="34" charset="0"/>
-                <a:buChar char="•"/>
-              </a:pPr>
-              <a:r>
-                <a:rPr lang="en-US" sz="1050" dirty="0" err="1">
-                  <a:solidFill>
-                    <a:schemeClr val="tx1"/>
-                  </a:solidFill>
-                </a:rPr>
-                <a:t>overall_rating_baseline</a:t>
-              </a:r>
-              <a:endParaRPr lang="en-US" sz="1050" dirty="0">
-                <a:solidFill>
-                  <a:schemeClr val="tx1"/>
-                </a:solidFill>
-              </a:endParaRPr>
-            </a:p>
-            <a:p>
-              <a:pPr marL="285750" indent="-285750">
-                <a:buFont typeface="Arial" panose="020B0604020202020204" pitchFamily="34" charset="0"/>
-                <a:buChar char="•"/>
-              </a:pPr>
-              <a:r>
-                <a:rPr lang="en-US" sz="1050" dirty="0" err="1">
-                  <a:solidFill>
-                    <a:schemeClr val="tx1"/>
-                  </a:solidFill>
-                </a:rPr>
-                <a:t>overall_rating_performance</a:t>
-              </a:r>
-              <a:endParaRPr lang="en-US" sz="1050" dirty="0">
-                <a:solidFill>
-                  <a:schemeClr val="tx1"/>
-                </a:solidFill>
-              </a:endParaRPr>
-            </a:p>
-            <a:p>
-              <a:pPr marL="285750" indent="-285750">
-                <a:buFont typeface="Arial" panose="020B0604020202020204" pitchFamily="34" charset="0"/>
-                <a:buChar char="•"/>
-              </a:pPr>
-              <a:r>
-                <a:rPr lang="en-US" sz="1050" dirty="0" err="1">
-                  <a:solidFill>
-                    <a:schemeClr val="tx1"/>
-                  </a:solidFill>
-                </a:rPr>
-                <a:t>hcahps_base_score</a:t>
-              </a:r>
-              <a:endParaRPr lang="en-US" sz="1050" dirty="0">
-                <a:solidFill>
-                  <a:schemeClr val="tx1"/>
-                </a:solidFill>
-              </a:endParaRPr>
-            </a:p>
-            <a:p>
-              <a:pPr marL="285750" indent="-285750">
-                <a:buFont typeface="Arial" panose="020B0604020202020204" pitchFamily="34" charset="0"/>
-                <a:buChar char="•"/>
-              </a:pPr>
-              <a:r>
-                <a:rPr lang="en-US" sz="1050" dirty="0" err="1">
-                  <a:solidFill>
-                    <a:schemeClr val="tx1"/>
-                  </a:solidFill>
-                </a:rPr>
-                <a:t>hcahps_consistency_score</a:t>
-              </a:r>
-              <a:endParaRPr lang="en-US" sz="1050" dirty="0">
-                <a:solidFill>
-                  <a:schemeClr val="tx1"/>
-                </a:solidFill>
-              </a:endParaRPr>
-            </a:p>
-          </p:txBody>
-        </p:sp>
-        <p:sp>
-          <p:nvSpPr>
-            <p:cNvPr id="25" name="Rectangle 24"/>
-            <p:cNvSpPr/>
-            <p:nvPr/>
-          </p:nvSpPr>
-          <p:spPr>
-            <a:xfrm>
-              <a:off x="4091708" y="1958109"/>
-              <a:ext cx="2105891" cy="387927"/>
-            </a:xfrm>
-            <a:prstGeom prst="rect">
-              <a:avLst/>
-            </a:prstGeom>
-            <a:ln>
-              <a:solidFill>
-                <a:schemeClr val="tx1"/>
-              </a:solidFill>
-            </a:ln>
-          </p:spPr>
-          <p:style>
-            <a:lnRef idx="2">
-              <a:schemeClr val="accent1">
-                <a:shade val="50000"/>
-              </a:schemeClr>
-            </a:lnRef>
-            <a:fillRef idx="1">
-              <a:schemeClr val="accent1"/>
-            </a:fillRef>
-            <a:effectRef idx="0">
-              <a:schemeClr val="accent1"/>
-            </a:effectRef>
-            <a:fontRef idx="minor">
-              <a:schemeClr val="lt1"/>
-            </a:fontRef>
-          </p:style>
-          <p:txBody>
-            <a:bodyPr rtlCol="0" anchor="ctr"/>
-            <a:lstStyle/>
-            <a:p>
-              <a:pPr algn="ctr"/>
-              <a:r>
-                <a:rPr lang="en-US" sz="1050" dirty="0"/>
-                <a:t>surveys</a:t>
-              </a:r>
-            </a:p>
-          </p:txBody>
-        </p:sp>
-      </p:grpSp>
-    </p:spTree>
-    <p:extLst>
-      <p:ext uri="{BB962C8B-B14F-4D97-AF65-F5344CB8AC3E}">
-        <p14:creationId xmlns:p14="http://schemas.microsoft.com/office/powerpoint/2010/main" val="1064026956"/>
+        <p14:creationId xmlns:p14="http://schemas.microsoft.com/office/powerpoint/2010/main" val="590398068"/>
       </p:ext>
     </p:extLst>
   </p:cSld>
